--- a/Presentation1.pptx
+++ b/Presentation1.pptx
@@ -2,11 +2,16 @@
 <file path=ppt/presentation.xml><?xml version="1.0" encoding="utf-8"?>
 <p:presentation xmlns:a="http://schemas.openxmlformats.org/drawingml/2006/main" xmlns:r="http://schemas.openxmlformats.org/officeDocument/2006/relationships" xmlns:p="http://schemas.openxmlformats.org/presentationml/2006/main" saveSubsetFonts="1">
   <p:sldMasterIdLst>
-    <p:sldMasterId id="2147483648" r:id="rId1"/>
+    <p:sldMasterId id="2147483660" r:id="rId1"/>
   </p:sldMasterIdLst>
   <p:sldIdLst>
-    <p:sldId id="256" r:id="rId2"/>
-    <p:sldId id="257" r:id="rId3"/>
+    <p:sldId id="257" r:id="rId2"/>
+    <p:sldId id="262" r:id="rId3"/>
+    <p:sldId id="263" r:id="rId4"/>
+    <p:sldId id="264" r:id="rId5"/>
+    <p:sldId id="259" r:id="rId6"/>
+    <p:sldId id="260" r:id="rId7"/>
+    <p:sldId id="261" r:id="rId8"/>
   </p:sldIdLst>
   <p:sldSz cx="12192000" cy="6858000"/>
   <p:notesSz cx="6858000" cy="9144000"/>
@@ -14,7 +19,7 @@
     <a:defPPr>
       <a:defRPr lang="en-US"/>
     </a:defPPr>
-    <a:lvl1pPr marL="0" algn="l" defTabSz="914400" rtl="0" eaLnBrk="1" latinLnBrk="0" hangingPunct="1">
+    <a:lvl1pPr marL="0" algn="l" defTabSz="457200" rtl="0" eaLnBrk="1" latinLnBrk="0" hangingPunct="1">
       <a:defRPr sz="1800" kern="1200">
         <a:solidFill>
           <a:schemeClr val="tx1"/>
@@ -24,7 +29,7 @@
         <a:cs typeface="+mn-cs"/>
       </a:defRPr>
     </a:lvl1pPr>
-    <a:lvl2pPr marL="457200" algn="l" defTabSz="914400" rtl="0" eaLnBrk="1" latinLnBrk="0" hangingPunct="1">
+    <a:lvl2pPr marL="457200" algn="l" defTabSz="457200" rtl="0" eaLnBrk="1" latinLnBrk="0" hangingPunct="1">
       <a:defRPr sz="1800" kern="1200">
         <a:solidFill>
           <a:schemeClr val="tx1"/>
@@ -34,7 +39,7 @@
         <a:cs typeface="+mn-cs"/>
       </a:defRPr>
     </a:lvl2pPr>
-    <a:lvl3pPr marL="914400" algn="l" defTabSz="914400" rtl="0" eaLnBrk="1" latinLnBrk="0" hangingPunct="1">
+    <a:lvl3pPr marL="914400" algn="l" defTabSz="457200" rtl="0" eaLnBrk="1" latinLnBrk="0" hangingPunct="1">
       <a:defRPr sz="1800" kern="1200">
         <a:solidFill>
           <a:schemeClr val="tx1"/>
@@ -44,7 +49,7 @@
         <a:cs typeface="+mn-cs"/>
       </a:defRPr>
     </a:lvl3pPr>
-    <a:lvl4pPr marL="1371600" algn="l" defTabSz="914400" rtl="0" eaLnBrk="1" latinLnBrk="0" hangingPunct="1">
+    <a:lvl4pPr marL="1371600" algn="l" defTabSz="457200" rtl="0" eaLnBrk="1" latinLnBrk="0" hangingPunct="1">
       <a:defRPr sz="1800" kern="1200">
         <a:solidFill>
           <a:schemeClr val="tx1"/>
@@ -54,7 +59,7 @@
         <a:cs typeface="+mn-cs"/>
       </a:defRPr>
     </a:lvl4pPr>
-    <a:lvl5pPr marL="1828800" algn="l" defTabSz="914400" rtl="0" eaLnBrk="1" latinLnBrk="0" hangingPunct="1">
+    <a:lvl5pPr marL="1828800" algn="l" defTabSz="457200" rtl="0" eaLnBrk="1" latinLnBrk="0" hangingPunct="1">
       <a:defRPr sz="1800" kern="1200">
         <a:solidFill>
           <a:schemeClr val="tx1"/>
@@ -64,7 +69,7 @@
         <a:cs typeface="+mn-cs"/>
       </a:defRPr>
     </a:lvl5pPr>
-    <a:lvl6pPr marL="2286000" algn="l" defTabSz="914400" rtl="0" eaLnBrk="1" latinLnBrk="0" hangingPunct="1">
+    <a:lvl6pPr marL="2286000" algn="l" defTabSz="457200" rtl="0" eaLnBrk="1" latinLnBrk="0" hangingPunct="1">
       <a:defRPr sz="1800" kern="1200">
         <a:solidFill>
           <a:schemeClr val="tx1"/>
@@ -74,7 +79,7 @@
         <a:cs typeface="+mn-cs"/>
       </a:defRPr>
     </a:lvl6pPr>
-    <a:lvl7pPr marL="2743200" algn="l" defTabSz="914400" rtl="0" eaLnBrk="1" latinLnBrk="0" hangingPunct="1">
+    <a:lvl7pPr marL="2743200" algn="l" defTabSz="457200" rtl="0" eaLnBrk="1" latinLnBrk="0" hangingPunct="1">
       <a:defRPr sz="1800" kern="1200">
         <a:solidFill>
           <a:schemeClr val="tx1"/>
@@ -84,7 +89,7 @@
         <a:cs typeface="+mn-cs"/>
       </a:defRPr>
     </a:lvl7pPr>
-    <a:lvl8pPr marL="3200400" algn="l" defTabSz="914400" rtl="0" eaLnBrk="1" latinLnBrk="0" hangingPunct="1">
+    <a:lvl8pPr marL="3200400" algn="l" defTabSz="457200" rtl="0" eaLnBrk="1" latinLnBrk="0" hangingPunct="1">
       <a:defRPr sz="1800" kern="1200">
         <a:solidFill>
           <a:schemeClr val="tx1"/>
@@ -94,7 +99,7 @@
         <a:cs typeface="+mn-cs"/>
       </a:defRPr>
     </a:lvl8pPr>
-    <a:lvl9pPr marL="3657600" algn="l" defTabSz="914400" rtl="0" eaLnBrk="1" latinLnBrk="0" hangingPunct="1">
+    <a:lvl9pPr marL="3657600" algn="l" defTabSz="457200" rtl="0" eaLnBrk="1" latinLnBrk="0" hangingPunct="1">
       <a:defRPr sz="1800" kern="1200">
         <a:solidFill>
           <a:schemeClr val="tx1"/>
@@ -127,13 +132,7 @@
       </p:grpSpPr>
       <p:sp>
         <p:nvSpPr>
-          <p:cNvPr id="2" name="Title 1">
-            <a:extLst>
-              <a:ext uri="{FF2B5EF4-FFF2-40B4-BE49-F238E27FC236}">
-                <a16:creationId xmlns:a16="http://schemas.microsoft.com/office/drawing/2014/main" id="{8C98BB8F-F0B8-41FA-DE3C-3522615A6563}"/>
-              </a:ext>
-            </a:extLst>
-          </p:cNvPr>
+          <p:cNvPr id="2" name="Title 1"/>
           <p:cNvSpPr>
             <a:spLocks noGrp="1"/>
           </p:cNvSpPr>
@@ -143,15 +142,17 @@
         </p:nvSpPr>
         <p:spPr>
           <a:xfrm>
-            <a:off x="1524000" y="1122363"/>
-            <a:ext cx="9144000" cy="2387600"/>
+            <a:off x="2589213" y="2514600"/>
+            <a:ext cx="8915399" cy="2262781"/>
           </a:xfrm>
         </p:spPr>
         <p:txBody>
-          <a:bodyPr anchor="b"/>
+          <a:bodyPr anchor="b">
+            <a:normAutofit/>
+          </a:bodyPr>
           <a:lstStyle>
-            <a:lvl1pPr algn="ctr">
-              <a:defRPr sz="6000"/>
+            <a:lvl1pPr>
+              <a:defRPr sz="5400"/>
             </a:lvl1pPr>
           </a:lstStyle>
           <a:p>
@@ -159,18 +160,13 @@
               <a:rPr lang="en-US"/>
               <a:t>Click to edit Master title style</a:t>
             </a:r>
-          </a:p>
-        </p:txBody>
-      </p:sp>
-      <p:sp>
-        <p:nvSpPr>
-          <p:cNvPr id="3" name="Subtitle 2">
-            <a:extLst>
-              <a:ext uri="{FF2B5EF4-FFF2-40B4-BE49-F238E27FC236}">
-                <a16:creationId xmlns:a16="http://schemas.microsoft.com/office/drawing/2014/main" id="{2405C2CF-513E-87F0-DCBB-7772A41CF041}"/>
-              </a:ext>
-            </a:extLst>
-          </p:cNvPr>
+            <a:endParaRPr lang="en-US" dirty="0"/>
+          </a:p>
+        </p:txBody>
+      </p:sp>
+      <p:sp>
+        <p:nvSpPr>
+          <p:cNvPr id="3" name="Subtitle 2"/>
           <p:cNvSpPr>
             <a:spLocks noGrp="1"/>
           </p:cNvSpPr>
@@ -180,48 +176,103 @@
         </p:nvSpPr>
         <p:spPr>
           <a:xfrm>
-            <a:off x="1524000" y="3602038"/>
-            <a:ext cx="9144000" cy="1655762"/>
+            <a:off x="2589213" y="4777379"/>
+            <a:ext cx="8915399" cy="1126283"/>
           </a:xfrm>
         </p:spPr>
         <p:txBody>
-          <a:bodyPr/>
+          <a:bodyPr anchor="t"/>
           <a:lstStyle>
-            <a:lvl1pPr marL="0" indent="0" algn="ctr">
-              <a:buNone/>
-              <a:defRPr sz="2400"/>
+            <a:lvl1pPr marL="0" indent="0" algn="l">
+              <a:buNone/>
+              <a:defRPr>
+                <a:solidFill>
+                  <a:schemeClr val="tx1">
+                    <a:lumMod val="65000"/>
+                    <a:lumOff val="35000"/>
+                  </a:schemeClr>
+                </a:solidFill>
+              </a:defRPr>
             </a:lvl1pPr>
             <a:lvl2pPr marL="457200" indent="0" algn="ctr">
               <a:buNone/>
-              <a:defRPr sz="2000"/>
+              <a:defRPr>
+                <a:solidFill>
+                  <a:schemeClr val="tx1">
+                    <a:tint val="75000"/>
+                  </a:schemeClr>
+                </a:solidFill>
+              </a:defRPr>
             </a:lvl2pPr>
             <a:lvl3pPr marL="914400" indent="0" algn="ctr">
               <a:buNone/>
-              <a:defRPr sz="1800"/>
+              <a:defRPr>
+                <a:solidFill>
+                  <a:schemeClr val="tx1">
+                    <a:tint val="75000"/>
+                  </a:schemeClr>
+                </a:solidFill>
+              </a:defRPr>
             </a:lvl3pPr>
             <a:lvl4pPr marL="1371600" indent="0" algn="ctr">
               <a:buNone/>
-              <a:defRPr sz="1600"/>
+              <a:defRPr>
+                <a:solidFill>
+                  <a:schemeClr val="tx1">
+                    <a:tint val="75000"/>
+                  </a:schemeClr>
+                </a:solidFill>
+              </a:defRPr>
             </a:lvl4pPr>
             <a:lvl5pPr marL="1828800" indent="0" algn="ctr">
               <a:buNone/>
-              <a:defRPr sz="1600"/>
+              <a:defRPr>
+                <a:solidFill>
+                  <a:schemeClr val="tx1">
+                    <a:tint val="75000"/>
+                  </a:schemeClr>
+                </a:solidFill>
+              </a:defRPr>
             </a:lvl5pPr>
             <a:lvl6pPr marL="2286000" indent="0" algn="ctr">
               <a:buNone/>
-              <a:defRPr sz="1600"/>
+              <a:defRPr>
+                <a:solidFill>
+                  <a:schemeClr val="tx1">
+                    <a:tint val="75000"/>
+                  </a:schemeClr>
+                </a:solidFill>
+              </a:defRPr>
             </a:lvl6pPr>
             <a:lvl7pPr marL="2743200" indent="0" algn="ctr">
               <a:buNone/>
-              <a:defRPr sz="1600"/>
+              <a:defRPr>
+                <a:solidFill>
+                  <a:schemeClr val="tx1">
+                    <a:tint val="75000"/>
+                  </a:schemeClr>
+                </a:solidFill>
+              </a:defRPr>
             </a:lvl7pPr>
             <a:lvl8pPr marL="3200400" indent="0" algn="ctr">
               <a:buNone/>
-              <a:defRPr sz="1600"/>
+              <a:defRPr>
+                <a:solidFill>
+                  <a:schemeClr val="tx1">
+                    <a:tint val="75000"/>
+                  </a:schemeClr>
+                </a:solidFill>
+              </a:defRPr>
             </a:lvl8pPr>
             <a:lvl9pPr marL="3657600" indent="0" algn="ctr">
               <a:buNone/>
-              <a:defRPr sz="1600"/>
+              <a:defRPr>
+                <a:solidFill>
+                  <a:schemeClr val="tx1">
+                    <a:tint val="75000"/>
+                  </a:schemeClr>
+                </a:solidFill>
+              </a:defRPr>
             </a:lvl9pPr>
           </a:lstStyle>
           <a:p>
@@ -229,18 +280,13 @@
               <a:rPr lang="en-US"/>
               <a:t>Click to edit Master subtitle style</a:t>
             </a:r>
-          </a:p>
-        </p:txBody>
-      </p:sp>
-      <p:sp>
-        <p:nvSpPr>
-          <p:cNvPr id="4" name="Date Placeholder 3">
-            <a:extLst>
-              <a:ext uri="{FF2B5EF4-FFF2-40B4-BE49-F238E27FC236}">
-                <a16:creationId xmlns:a16="http://schemas.microsoft.com/office/drawing/2014/main" id="{51B00FD9-1194-45FC-ECB4-0392AD5ABEB7}"/>
-              </a:ext>
-            </a:extLst>
-          </p:cNvPr>
+            <a:endParaRPr lang="en-US" dirty="0"/>
+          </a:p>
+        </p:txBody>
+      </p:sp>
+      <p:sp>
+        <p:nvSpPr>
+          <p:cNvPr id="4" name="Date Placeholder 3"/>
           <p:cNvSpPr>
             <a:spLocks noGrp="1"/>
           </p:cNvSpPr>
@@ -263,13 +309,7 @@
       </p:sp>
       <p:sp>
         <p:nvSpPr>
-          <p:cNvPr id="5" name="Footer Placeholder 4">
-            <a:extLst>
-              <a:ext uri="{FF2B5EF4-FFF2-40B4-BE49-F238E27FC236}">
-                <a16:creationId xmlns:a16="http://schemas.microsoft.com/office/drawing/2014/main" id="{87B2E151-A35A-B308-01A3-F46388A28216}"/>
-              </a:ext>
-            </a:extLst>
-          </p:cNvPr>
+          <p:cNvPr id="5" name="Footer Placeholder 4"/>
           <p:cNvSpPr>
             <a:spLocks noGrp="1"/>
           </p:cNvSpPr>
@@ -288,13 +328,89 @@
       </p:sp>
       <p:sp>
         <p:nvSpPr>
-          <p:cNvPr id="6" name="Slide Number Placeholder 5">
-            <a:extLst>
-              <a:ext uri="{FF2B5EF4-FFF2-40B4-BE49-F238E27FC236}">
-                <a16:creationId xmlns:a16="http://schemas.microsoft.com/office/drawing/2014/main" id="{C23C71BA-8656-A055-0D29-90CA3FE85321}"/>
-              </a:ext>
-            </a:extLst>
-          </p:cNvPr>
+          <p:cNvPr id="7" name="Freeform 6"/>
+          <p:cNvSpPr/>
+          <p:nvPr/>
+        </p:nvSpPr>
+        <p:spPr bwMode="auto">
+          <a:xfrm>
+            <a:off x="0" y="4323810"/>
+            <a:ext cx="1744652" cy="778589"/>
+          </a:xfrm>
+          <a:custGeom>
+            <a:avLst/>
+            <a:gdLst/>
+            <a:ahLst/>
+            <a:cxnLst/>
+            <a:rect l="0" t="0" r="r" b="b"/>
+            <a:pathLst>
+              <a:path w="372" h="166">
+                <a:moveTo>
+                  <a:pt x="287" y="166"/>
+                </a:moveTo>
+                <a:cubicBezTo>
+                  <a:pt x="290" y="166"/>
+                  <a:pt x="292" y="165"/>
+                  <a:pt x="293" y="164"/>
+                </a:cubicBezTo>
+                <a:cubicBezTo>
+                  <a:pt x="293" y="163"/>
+                  <a:pt x="294" y="163"/>
+                  <a:pt x="294" y="163"/>
+                </a:cubicBezTo>
+                <a:cubicBezTo>
+                  <a:pt x="370" y="87"/>
+                  <a:pt x="370" y="87"/>
+                  <a:pt x="370" y="87"/>
+                </a:cubicBezTo>
+                <a:cubicBezTo>
+                  <a:pt x="372" y="85"/>
+                  <a:pt x="372" y="81"/>
+                  <a:pt x="370" y="78"/>
+                </a:cubicBezTo>
+                <a:cubicBezTo>
+                  <a:pt x="294" y="3"/>
+                  <a:pt x="294" y="3"/>
+                  <a:pt x="294" y="3"/>
+                </a:cubicBezTo>
+                <a:cubicBezTo>
+                  <a:pt x="294" y="2"/>
+                  <a:pt x="293" y="2"/>
+                  <a:pt x="293" y="2"/>
+                </a:cubicBezTo>
+                <a:cubicBezTo>
+                  <a:pt x="292" y="1"/>
+                  <a:pt x="290" y="0"/>
+                  <a:pt x="287" y="0"/>
+                </a:cubicBezTo>
+                <a:cubicBezTo>
+                  <a:pt x="0" y="0"/>
+                  <a:pt x="0" y="0"/>
+                  <a:pt x="0" y="0"/>
+                </a:cubicBezTo>
+                <a:cubicBezTo>
+                  <a:pt x="0" y="166"/>
+                  <a:pt x="0" y="166"/>
+                  <a:pt x="0" y="166"/>
+                </a:cubicBezTo>
+                <a:lnTo>
+                  <a:pt x="287" y="166"/>
+                </a:lnTo>
+                <a:close/>
+              </a:path>
+            </a:pathLst>
+          </a:custGeom>
+          <a:solidFill>
+            <a:schemeClr val="accent1"/>
+          </a:solidFill>
+          <a:ln>
+            <a:noFill/>
+          </a:ln>
+        </p:spPr>
+      </p:sp>
+      <p:sp>
+        <p:nvSpPr>
+          <p:cNvPr id="6" name="Slide Number Placeholder 5"/>
           <p:cNvSpPr>
             <a:spLocks noGrp="1"/>
           </p:cNvSpPr>
@@ -302,7 +418,12 @@
             <p:ph type="sldNum" sz="quarter" idx="12"/>
           </p:nvPr>
         </p:nvSpPr>
-        <p:spPr/>
+        <p:spPr>
+          <a:xfrm>
+            <a:off x="531812" y="4529540"/>
+            <a:ext cx="779767" cy="365125"/>
+          </a:xfrm>
+        </p:spPr>
         <p:txBody>
           <a:bodyPr/>
           <a:lstStyle/>
@@ -318,7 +439,7 @@
     </p:spTree>
     <p:extLst>
       <p:ext uri="{BB962C8B-B14F-4D97-AF65-F5344CB8AC3E}">
-        <p14:creationId xmlns:p14="http://schemas.microsoft.com/office/powerpoint/2010/main" val="1427898188"/>
+        <p14:creationId xmlns:p14="http://schemas.microsoft.com/office/powerpoint/2010/main" val="2496509756"/>
       </p:ext>
     </p:extLst>
   </p:cSld>
@@ -329,6 +450,1797 @@
 </file>
 
 <file path=ppt/slideLayouts/slideLayout10.xml><?xml version="1.0" encoding="utf-8"?>
+<p:sldLayout xmlns:a="http://schemas.openxmlformats.org/drawingml/2006/main" xmlns:r="http://schemas.openxmlformats.org/officeDocument/2006/relationships" xmlns:p="http://schemas.openxmlformats.org/presentationml/2006/main" preserve="1">
+  <p:cSld name="Title and Caption">
+    <p:spTree>
+      <p:nvGrpSpPr>
+        <p:cNvPr id="1" name=""/>
+        <p:cNvGrpSpPr/>
+        <p:nvPr/>
+      </p:nvGrpSpPr>
+      <p:grpSpPr>
+        <a:xfrm>
+          <a:off x="0" y="0"/>
+          <a:ext cx="0" cy="0"/>
+          <a:chOff x="0" y="0"/>
+          <a:chExt cx="0" cy="0"/>
+        </a:xfrm>
+      </p:grpSpPr>
+      <p:sp>
+        <p:nvSpPr>
+          <p:cNvPr id="2" name="Title 1"/>
+          <p:cNvSpPr>
+            <a:spLocks noGrp="1"/>
+          </p:cNvSpPr>
+          <p:nvPr>
+            <p:ph type="title"/>
+          </p:nvPr>
+        </p:nvSpPr>
+        <p:spPr>
+          <a:xfrm>
+            <a:off x="2589212" y="609600"/>
+            <a:ext cx="8915399" cy="3117040"/>
+          </a:xfrm>
+        </p:spPr>
+        <p:txBody>
+          <a:bodyPr anchor="ctr">
+            <a:normAutofit/>
+          </a:bodyPr>
+          <a:lstStyle>
+            <a:lvl1pPr algn="l">
+              <a:defRPr sz="4800" b="0" cap="none"/>
+            </a:lvl1pPr>
+          </a:lstStyle>
+          <a:p>
+            <a:r>
+              <a:rPr lang="en-US"/>
+              <a:t>Click to edit Master title style</a:t>
+            </a:r>
+            <a:endParaRPr lang="en-US" dirty="0"/>
+          </a:p>
+        </p:txBody>
+      </p:sp>
+      <p:sp>
+        <p:nvSpPr>
+          <p:cNvPr id="3" name="Text Placeholder 2"/>
+          <p:cNvSpPr>
+            <a:spLocks noGrp="1"/>
+          </p:cNvSpPr>
+          <p:nvPr>
+            <p:ph type="body" idx="1"/>
+          </p:nvPr>
+        </p:nvSpPr>
+        <p:spPr>
+          <a:xfrm>
+            <a:off x="2589212" y="4354046"/>
+            <a:ext cx="8915399" cy="1555864"/>
+          </a:xfrm>
+        </p:spPr>
+        <p:txBody>
+          <a:bodyPr anchor="ctr">
+            <a:normAutofit/>
+          </a:bodyPr>
+          <a:lstStyle>
+            <a:lvl1pPr marL="0" indent="0" algn="l">
+              <a:buNone/>
+              <a:defRPr sz="1800">
+                <a:solidFill>
+                  <a:schemeClr val="tx1">
+                    <a:lumMod val="65000"/>
+                    <a:lumOff val="35000"/>
+                  </a:schemeClr>
+                </a:solidFill>
+              </a:defRPr>
+            </a:lvl1pPr>
+            <a:lvl2pPr marL="457200" indent="0">
+              <a:buNone/>
+              <a:defRPr sz="1800">
+                <a:solidFill>
+                  <a:schemeClr val="tx1">
+                    <a:tint val="75000"/>
+                  </a:schemeClr>
+                </a:solidFill>
+              </a:defRPr>
+            </a:lvl2pPr>
+            <a:lvl3pPr marL="914400" indent="0">
+              <a:buNone/>
+              <a:defRPr sz="1600">
+                <a:solidFill>
+                  <a:schemeClr val="tx1">
+                    <a:tint val="75000"/>
+                  </a:schemeClr>
+                </a:solidFill>
+              </a:defRPr>
+            </a:lvl3pPr>
+            <a:lvl4pPr marL="1371600" indent="0">
+              <a:buNone/>
+              <a:defRPr sz="1400">
+                <a:solidFill>
+                  <a:schemeClr val="tx1">
+                    <a:tint val="75000"/>
+                  </a:schemeClr>
+                </a:solidFill>
+              </a:defRPr>
+            </a:lvl4pPr>
+            <a:lvl5pPr marL="1828800" indent="0">
+              <a:buNone/>
+              <a:defRPr sz="1400">
+                <a:solidFill>
+                  <a:schemeClr val="tx1">
+                    <a:tint val="75000"/>
+                  </a:schemeClr>
+                </a:solidFill>
+              </a:defRPr>
+            </a:lvl5pPr>
+            <a:lvl6pPr marL="2286000" indent="0">
+              <a:buNone/>
+              <a:defRPr sz="1400">
+                <a:solidFill>
+                  <a:schemeClr val="tx1">
+                    <a:tint val="75000"/>
+                  </a:schemeClr>
+                </a:solidFill>
+              </a:defRPr>
+            </a:lvl6pPr>
+            <a:lvl7pPr marL="2743200" indent="0">
+              <a:buNone/>
+              <a:defRPr sz="1400">
+                <a:solidFill>
+                  <a:schemeClr val="tx1">
+                    <a:tint val="75000"/>
+                  </a:schemeClr>
+                </a:solidFill>
+              </a:defRPr>
+            </a:lvl7pPr>
+            <a:lvl8pPr marL="3200400" indent="0">
+              <a:buNone/>
+              <a:defRPr sz="1400">
+                <a:solidFill>
+                  <a:schemeClr val="tx1">
+                    <a:tint val="75000"/>
+                  </a:schemeClr>
+                </a:solidFill>
+              </a:defRPr>
+            </a:lvl8pPr>
+            <a:lvl9pPr marL="3657600" indent="0">
+              <a:buNone/>
+              <a:defRPr sz="1400">
+                <a:solidFill>
+                  <a:schemeClr val="tx1">
+                    <a:tint val="75000"/>
+                  </a:schemeClr>
+                </a:solidFill>
+              </a:defRPr>
+            </a:lvl9pPr>
+          </a:lstStyle>
+          <a:p>
+            <a:pPr lvl="0"/>
+            <a:r>
+              <a:rPr lang="en-US"/>
+              <a:t>Click to edit Master text styles</a:t>
+            </a:r>
+          </a:p>
+        </p:txBody>
+      </p:sp>
+      <p:sp>
+        <p:nvSpPr>
+          <p:cNvPr id="4" name="Date Placeholder 3"/>
+          <p:cNvSpPr>
+            <a:spLocks noGrp="1"/>
+          </p:cNvSpPr>
+          <p:nvPr>
+            <p:ph type="dt" sz="half" idx="10"/>
+          </p:nvPr>
+        </p:nvSpPr>
+        <p:spPr/>
+        <p:txBody>
+          <a:bodyPr/>
+          <a:lstStyle/>
+          <a:p>
+            <a:fld id="{25EF3B13-7E36-4CB1-A31A-4FE272CD73E2}" type="datetimeFigureOut">
+              <a:rPr lang="en-US" smtClean="0"/>
+              <a:t>10/22/2023</a:t>
+            </a:fld>
+            <a:endParaRPr lang="en-US"/>
+          </a:p>
+        </p:txBody>
+      </p:sp>
+      <p:sp>
+        <p:nvSpPr>
+          <p:cNvPr id="5" name="Footer Placeholder 4"/>
+          <p:cNvSpPr>
+            <a:spLocks noGrp="1"/>
+          </p:cNvSpPr>
+          <p:nvPr>
+            <p:ph type="ftr" sz="quarter" idx="11"/>
+          </p:nvPr>
+        </p:nvSpPr>
+        <p:spPr/>
+        <p:txBody>
+          <a:bodyPr/>
+          <a:lstStyle/>
+          <a:p>
+            <a:endParaRPr lang="en-US"/>
+          </a:p>
+        </p:txBody>
+      </p:sp>
+      <p:sp>
+        <p:nvSpPr>
+          <p:cNvPr id="9" name="Freeform 11"/>
+          <p:cNvSpPr/>
+          <p:nvPr/>
+        </p:nvSpPr>
+        <p:spPr bwMode="auto">
+          <a:xfrm flipV="1">
+            <a:off x="-4189" y="3178175"/>
+            <a:ext cx="1588527" cy="507297"/>
+          </a:xfrm>
+          <a:custGeom>
+            <a:avLst/>
+            <a:gdLst/>
+            <a:ahLst/>
+            <a:cxnLst/>
+            <a:rect l="l" t="t" r="r" b="b"/>
+            <a:pathLst>
+              <a:path w="9248" h="10000">
+                <a:moveTo>
+                  <a:pt x="9248" y="4701"/>
+                </a:moveTo>
+                <a:lnTo>
+                  <a:pt x="7915" y="188"/>
+                </a:lnTo>
+                <a:cubicBezTo>
+                  <a:pt x="7906" y="156"/>
+                  <a:pt x="7895" y="126"/>
+                  <a:pt x="7886" y="94"/>
+                </a:cubicBezTo>
+                <a:cubicBezTo>
+                  <a:pt x="7859" y="0"/>
+                  <a:pt x="7831" y="0"/>
+                  <a:pt x="7803" y="0"/>
+                </a:cubicBezTo>
+                <a:lnTo>
+                  <a:pt x="7275" y="0"/>
+                </a:lnTo>
+                <a:lnTo>
+                  <a:pt x="0" y="70"/>
+                </a:lnTo>
+                <a:cubicBezTo>
+                  <a:pt x="8" y="3380"/>
+                  <a:pt x="17" y="6690"/>
+                  <a:pt x="25" y="10000"/>
+                </a:cubicBezTo>
+                <a:lnTo>
+                  <a:pt x="7275" y="9966"/>
+                </a:lnTo>
+                <a:lnTo>
+                  <a:pt x="7803" y="9966"/>
+                </a:lnTo>
+                <a:cubicBezTo>
+                  <a:pt x="7831" y="9966"/>
+                  <a:pt x="7859" y="9872"/>
+                  <a:pt x="7886" y="9872"/>
+                </a:cubicBezTo>
+                <a:cubicBezTo>
+                  <a:pt x="7886" y="9778"/>
+                  <a:pt x="7915" y="9778"/>
+                  <a:pt x="7915" y="9778"/>
+                </a:cubicBezTo>
+                <a:lnTo>
+                  <a:pt x="9248" y="5265"/>
+                </a:lnTo>
+                <a:cubicBezTo>
+                  <a:pt x="9303" y="5077"/>
+                  <a:pt x="9303" y="4889"/>
+                  <a:pt x="9248" y="4701"/>
+                </a:cubicBezTo>
+                <a:close/>
+              </a:path>
+            </a:pathLst>
+          </a:custGeom>
+          <a:solidFill>
+            <a:schemeClr val="accent1"/>
+          </a:solidFill>
+          <a:ln>
+            <a:noFill/>
+          </a:ln>
+        </p:spPr>
+      </p:sp>
+      <p:sp>
+        <p:nvSpPr>
+          <p:cNvPr id="6" name="Slide Number Placeholder 5"/>
+          <p:cNvSpPr>
+            <a:spLocks noGrp="1"/>
+          </p:cNvSpPr>
+          <p:nvPr>
+            <p:ph type="sldNum" sz="quarter" idx="12"/>
+          </p:nvPr>
+        </p:nvSpPr>
+        <p:spPr>
+          <a:xfrm>
+            <a:off x="531812" y="3244139"/>
+            <a:ext cx="779767" cy="365125"/>
+          </a:xfrm>
+        </p:spPr>
+        <p:txBody>
+          <a:bodyPr/>
+          <a:lstStyle/>
+          <a:p>
+            <a:fld id="{0DCCCEBE-DE2E-47FA-A885-DAA98D1C9286}" type="slidenum">
+              <a:rPr lang="en-US" smtClean="0"/>
+              <a:t>‹#›</a:t>
+            </a:fld>
+            <a:endParaRPr lang="en-US"/>
+          </a:p>
+        </p:txBody>
+      </p:sp>
+    </p:spTree>
+    <p:extLst>
+      <p:ext uri="{BB962C8B-B14F-4D97-AF65-F5344CB8AC3E}">
+        <p14:creationId xmlns:p14="http://schemas.microsoft.com/office/powerpoint/2010/main" val="3343440482"/>
+      </p:ext>
+    </p:extLst>
+  </p:cSld>
+  <p:clrMapOvr>
+    <a:masterClrMapping/>
+  </p:clrMapOvr>
+</p:sldLayout>
+</file>
+
+<file path=ppt/slideLayouts/slideLayout11.xml><?xml version="1.0" encoding="utf-8"?>
+<p:sldLayout xmlns:a="http://schemas.openxmlformats.org/drawingml/2006/main" xmlns:r="http://schemas.openxmlformats.org/officeDocument/2006/relationships" xmlns:p="http://schemas.openxmlformats.org/presentationml/2006/main" preserve="1">
+  <p:cSld name="Quote with Caption">
+    <p:spTree>
+      <p:nvGrpSpPr>
+        <p:cNvPr id="1" name=""/>
+        <p:cNvGrpSpPr/>
+        <p:nvPr/>
+      </p:nvGrpSpPr>
+      <p:grpSpPr>
+        <a:xfrm>
+          <a:off x="0" y="0"/>
+          <a:ext cx="0" cy="0"/>
+          <a:chOff x="0" y="0"/>
+          <a:chExt cx="0" cy="0"/>
+        </a:xfrm>
+      </p:grpSpPr>
+      <p:sp>
+        <p:nvSpPr>
+          <p:cNvPr id="2" name="Title 1"/>
+          <p:cNvSpPr>
+            <a:spLocks noGrp="1"/>
+          </p:cNvSpPr>
+          <p:nvPr>
+            <p:ph type="title"/>
+          </p:nvPr>
+        </p:nvSpPr>
+        <p:spPr>
+          <a:xfrm>
+            <a:off x="2849949" y="609600"/>
+            <a:ext cx="8393926" cy="2895600"/>
+          </a:xfrm>
+        </p:spPr>
+        <p:txBody>
+          <a:bodyPr anchor="ctr">
+            <a:normAutofit/>
+          </a:bodyPr>
+          <a:lstStyle>
+            <a:lvl1pPr algn="l">
+              <a:defRPr sz="4800" b="0" cap="none"/>
+            </a:lvl1pPr>
+          </a:lstStyle>
+          <a:p>
+            <a:r>
+              <a:rPr lang="en-US"/>
+              <a:t>Click to edit Master title style</a:t>
+            </a:r>
+            <a:endParaRPr lang="en-US" dirty="0"/>
+          </a:p>
+        </p:txBody>
+      </p:sp>
+      <p:sp>
+        <p:nvSpPr>
+          <p:cNvPr id="13" name="Text Placeholder 9"/>
+          <p:cNvSpPr>
+            <a:spLocks noGrp="1"/>
+          </p:cNvSpPr>
+          <p:nvPr>
+            <p:ph type="body" sz="quarter" idx="13"/>
+          </p:nvPr>
+        </p:nvSpPr>
+        <p:spPr>
+          <a:xfrm>
+            <a:off x="3275012" y="3505200"/>
+            <a:ext cx="7536554" cy="381000"/>
+          </a:xfrm>
+        </p:spPr>
+        <p:txBody>
+          <a:bodyPr anchor="ctr">
+            <a:noAutofit/>
+          </a:bodyPr>
+          <a:lstStyle>
+            <a:lvl1pPr marL="0" indent="0">
+              <a:buFontTx/>
+              <a:buNone/>
+              <a:defRPr sz="1600">
+                <a:solidFill>
+                  <a:schemeClr val="tx1">
+                    <a:lumMod val="50000"/>
+                    <a:lumOff val="50000"/>
+                  </a:schemeClr>
+                </a:solidFill>
+              </a:defRPr>
+            </a:lvl1pPr>
+            <a:lvl2pPr marL="457200" indent="0">
+              <a:buFontTx/>
+              <a:buNone/>
+              <a:defRPr/>
+            </a:lvl2pPr>
+            <a:lvl3pPr marL="914400" indent="0">
+              <a:buFontTx/>
+              <a:buNone/>
+              <a:defRPr/>
+            </a:lvl3pPr>
+            <a:lvl4pPr marL="1371600" indent="0">
+              <a:buFontTx/>
+              <a:buNone/>
+              <a:defRPr/>
+            </a:lvl4pPr>
+            <a:lvl5pPr marL="1828800" indent="0">
+              <a:buFontTx/>
+              <a:buNone/>
+              <a:defRPr/>
+            </a:lvl5pPr>
+          </a:lstStyle>
+          <a:p>
+            <a:pPr lvl="0"/>
+            <a:r>
+              <a:rPr lang="en-US"/>
+              <a:t>Click to edit Master text styles</a:t>
+            </a:r>
+          </a:p>
+        </p:txBody>
+      </p:sp>
+      <p:sp>
+        <p:nvSpPr>
+          <p:cNvPr id="3" name="Text Placeholder 2"/>
+          <p:cNvSpPr>
+            <a:spLocks noGrp="1"/>
+          </p:cNvSpPr>
+          <p:nvPr>
+            <p:ph type="body" idx="1"/>
+          </p:nvPr>
+        </p:nvSpPr>
+        <p:spPr>
+          <a:xfrm>
+            <a:off x="2589212" y="4354046"/>
+            <a:ext cx="8915399" cy="1555864"/>
+          </a:xfrm>
+        </p:spPr>
+        <p:txBody>
+          <a:bodyPr anchor="ctr">
+            <a:normAutofit/>
+          </a:bodyPr>
+          <a:lstStyle>
+            <a:lvl1pPr marL="0" indent="0" algn="l">
+              <a:buNone/>
+              <a:defRPr sz="1800">
+                <a:solidFill>
+                  <a:schemeClr val="tx1">
+                    <a:lumMod val="65000"/>
+                    <a:lumOff val="35000"/>
+                  </a:schemeClr>
+                </a:solidFill>
+              </a:defRPr>
+            </a:lvl1pPr>
+            <a:lvl2pPr marL="457200" indent="0">
+              <a:buNone/>
+              <a:defRPr sz="1800">
+                <a:solidFill>
+                  <a:schemeClr val="tx1">
+                    <a:tint val="75000"/>
+                  </a:schemeClr>
+                </a:solidFill>
+              </a:defRPr>
+            </a:lvl2pPr>
+            <a:lvl3pPr marL="914400" indent="0">
+              <a:buNone/>
+              <a:defRPr sz="1600">
+                <a:solidFill>
+                  <a:schemeClr val="tx1">
+                    <a:tint val="75000"/>
+                  </a:schemeClr>
+                </a:solidFill>
+              </a:defRPr>
+            </a:lvl3pPr>
+            <a:lvl4pPr marL="1371600" indent="0">
+              <a:buNone/>
+              <a:defRPr sz="1400">
+                <a:solidFill>
+                  <a:schemeClr val="tx1">
+                    <a:tint val="75000"/>
+                  </a:schemeClr>
+                </a:solidFill>
+              </a:defRPr>
+            </a:lvl4pPr>
+            <a:lvl5pPr marL="1828800" indent="0">
+              <a:buNone/>
+              <a:defRPr sz="1400">
+                <a:solidFill>
+                  <a:schemeClr val="tx1">
+                    <a:tint val="75000"/>
+                  </a:schemeClr>
+                </a:solidFill>
+              </a:defRPr>
+            </a:lvl5pPr>
+            <a:lvl6pPr marL="2286000" indent="0">
+              <a:buNone/>
+              <a:defRPr sz="1400">
+                <a:solidFill>
+                  <a:schemeClr val="tx1">
+                    <a:tint val="75000"/>
+                  </a:schemeClr>
+                </a:solidFill>
+              </a:defRPr>
+            </a:lvl6pPr>
+            <a:lvl7pPr marL="2743200" indent="0">
+              <a:buNone/>
+              <a:defRPr sz="1400">
+                <a:solidFill>
+                  <a:schemeClr val="tx1">
+                    <a:tint val="75000"/>
+                  </a:schemeClr>
+                </a:solidFill>
+              </a:defRPr>
+            </a:lvl7pPr>
+            <a:lvl8pPr marL="3200400" indent="0">
+              <a:buNone/>
+              <a:defRPr sz="1400">
+                <a:solidFill>
+                  <a:schemeClr val="tx1">
+                    <a:tint val="75000"/>
+                  </a:schemeClr>
+                </a:solidFill>
+              </a:defRPr>
+            </a:lvl8pPr>
+            <a:lvl9pPr marL="3657600" indent="0">
+              <a:buNone/>
+              <a:defRPr sz="1400">
+                <a:solidFill>
+                  <a:schemeClr val="tx1">
+                    <a:tint val="75000"/>
+                  </a:schemeClr>
+                </a:solidFill>
+              </a:defRPr>
+            </a:lvl9pPr>
+          </a:lstStyle>
+          <a:p>
+            <a:pPr lvl="0"/>
+            <a:r>
+              <a:rPr lang="en-US"/>
+              <a:t>Click to edit Master text styles</a:t>
+            </a:r>
+          </a:p>
+        </p:txBody>
+      </p:sp>
+      <p:sp>
+        <p:nvSpPr>
+          <p:cNvPr id="4" name="Date Placeholder 3"/>
+          <p:cNvSpPr>
+            <a:spLocks noGrp="1"/>
+          </p:cNvSpPr>
+          <p:nvPr>
+            <p:ph type="dt" sz="half" idx="10"/>
+          </p:nvPr>
+        </p:nvSpPr>
+        <p:spPr/>
+        <p:txBody>
+          <a:bodyPr/>
+          <a:lstStyle/>
+          <a:p>
+            <a:fld id="{25EF3B13-7E36-4CB1-A31A-4FE272CD73E2}" type="datetimeFigureOut">
+              <a:rPr lang="en-US" smtClean="0"/>
+              <a:t>10/22/2023</a:t>
+            </a:fld>
+            <a:endParaRPr lang="en-US"/>
+          </a:p>
+        </p:txBody>
+      </p:sp>
+      <p:sp>
+        <p:nvSpPr>
+          <p:cNvPr id="5" name="Footer Placeholder 4"/>
+          <p:cNvSpPr>
+            <a:spLocks noGrp="1"/>
+          </p:cNvSpPr>
+          <p:nvPr>
+            <p:ph type="ftr" sz="quarter" idx="11"/>
+          </p:nvPr>
+        </p:nvSpPr>
+        <p:spPr/>
+        <p:txBody>
+          <a:bodyPr/>
+          <a:lstStyle/>
+          <a:p>
+            <a:endParaRPr lang="en-US"/>
+          </a:p>
+        </p:txBody>
+      </p:sp>
+      <p:sp>
+        <p:nvSpPr>
+          <p:cNvPr id="11" name="Freeform 11"/>
+          <p:cNvSpPr/>
+          <p:nvPr/>
+        </p:nvSpPr>
+        <p:spPr bwMode="auto">
+          <a:xfrm flipV="1">
+            <a:off x="-4189" y="3178175"/>
+            <a:ext cx="1588527" cy="507297"/>
+          </a:xfrm>
+          <a:custGeom>
+            <a:avLst/>
+            <a:gdLst/>
+            <a:ahLst/>
+            <a:cxnLst/>
+            <a:rect l="l" t="t" r="r" b="b"/>
+            <a:pathLst>
+              <a:path w="9248" h="10000">
+                <a:moveTo>
+                  <a:pt x="9248" y="4701"/>
+                </a:moveTo>
+                <a:lnTo>
+                  <a:pt x="7915" y="188"/>
+                </a:lnTo>
+                <a:cubicBezTo>
+                  <a:pt x="7906" y="156"/>
+                  <a:pt x="7895" y="126"/>
+                  <a:pt x="7886" y="94"/>
+                </a:cubicBezTo>
+                <a:cubicBezTo>
+                  <a:pt x="7859" y="0"/>
+                  <a:pt x="7831" y="0"/>
+                  <a:pt x="7803" y="0"/>
+                </a:cubicBezTo>
+                <a:lnTo>
+                  <a:pt x="7275" y="0"/>
+                </a:lnTo>
+                <a:lnTo>
+                  <a:pt x="0" y="70"/>
+                </a:lnTo>
+                <a:cubicBezTo>
+                  <a:pt x="8" y="3380"/>
+                  <a:pt x="17" y="6690"/>
+                  <a:pt x="25" y="10000"/>
+                </a:cubicBezTo>
+                <a:lnTo>
+                  <a:pt x="7275" y="9966"/>
+                </a:lnTo>
+                <a:lnTo>
+                  <a:pt x="7803" y="9966"/>
+                </a:lnTo>
+                <a:cubicBezTo>
+                  <a:pt x="7831" y="9966"/>
+                  <a:pt x="7859" y="9872"/>
+                  <a:pt x="7886" y="9872"/>
+                </a:cubicBezTo>
+                <a:cubicBezTo>
+                  <a:pt x="7886" y="9778"/>
+                  <a:pt x="7915" y="9778"/>
+                  <a:pt x="7915" y="9778"/>
+                </a:cubicBezTo>
+                <a:lnTo>
+                  <a:pt x="9248" y="5265"/>
+                </a:lnTo>
+                <a:cubicBezTo>
+                  <a:pt x="9303" y="5077"/>
+                  <a:pt x="9303" y="4889"/>
+                  <a:pt x="9248" y="4701"/>
+                </a:cubicBezTo>
+                <a:close/>
+              </a:path>
+            </a:pathLst>
+          </a:custGeom>
+          <a:solidFill>
+            <a:schemeClr val="accent1"/>
+          </a:solidFill>
+          <a:ln>
+            <a:noFill/>
+          </a:ln>
+        </p:spPr>
+      </p:sp>
+      <p:sp>
+        <p:nvSpPr>
+          <p:cNvPr id="6" name="Slide Number Placeholder 5"/>
+          <p:cNvSpPr>
+            <a:spLocks noGrp="1"/>
+          </p:cNvSpPr>
+          <p:nvPr>
+            <p:ph type="sldNum" sz="quarter" idx="12"/>
+          </p:nvPr>
+        </p:nvSpPr>
+        <p:spPr>
+          <a:xfrm>
+            <a:off x="531812" y="3244139"/>
+            <a:ext cx="779767" cy="365125"/>
+          </a:xfrm>
+        </p:spPr>
+        <p:txBody>
+          <a:bodyPr/>
+          <a:lstStyle/>
+          <a:p>
+            <a:fld id="{0DCCCEBE-DE2E-47FA-A885-DAA98D1C9286}" type="slidenum">
+              <a:rPr lang="en-US" smtClean="0"/>
+              <a:t>‹#›</a:t>
+            </a:fld>
+            <a:endParaRPr lang="en-US"/>
+          </a:p>
+        </p:txBody>
+      </p:sp>
+      <p:sp>
+        <p:nvSpPr>
+          <p:cNvPr id="14" name="TextBox 13"/>
+          <p:cNvSpPr txBox="1"/>
+          <p:nvPr/>
+        </p:nvSpPr>
+        <p:spPr>
+          <a:xfrm>
+            <a:off x="2467652" y="648005"/>
+            <a:ext cx="609600" cy="584776"/>
+          </a:xfrm>
+          <a:prstGeom prst="rect">
+            <a:avLst/>
+          </a:prstGeom>
+        </p:spPr>
+        <p:txBody>
+          <a:bodyPr vert="horz" lIns="91440" tIns="45720" rIns="91440" bIns="45720" rtlCol="0" anchor="ctr">
+            <a:noAutofit/>
+          </a:bodyPr>
+          <a:lstStyle/>
+          <a:p>
+            <a:pPr lvl="0"/>
+            <a:r>
+              <a:rPr lang="en-US" sz="8000" baseline="0" dirty="0">
+                <a:ln w="3175" cmpd="sng">
+                  <a:noFill/>
+                </a:ln>
+                <a:solidFill>
+                  <a:schemeClr val="accent1"/>
+                </a:solidFill>
+                <a:effectLst/>
+                <a:latin typeface="Arial"/>
+              </a:rPr>
+              <a:t>“</a:t>
+            </a:r>
+          </a:p>
+        </p:txBody>
+      </p:sp>
+      <p:sp>
+        <p:nvSpPr>
+          <p:cNvPr id="15" name="TextBox 14"/>
+          <p:cNvSpPr txBox="1"/>
+          <p:nvPr/>
+        </p:nvSpPr>
+        <p:spPr>
+          <a:xfrm>
+            <a:off x="11114852" y="2905306"/>
+            <a:ext cx="609600" cy="584776"/>
+          </a:xfrm>
+          <a:prstGeom prst="rect">
+            <a:avLst/>
+          </a:prstGeom>
+        </p:spPr>
+        <p:txBody>
+          <a:bodyPr vert="horz" lIns="91440" tIns="45720" rIns="91440" bIns="45720" rtlCol="0" anchor="ctr">
+            <a:noAutofit/>
+          </a:bodyPr>
+          <a:lstStyle/>
+          <a:p>
+            <a:pPr lvl="0"/>
+            <a:r>
+              <a:rPr lang="en-US" sz="8000" baseline="0" dirty="0">
+                <a:ln w="3175" cmpd="sng">
+                  <a:noFill/>
+                </a:ln>
+                <a:solidFill>
+                  <a:schemeClr val="accent1"/>
+                </a:solidFill>
+                <a:effectLst/>
+                <a:latin typeface="Arial"/>
+              </a:rPr>
+              <a:t>”</a:t>
+            </a:r>
+          </a:p>
+        </p:txBody>
+      </p:sp>
+    </p:spTree>
+    <p:extLst>
+      <p:ext uri="{BB962C8B-B14F-4D97-AF65-F5344CB8AC3E}">
+        <p14:creationId xmlns:p14="http://schemas.microsoft.com/office/powerpoint/2010/main" val="1839201026"/>
+      </p:ext>
+    </p:extLst>
+  </p:cSld>
+  <p:clrMapOvr>
+    <a:masterClrMapping/>
+  </p:clrMapOvr>
+</p:sldLayout>
+</file>
+
+<file path=ppt/slideLayouts/slideLayout12.xml><?xml version="1.0" encoding="utf-8"?>
+<p:sldLayout xmlns:a="http://schemas.openxmlformats.org/drawingml/2006/main" xmlns:r="http://schemas.openxmlformats.org/officeDocument/2006/relationships" xmlns:p="http://schemas.openxmlformats.org/presentationml/2006/main" preserve="1">
+  <p:cSld name="Name Card">
+    <p:spTree>
+      <p:nvGrpSpPr>
+        <p:cNvPr id="1" name=""/>
+        <p:cNvGrpSpPr/>
+        <p:nvPr/>
+      </p:nvGrpSpPr>
+      <p:grpSpPr>
+        <a:xfrm>
+          <a:off x="0" y="0"/>
+          <a:ext cx="0" cy="0"/>
+          <a:chOff x="0" y="0"/>
+          <a:chExt cx="0" cy="0"/>
+        </a:xfrm>
+      </p:grpSpPr>
+      <p:sp>
+        <p:nvSpPr>
+          <p:cNvPr id="2" name="Title 1"/>
+          <p:cNvSpPr>
+            <a:spLocks noGrp="1"/>
+          </p:cNvSpPr>
+          <p:nvPr>
+            <p:ph type="title"/>
+          </p:nvPr>
+        </p:nvSpPr>
+        <p:spPr>
+          <a:xfrm>
+            <a:off x="2589213" y="2438400"/>
+            <a:ext cx="8915400" cy="2724845"/>
+          </a:xfrm>
+        </p:spPr>
+        <p:txBody>
+          <a:bodyPr anchor="b">
+            <a:normAutofit/>
+          </a:bodyPr>
+          <a:lstStyle>
+            <a:lvl1pPr algn="l">
+              <a:defRPr sz="4800" b="0"/>
+            </a:lvl1pPr>
+          </a:lstStyle>
+          <a:p>
+            <a:r>
+              <a:rPr lang="en-US"/>
+              <a:t>Click to edit Master title style</a:t>
+            </a:r>
+            <a:endParaRPr lang="en-US" dirty="0"/>
+          </a:p>
+        </p:txBody>
+      </p:sp>
+      <p:sp>
+        <p:nvSpPr>
+          <p:cNvPr id="4" name="Text Placeholder 3"/>
+          <p:cNvSpPr>
+            <a:spLocks noGrp="1"/>
+          </p:cNvSpPr>
+          <p:nvPr>
+            <p:ph type="body" sz="half" idx="2"/>
+          </p:nvPr>
+        </p:nvSpPr>
+        <p:spPr>
+          <a:xfrm>
+            <a:off x="2589213" y="5181600"/>
+            <a:ext cx="8915400" cy="729622"/>
+          </a:xfrm>
+        </p:spPr>
+        <p:txBody>
+          <a:bodyPr vert="horz" lIns="91440" tIns="45720" rIns="91440" bIns="45720" rtlCol="0" anchor="t">
+            <a:normAutofit/>
+          </a:bodyPr>
+          <a:lstStyle>
+            <a:lvl1pPr>
+              <a:buNone/>
+              <a:defRPr lang="en-US">
+                <a:solidFill>
+                  <a:schemeClr val="tx1">
+                    <a:lumMod val="65000"/>
+                    <a:lumOff val="35000"/>
+                  </a:schemeClr>
+                </a:solidFill>
+              </a:defRPr>
+            </a:lvl1pPr>
+          </a:lstStyle>
+          <a:p>
+            <a:pPr marL="0" lvl="0" indent="0">
+              <a:buNone/>
+            </a:pPr>
+            <a:r>
+              <a:rPr lang="en-US"/>
+              <a:t>Click to edit Master text styles</a:t>
+            </a:r>
+          </a:p>
+        </p:txBody>
+      </p:sp>
+      <p:sp>
+        <p:nvSpPr>
+          <p:cNvPr id="5" name="Date Placeholder 4"/>
+          <p:cNvSpPr>
+            <a:spLocks noGrp="1"/>
+          </p:cNvSpPr>
+          <p:nvPr>
+            <p:ph type="dt" sz="half" idx="10"/>
+          </p:nvPr>
+        </p:nvSpPr>
+        <p:spPr/>
+        <p:txBody>
+          <a:bodyPr/>
+          <a:lstStyle/>
+          <a:p>
+            <a:fld id="{25EF3B13-7E36-4CB1-A31A-4FE272CD73E2}" type="datetimeFigureOut">
+              <a:rPr lang="en-US" smtClean="0"/>
+              <a:t>10/22/2023</a:t>
+            </a:fld>
+            <a:endParaRPr lang="en-US"/>
+          </a:p>
+        </p:txBody>
+      </p:sp>
+      <p:sp>
+        <p:nvSpPr>
+          <p:cNvPr id="6" name="Footer Placeholder 5"/>
+          <p:cNvSpPr>
+            <a:spLocks noGrp="1"/>
+          </p:cNvSpPr>
+          <p:nvPr>
+            <p:ph type="ftr" sz="quarter" idx="11"/>
+          </p:nvPr>
+        </p:nvSpPr>
+        <p:spPr/>
+        <p:txBody>
+          <a:bodyPr/>
+          <a:lstStyle/>
+          <a:p>
+            <a:endParaRPr lang="en-US"/>
+          </a:p>
+        </p:txBody>
+      </p:sp>
+      <p:sp>
+        <p:nvSpPr>
+          <p:cNvPr id="9" name="Freeform 11"/>
+          <p:cNvSpPr/>
+          <p:nvPr/>
+        </p:nvSpPr>
+        <p:spPr bwMode="auto">
+          <a:xfrm flipV="1">
+            <a:off x="-4189" y="4911725"/>
+            <a:ext cx="1588527" cy="507297"/>
+          </a:xfrm>
+          <a:custGeom>
+            <a:avLst/>
+            <a:gdLst/>
+            <a:ahLst/>
+            <a:cxnLst/>
+            <a:rect l="l" t="t" r="r" b="b"/>
+            <a:pathLst>
+              <a:path w="9248" h="10000">
+                <a:moveTo>
+                  <a:pt x="9248" y="4701"/>
+                </a:moveTo>
+                <a:lnTo>
+                  <a:pt x="7915" y="188"/>
+                </a:lnTo>
+                <a:cubicBezTo>
+                  <a:pt x="7906" y="156"/>
+                  <a:pt x="7895" y="126"/>
+                  <a:pt x="7886" y="94"/>
+                </a:cubicBezTo>
+                <a:cubicBezTo>
+                  <a:pt x="7859" y="0"/>
+                  <a:pt x="7831" y="0"/>
+                  <a:pt x="7803" y="0"/>
+                </a:cubicBezTo>
+                <a:lnTo>
+                  <a:pt x="7275" y="0"/>
+                </a:lnTo>
+                <a:lnTo>
+                  <a:pt x="0" y="70"/>
+                </a:lnTo>
+                <a:cubicBezTo>
+                  <a:pt x="8" y="3380"/>
+                  <a:pt x="17" y="6690"/>
+                  <a:pt x="25" y="10000"/>
+                </a:cubicBezTo>
+                <a:lnTo>
+                  <a:pt x="7275" y="9966"/>
+                </a:lnTo>
+                <a:lnTo>
+                  <a:pt x="7803" y="9966"/>
+                </a:lnTo>
+                <a:cubicBezTo>
+                  <a:pt x="7831" y="9966"/>
+                  <a:pt x="7859" y="9872"/>
+                  <a:pt x="7886" y="9872"/>
+                </a:cubicBezTo>
+                <a:cubicBezTo>
+                  <a:pt x="7886" y="9778"/>
+                  <a:pt x="7915" y="9778"/>
+                  <a:pt x="7915" y="9778"/>
+                </a:cubicBezTo>
+                <a:lnTo>
+                  <a:pt x="9248" y="5265"/>
+                </a:lnTo>
+                <a:cubicBezTo>
+                  <a:pt x="9303" y="5077"/>
+                  <a:pt x="9303" y="4889"/>
+                  <a:pt x="9248" y="4701"/>
+                </a:cubicBezTo>
+                <a:close/>
+              </a:path>
+            </a:pathLst>
+          </a:custGeom>
+          <a:solidFill>
+            <a:schemeClr val="accent1"/>
+          </a:solidFill>
+          <a:ln>
+            <a:noFill/>
+          </a:ln>
+        </p:spPr>
+      </p:sp>
+      <p:sp>
+        <p:nvSpPr>
+          <p:cNvPr id="7" name="Slide Number Placeholder 6"/>
+          <p:cNvSpPr>
+            <a:spLocks noGrp="1"/>
+          </p:cNvSpPr>
+          <p:nvPr>
+            <p:ph type="sldNum" sz="quarter" idx="12"/>
+          </p:nvPr>
+        </p:nvSpPr>
+        <p:spPr>
+          <a:xfrm>
+            <a:off x="531812" y="4983087"/>
+            <a:ext cx="779767" cy="365125"/>
+          </a:xfrm>
+        </p:spPr>
+        <p:txBody>
+          <a:bodyPr/>
+          <a:lstStyle/>
+          <a:p>
+            <a:fld id="{0DCCCEBE-DE2E-47FA-A885-DAA98D1C9286}" type="slidenum">
+              <a:rPr lang="en-US" smtClean="0"/>
+              <a:t>‹#›</a:t>
+            </a:fld>
+            <a:endParaRPr lang="en-US"/>
+          </a:p>
+        </p:txBody>
+      </p:sp>
+    </p:spTree>
+    <p:extLst>
+      <p:ext uri="{BB962C8B-B14F-4D97-AF65-F5344CB8AC3E}">
+        <p14:creationId xmlns:p14="http://schemas.microsoft.com/office/powerpoint/2010/main" val="2389992486"/>
+      </p:ext>
+    </p:extLst>
+  </p:cSld>
+  <p:clrMapOvr>
+    <a:masterClrMapping/>
+  </p:clrMapOvr>
+</p:sldLayout>
+</file>
+
+<file path=ppt/slideLayouts/slideLayout13.xml><?xml version="1.0" encoding="utf-8"?>
+<p:sldLayout xmlns:a="http://schemas.openxmlformats.org/drawingml/2006/main" xmlns:r="http://schemas.openxmlformats.org/officeDocument/2006/relationships" xmlns:p="http://schemas.openxmlformats.org/presentationml/2006/main" preserve="1">
+  <p:cSld name="Quote Name Card">
+    <p:spTree>
+      <p:nvGrpSpPr>
+        <p:cNvPr id="1" name=""/>
+        <p:cNvGrpSpPr/>
+        <p:nvPr/>
+      </p:nvGrpSpPr>
+      <p:grpSpPr>
+        <a:xfrm>
+          <a:off x="0" y="0"/>
+          <a:ext cx="0" cy="0"/>
+          <a:chOff x="0" y="0"/>
+          <a:chExt cx="0" cy="0"/>
+        </a:xfrm>
+      </p:grpSpPr>
+      <p:sp>
+        <p:nvSpPr>
+          <p:cNvPr id="12" name="Title 1"/>
+          <p:cNvSpPr>
+            <a:spLocks noGrp="1"/>
+          </p:cNvSpPr>
+          <p:nvPr>
+            <p:ph type="title"/>
+          </p:nvPr>
+        </p:nvSpPr>
+        <p:spPr>
+          <a:xfrm>
+            <a:off x="2849949" y="609600"/>
+            <a:ext cx="8393926" cy="2895600"/>
+          </a:xfrm>
+        </p:spPr>
+        <p:txBody>
+          <a:bodyPr anchor="ctr">
+            <a:normAutofit/>
+          </a:bodyPr>
+          <a:lstStyle>
+            <a:lvl1pPr algn="l">
+              <a:defRPr sz="4800" b="0" cap="none"/>
+            </a:lvl1pPr>
+          </a:lstStyle>
+          <a:p>
+            <a:r>
+              <a:rPr lang="en-US"/>
+              <a:t>Click to edit Master title style</a:t>
+            </a:r>
+            <a:endParaRPr lang="en-US" dirty="0"/>
+          </a:p>
+        </p:txBody>
+      </p:sp>
+      <p:sp>
+        <p:nvSpPr>
+          <p:cNvPr id="21" name="Text Placeholder 9"/>
+          <p:cNvSpPr>
+            <a:spLocks noGrp="1"/>
+          </p:cNvSpPr>
+          <p:nvPr>
+            <p:ph type="body" sz="quarter" idx="13"/>
+          </p:nvPr>
+        </p:nvSpPr>
+        <p:spPr>
+          <a:xfrm>
+            <a:off x="2589212" y="4343400"/>
+            <a:ext cx="8915400" cy="838200"/>
+          </a:xfrm>
+        </p:spPr>
+        <p:txBody>
+          <a:bodyPr anchor="b">
+            <a:noAutofit/>
+          </a:bodyPr>
+          <a:lstStyle>
+            <a:lvl1pPr marL="0" indent="0">
+              <a:buFontTx/>
+              <a:buNone/>
+              <a:defRPr sz="2400">
+                <a:solidFill>
+                  <a:schemeClr val="accent1"/>
+                </a:solidFill>
+              </a:defRPr>
+            </a:lvl1pPr>
+            <a:lvl2pPr marL="457200" indent="0">
+              <a:buFontTx/>
+              <a:buNone/>
+              <a:defRPr/>
+            </a:lvl2pPr>
+            <a:lvl3pPr marL="914400" indent="0">
+              <a:buFontTx/>
+              <a:buNone/>
+              <a:defRPr/>
+            </a:lvl3pPr>
+            <a:lvl4pPr marL="1371600" indent="0">
+              <a:buFontTx/>
+              <a:buNone/>
+              <a:defRPr/>
+            </a:lvl4pPr>
+            <a:lvl5pPr marL="1828800" indent="0">
+              <a:buFontTx/>
+              <a:buNone/>
+              <a:defRPr/>
+            </a:lvl5pPr>
+          </a:lstStyle>
+          <a:p>
+            <a:pPr lvl="0"/>
+            <a:r>
+              <a:rPr lang="en-US"/>
+              <a:t>Click to edit Master text styles</a:t>
+            </a:r>
+          </a:p>
+        </p:txBody>
+      </p:sp>
+      <p:sp>
+        <p:nvSpPr>
+          <p:cNvPr id="4" name="Text Placeholder 3"/>
+          <p:cNvSpPr>
+            <a:spLocks noGrp="1"/>
+          </p:cNvSpPr>
+          <p:nvPr>
+            <p:ph type="body" sz="half" idx="2"/>
+          </p:nvPr>
+        </p:nvSpPr>
+        <p:spPr>
+          <a:xfrm>
+            <a:off x="2589213" y="5181600"/>
+            <a:ext cx="8915400" cy="729622"/>
+          </a:xfrm>
+        </p:spPr>
+        <p:txBody>
+          <a:bodyPr vert="horz" lIns="91440" tIns="45720" rIns="91440" bIns="45720" rtlCol="0" anchor="t">
+            <a:normAutofit/>
+          </a:bodyPr>
+          <a:lstStyle>
+            <a:lvl1pPr>
+              <a:buNone/>
+              <a:defRPr lang="en-US">
+                <a:solidFill>
+                  <a:schemeClr val="tx1">
+                    <a:lumMod val="65000"/>
+                    <a:lumOff val="35000"/>
+                  </a:schemeClr>
+                </a:solidFill>
+              </a:defRPr>
+            </a:lvl1pPr>
+          </a:lstStyle>
+          <a:p>
+            <a:pPr marL="0" lvl="0" indent="0">
+              <a:buNone/>
+            </a:pPr>
+            <a:r>
+              <a:rPr lang="en-US"/>
+              <a:t>Click to edit Master text styles</a:t>
+            </a:r>
+          </a:p>
+        </p:txBody>
+      </p:sp>
+      <p:sp>
+        <p:nvSpPr>
+          <p:cNvPr id="5" name="Date Placeholder 4"/>
+          <p:cNvSpPr>
+            <a:spLocks noGrp="1"/>
+          </p:cNvSpPr>
+          <p:nvPr>
+            <p:ph type="dt" sz="half" idx="10"/>
+          </p:nvPr>
+        </p:nvSpPr>
+        <p:spPr/>
+        <p:txBody>
+          <a:bodyPr/>
+          <a:lstStyle/>
+          <a:p>
+            <a:fld id="{25EF3B13-7E36-4CB1-A31A-4FE272CD73E2}" type="datetimeFigureOut">
+              <a:rPr lang="en-US" smtClean="0"/>
+              <a:t>10/22/2023</a:t>
+            </a:fld>
+            <a:endParaRPr lang="en-US"/>
+          </a:p>
+        </p:txBody>
+      </p:sp>
+      <p:sp>
+        <p:nvSpPr>
+          <p:cNvPr id="6" name="Footer Placeholder 5"/>
+          <p:cNvSpPr>
+            <a:spLocks noGrp="1"/>
+          </p:cNvSpPr>
+          <p:nvPr>
+            <p:ph type="ftr" sz="quarter" idx="11"/>
+          </p:nvPr>
+        </p:nvSpPr>
+        <p:spPr/>
+        <p:txBody>
+          <a:bodyPr/>
+          <a:lstStyle/>
+          <a:p>
+            <a:endParaRPr lang="en-US"/>
+          </a:p>
+        </p:txBody>
+      </p:sp>
+      <p:sp>
+        <p:nvSpPr>
+          <p:cNvPr id="11" name="Freeform 11"/>
+          <p:cNvSpPr/>
+          <p:nvPr/>
+        </p:nvSpPr>
+        <p:spPr bwMode="auto">
+          <a:xfrm flipV="1">
+            <a:off x="-4189" y="4911725"/>
+            <a:ext cx="1588527" cy="507297"/>
+          </a:xfrm>
+          <a:custGeom>
+            <a:avLst/>
+            <a:gdLst/>
+            <a:ahLst/>
+            <a:cxnLst/>
+            <a:rect l="l" t="t" r="r" b="b"/>
+            <a:pathLst>
+              <a:path w="9248" h="10000">
+                <a:moveTo>
+                  <a:pt x="9248" y="4701"/>
+                </a:moveTo>
+                <a:lnTo>
+                  <a:pt x="7915" y="188"/>
+                </a:lnTo>
+                <a:cubicBezTo>
+                  <a:pt x="7906" y="156"/>
+                  <a:pt x="7895" y="126"/>
+                  <a:pt x="7886" y="94"/>
+                </a:cubicBezTo>
+                <a:cubicBezTo>
+                  <a:pt x="7859" y="0"/>
+                  <a:pt x="7831" y="0"/>
+                  <a:pt x="7803" y="0"/>
+                </a:cubicBezTo>
+                <a:lnTo>
+                  <a:pt x="7275" y="0"/>
+                </a:lnTo>
+                <a:lnTo>
+                  <a:pt x="0" y="70"/>
+                </a:lnTo>
+                <a:cubicBezTo>
+                  <a:pt x="8" y="3380"/>
+                  <a:pt x="17" y="6690"/>
+                  <a:pt x="25" y="10000"/>
+                </a:cubicBezTo>
+                <a:lnTo>
+                  <a:pt x="7275" y="9966"/>
+                </a:lnTo>
+                <a:lnTo>
+                  <a:pt x="7803" y="9966"/>
+                </a:lnTo>
+                <a:cubicBezTo>
+                  <a:pt x="7831" y="9966"/>
+                  <a:pt x="7859" y="9872"/>
+                  <a:pt x="7886" y="9872"/>
+                </a:cubicBezTo>
+                <a:cubicBezTo>
+                  <a:pt x="7886" y="9778"/>
+                  <a:pt x="7915" y="9778"/>
+                  <a:pt x="7915" y="9778"/>
+                </a:cubicBezTo>
+                <a:lnTo>
+                  <a:pt x="9248" y="5265"/>
+                </a:lnTo>
+                <a:cubicBezTo>
+                  <a:pt x="9303" y="5077"/>
+                  <a:pt x="9303" y="4889"/>
+                  <a:pt x="9248" y="4701"/>
+                </a:cubicBezTo>
+                <a:close/>
+              </a:path>
+            </a:pathLst>
+          </a:custGeom>
+          <a:solidFill>
+            <a:schemeClr val="accent1"/>
+          </a:solidFill>
+          <a:ln>
+            <a:noFill/>
+          </a:ln>
+        </p:spPr>
+      </p:sp>
+      <p:sp>
+        <p:nvSpPr>
+          <p:cNvPr id="7" name="Slide Number Placeholder 6"/>
+          <p:cNvSpPr>
+            <a:spLocks noGrp="1"/>
+          </p:cNvSpPr>
+          <p:nvPr>
+            <p:ph type="sldNum" sz="quarter" idx="12"/>
+          </p:nvPr>
+        </p:nvSpPr>
+        <p:spPr>
+          <a:xfrm>
+            <a:off x="531812" y="4983087"/>
+            <a:ext cx="779767" cy="365125"/>
+          </a:xfrm>
+        </p:spPr>
+        <p:txBody>
+          <a:bodyPr/>
+          <a:lstStyle/>
+          <a:p>
+            <a:fld id="{0DCCCEBE-DE2E-47FA-A885-DAA98D1C9286}" type="slidenum">
+              <a:rPr lang="en-US" smtClean="0"/>
+              <a:t>‹#›</a:t>
+            </a:fld>
+            <a:endParaRPr lang="en-US"/>
+          </a:p>
+        </p:txBody>
+      </p:sp>
+      <p:sp>
+        <p:nvSpPr>
+          <p:cNvPr id="17" name="TextBox 16"/>
+          <p:cNvSpPr txBox="1"/>
+          <p:nvPr/>
+        </p:nvSpPr>
+        <p:spPr>
+          <a:xfrm>
+            <a:off x="2467652" y="648005"/>
+            <a:ext cx="609600" cy="584776"/>
+          </a:xfrm>
+          <a:prstGeom prst="rect">
+            <a:avLst/>
+          </a:prstGeom>
+        </p:spPr>
+        <p:txBody>
+          <a:bodyPr vert="horz" lIns="91440" tIns="45720" rIns="91440" bIns="45720" rtlCol="0" anchor="ctr">
+            <a:noAutofit/>
+          </a:bodyPr>
+          <a:lstStyle/>
+          <a:p>
+            <a:pPr lvl="0"/>
+            <a:r>
+              <a:rPr lang="en-US" sz="8000" baseline="0" dirty="0">
+                <a:ln w="3175" cmpd="sng">
+                  <a:noFill/>
+                </a:ln>
+                <a:solidFill>
+                  <a:schemeClr val="accent1"/>
+                </a:solidFill>
+                <a:effectLst/>
+                <a:latin typeface="Arial"/>
+              </a:rPr>
+              <a:t>“</a:t>
+            </a:r>
+          </a:p>
+        </p:txBody>
+      </p:sp>
+      <p:sp>
+        <p:nvSpPr>
+          <p:cNvPr id="18" name="TextBox 17"/>
+          <p:cNvSpPr txBox="1"/>
+          <p:nvPr/>
+        </p:nvSpPr>
+        <p:spPr>
+          <a:xfrm>
+            <a:off x="11114852" y="2905306"/>
+            <a:ext cx="609600" cy="584776"/>
+          </a:xfrm>
+          <a:prstGeom prst="rect">
+            <a:avLst/>
+          </a:prstGeom>
+        </p:spPr>
+        <p:txBody>
+          <a:bodyPr vert="horz" lIns="91440" tIns="45720" rIns="91440" bIns="45720" rtlCol="0" anchor="ctr">
+            <a:noAutofit/>
+          </a:bodyPr>
+          <a:lstStyle/>
+          <a:p>
+            <a:pPr lvl="0"/>
+            <a:r>
+              <a:rPr lang="en-US" sz="8000" baseline="0" dirty="0">
+                <a:ln w="3175" cmpd="sng">
+                  <a:noFill/>
+                </a:ln>
+                <a:solidFill>
+                  <a:schemeClr val="accent1"/>
+                </a:solidFill>
+                <a:effectLst/>
+                <a:latin typeface="Arial"/>
+              </a:rPr>
+              <a:t>”</a:t>
+            </a:r>
+          </a:p>
+        </p:txBody>
+      </p:sp>
+    </p:spTree>
+    <p:extLst>
+      <p:ext uri="{BB962C8B-B14F-4D97-AF65-F5344CB8AC3E}">
+        <p14:creationId xmlns:p14="http://schemas.microsoft.com/office/powerpoint/2010/main" val="3270236765"/>
+      </p:ext>
+    </p:extLst>
+  </p:cSld>
+  <p:clrMapOvr>
+    <a:masterClrMapping/>
+  </p:clrMapOvr>
+</p:sldLayout>
+</file>
+
+<file path=ppt/slideLayouts/slideLayout14.xml><?xml version="1.0" encoding="utf-8"?>
+<p:sldLayout xmlns:a="http://schemas.openxmlformats.org/drawingml/2006/main" xmlns:r="http://schemas.openxmlformats.org/officeDocument/2006/relationships" xmlns:p="http://schemas.openxmlformats.org/presentationml/2006/main" preserve="1">
+  <p:cSld name="True or False">
+    <p:spTree>
+      <p:nvGrpSpPr>
+        <p:cNvPr id="1" name=""/>
+        <p:cNvGrpSpPr/>
+        <p:nvPr/>
+      </p:nvGrpSpPr>
+      <p:grpSpPr>
+        <a:xfrm>
+          <a:off x="0" y="0"/>
+          <a:ext cx="0" cy="0"/>
+          <a:chOff x="0" y="0"/>
+          <a:chExt cx="0" cy="0"/>
+        </a:xfrm>
+      </p:grpSpPr>
+      <p:sp>
+        <p:nvSpPr>
+          <p:cNvPr id="2" name="Title 1"/>
+          <p:cNvSpPr>
+            <a:spLocks noGrp="1"/>
+          </p:cNvSpPr>
+          <p:nvPr>
+            <p:ph type="title"/>
+          </p:nvPr>
+        </p:nvSpPr>
+        <p:spPr>
+          <a:xfrm>
+            <a:off x="2589212" y="627407"/>
+            <a:ext cx="8915399" cy="2880020"/>
+          </a:xfrm>
+        </p:spPr>
+        <p:txBody>
+          <a:bodyPr anchor="ctr">
+            <a:normAutofit/>
+          </a:bodyPr>
+          <a:lstStyle>
+            <a:lvl1pPr algn="l">
+              <a:defRPr sz="4800" b="0"/>
+            </a:lvl1pPr>
+          </a:lstStyle>
+          <a:p>
+            <a:r>
+              <a:rPr lang="en-US"/>
+              <a:t>Click to edit Master title style</a:t>
+            </a:r>
+            <a:endParaRPr lang="en-US" dirty="0"/>
+          </a:p>
+        </p:txBody>
+      </p:sp>
+      <p:sp>
+        <p:nvSpPr>
+          <p:cNvPr id="21" name="Text Placeholder 9"/>
+          <p:cNvSpPr>
+            <a:spLocks noGrp="1"/>
+          </p:cNvSpPr>
+          <p:nvPr>
+            <p:ph type="body" sz="quarter" idx="13"/>
+          </p:nvPr>
+        </p:nvSpPr>
+        <p:spPr>
+          <a:xfrm>
+            <a:off x="2589212" y="4343400"/>
+            <a:ext cx="8915400" cy="838200"/>
+          </a:xfrm>
+        </p:spPr>
+        <p:txBody>
+          <a:bodyPr anchor="b">
+            <a:noAutofit/>
+          </a:bodyPr>
+          <a:lstStyle>
+            <a:lvl1pPr marL="0" indent="0">
+              <a:buFontTx/>
+              <a:buNone/>
+              <a:defRPr sz="2400">
+                <a:solidFill>
+                  <a:schemeClr val="accent1"/>
+                </a:solidFill>
+              </a:defRPr>
+            </a:lvl1pPr>
+            <a:lvl2pPr marL="457200" indent="0">
+              <a:buFontTx/>
+              <a:buNone/>
+              <a:defRPr/>
+            </a:lvl2pPr>
+            <a:lvl3pPr marL="914400" indent="0">
+              <a:buFontTx/>
+              <a:buNone/>
+              <a:defRPr/>
+            </a:lvl3pPr>
+            <a:lvl4pPr marL="1371600" indent="0">
+              <a:buFontTx/>
+              <a:buNone/>
+              <a:defRPr/>
+            </a:lvl4pPr>
+            <a:lvl5pPr marL="1828800" indent="0">
+              <a:buFontTx/>
+              <a:buNone/>
+              <a:defRPr/>
+            </a:lvl5pPr>
+          </a:lstStyle>
+          <a:p>
+            <a:pPr lvl="0"/>
+            <a:r>
+              <a:rPr lang="en-US"/>
+              <a:t>Click to edit Master text styles</a:t>
+            </a:r>
+          </a:p>
+        </p:txBody>
+      </p:sp>
+      <p:sp>
+        <p:nvSpPr>
+          <p:cNvPr id="4" name="Text Placeholder 3"/>
+          <p:cNvSpPr>
+            <a:spLocks noGrp="1"/>
+          </p:cNvSpPr>
+          <p:nvPr>
+            <p:ph type="body" sz="half" idx="2"/>
+          </p:nvPr>
+        </p:nvSpPr>
+        <p:spPr>
+          <a:xfrm>
+            <a:off x="2589213" y="5181600"/>
+            <a:ext cx="8915400" cy="729622"/>
+          </a:xfrm>
+        </p:spPr>
+        <p:txBody>
+          <a:bodyPr vert="horz" lIns="91440" tIns="45720" rIns="91440" bIns="45720" rtlCol="0" anchor="t">
+            <a:normAutofit/>
+          </a:bodyPr>
+          <a:lstStyle>
+            <a:lvl1pPr>
+              <a:buNone/>
+              <a:defRPr lang="en-US">
+                <a:solidFill>
+                  <a:schemeClr val="tx1">
+                    <a:lumMod val="65000"/>
+                    <a:lumOff val="35000"/>
+                  </a:schemeClr>
+                </a:solidFill>
+              </a:defRPr>
+            </a:lvl1pPr>
+          </a:lstStyle>
+          <a:p>
+            <a:pPr marL="0" lvl="0" indent="0">
+              <a:buNone/>
+            </a:pPr>
+            <a:r>
+              <a:rPr lang="en-US"/>
+              <a:t>Click to edit Master text styles</a:t>
+            </a:r>
+          </a:p>
+        </p:txBody>
+      </p:sp>
+      <p:sp>
+        <p:nvSpPr>
+          <p:cNvPr id="5" name="Date Placeholder 4"/>
+          <p:cNvSpPr>
+            <a:spLocks noGrp="1"/>
+          </p:cNvSpPr>
+          <p:nvPr>
+            <p:ph type="dt" sz="half" idx="10"/>
+          </p:nvPr>
+        </p:nvSpPr>
+        <p:spPr/>
+        <p:txBody>
+          <a:bodyPr/>
+          <a:lstStyle/>
+          <a:p>
+            <a:fld id="{25EF3B13-7E36-4CB1-A31A-4FE272CD73E2}" type="datetimeFigureOut">
+              <a:rPr lang="en-US" smtClean="0"/>
+              <a:t>10/22/2023</a:t>
+            </a:fld>
+            <a:endParaRPr lang="en-US"/>
+          </a:p>
+        </p:txBody>
+      </p:sp>
+      <p:sp>
+        <p:nvSpPr>
+          <p:cNvPr id="6" name="Footer Placeholder 5"/>
+          <p:cNvSpPr>
+            <a:spLocks noGrp="1"/>
+          </p:cNvSpPr>
+          <p:nvPr>
+            <p:ph type="ftr" sz="quarter" idx="11"/>
+          </p:nvPr>
+        </p:nvSpPr>
+        <p:spPr/>
+        <p:txBody>
+          <a:bodyPr/>
+          <a:lstStyle/>
+          <a:p>
+            <a:endParaRPr lang="en-US"/>
+          </a:p>
+        </p:txBody>
+      </p:sp>
+      <p:sp>
+        <p:nvSpPr>
+          <p:cNvPr id="9" name="Freeform 11"/>
+          <p:cNvSpPr/>
+          <p:nvPr/>
+        </p:nvSpPr>
+        <p:spPr bwMode="auto">
+          <a:xfrm flipV="1">
+            <a:off x="-4189" y="4911725"/>
+            <a:ext cx="1588527" cy="507297"/>
+          </a:xfrm>
+          <a:custGeom>
+            <a:avLst/>
+            <a:gdLst/>
+            <a:ahLst/>
+            <a:cxnLst/>
+            <a:rect l="l" t="t" r="r" b="b"/>
+            <a:pathLst>
+              <a:path w="9248" h="10000">
+                <a:moveTo>
+                  <a:pt x="9248" y="4701"/>
+                </a:moveTo>
+                <a:lnTo>
+                  <a:pt x="7915" y="188"/>
+                </a:lnTo>
+                <a:cubicBezTo>
+                  <a:pt x="7906" y="156"/>
+                  <a:pt x="7895" y="126"/>
+                  <a:pt x="7886" y="94"/>
+                </a:cubicBezTo>
+                <a:cubicBezTo>
+                  <a:pt x="7859" y="0"/>
+                  <a:pt x="7831" y="0"/>
+                  <a:pt x="7803" y="0"/>
+                </a:cubicBezTo>
+                <a:lnTo>
+                  <a:pt x="7275" y="0"/>
+                </a:lnTo>
+                <a:lnTo>
+                  <a:pt x="0" y="70"/>
+                </a:lnTo>
+                <a:cubicBezTo>
+                  <a:pt x="8" y="3380"/>
+                  <a:pt x="17" y="6690"/>
+                  <a:pt x="25" y="10000"/>
+                </a:cubicBezTo>
+                <a:lnTo>
+                  <a:pt x="7275" y="9966"/>
+                </a:lnTo>
+                <a:lnTo>
+                  <a:pt x="7803" y="9966"/>
+                </a:lnTo>
+                <a:cubicBezTo>
+                  <a:pt x="7831" y="9966"/>
+                  <a:pt x="7859" y="9872"/>
+                  <a:pt x="7886" y="9872"/>
+                </a:cubicBezTo>
+                <a:cubicBezTo>
+                  <a:pt x="7886" y="9778"/>
+                  <a:pt x="7915" y="9778"/>
+                  <a:pt x="7915" y="9778"/>
+                </a:cubicBezTo>
+                <a:lnTo>
+                  <a:pt x="9248" y="5265"/>
+                </a:lnTo>
+                <a:cubicBezTo>
+                  <a:pt x="9303" y="5077"/>
+                  <a:pt x="9303" y="4889"/>
+                  <a:pt x="9248" y="4701"/>
+                </a:cubicBezTo>
+                <a:close/>
+              </a:path>
+            </a:pathLst>
+          </a:custGeom>
+          <a:solidFill>
+            <a:schemeClr val="accent1"/>
+          </a:solidFill>
+          <a:ln>
+            <a:noFill/>
+          </a:ln>
+        </p:spPr>
+      </p:sp>
+      <p:sp>
+        <p:nvSpPr>
+          <p:cNvPr id="7" name="Slide Number Placeholder 6"/>
+          <p:cNvSpPr>
+            <a:spLocks noGrp="1"/>
+          </p:cNvSpPr>
+          <p:nvPr>
+            <p:ph type="sldNum" sz="quarter" idx="12"/>
+          </p:nvPr>
+        </p:nvSpPr>
+        <p:spPr>
+          <a:xfrm>
+            <a:off x="531812" y="4983087"/>
+            <a:ext cx="779767" cy="365125"/>
+          </a:xfrm>
+        </p:spPr>
+        <p:txBody>
+          <a:bodyPr/>
+          <a:lstStyle/>
+          <a:p>
+            <a:fld id="{0DCCCEBE-DE2E-47FA-A885-DAA98D1C9286}" type="slidenum">
+              <a:rPr lang="en-US" smtClean="0"/>
+              <a:t>‹#›</a:t>
+            </a:fld>
+            <a:endParaRPr lang="en-US"/>
+          </a:p>
+        </p:txBody>
+      </p:sp>
+    </p:spTree>
+    <p:extLst>
+      <p:ext uri="{BB962C8B-B14F-4D97-AF65-F5344CB8AC3E}">
+        <p14:creationId xmlns:p14="http://schemas.microsoft.com/office/powerpoint/2010/main" val="1656828640"/>
+      </p:ext>
+    </p:extLst>
+  </p:cSld>
+  <p:clrMapOvr>
+    <a:masterClrMapping/>
+  </p:clrMapOvr>
+</p:sldLayout>
+</file>
+
+<file path=ppt/slideLayouts/slideLayout15.xml><?xml version="1.0" encoding="utf-8"?>
 <p:sldLayout xmlns:a="http://schemas.openxmlformats.org/drawingml/2006/main" xmlns:r="http://schemas.openxmlformats.org/officeDocument/2006/relationships" xmlns:p="http://schemas.openxmlformats.org/presentationml/2006/main" type="vertTx" preserve="1">
   <p:cSld name="Title and Vertical Text">
     <p:spTree>
@@ -347,13 +2259,7 @@
       </p:grpSpPr>
       <p:sp>
         <p:nvSpPr>
-          <p:cNvPr id="2" name="Title 1">
-            <a:extLst>
-              <a:ext uri="{FF2B5EF4-FFF2-40B4-BE49-F238E27FC236}">
-                <a16:creationId xmlns:a16="http://schemas.microsoft.com/office/drawing/2014/main" id="{1992C47F-C799-B18F-B66C-39889D68C18A}"/>
-              </a:ext>
-            </a:extLst>
-          </p:cNvPr>
+          <p:cNvPr id="2" name="Title 1"/>
           <p:cNvSpPr>
             <a:spLocks noGrp="1"/>
           </p:cNvSpPr>
@@ -370,18 +2276,13 @@
               <a:rPr lang="en-US"/>
               <a:t>Click to edit Master title style</a:t>
             </a:r>
-          </a:p>
-        </p:txBody>
-      </p:sp>
-      <p:sp>
-        <p:nvSpPr>
-          <p:cNvPr id="3" name="Vertical Text Placeholder 2">
-            <a:extLst>
-              <a:ext uri="{FF2B5EF4-FFF2-40B4-BE49-F238E27FC236}">
-                <a16:creationId xmlns:a16="http://schemas.microsoft.com/office/drawing/2014/main" id="{BBF8FB07-F3A6-8024-FDBA-61D32DE43588}"/>
-              </a:ext>
-            </a:extLst>
-          </p:cNvPr>
+            <a:endParaRPr lang="en-US" dirty="0"/>
+          </a:p>
+        </p:txBody>
+      </p:sp>
+      <p:sp>
+        <p:nvSpPr>
+          <p:cNvPr id="3" name="Vertical Text Placeholder 2"/>
           <p:cNvSpPr>
             <a:spLocks noGrp="1"/>
           </p:cNvSpPr>
@@ -391,7 +2292,7 @@
         </p:nvSpPr>
         <p:spPr/>
         <p:txBody>
-          <a:bodyPr vert="eaVert"/>
+          <a:bodyPr vert="eaVert" anchor="t"/>
           <a:lstStyle/>
           <a:p>
             <a:pPr lvl="0"/>
@@ -427,18 +2328,13 @@
               <a:rPr lang="en-US"/>
               <a:t>Fifth level</a:t>
             </a:r>
-          </a:p>
-        </p:txBody>
-      </p:sp>
-      <p:sp>
-        <p:nvSpPr>
-          <p:cNvPr id="4" name="Date Placeholder 3">
-            <a:extLst>
-              <a:ext uri="{FF2B5EF4-FFF2-40B4-BE49-F238E27FC236}">
-                <a16:creationId xmlns:a16="http://schemas.microsoft.com/office/drawing/2014/main" id="{3998C8A0-DC2B-7FBA-84D0-B46A821B87CA}"/>
-              </a:ext>
-            </a:extLst>
-          </p:cNvPr>
+            <a:endParaRPr lang="en-US" dirty="0"/>
+          </a:p>
+        </p:txBody>
+      </p:sp>
+      <p:sp>
+        <p:nvSpPr>
+          <p:cNvPr id="4" name="Date Placeholder 3"/>
           <p:cNvSpPr>
             <a:spLocks noGrp="1"/>
           </p:cNvSpPr>
@@ -461,13 +2357,7 @@
       </p:sp>
       <p:sp>
         <p:nvSpPr>
-          <p:cNvPr id="5" name="Footer Placeholder 4">
-            <a:extLst>
-              <a:ext uri="{FF2B5EF4-FFF2-40B4-BE49-F238E27FC236}">
-                <a16:creationId xmlns:a16="http://schemas.microsoft.com/office/drawing/2014/main" id="{C0EB7502-9F41-01B3-2FCB-8D1723A757FB}"/>
-              </a:ext>
-            </a:extLst>
-          </p:cNvPr>
+          <p:cNvPr id="5" name="Footer Placeholder 4"/>
           <p:cNvSpPr>
             <a:spLocks noGrp="1"/>
           </p:cNvSpPr>
@@ -486,13 +2376,89 @@
       </p:sp>
       <p:sp>
         <p:nvSpPr>
-          <p:cNvPr id="6" name="Slide Number Placeholder 5">
-            <a:extLst>
-              <a:ext uri="{FF2B5EF4-FFF2-40B4-BE49-F238E27FC236}">
-                <a16:creationId xmlns:a16="http://schemas.microsoft.com/office/drawing/2014/main" id="{EA474D6B-CA76-43DF-35FF-A61A8EE7926C}"/>
-              </a:ext>
-            </a:extLst>
-          </p:cNvPr>
+          <p:cNvPr id="8" name="Freeform 11"/>
+          <p:cNvSpPr/>
+          <p:nvPr/>
+        </p:nvSpPr>
+        <p:spPr bwMode="auto">
+          <a:xfrm flipV="1">
+            <a:off x="-4189" y="714375"/>
+            <a:ext cx="1588527" cy="507297"/>
+          </a:xfrm>
+          <a:custGeom>
+            <a:avLst/>
+            <a:gdLst/>
+            <a:ahLst/>
+            <a:cxnLst/>
+            <a:rect l="l" t="t" r="r" b="b"/>
+            <a:pathLst>
+              <a:path w="9248" h="10000">
+                <a:moveTo>
+                  <a:pt x="9248" y="4701"/>
+                </a:moveTo>
+                <a:lnTo>
+                  <a:pt x="7915" y="188"/>
+                </a:lnTo>
+                <a:cubicBezTo>
+                  <a:pt x="7906" y="156"/>
+                  <a:pt x="7895" y="126"/>
+                  <a:pt x="7886" y="94"/>
+                </a:cubicBezTo>
+                <a:cubicBezTo>
+                  <a:pt x="7859" y="0"/>
+                  <a:pt x="7831" y="0"/>
+                  <a:pt x="7803" y="0"/>
+                </a:cubicBezTo>
+                <a:lnTo>
+                  <a:pt x="7275" y="0"/>
+                </a:lnTo>
+                <a:lnTo>
+                  <a:pt x="0" y="70"/>
+                </a:lnTo>
+                <a:cubicBezTo>
+                  <a:pt x="8" y="3380"/>
+                  <a:pt x="17" y="6690"/>
+                  <a:pt x="25" y="10000"/>
+                </a:cubicBezTo>
+                <a:lnTo>
+                  <a:pt x="7275" y="9966"/>
+                </a:lnTo>
+                <a:lnTo>
+                  <a:pt x="7803" y="9966"/>
+                </a:lnTo>
+                <a:cubicBezTo>
+                  <a:pt x="7831" y="9966"/>
+                  <a:pt x="7859" y="9872"/>
+                  <a:pt x="7886" y="9872"/>
+                </a:cubicBezTo>
+                <a:cubicBezTo>
+                  <a:pt x="7886" y="9778"/>
+                  <a:pt x="7915" y="9778"/>
+                  <a:pt x="7915" y="9778"/>
+                </a:cubicBezTo>
+                <a:lnTo>
+                  <a:pt x="9248" y="5265"/>
+                </a:lnTo>
+                <a:cubicBezTo>
+                  <a:pt x="9303" y="5077"/>
+                  <a:pt x="9303" y="4889"/>
+                  <a:pt x="9248" y="4701"/>
+                </a:cubicBezTo>
+                <a:close/>
+              </a:path>
+            </a:pathLst>
+          </a:custGeom>
+          <a:solidFill>
+            <a:schemeClr val="accent1"/>
+          </a:solidFill>
+          <a:ln>
+            <a:noFill/>
+          </a:ln>
+        </p:spPr>
+      </p:sp>
+      <p:sp>
+        <p:nvSpPr>
+          <p:cNvPr id="6" name="Slide Number Placeholder 5"/>
           <p:cNvSpPr>
             <a:spLocks noGrp="1"/>
           </p:cNvSpPr>
@@ -516,7 +2482,7 @@
     </p:spTree>
     <p:extLst>
       <p:ext uri="{BB962C8B-B14F-4D97-AF65-F5344CB8AC3E}">
-        <p14:creationId xmlns:p14="http://schemas.microsoft.com/office/powerpoint/2010/main" val="4169713650"/>
+        <p14:creationId xmlns:p14="http://schemas.microsoft.com/office/powerpoint/2010/main" val="2099506431"/>
       </p:ext>
     </p:extLst>
   </p:cSld>
@@ -526,7 +2492,7 @@
 </p:sldLayout>
 </file>
 
-<file path=ppt/slideLayouts/slideLayout11.xml><?xml version="1.0" encoding="utf-8"?>
+<file path=ppt/slideLayouts/slideLayout16.xml><?xml version="1.0" encoding="utf-8"?>
 <p:sldLayout xmlns:a="http://schemas.openxmlformats.org/drawingml/2006/main" xmlns:r="http://schemas.openxmlformats.org/officeDocument/2006/relationships" xmlns:p="http://schemas.openxmlformats.org/presentationml/2006/main" type="vertTitleAndTx" preserve="1">
   <p:cSld name="Vertical Title and Text">
     <p:spTree>
@@ -545,13 +2511,7 @@
       </p:grpSpPr>
       <p:sp>
         <p:nvSpPr>
-          <p:cNvPr id="2" name="Vertical Title 1">
-            <a:extLst>
-              <a:ext uri="{FF2B5EF4-FFF2-40B4-BE49-F238E27FC236}">
-                <a16:creationId xmlns:a16="http://schemas.microsoft.com/office/drawing/2014/main" id="{A521584D-C983-55A8-B639-F62285A38D2D}"/>
-              </a:ext>
-            </a:extLst>
-          </p:cNvPr>
+          <p:cNvPr id="2" name="Vertical Title 1"/>
           <p:cNvSpPr>
             <a:spLocks noGrp="1"/>
           </p:cNvSpPr>
@@ -561,47 +2521,42 @@
         </p:nvSpPr>
         <p:spPr>
           <a:xfrm>
-            <a:off x="8724900" y="365125"/>
-            <a:ext cx="2628900" cy="5811838"/>
+            <a:off x="9294812" y="627405"/>
+            <a:ext cx="2207601" cy="5283817"/>
           </a:xfrm>
         </p:spPr>
         <p:txBody>
+          <a:bodyPr vert="eaVert" anchor="ctr"/>
+          <a:lstStyle/>
+          <a:p>
+            <a:r>
+              <a:rPr lang="en-US"/>
+              <a:t>Click to edit Master title style</a:t>
+            </a:r>
+            <a:endParaRPr lang="en-US" dirty="0"/>
+          </a:p>
+        </p:txBody>
+      </p:sp>
+      <p:sp>
+        <p:nvSpPr>
+          <p:cNvPr id="3" name="Vertical Text Placeholder 2"/>
+          <p:cNvSpPr>
+            <a:spLocks noGrp="1"/>
+          </p:cNvSpPr>
+          <p:nvPr>
+            <p:ph type="body" orient="vert" idx="1"/>
+          </p:nvPr>
+        </p:nvSpPr>
+        <p:spPr>
+          <a:xfrm>
+            <a:off x="2589212" y="627405"/>
+            <a:ext cx="6477000" cy="5283817"/>
+          </a:xfrm>
+        </p:spPr>
+        <p:txBody>
           <a:bodyPr vert="eaVert"/>
           <a:lstStyle/>
           <a:p>
-            <a:r>
-              <a:rPr lang="en-US"/>
-              <a:t>Click to edit Master title style</a:t>
-            </a:r>
-          </a:p>
-        </p:txBody>
-      </p:sp>
-      <p:sp>
-        <p:nvSpPr>
-          <p:cNvPr id="3" name="Vertical Text Placeholder 2">
-            <a:extLst>
-              <a:ext uri="{FF2B5EF4-FFF2-40B4-BE49-F238E27FC236}">
-                <a16:creationId xmlns:a16="http://schemas.microsoft.com/office/drawing/2014/main" id="{0ECD9417-EFA2-BC5A-83AA-F8944E26E8B5}"/>
-              </a:ext>
-            </a:extLst>
-          </p:cNvPr>
-          <p:cNvSpPr>
-            <a:spLocks noGrp="1"/>
-          </p:cNvSpPr>
-          <p:nvPr>
-            <p:ph type="body" orient="vert" idx="1"/>
-          </p:nvPr>
-        </p:nvSpPr>
-        <p:spPr>
-          <a:xfrm>
-            <a:off x="838200" y="365125"/>
-            <a:ext cx="7734300" cy="5811838"/>
-          </a:xfrm>
-        </p:spPr>
-        <p:txBody>
-          <a:bodyPr vert="eaVert"/>
-          <a:lstStyle/>
-          <a:p>
             <a:pPr lvl="0"/>
             <a:r>
               <a:rPr lang="en-US"/>
@@ -635,18 +2590,13 @@
               <a:rPr lang="en-US"/>
               <a:t>Fifth level</a:t>
             </a:r>
-          </a:p>
-        </p:txBody>
-      </p:sp>
-      <p:sp>
-        <p:nvSpPr>
-          <p:cNvPr id="4" name="Date Placeholder 3">
-            <a:extLst>
-              <a:ext uri="{FF2B5EF4-FFF2-40B4-BE49-F238E27FC236}">
-                <a16:creationId xmlns:a16="http://schemas.microsoft.com/office/drawing/2014/main" id="{891ED091-8A39-0D9A-5ADC-0609EF3DA6D7}"/>
-              </a:ext>
-            </a:extLst>
-          </p:cNvPr>
+            <a:endParaRPr lang="en-US" dirty="0"/>
+          </a:p>
+        </p:txBody>
+      </p:sp>
+      <p:sp>
+        <p:nvSpPr>
+          <p:cNvPr id="4" name="Date Placeholder 3"/>
           <p:cNvSpPr>
             <a:spLocks noGrp="1"/>
           </p:cNvSpPr>
@@ -669,13 +2619,7 @@
       </p:sp>
       <p:sp>
         <p:nvSpPr>
-          <p:cNvPr id="5" name="Footer Placeholder 4">
-            <a:extLst>
-              <a:ext uri="{FF2B5EF4-FFF2-40B4-BE49-F238E27FC236}">
-                <a16:creationId xmlns:a16="http://schemas.microsoft.com/office/drawing/2014/main" id="{D34E1FAB-3A6F-D398-6D63-E648C06BA1B8}"/>
-              </a:ext>
-            </a:extLst>
-          </p:cNvPr>
+          <p:cNvPr id="5" name="Footer Placeholder 4"/>
           <p:cNvSpPr>
             <a:spLocks noGrp="1"/>
           </p:cNvSpPr>
@@ -694,13 +2638,89 @@
       </p:sp>
       <p:sp>
         <p:nvSpPr>
-          <p:cNvPr id="6" name="Slide Number Placeholder 5">
-            <a:extLst>
-              <a:ext uri="{FF2B5EF4-FFF2-40B4-BE49-F238E27FC236}">
-                <a16:creationId xmlns:a16="http://schemas.microsoft.com/office/drawing/2014/main" id="{0EC4D91B-4EC7-1CEB-0A94-7D5465602037}"/>
-              </a:ext>
-            </a:extLst>
-          </p:cNvPr>
+          <p:cNvPr id="8" name="Freeform 11"/>
+          <p:cNvSpPr/>
+          <p:nvPr/>
+        </p:nvSpPr>
+        <p:spPr bwMode="auto">
+          <a:xfrm flipV="1">
+            <a:off x="-4189" y="714375"/>
+            <a:ext cx="1588527" cy="507297"/>
+          </a:xfrm>
+          <a:custGeom>
+            <a:avLst/>
+            <a:gdLst/>
+            <a:ahLst/>
+            <a:cxnLst/>
+            <a:rect l="l" t="t" r="r" b="b"/>
+            <a:pathLst>
+              <a:path w="9248" h="10000">
+                <a:moveTo>
+                  <a:pt x="9248" y="4701"/>
+                </a:moveTo>
+                <a:lnTo>
+                  <a:pt x="7915" y="188"/>
+                </a:lnTo>
+                <a:cubicBezTo>
+                  <a:pt x="7906" y="156"/>
+                  <a:pt x="7895" y="126"/>
+                  <a:pt x="7886" y="94"/>
+                </a:cubicBezTo>
+                <a:cubicBezTo>
+                  <a:pt x="7859" y="0"/>
+                  <a:pt x="7831" y="0"/>
+                  <a:pt x="7803" y="0"/>
+                </a:cubicBezTo>
+                <a:lnTo>
+                  <a:pt x="7275" y="0"/>
+                </a:lnTo>
+                <a:lnTo>
+                  <a:pt x="0" y="70"/>
+                </a:lnTo>
+                <a:cubicBezTo>
+                  <a:pt x="8" y="3380"/>
+                  <a:pt x="17" y="6690"/>
+                  <a:pt x="25" y="10000"/>
+                </a:cubicBezTo>
+                <a:lnTo>
+                  <a:pt x="7275" y="9966"/>
+                </a:lnTo>
+                <a:lnTo>
+                  <a:pt x="7803" y="9966"/>
+                </a:lnTo>
+                <a:cubicBezTo>
+                  <a:pt x="7831" y="9966"/>
+                  <a:pt x="7859" y="9872"/>
+                  <a:pt x="7886" y="9872"/>
+                </a:cubicBezTo>
+                <a:cubicBezTo>
+                  <a:pt x="7886" y="9778"/>
+                  <a:pt x="7915" y="9778"/>
+                  <a:pt x="7915" y="9778"/>
+                </a:cubicBezTo>
+                <a:lnTo>
+                  <a:pt x="9248" y="5265"/>
+                </a:lnTo>
+                <a:cubicBezTo>
+                  <a:pt x="9303" y="5077"/>
+                  <a:pt x="9303" y="4889"/>
+                  <a:pt x="9248" y="4701"/>
+                </a:cubicBezTo>
+                <a:close/>
+              </a:path>
+            </a:pathLst>
+          </a:custGeom>
+          <a:solidFill>
+            <a:schemeClr val="accent1"/>
+          </a:solidFill>
+          <a:ln>
+            <a:noFill/>
+          </a:ln>
+        </p:spPr>
+      </p:sp>
+      <p:sp>
+        <p:nvSpPr>
+          <p:cNvPr id="6" name="Slide Number Placeholder 5"/>
           <p:cNvSpPr>
             <a:spLocks noGrp="1"/>
           </p:cNvSpPr>
@@ -724,7 +2744,7 @@
     </p:spTree>
     <p:extLst>
       <p:ext uri="{BB962C8B-B14F-4D97-AF65-F5344CB8AC3E}">
-        <p14:creationId xmlns:p14="http://schemas.microsoft.com/office/powerpoint/2010/main" val="872073395"/>
+        <p14:creationId xmlns:p14="http://schemas.microsoft.com/office/powerpoint/2010/main" val="570561023"/>
       </p:ext>
     </p:extLst>
   </p:cSld>
@@ -753,13 +2773,7 @@
       </p:grpSpPr>
       <p:sp>
         <p:nvSpPr>
-          <p:cNvPr id="2" name="Title 1">
-            <a:extLst>
-              <a:ext uri="{FF2B5EF4-FFF2-40B4-BE49-F238E27FC236}">
-                <a16:creationId xmlns:a16="http://schemas.microsoft.com/office/drawing/2014/main" id="{E60C1B66-E3E4-C558-F07B-0C6B2C2F9468}"/>
-              </a:ext>
-            </a:extLst>
-          </p:cNvPr>
+          <p:cNvPr id="2" name="Title 1"/>
           <p:cNvSpPr>
             <a:spLocks noGrp="1"/>
           </p:cNvSpPr>
@@ -767,7 +2781,12 @@
             <p:ph type="title"/>
           </p:nvPr>
         </p:nvSpPr>
-        <p:spPr/>
+        <p:spPr>
+          <a:xfrm>
+            <a:off x="2592925" y="624110"/>
+            <a:ext cx="8911687" cy="1280890"/>
+          </a:xfrm>
+        </p:spPr>
         <p:txBody>
           <a:bodyPr/>
           <a:lstStyle/>
@@ -776,18 +2795,13 @@
               <a:rPr lang="en-US"/>
               <a:t>Click to edit Master title style</a:t>
             </a:r>
-          </a:p>
-        </p:txBody>
-      </p:sp>
-      <p:sp>
-        <p:nvSpPr>
-          <p:cNvPr id="3" name="Content Placeholder 2">
-            <a:extLst>
-              <a:ext uri="{FF2B5EF4-FFF2-40B4-BE49-F238E27FC236}">
-                <a16:creationId xmlns:a16="http://schemas.microsoft.com/office/drawing/2014/main" id="{586779A6-C5CD-85D3-CA1C-D3902A9F4140}"/>
-              </a:ext>
-            </a:extLst>
-          </p:cNvPr>
+            <a:endParaRPr lang="en-US" dirty="0"/>
+          </a:p>
+        </p:txBody>
+      </p:sp>
+      <p:sp>
+        <p:nvSpPr>
+          <p:cNvPr id="3" name="Content Placeholder 2"/>
           <p:cNvSpPr>
             <a:spLocks noGrp="1"/>
           </p:cNvSpPr>
@@ -795,7 +2809,12 @@
             <p:ph idx="1"/>
           </p:nvPr>
         </p:nvSpPr>
-        <p:spPr/>
+        <p:spPr>
+          <a:xfrm>
+            <a:off x="2589212" y="2133600"/>
+            <a:ext cx="8915400" cy="3777622"/>
+          </a:xfrm>
+        </p:spPr>
         <p:txBody>
           <a:bodyPr/>
           <a:lstStyle/>
@@ -833,18 +2852,13 @@
               <a:rPr lang="en-US"/>
               <a:t>Fifth level</a:t>
             </a:r>
-          </a:p>
-        </p:txBody>
-      </p:sp>
-      <p:sp>
-        <p:nvSpPr>
-          <p:cNvPr id="4" name="Date Placeholder 3">
-            <a:extLst>
-              <a:ext uri="{FF2B5EF4-FFF2-40B4-BE49-F238E27FC236}">
-                <a16:creationId xmlns:a16="http://schemas.microsoft.com/office/drawing/2014/main" id="{BBF6C61C-C1CA-6A7E-EF92-69277E2875FF}"/>
-              </a:ext>
-            </a:extLst>
-          </p:cNvPr>
+            <a:endParaRPr lang="en-US" dirty="0"/>
+          </a:p>
+        </p:txBody>
+      </p:sp>
+      <p:sp>
+        <p:nvSpPr>
+          <p:cNvPr id="4" name="Date Placeholder 3"/>
           <p:cNvSpPr>
             <a:spLocks noGrp="1"/>
           </p:cNvSpPr>
@@ -867,13 +2881,7 @@
       </p:sp>
       <p:sp>
         <p:nvSpPr>
-          <p:cNvPr id="5" name="Footer Placeholder 4">
-            <a:extLst>
-              <a:ext uri="{FF2B5EF4-FFF2-40B4-BE49-F238E27FC236}">
-                <a16:creationId xmlns:a16="http://schemas.microsoft.com/office/drawing/2014/main" id="{FE06DA1F-31B5-5B57-8999-614BAB662AA4}"/>
-              </a:ext>
-            </a:extLst>
-          </p:cNvPr>
+          <p:cNvPr id="5" name="Footer Placeholder 4"/>
           <p:cNvSpPr>
             <a:spLocks noGrp="1"/>
           </p:cNvSpPr>
@@ -892,13 +2900,89 @@
       </p:sp>
       <p:sp>
         <p:nvSpPr>
-          <p:cNvPr id="6" name="Slide Number Placeholder 5">
-            <a:extLst>
-              <a:ext uri="{FF2B5EF4-FFF2-40B4-BE49-F238E27FC236}">
-                <a16:creationId xmlns:a16="http://schemas.microsoft.com/office/drawing/2014/main" id="{A553E4D5-4F50-CD17-E000-3A2C68C99387}"/>
-              </a:ext>
-            </a:extLst>
-          </p:cNvPr>
+          <p:cNvPr id="8" name="Freeform 11"/>
+          <p:cNvSpPr/>
+          <p:nvPr/>
+        </p:nvSpPr>
+        <p:spPr bwMode="auto">
+          <a:xfrm flipV="1">
+            <a:off x="-4189" y="714375"/>
+            <a:ext cx="1588527" cy="507297"/>
+          </a:xfrm>
+          <a:custGeom>
+            <a:avLst/>
+            <a:gdLst/>
+            <a:ahLst/>
+            <a:cxnLst/>
+            <a:rect l="l" t="t" r="r" b="b"/>
+            <a:pathLst>
+              <a:path w="9248" h="10000">
+                <a:moveTo>
+                  <a:pt x="9248" y="4701"/>
+                </a:moveTo>
+                <a:lnTo>
+                  <a:pt x="7915" y="188"/>
+                </a:lnTo>
+                <a:cubicBezTo>
+                  <a:pt x="7906" y="156"/>
+                  <a:pt x="7895" y="126"/>
+                  <a:pt x="7886" y="94"/>
+                </a:cubicBezTo>
+                <a:cubicBezTo>
+                  <a:pt x="7859" y="0"/>
+                  <a:pt x="7831" y="0"/>
+                  <a:pt x="7803" y="0"/>
+                </a:cubicBezTo>
+                <a:lnTo>
+                  <a:pt x="7275" y="0"/>
+                </a:lnTo>
+                <a:lnTo>
+                  <a:pt x="0" y="70"/>
+                </a:lnTo>
+                <a:cubicBezTo>
+                  <a:pt x="8" y="3380"/>
+                  <a:pt x="17" y="6690"/>
+                  <a:pt x="25" y="10000"/>
+                </a:cubicBezTo>
+                <a:lnTo>
+                  <a:pt x="7275" y="9966"/>
+                </a:lnTo>
+                <a:lnTo>
+                  <a:pt x="7803" y="9966"/>
+                </a:lnTo>
+                <a:cubicBezTo>
+                  <a:pt x="7831" y="9966"/>
+                  <a:pt x="7859" y="9872"/>
+                  <a:pt x="7886" y="9872"/>
+                </a:cubicBezTo>
+                <a:cubicBezTo>
+                  <a:pt x="7886" y="9778"/>
+                  <a:pt x="7915" y="9778"/>
+                  <a:pt x="7915" y="9778"/>
+                </a:cubicBezTo>
+                <a:lnTo>
+                  <a:pt x="9248" y="5265"/>
+                </a:lnTo>
+                <a:cubicBezTo>
+                  <a:pt x="9303" y="5077"/>
+                  <a:pt x="9303" y="4889"/>
+                  <a:pt x="9248" y="4701"/>
+                </a:cubicBezTo>
+                <a:close/>
+              </a:path>
+            </a:pathLst>
+          </a:custGeom>
+          <a:solidFill>
+            <a:schemeClr val="accent1"/>
+          </a:solidFill>
+          <a:ln>
+            <a:noFill/>
+          </a:ln>
+        </p:spPr>
+      </p:sp>
+      <p:sp>
+        <p:nvSpPr>
+          <p:cNvPr id="6" name="Slide Number Placeholder 5"/>
           <p:cNvSpPr>
             <a:spLocks noGrp="1"/>
           </p:cNvSpPr>
@@ -922,7 +3006,7 @@
     </p:spTree>
     <p:extLst>
       <p:ext uri="{BB962C8B-B14F-4D97-AF65-F5344CB8AC3E}">
-        <p14:creationId xmlns:p14="http://schemas.microsoft.com/office/powerpoint/2010/main" val="1838912298"/>
+        <p14:creationId xmlns:p14="http://schemas.microsoft.com/office/powerpoint/2010/main" val="1990513580"/>
       </p:ext>
     </p:extLst>
   </p:cSld>
@@ -951,13 +3035,7 @@
       </p:grpSpPr>
       <p:sp>
         <p:nvSpPr>
-          <p:cNvPr id="2" name="Title 1">
-            <a:extLst>
-              <a:ext uri="{FF2B5EF4-FFF2-40B4-BE49-F238E27FC236}">
-                <a16:creationId xmlns:a16="http://schemas.microsoft.com/office/drawing/2014/main" id="{5C5B89E6-B8C9-CC6D-5908-80C182BFA538}"/>
-              </a:ext>
-            </a:extLst>
-          </p:cNvPr>
+          <p:cNvPr id="2" name="Title 1"/>
           <p:cNvSpPr>
             <a:spLocks noGrp="1"/>
           </p:cNvSpPr>
@@ -967,15 +3045,15 @@
         </p:nvSpPr>
         <p:spPr>
           <a:xfrm>
-            <a:off x="831850" y="1709738"/>
-            <a:ext cx="10515600" cy="2852737"/>
+            <a:off x="2589212" y="2058750"/>
+            <a:ext cx="8915399" cy="1468800"/>
           </a:xfrm>
         </p:spPr>
         <p:txBody>
           <a:bodyPr anchor="b"/>
           <a:lstStyle>
-            <a:lvl1pPr>
-              <a:defRPr sz="6000"/>
+            <a:lvl1pPr algn="l">
+              <a:defRPr sz="4000" b="0" cap="none"/>
             </a:lvl1pPr>
           </a:lstStyle>
           <a:p>
@@ -983,18 +3061,13 @@
               <a:rPr lang="en-US"/>
               <a:t>Click to edit Master title style</a:t>
             </a:r>
-          </a:p>
-        </p:txBody>
-      </p:sp>
-      <p:sp>
-        <p:nvSpPr>
-          <p:cNvPr id="3" name="Text Placeholder 2">
-            <a:extLst>
-              <a:ext uri="{FF2B5EF4-FFF2-40B4-BE49-F238E27FC236}">
-                <a16:creationId xmlns:a16="http://schemas.microsoft.com/office/drawing/2014/main" id="{963D2EDE-E89B-37B5-F81D-F9B8972B46A9}"/>
-              </a:ext>
-            </a:extLst>
-          </p:cNvPr>
+            <a:endParaRPr lang="en-US" dirty="0"/>
+          </a:p>
+        </p:txBody>
+      </p:sp>
+      <p:sp>
+        <p:nvSpPr>
+          <p:cNvPr id="3" name="Text Placeholder 2"/>
           <p:cNvSpPr>
             <a:spLocks noGrp="1"/>
           </p:cNvSpPr>
@@ -1004,26 +3077,27 @@
         </p:nvSpPr>
         <p:spPr>
           <a:xfrm>
-            <a:off x="831850" y="4589463"/>
-            <a:ext cx="10515600" cy="1500187"/>
+            <a:off x="2589212" y="3530129"/>
+            <a:ext cx="8915399" cy="860400"/>
           </a:xfrm>
         </p:spPr>
         <p:txBody>
-          <a:bodyPr/>
+          <a:bodyPr anchor="t"/>
           <a:lstStyle>
-            <a:lvl1pPr marL="0" indent="0">
-              <a:buNone/>
-              <a:defRPr sz="2400">
+            <a:lvl1pPr marL="0" indent="0" algn="l">
+              <a:buNone/>
+              <a:defRPr sz="2000">
                 <a:solidFill>
                   <a:schemeClr val="tx1">
-                    <a:tint val="75000"/>
+                    <a:lumMod val="65000"/>
+                    <a:lumOff val="35000"/>
                   </a:schemeClr>
                 </a:solidFill>
               </a:defRPr>
             </a:lvl1pPr>
             <a:lvl2pPr marL="457200" indent="0">
               <a:buNone/>
-              <a:defRPr sz="2000">
+              <a:defRPr sz="1800">
                 <a:solidFill>
                   <a:schemeClr val="tx1">
                     <a:tint val="75000"/>
@@ -1033,7 +3107,7 @@
             </a:lvl2pPr>
             <a:lvl3pPr marL="914400" indent="0">
               <a:buNone/>
-              <a:defRPr sz="1800">
+              <a:defRPr sz="1600">
                 <a:solidFill>
                   <a:schemeClr val="tx1">
                     <a:tint val="75000"/>
@@ -1043,7 +3117,7 @@
             </a:lvl3pPr>
             <a:lvl4pPr marL="1371600" indent="0">
               <a:buNone/>
-              <a:defRPr sz="1600">
+              <a:defRPr sz="1400">
                 <a:solidFill>
                   <a:schemeClr val="tx1">
                     <a:tint val="75000"/>
@@ -1053,7 +3127,7 @@
             </a:lvl4pPr>
             <a:lvl5pPr marL="1828800" indent="0">
               <a:buNone/>
-              <a:defRPr sz="1600">
+              <a:defRPr sz="1400">
                 <a:solidFill>
                   <a:schemeClr val="tx1">
                     <a:tint val="75000"/>
@@ -1063,7 +3137,7 @@
             </a:lvl5pPr>
             <a:lvl6pPr marL="2286000" indent="0">
               <a:buNone/>
-              <a:defRPr sz="1600">
+              <a:defRPr sz="1400">
                 <a:solidFill>
                   <a:schemeClr val="tx1">
                     <a:tint val="75000"/>
@@ -1073,7 +3147,7 @@
             </a:lvl6pPr>
             <a:lvl7pPr marL="2743200" indent="0">
               <a:buNone/>
-              <a:defRPr sz="1600">
+              <a:defRPr sz="1400">
                 <a:solidFill>
                   <a:schemeClr val="tx1">
                     <a:tint val="75000"/>
@@ -1083,7 +3157,7 @@
             </a:lvl7pPr>
             <a:lvl8pPr marL="3200400" indent="0">
               <a:buNone/>
-              <a:defRPr sz="1600">
+              <a:defRPr sz="1400">
                 <a:solidFill>
                   <a:schemeClr val="tx1">
                     <a:tint val="75000"/>
@@ -1093,7 +3167,7 @@
             </a:lvl8pPr>
             <a:lvl9pPr marL="3657600" indent="0">
               <a:buNone/>
-              <a:defRPr sz="1600">
+              <a:defRPr sz="1400">
                 <a:solidFill>
                   <a:schemeClr val="tx1">
                     <a:tint val="75000"/>
@@ -1113,13 +3187,7 @@
       </p:sp>
       <p:sp>
         <p:nvSpPr>
-          <p:cNvPr id="4" name="Date Placeholder 3">
-            <a:extLst>
-              <a:ext uri="{FF2B5EF4-FFF2-40B4-BE49-F238E27FC236}">
-                <a16:creationId xmlns:a16="http://schemas.microsoft.com/office/drawing/2014/main" id="{9E47CD7A-359D-7D17-5271-2C653C354EA6}"/>
-              </a:ext>
-            </a:extLst>
-          </p:cNvPr>
+          <p:cNvPr id="4" name="Date Placeholder 3"/>
           <p:cNvSpPr>
             <a:spLocks noGrp="1"/>
           </p:cNvSpPr>
@@ -1142,13 +3210,7 @@
       </p:sp>
       <p:sp>
         <p:nvSpPr>
-          <p:cNvPr id="5" name="Footer Placeholder 4">
-            <a:extLst>
-              <a:ext uri="{FF2B5EF4-FFF2-40B4-BE49-F238E27FC236}">
-                <a16:creationId xmlns:a16="http://schemas.microsoft.com/office/drawing/2014/main" id="{88102917-B6B8-F1EE-D37E-AA6EB859B719}"/>
-              </a:ext>
-            </a:extLst>
-          </p:cNvPr>
+          <p:cNvPr id="5" name="Footer Placeholder 4"/>
           <p:cNvSpPr>
             <a:spLocks noGrp="1"/>
           </p:cNvSpPr>
@@ -1167,13 +3229,89 @@
       </p:sp>
       <p:sp>
         <p:nvSpPr>
-          <p:cNvPr id="6" name="Slide Number Placeholder 5">
-            <a:extLst>
-              <a:ext uri="{FF2B5EF4-FFF2-40B4-BE49-F238E27FC236}">
-                <a16:creationId xmlns:a16="http://schemas.microsoft.com/office/drawing/2014/main" id="{C381A347-10D2-F81D-827B-21D6BF59E95E}"/>
-              </a:ext>
-            </a:extLst>
-          </p:cNvPr>
+          <p:cNvPr id="9" name="Freeform 11"/>
+          <p:cNvSpPr/>
+          <p:nvPr/>
+        </p:nvSpPr>
+        <p:spPr bwMode="auto">
+          <a:xfrm flipV="1">
+            <a:off x="-4189" y="3178175"/>
+            <a:ext cx="1588527" cy="507297"/>
+          </a:xfrm>
+          <a:custGeom>
+            <a:avLst/>
+            <a:gdLst/>
+            <a:ahLst/>
+            <a:cxnLst/>
+            <a:rect l="l" t="t" r="r" b="b"/>
+            <a:pathLst>
+              <a:path w="9248" h="10000">
+                <a:moveTo>
+                  <a:pt x="9248" y="4701"/>
+                </a:moveTo>
+                <a:lnTo>
+                  <a:pt x="7915" y="188"/>
+                </a:lnTo>
+                <a:cubicBezTo>
+                  <a:pt x="7906" y="156"/>
+                  <a:pt x="7895" y="126"/>
+                  <a:pt x="7886" y="94"/>
+                </a:cubicBezTo>
+                <a:cubicBezTo>
+                  <a:pt x="7859" y="0"/>
+                  <a:pt x="7831" y="0"/>
+                  <a:pt x="7803" y="0"/>
+                </a:cubicBezTo>
+                <a:lnTo>
+                  <a:pt x="7275" y="0"/>
+                </a:lnTo>
+                <a:lnTo>
+                  <a:pt x="0" y="70"/>
+                </a:lnTo>
+                <a:cubicBezTo>
+                  <a:pt x="8" y="3380"/>
+                  <a:pt x="17" y="6690"/>
+                  <a:pt x="25" y="10000"/>
+                </a:cubicBezTo>
+                <a:lnTo>
+                  <a:pt x="7275" y="9966"/>
+                </a:lnTo>
+                <a:lnTo>
+                  <a:pt x="7803" y="9966"/>
+                </a:lnTo>
+                <a:cubicBezTo>
+                  <a:pt x="7831" y="9966"/>
+                  <a:pt x="7859" y="9872"/>
+                  <a:pt x="7886" y="9872"/>
+                </a:cubicBezTo>
+                <a:cubicBezTo>
+                  <a:pt x="7886" y="9778"/>
+                  <a:pt x="7915" y="9778"/>
+                  <a:pt x="7915" y="9778"/>
+                </a:cubicBezTo>
+                <a:lnTo>
+                  <a:pt x="9248" y="5265"/>
+                </a:lnTo>
+                <a:cubicBezTo>
+                  <a:pt x="9303" y="5077"/>
+                  <a:pt x="9303" y="4889"/>
+                  <a:pt x="9248" y="4701"/>
+                </a:cubicBezTo>
+                <a:close/>
+              </a:path>
+            </a:pathLst>
+          </a:custGeom>
+          <a:solidFill>
+            <a:schemeClr val="accent1"/>
+          </a:solidFill>
+          <a:ln>
+            <a:noFill/>
+          </a:ln>
+        </p:spPr>
+      </p:sp>
+      <p:sp>
+        <p:nvSpPr>
+          <p:cNvPr id="6" name="Slide Number Placeholder 5"/>
           <p:cNvSpPr>
             <a:spLocks noGrp="1"/>
           </p:cNvSpPr>
@@ -1181,7 +3319,12 @@
             <p:ph type="sldNum" sz="quarter" idx="12"/>
           </p:nvPr>
         </p:nvSpPr>
-        <p:spPr/>
+        <p:spPr>
+          <a:xfrm>
+            <a:off x="531812" y="3244139"/>
+            <a:ext cx="779767" cy="365125"/>
+          </a:xfrm>
+        </p:spPr>
         <p:txBody>
           <a:bodyPr/>
           <a:lstStyle/>
@@ -1197,7 +3340,7 @@
     </p:spTree>
     <p:extLst>
       <p:ext uri="{BB962C8B-B14F-4D97-AF65-F5344CB8AC3E}">
-        <p14:creationId xmlns:p14="http://schemas.microsoft.com/office/powerpoint/2010/main" val="3681935300"/>
+        <p14:creationId xmlns:p14="http://schemas.microsoft.com/office/powerpoint/2010/main" val="4034986711"/>
       </p:ext>
     </p:extLst>
   </p:cSld>
@@ -1226,13 +3369,7 @@
       </p:grpSpPr>
       <p:sp>
         <p:nvSpPr>
-          <p:cNvPr id="2" name="Title 1">
-            <a:extLst>
-              <a:ext uri="{FF2B5EF4-FFF2-40B4-BE49-F238E27FC236}">
-                <a16:creationId xmlns:a16="http://schemas.microsoft.com/office/drawing/2014/main" id="{C5674512-FDDA-49BC-1EAE-72757ACDF828}"/>
-              </a:ext>
-            </a:extLst>
-          </p:cNvPr>
+          <p:cNvPr id="8" name="Title 7"/>
           <p:cNvSpPr>
             <a:spLocks noGrp="1"/>
           </p:cNvSpPr>
@@ -1249,18 +3386,13 @@
               <a:rPr lang="en-US"/>
               <a:t>Click to edit Master title style</a:t>
             </a:r>
-          </a:p>
-        </p:txBody>
-      </p:sp>
-      <p:sp>
-        <p:nvSpPr>
-          <p:cNvPr id="3" name="Content Placeholder 2">
-            <a:extLst>
-              <a:ext uri="{FF2B5EF4-FFF2-40B4-BE49-F238E27FC236}">
-                <a16:creationId xmlns:a16="http://schemas.microsoft.com/office/drawing/2014/main" id="{2EFCCD9D-51E1-E5D9-90A3-DADFA3633F06}"/>
-              </a:ext>
-            </a:extLst>
-          </p:cNvPr>
+            <a:endParaRPr lang="en-US" dirty="0"/>
+          </a:p>
+        </p:txBody>
+      </p:sp>
+      <p:sp>
+        <p:nvSpPr>
+          <p:cNvPr id="3" name="Content Placeholder 2"/>
           <p:cNvSpPr>
             <a:spLocks noGrp="1"/>
           </p:cNvSpPr>
@@ -1270,12 +3402,14 @@
         </p:nvSpPr>
         <p:spPr>
           <a:xfrm>
-            <a:off x="838200" y="1825625"/>
-            <a:ext cx="5181600" cy="4351338"/>
+            <a:off x="2589212" y="2133600"/>
+            <a:ext cx="4313864" cy="3777622"/>
           </a:xfrm>
         </p:spPr>
         <p:txBody>
-          <a:bodyPr/>
+          <a:bodyPr>
+            <a:normAutofit/>
+          </a:bodyPr>
           <a:lstStyle/>
           <a:p>
             <a:pPr lvl="0"/>
@@ -1311,18 +3445,13 @@
               <a:rPr lang="en-US"/>
               <a:t>Fifth level</a:t>
             </a:r>
-          </a:p>
-        </p:txBody>
-      </p:sp>
-      <p:sp>
-        <p:nvSpPr>
-          <p:cNvPr id="4" name="Content Placeholder 3">
-            <a:extLst>
-              <a:ext uri="{FF2B5EF4-FFF2-40B4-BE49-F238E27FC236}">
-                <a16:creationId xmlns:a16="http://schemas.microsoft.com/office/drawing/2014/main" id="{56A85FA8-8FEE-EB68-36FA-B458E1D76458}"/>
-              </a:ext>
-            </a:extLst>
-          </p:cNvPr>
+            <a:endParaRPr lang="en-US" dirty="0"/>
+          </a:p>
+        </p:txBody>
+      </p:sp>
+      <p:sp>
+        <p:nvSpPr>
+          <p:cNvPr id="4" name="Content Placeholder 3"/>
           <p:cNvSpPr>
             <a:spLocks noGrp="1"/>
           </p:cNvSpPr>
@@ -1332,12 +3461,14 @@
         </p:nvSpPr>
         <p:spPr>
           <a:xfrm>
-            <a:off x="6172200" y="1825625"/>
-            <a:ext cx="5181600" cy="4351338"/>
+            <a:off x="7190747" y="2126222"/>
+            <a:ext cx="4313864" cy="3777622"/>
           </a:xfrm>
         </p:spPr>
         <p:txBody>
-          <a:bodyPr/>
+          <a:bodyPr>
+            <a:normAutofit/>
+          </a:bodyPr>
           <a:lstStyle/>
           <a:p>
             <a:pPr lvl="0"/>
@@ -1373,18 +3504,13 @@
               <a:rPr lang="en-US"/>
               <a:t>Fifth level</a:t>
             </a:r>
-          </a:p>
-        </p:txBody>
-      </p:sp>
-      <p:sp>
-        <p:nvSpPr>
-          <p:cNvPr id="5" name="Date Placeholder 4">
-            <a:extLst>
-              <a:ext uri="{FF2B5EF4-FFF2-40B4-BE49-F238E27FC236}">
-                <a16:creationId xmlns:a16="http://schemas.microsoft.com/office/drawing/2014/main" id="{86FE719D-CCA0-7DB0-7C85-85C0DC9BC90E}"/>
-              </a:ext>
-            </a:extLst>
-          </p:cNvPr>
+            <a:endParaRPr lang="en-US" dirty="0"/>
+          </a:p>
+        </p:txBody>
+      </p:sp>
+      <p:sp>
+        <p:nvSpPr>
+          <p:cNvPr id="5" name="Date Placeholder 4"/>
           <p:cNvSpPr>
             <a:spLocks noGrp="1"/>
           </p:cNvSpPr>
@@ -1407,13 +3533,7 @@
       </p:sp>
       <p:sp>
         <p:nvSpPr>
-          <p:cNvPr id="6" name="Footer Placeholder 5">
-            <a:extLst>
-              <a:ext uri="{FF2B5EF4-FFF2-40B4-BE49-F238E27FC236}">
-                <a16:creationId xmlns:a16="http://schemas.microsoft.com/office/drawing/2014/main" id="{90B9B733-4AE2-204F-9B2A-4BFC549C1BA8}"/>
-              </a:ext>
-            </a:extLst>
-          </p:cNvPr>
+          <p:cNvPr id="6" name="Footer Placeholder 5"/>
           <p:cNvSpPr>
             <a:spLocks noGrp="1"/>
           </p:cNvSpPr>
@@ -1432,13 +3552,89 @@
       </p:sp>
       <p:sp>
         <p:nvSpPr>
-          <p:cNvPr id="7" name="Slide Number Placeholder 6">
-            <a:extLst>
-              <a:ext uri="{FF2B5EF4-FFF2-40B4-BE49-F238E27FC236}">
-                <a16:creationId xmlns:a16="http://schemas.microsoft.com/office/drawing/2014/main" id="{2B75BD55-12A0-0AF7-2A51-1508FC1CE524}"/>
-              </a:ext>
-            </a:extLst>
-          </p:cNvPr>
+          <p:cNvPr id="10" name="Freeform 11"/>
+          <p:cNvSpPr/>
+          <p:nvPr/>
+        </p:nvSpPr>
+        <p:spPr bwMode="auto">
+          <a:xfrm flipV="1">
+            <a:off x="-4189" y="714375"/>
+            <a:ext cx="1588527" cy="507297"/>
+          </a:xfrm>
+          <a:custGeom>
+            <a:avLst/>
+            <a:gdLst/>
+            <a:ahLst/>
+            <a:cxnLst/>
+            <a:rect l="l" t="t" r="r" b="b"/>
+            <a:pathLst>
+              <a:path w="9248" h="10000">
+                <a:moveTo>
+                  <a:pt x="9248" y="4701"/>
+                </a:moveTo>
+                <a:lnTo>
+                  <a:pt x="7915" y="188"/>
+                </a:lnTo>
+                <a:cubicBezTo>
+                  <a:pt x="7906" y="156"/>
+                  <a:pt x="7895" y="126"/>
+                  <a:pt x="7886" y="94"/>
+                </a:cubicBezTo>
+                <a:cubicBezTo>
+                  <a:pt x="7859" y="0"/>
+                  <a:pt x="7831" y="0"/>
+                  <a:pt x="7803" y="0"/>
+                </a:cubicBezTo>
+                <a:lnTo>
+                  <a:pt x="7275" y="0"/>
+                </a:lnTo>
+                <a:lnTo>
+                  <a:pt x="0" y="70"/>
+                </a:lnTo>
+                <a:cubicBezTo>
+                  <a:pt x="8" y="3380"/>
+                  <a:pt x="17" y="6690"/>
+                  <a:pt x="25" y="10000"/>
+                </a:cubicBezTo>
+                <a:lnTo>
+                  <a:pt x="7275" y="9966"/>
+                </a:lnTo>
+                <a:lnTo>
+                  <a:pt x="7803" y="9966"/>
+                </a:lnTo>
+                <a:cubicBezTo>
+                  <a:pt x="7831" y="9966"/>
+                  <a:pt x="7859" y="9872"/>
+                  <a:pt x="7886" y="9872"/>
+                </a:cubicBezTo>
+                <a:cubicBezTo>
+                  <a:pt x="7886" y="9778"/>
+                  <a:pt x="7915" y="9778"/>
+                  <a:pt x="7915" y="9778"/>
+                </a:cubicBezTo>
+                <a:lnTo>
+                  <a:pt x="9248" y="5265"/>
+                </a:lnTo>
+                <a:cubicBezTo>
+                  <a:pt x="9303" y="5077"/>
+                  <a:pt x="9303" y="4889"/>
+                  <a:pt x="9248" y="4701"/>
+                </a:cubicBezTo>
+                <a:close/>
+              </a:path>
+            </a:pathLst>
+          </a:custGeom>
+          <a:solidFill>
+            <a:schemeClr val="accent1"/>
+          </a:solidFill>
+          <a:ln>
+            <a:noFill/>
+          </a:ln>
+        </p:spPr>
+      </p:sp>
+      <p:sp>
+        <p:nvSpPr>
+          <p:cNvPr id="11" name="Slide Number Placeholder 5"/>
           <p:cNvSpPr>
             <a:spLocks noGrp="1"/>
           </p:cNvSpPr>
@@ -1446,7 +3642,12 @@
             <p:ph type="sldNum" sz="quarter" idx="12"/>
           </p:nvPr>
         </p:nvSpPr>
-        <p:spPr/>
+        <p:spPr>
+          <a:xfrm>
+            <a:off x="531812" y="787782"/>
+            <a:ext cx="779767" cy="365125"/>
+          </a:xfrm>
+        </p:spPr>
         <p:txBody>
           <a:bodyPr/>
           <a:lstStyle/>
@@ -1462,7 +3663,7 @@
     </p:spTree>
     <p:extLst>
       <p:ext uri="{BB962C8B-B14F-4D97-AF65-F5344CB8AC3E}">
-        <p14:creationId xmlns:p14="http://schemas.microsoft.com/office/powerpoint/2010/main" val="2512198411"/>
+        <p14:creationId xmlns:p14="http://schemas.microsoft.com/office/powerpoint/2010/main" val="9296043"/>
       </p:ext>
     </p:extLst>
   </p:cSld>
@@ -1491,65 +3692,51 @@
       </p:grpSpPr>
       <p:sp>
         <p:nvSpPr>
-          <p:cNvPr id="2" name="Title 1">
-            <a:extLst>
-              <a:ext uri="{FF2B5EF4-FFF2-40B4-BE49-F238E27FC236}">
-                <a16:creationId xmlns:a16="http://schemas.microsoft.com/office/drawing/2014/main" id="{14EDF177-702F-0D95-9C80-D31B647B2021}"/>
-              </a:ext>
-            </a:extLst>
-          </p:cNvPr>
+          <p:cNvPr id="10" name="Title 9"/>
           <p:cNvSpPr>
             <a:spLocks noGrp="1"/>
           </p:cNvSpPr>
           <p:nvPr>
             <p:ph type="title"/>
+          </p:nvPr>
+        </p:nvSpPr>
+        <p:spPr/>
+        <p:txBody>
+          <a:bodyPr/>
+          <a:lstStyle/>
+          <a:p>
+            <a:r>
+              <a:rPr lang="en-US"/>
+              <a:t>Click to edit Master title style</a:t>
+            </a:r>
+            <a:endParaRPr lang="en-US" dirty="0"/>
+          </a:p>
+        </p:txBody>
+      </p:sp>
+      <p:sp>
+        <p:nvSpPr>
+          <p:cNvPr id="3" name="Text Placeholder 2"/>
+          <p:cNvSpPr>
+            <a:spLocks noGrp="1"/>
+          </p:cNvSpPr>
+          <p:nvPr>
+            <p:ph type="body" idx="1"/>
           </p:nvPr>
         </p:nvSpPr>
         <p:spPr>
           <a:xfrm>
-            <a:off x="839788" y="365125"/>
-            <a:ext cx="10515600" cy="1325563"/>
+            <a:off x="2939373" y="1972703"/>
+            <a:ext cx="3992732" cy="576262"/>
           </a:xfrm>
         </p:spPr>
         <p:txBody>
-          <a:bodyPr/>
-          <a:lstStyle/>
-          <a:p>
-            <a:r>
-              <a:rPr lang="en-US"/>
-              <a:t>Click to edit Master title style</a:t>
-            </a:r>
-          </a:p>
-        </p:txBody>
-      </p:sp>
-      <p:sp>
-        <p:nvSpPr>
-          <p:cNvPr id="3" name="Text Placeholder 2">
-            <a:extLst>
-              <a:ext uri="{FF2B5EF4-FFF2-40B4-BE49-F238E27FC236}">
-                <a16:creationId xmlns:a16="http://schemas.microsoft.com/office/drawing/2014/main" id="{8EF2ABCA-D812-12B7-CAD1-E7F90073BF33}"/>
-              </a:ext>
-            </a:extLst>
-          </p:cNvPr>
-          <p:cNvSpPr>
-            <a:spLocks noGrp="1"/>
-          </p:cNvSpPr>
-          <p:nvPr>
-            <p:ph type="body" idx="1"/>
-          </p:nvPr>
-        </p:nvSpPr>
-        <p:spPr>
-          <a:xfrm>
-            <a:off x="839788" y="1681163"/>
-            <a:ext cx="5157787" cy="823912"/>
-          </a:xfrm>
-        </p:spPr>
-        <p:txBody>
-          <a:bodyPr anchor="b"/>
+          <a:bodyPr anchor="b">
+            <a:noAutofit/>
+          </a:bodyPr>
           <a:lstStyle>
             <a:lvl1pPr marL="0" indent="0">
               <a:buNone/>
-              <a:defRPr sz="2400" b="1"/>
+              <a:defRPr sz="2400" b="0"/>
             </a:lvl1pPr>
             <a:lvl2pPr marL="457200" indent="0">
               <a:buNone/>
@@ -1595,13 +3782,7 @@
       </p:sp>
       <p:sp>
         <p:nvSpPr>
-          <p:cNvPr id="4" name="Content Placeholder 3">
-            <a:extLst>
-              <a:ext uri="{FF2B5EF4-FFF2-40B4-BE49-F238E27FC236}">
-                <a16:creationId xmlns:a16="http://schemas.microsoft.com/office/drawing/2014/main" id="{F65C1338-9451-9307-59CA-AD20B36F078B}"/>
-              </a:ext>
-            </a:extLst>
-          </p:cNvPr>
+          <p:cNvPr id="4" name="Content Placeholder 3"/>
           <p:cNvSpPr>
             <a:spLocks noGrp="1"/>
           </p:cNvSpPr>
@@ -1611,12 +3792,14 @@
         </p:nvSpPr>
         <p:spPr>
           <a:xfrm>
-            <a:off x="839788" y="2505075"/>
-            <a:ext cx="5157787" cy="3684588"/>
+            <a:off x="2589212" y="2548966"/>
+            <a:ext cx="4342893" cy="3354060"/>
           </a:xfrm>
         </p:spPr>
         <p:txBody>
-          <a:bodyPr/>
+          <a:bodyPr>
+            <a:normAutofit/>
+          </a:bodyPr>
           <a:lstStyle/>
           <a:p>
             <a:pPr lvl="0"/>
@@ -1652,18 +3835,13 @@
               <a:rPr lang="en-US"/>
               <a:t>Fifth level</a:t>
             </a:r>
-          </a:p>
-        </p:txBody>
-      </p:sp>
-      <p:sp>
-        <p:nvSpPr>
-          <p:cNvPr id="5" name="Text Placeholder 4">
-            <a:extLst>
-              <a:ext uri="{FF2B5EF4-FFF2-40B4-BE49-F238E27FC236}">
-                <a16:creationId xmlns:a16="http://schemas.microsoft.com/office/drawing/2014/main" id="{71C06165-0AF6-341C-D251-65DBD2B062DD}"/>
-              </a:ext>
-            </a:extLst>
-          </p:cNvPr>
+            <a:endParaRPr lang="en-US" dirty="0"/>
+          </a:p>
+        </p:txBody>
+      </p:sp>
+      <p:sp>
+        <p:nvSpPr>
+          <p:cNvPr id="5" name="Text Placeholder 4"/>
           <p:cNvSpPr>
             <a:spLocks noGrp="1"/>
           </p:cNvSpPr>
@@ -1673,16 +3851,18 @@
         </p:nvSpPr>
         <p:spPr>
           <a:xfrm>
-            <a:off x="6172200" y="1681163"/>
-            <a:ext cx="5183188" cy="823912"/>
+            <a:off x="7506629" y="1969475"/>
+            <a:ext cx="3999001" cy="576262"/>
           </a:xfrm>
         </p:spPr>
         <p:txBody>
-          <a:bodyPr anchor="b"/>
+          <a:bodyPr anchor="b">
+            <a:noAutofit/>
+          </a:bodyPr>
           <a:lstStyle>
             <a:lvl1pPr marL="0" indent="0">
               <a:buNone/>
-              <a:defRPr sz="2400" b="1"/>
+              <a:defRPr sz="2400" b="0"/>
             </a:lvl1pPr>
             <a:lvl2pPr marL="457200" indent="0">
               <a:buNone/>
@@ -1728,13 +3908,7 @@
       </p:sp>
       <p:sp>
         <p:nvSpPr>
-          <p:cNvPr id="6" name="Content Placeholder 5">
-            <a:extLst>
-              <a:ext uri="{FF2B5EF4-FFF2-40B4-BE49-F238E27FC236}">
-                <a16:creationId xmlns:a16="http://schemas.microsoft.com/office/drawing/2014/main" id="{D64B3871-134F-9863-370C-B89B01016C3C}"/>
-              </a:ext>
-            </a:extLst>
-          </p:cNvPr>
+          <p:cNvPr id="6" name="Content Placeholder 5"/>
           <p:cNvSpPr>
             <a:spLocks noGrp="1"/>
           </p:cNvSpPr>
@@ -1744,12 +3918,14 @@
         </p:nvSpPr>
         <p:spPr>
           <a:xfrm>
-            <a:off x="6172200" y="2505075"/>
-            <a:ext cx="5183188" cy="3684588"/>
+            <a:off x="7166957" y="2545738"/>
+            <a:ext cx="4338674" cy="3354060"/>
           </a:xfrm>
         </p:spPr>
         <p:txBody>
-          <a:bodyPr/>
+          <a:bodyPr>
+            <a:normAutofit/>
+          </a:bodyPr>
           <a:lstStyle/>
           <a:p>
             <a:pPr lvl="0"/>
@@ -1785,18 +3961,13 @@
               <a:rPr lang="en-US"/>
               <a:t>Fifth level</a:t>
             </a:r>
-          </a:p>
-        </p:txBody>
-      </p:sp>
-      <p:sp>
-        <p:nvSpPr>
-          <p:cNvPr id="7" name="Date Placeholder 6">
-            <a:extLst>
-              <a:ext uri="{FF2B5EF4-FFF2-40B4-BE49-F238E27FC236}">
-                <a16:creationId xmlns:a16="http://schemas.microsoft.com/office/drawing/2014/main" id="{7C873C7D-F06E-5F07-DE8E-10B3746B3D73}"/>
-              </a:ext>
-            </a:extLst>
-          </p:cNvPr>
+            <a:endParaRPr lang="en-US" dirty="0"/>
+          </a:p>
+        </p:txBody>
+      </p:sp>
+      <p:sp>
+        <p:nvSpPr>
+          <p:cNvPr id="7" name="Date Placeholder 6"/>
           <p:cNvSpPr>
             <a:spLocks noGrp="1"/>
           </p:cNvSpPr>
@@ -1819,13 +3990,7 @@
       </p:sp>
       <p:sp>
         <p:nvSpPr>
-          <p:cNvPr id="8" name="Footer Placeholder 7">
-            <a:extLst>
-              <a:ext uri="{FF2B5EF4-FFF2-40B4-BE49-F238E27FC236}">
-                <a16:creationId xmlns:a16="http://schemas.microsoft.com/office/drawing/2014/main" id="{4E825F4E-0417-FFA2-DFD5-15C03110C94C}"/>
-              </a:ext>
-            </a:extLst>
-          </p:cNvPr>
+          <p:cNvPr id="8" name="Footer Placeholder 7"/>
           <p:cNvSpPr>
             <a:spLocks noGrp="1"/>
           </p:cNvSpPr>
@@ -1844,13 +4009,89 @@
       </p:sp>
       <p:sp>
         <p:nvSpPr>
-          <p:cNvPr id="9" name="Slide Number Placeholder 8">
-            <a:extLst>
-              <a:ext uri="{FF2B5EF4-FFF2-40B4-BE49-F238E27FC236}">
-                <a16:creationId xmlns:a16="http://schemas.microsoft.com/office/drawing/2014/main" id="{FE9E83EC-9FF0-4B02-39D6-68334C8738B5}"/>
-              </a:ext>
-            </a:extLst>
-          </p:cNvPr>
+          <p:cNvPr id="12" name="Freeform 11"/>
+          <p:cNvSpPr/>
+          <p:nvPr/>
+        </p:nvSpPr>
+        <p:spPr bwMode="auto">
+          <a:xfrm flipV="1">
+            <a:off x="-4189" y="714375"/>
+            <a:ext cx="1588527" cy="507297"/>
+          </a:xfrm>
+          <a:custGeom>
+            <a:avLst/>
+            <a:gdLst/>
+            <a:ahLst/>
+            <a:cxnLst/>
+            <a:rect l="l" t="t" r="r" b="b"/>
+            <a:pathLst>
+              <a:path w="9248" h="10000">
+                <a:moveTo>
+                  <a:pt x="9248" y="4701"/>
+                </a:moveTo>
+                <a:lnTo>
+                  <a:pt x="7915" y="188"/>
+                </a:lnTo>
+                <a:cubicBezTo>
+                  <a:pt x="7906" y="156"/>
+                  <a:pt x="7895" y="126"/>
+                  <a:pt x="7886" y="94"/>
+                </a:cubicBezTo>
+                <a:cubicBezTo>
+                  <a:pt x="7859" y="0"/>
+                  <a:pt x="7831" y="0"/>
+                  <a:pt x="7803" y="0"/>
+                </a:cubicBezTo>
+                <a:lnTo>
+                  <a:pt x="7275" y="0"/>
+                </a:lnTo>
+                <a:lnTo>
+                  <a:pt x="0" y="70"/>
+                </a:lnTo>
+                <a:cubicBezTo>
+                  <a:pt x="8" y="3380"/>
+                  <a:pt x="17" y="6690"/>
+                  <a:pt x="25" y="10000"/>
+                </a:cubicBezTo>
+                <a:lnTo>
+                  <a:pt x="7275" y="9966"/>
+                </a:lnTo>
+                <a:lnTo>
+                  <a:pt x="7803" y="9966"/>
+                </a:lnTo>
+                <a:cubicBezTo>
+                  <a:pt x="7831" y="9966"/>
+                  <a:pt x="7859" y="9872"/>
+                  <a:pt x="7886" y="9872"/>
+                </a:cubicBezTo>
+                <a:cubicBezTo>
+                  <a:pt x="7886" y="9778"/>
+                  <a:pt x="7915" y="9778"/>
+                  <a:pt x="7915" y="9778"/>
+                </a:cubicBezTo>
+                <a:lnTo>
+                  <a:pt x="9248" y="5265"/>
+                </a:lnTo>
+                <a:cubicBezTo>
+                  <a:pt x="9303" y="5077"/>
+                  <a:pt x="9303" y="4889"/>
+                  <a:pt x="9248" y="4701"/>
+                </a:cubicBezTo>
+                <a:close/>
+              </a:path>
+            </a:pathLst>
+          </a:custGeom>
+          <a:solidFill>
+            <a:schemeClr val="accent1"/>
+          </a:solidFill>
+          <a:ln>
+            <a:noFill/>
+          </a:ln>
+        </p:spPr>
+      </p:sp>
+      <p:sp>
+        <p:nvSpPr>
+          <p:cNvPr id="13" name="Slide Number Placeholder 5"/>
           <p:cNvSpPr>
             <a:spLocks noGrp="1"/>
           </p:cNvSpPr>
@@ -1858,7 +4099,12 @@
             <p:ph type="sldNum" sz="quarter" idx="12"/>
           </p:nvPr>
         </p:nvSpPr>
-        <p:spPr/>
+        <p:spPr>
+          <a:xfrm>
+            <a:off x="531812" y="787782"/>
+            <a:ext cx="779767" cy="365125"/>
+          </a:xfrm>
+        </p:spPr>
         <p:txBody>
           <a:bodyPr/>
           <a:lstStyle/>
@@ -1874,7 +4120,7 @@
     </p:spTree>
     <p:extLst>
       <p:ext uri="{BB962C8B-B14F-4D97-AF65-F5344CB8AC3E}">
-        <p14:creationId xmlns:p14="http://schemas.microsoft.com/office/powerpoint/2010/main" val="1761885328"/>
+        <p14:creationId xmlns:p14="http://schemas.microsoft.com/office/powerpoint/2010/main" val="1067098046"/>
       </p:ext>
     </p:extLst>
   </p:cSld>
@@ -1903,13 +4149,7 @@
       </p:grpSpPr>
       <p:sp>
         <p:nvSpPr>
-          <p:cNvPr id="2" name="Title 1">
-            <a:extLst>
-              <a:ext uri="{FF2B5EF4-FFF2-40B4-BE49-F238E27FC236}">
-                <a16:creationId xmlns:a16="http://schemas.microsoft.com/office/drawing/2014/main" id="{9CA65E3C-4F9A-60D4-E1FE-EFF50768AA61}"/>
-              </a:ext>
-            </a:extLst>
-          </p:cNvPr>
+          <p:cNvPr id="2" name="Title 1"/>
           <p:cNvSpPr>
             <a:spLocks noGrp="1"/>
           </p:cNvSpPr>
@@ -1926,18 +4166,13 @@
               <a:rPr lang="en-US"/>
               <a:t>Click to edit Master title style</a:t>
             </a:r>
-          </a:p>
-        </p:txBody>
-      </p:sp>
-      <p:sp>
-        <p:nvSpPr>
-          <p:cNvPr id="3" name="Date Placeholder 2">
-            <a:extLst>
-              <a:ext uri="{FF2B5EF4-FFF2-40B4-BE49-F238E27FC236}">
-                <a16:creationId xmlns:a16="http://schemas.microsoft.com/office/drawing/2014/main" id="{3E34D0EB-7579-BE41-A5A5-24464E1B2A05}"/>
-              </a:ext>
-            </a:extLst>
-          </p:cNvPr>
+            <a:endParaRPr lang="en-US" dirty="0"/>
+          </a:p>
+        </p:txBody>
+      </p:sp>
+      <p:sp>
+        <p:nvSpPr>
+          <p:cNvPr id="3" name="Date Placeholder 2"/>
           <p:cNvSpPr>
             <a:spLocks noGrp="1"/>
           </p:cNvSpPr>
@@ -1960,13 +4195,7 @@
       </p:sp>
       <p:sp>
         <p:nvSpPr>
-          <p:cNvPr id="4" name="Footer Placeholder 3">
-            <a:extLst>
-              <a:ext uri="{FF2B5EF4-FFF2-40B4-BE49-F238E27FC236}">
-                <a16:creationId xmlns:a16="http://schemas.microsoft.com/office/drawing/2014/main" id="{769DA4AC-7C14-7B2E-AD43-B0358EB5D2A0}"/>
-              </a:ext>
-            </a:extLst>
-          </p:cNvPr>
+          <p:cNvPr id="4" name="Footer Placeholder 3"/>
           <p:cNvSpPr>
             <a:spLocks noGrp="1"/>
           </p:cNvSpPr>
@@ -1985,13 +4214,89 @@
       </p:sp>
       <p:sp>
         <p:nvSpPr>
-          <p:cNvPr id="5" name="Slide Number Placeholder 4">
-            <a:extLst>
-              <a:ext uri="{FF2B5EF4-FFF2-40B4-BE49-F238E27FC236}">
-                <a16:creationId xmlns:a16="http://schemas.microsoft.com/office/drawing/2014/main" id="{A51E3477-95E9-D760-BF2C-278A11ADF51C}"/>
-              </a:ext>
-            </a:extLst>
-          </p:cNvPr>
+          <p:cNvPr id="7" name="Freeform 11"/>
+          <p:cNvSpPr/>
+          <p:nvPr/>
+        </p:nvSpPr>
+        <p:spPr bwMode="auto">
+          <a:xfrm flipV="1">
+            <a:off x="-4189" y="714375"/>
+            <a:ext cx="1588527" cy="507297"/>
+          </a:xfrm>
+          <a:custGeom>
+            <a:avLst/>
+            <a:gdLst/>
+            <a:ahLst/>
+            <a:cxnLst/>
+            <a:rect l="l" t="t" r="r" b="b"/>
+            <a:pathLst>
+              <a:path w="9248" h="10000">
+                <a:moveTo>
+                  <a:pt x="9248" y="4701"/>
+                </a:moveTo>
+                <a:lnTo>
+                  <a:pt x="7915" y="188"/>
+                </a:lnTo>
+                <a:cubicBezTo>
+                  <a:pt x="7906" y="156"/>
+                  <a:pt x="7895" y="126"/>
+                  <a:pt x="7886" y="94"/>
+                </a:cubicBezTo>
+                <a:cubicBezTo>
+                  <a:pt x="7859" y="0"/>
+                  <a:pt x="7831" y="0"/>
+                  <a:pt x="7803" y="0"/>
+                </a:cubicBezTo>
+                <a:lnTo>
+                  <a:pt x="7275" y="0"/>
+                </a:lnTo>
+                <a:lnTo>
+                  <a:pt x="0" y="70"/>
+                </a:lnTo>
+                <a:cubicBezTo>
+                  <a:pt x="8" y="3380"/>
+                  <a:pt x="17" y="6690"/>
+                  <a:pt x="25" y="10000"/>
+                </a:cubicBezTo>
+                <a:lnTo>
+                  <a:pt x="7275" y="9966"/>
+                </a:lnTo>
+                <a:lnTo>
+                  <a:pt x="7803" y="9966"/>
+                </a:lnTo>
+                <a:cubicBezTo>
+                  <a:pt x="7831" y="9966"/>
+                  <a:pt x="7859" y="9872"/>
+                  <a:pt x="7886" y="9872"/>
+                </a:cubicBezTo>
+                <a:cubicBezTo>
+                  <a:pt x="7886" y="9778"/>
+                  <a:pt x="7915" y="9778"/>
+                  <a:pt x="7915" y="9778"/>
+                </a:cubicBezTo>
+                <a:lnTo>
+                  <a:pt x="9248" y="5265"/>
+                </a:lnTo>
+                <a:cubicBezTo>
+                  <a:pt x="9303" y="5077"/>
+                  <a:pt x="9303" y="4889"/>
+                  <a:pt x="9248" y="4701"/>
+                </a:cubicBezTo>
+                <a:close/>
+              </a:path>
+            </a:pathLst>
+          </a:custGeom>
+          <a:solidFill>
+            <a:schemeClr val="accent1"/>
+          </a:solidFill>
+          <a:ln>
+            <a:noFill/>
+          </a:ln>
+        </p:spPr>
+      </p:sp>
+      <p:sp>
+        <p:nvSpPr>
+          <p:cNvPr id="5" name="Slide Number Placeholder 4"/>
           <p:cNvSpPr>
             <a:spLocks noGrp="1"/>
           </p:cNvSpPr>
@@ -2015,7 +4320,7 @@
     </p:spTree>
     <p:extLst>
       <p:ext uri="{BB962C8B-B14F-4D97-AF65-F5344CB8AC3E}">
-        <p14:creationId xmlns:p14="http://schemas.microsoft.com/office/powerpoint/2010/main" val="1986426168"/>
+        <p14:creationId xmlns:p14="http://schemas.microsoft.com/office/powerpoint/2010/main" val="3334943376"/>
       </p:ext>
     </p:extLst>
   </p:cSld>
@@ -2044,13 +4349,7 @@
       </p:grpSpPr>
       <p:sp>
         <p:nvSpPr>
-          <p:cNvPr id="2" name="Date Placeholder 1">
-            <a:extLst>
-              <a:ext uri="{FF2B5EF4-FFF2-40B4-BE49-F238E27FC236}">
-                <a16:creationId xmlns:a16="http://schemas.microsoft.com/office/drawing/2014/main" id="{0654735B-B1C9-DBCC-48AB-360346E7A91D}"/>
-              </a:ext>
-            </a:extLst>
-          </p:cNvPr>
+          <p:cNvPr id="2" name="Date Placeholder 1"/>
           <p:cNvSpPr>
             <a:spLocks noGrp="1"/>
           </p:cNvSpPr>
@@ -2073,13 +4372,7 @@
       </p:sp>
       <p:sp>
         <p:nvSpPr>
-          <p:cNvPr id="3" name="Footer Placeholder 2">
-            <a:extLst>
-              <a:ext uri="{FF2B5EF4-FFF2-40B4-BE49-F238E27FC236}">
-                <a16:creationId xmlns:a16="http://schemas.microsoft.com/office/drawing/2014/main" id="{C83CA51E-EBC4-1CB7-6BE1-56C06F563073}"/>
-              </a:ext>
-            </a:extLst>
-          </p:cNvPr>
+          <p:cNvPr id="3" name="Footer Placeholder 2"/>
           <p:cNvSpPr>
             <a:spLocks noGrp="1"/>
           </p:cNvSpPr>
@@ -2098,13 +4391,89 @@
       </p:sp>
       <p:sp>
         <p:nvSpPr>
-          <p:cNvPr id="4" name="Slide Number Placeholder 3">
-            <a:extLst>
-              <a:ext uri="{FF2B5EF4-FFF2-40B4-BE49-F238E27FC236}">
-                <a16:creationId xmlns:a16="http://schemas.microsoft.com/office/drawing/2014/main" id="{728A7DAE-AF44-06BD-8505-BCADED32F787}"/>
-              </a:ext>
-            </a:extLst>
-          </p:cNvPr>
+          <p:cNvPr id="6" name="Freeform 11"/>
+          <p:cNvSpPr/>
+          <p:nvPr/>
+        </p:nvSpPr>
+        <p:spPr bwMode="auto">
+          <a:xfrm flipV="1">
+            <a:off x="-4189" y="714375"/>
+            <a:ext cx="1588527" cy="507297"/>
+          </a:xfrm>
+          <a:custGeom>
+            <a:avLst/>
+            <a:gdLst/>
+            <a:ahLst/>
+            <a:cxnLst/>
+            <a:rect l="l" t="t" r="r" b="b"/>
+            <a:pathLst>
+              <a:path w="9248" h="10000">
+                <a:moveTo>
+                  <a:pt x="9248" y="4701"/>
+                </a:moveTo>
+                <a:lnTo>
+                  <a:pt x="7915" y="188"/>
+                </a:lnTo>
+                <a:cubicBezTo>
+                  <a:pt x="7906" y="156"/>
+                  <a:pt x="7895" y="126"/>
+                  <a:pt x="7886" y="94"/>
+                </a:cubicBezTo>
+                <a:cubicBezTo>
+                  <a:pt x="7859" y="0"/>
+                  <a:pt x="7831" y="0"/>
+                  <a:pt x="7803" y="0"/>
+                </a:cubicBezTo>
+                <a:lnTo>
+                  <a:pt x="7275" y="0"/>
+                </a:lnTo>
+                <a:lnTo>
+                  <a:pt x="0" y="70"/>
+                </a:lnTo>
+                <a:cubicBezTo>
+                  <a:pt x="8" y="3380"/>
+                  <a:pt x="17" y="6690"/>
+                  <a:pt x="25" y="10000"/>
+                </a:cubicBezTo>
+                <a:lnTo>
+                  <a:pt x="7275" y="9966"/>
+                </a:lnTo>
+                <a:lnTo>
+                  <a:pt x="7803" y="9966"/>
+                </a:lnTo>
+                <a:cubicBezTo>
+                  <a:pt x="7831" y="9966"/>
+                  <a:pt x="7859" y="9872"/>
+                  <a:pt x="7886" y="9872"/>
+                </a:cubicBezTo>
+                <a:cubicBezTo>
+                  <a:pt x="7886" y="9778"/>
+                  <a:pt x="7915" y="9778"/>
+                  <a:pt x="7915" y="9778"/>
+                </a:cubicBezTo>
+                <a:lnTo>
+                  <a:pt x="9248" y="5265"/>
+                </a:lnTo>
+                <a:cubicBezTo>
+                  <a:pt x="9303" y="5077"/>
+                  <a:pt x="9303" y="4889"/>
+                  <a:pt x="9248" y="4701"/>
+                </a:cubicBezTo>
+                <a:close/>
+              </a:path>
+            </a:pathLst>
+          </a:custGeom>
+          <a:solidFill>
+            <a:schemeClr val="accent1"/>
+          </a:solidFill>
+          <a:ln>
+            <a:noFill/>
+          </a:ln>
+        </p:spPr>
+      </p:sp>
+      <p:sp>
+        <p:nvSpPr>
+          <p:cNvPr id="4" name="Slide Number Placeholder 3"/>
           <p:cNvSpPr>
             <a:spLocks noGrp="1"/>
           </p:cNvSpPr>
@@ -2128,7 +4497,7 @@
     </p:spTree>
     <p:extLst>
       <p:ext uri="{BB962C8B-B14F-4D97-AF65-F5344CB8AC3E}">
-        <p14:creationId xmlns:p14="http://schemas.microsoft.com/office/powerpoint/2010/main" val="115223723"/>
+        <p14:creationId xmlns:p14="http://schemas.microsoft.com/office/powerpoint/2010/main" val="3017700725"/>
       </p:ext>
     </p:extLst>
   </p:cSld>
@@ -2157,13 +4526,7 @@
       </p:grpSpPr>
       <p:sp>
         <p:nvSpPr>
-          <p:cNvPr id="2" name="Title 1">
-            <a:extLst>
-              <a:ext uri="{FF2B5EF4-FFF2-40B4-BE49-F238E27FC236}">
-                <a16:creationId xmlns:a16="http://schemas.microsoft.com/office/drawing/2014/main" id="{819CB01D-4EED-7506-4474-C091DDDF7815}"/>
-              </a:ext>
-            </a:extLst>
-          </p:cNvPr>
+          <p:cNvPr id="2" name="Title 1"/>
           <p:cNvSpPr>
             <a:spLocks noGrp="1"/>
           </p:cNvSpPr>
@@ -2173,15 +4536,15 @@
         </p:nvSpPr>
         <p:spPr>
           <a:xfrm>
-            <a:off x="839788" y="457200"/>
-            <a:ext cx="3932237" cy="1600200"/>
+            <a:off x="2589212" y="446088"/>
+            <a:ext cx="3505199" cy="976312"/>
           </a:xfrm>
         </p:spPr>
         <p:txBody>
           <a:bodyPr anchor="b"/>
           <a:lstStyle>
-            <a:lvl1pPr>
-              <a:defRPr sz="3200"/>
+            <a:lvl1pPr algn="l">
+              <a:defRPr sz="2000" b="0"/>
             </a:lvl1pPr>
           </a:lstStyle>
           <a:p>
@@ -2189,18 +4552,13 @@
               <a:rPr lang="en-US"/>
               <a:t>Click to edit Master title style</a:t>
             </a:r>
-          </a:p>
-        </p:txBody>
-      </p:sp>
-      <p:sp>
-        <p:nvSpPr>
-          <p:cNvPr id="3" name="Content Placeholder 2">
-            <a:extLst>
-              <a:ext uri="{FF2B5EF4-FFF2-40B4-BE49-F238E27FC236}">
-                <a16:creationId xmlns:a16="http://schemas.microsoft.com/office/drawing/2014/main" id="{41BAED8E-D2C3-19E8-8E8F-20D9AC69F9F9}"/>
-              </a:ext>
-            </a:extLst>
-          </p:cNvPr>
+            <a:endParaRPr lang="en-US" dirty="0"/>
+          </a:p>
+        </p:txBody>
+      </p:sp>
+      <p:sp>
+        <p:nvSpPr>
+          <p:cNvPr id="3" name="Content Placeholder 2"/>
           <p:cNvSpPr>
             <a:spLocks noGrp="1"/>
           </p:cNvSpPr>
@@ -2210,41 +4568,15 @@
         </p:nvSpPr>
         <p:spPr>
           <a:xfrm>
-            <a:off x="5183188" y="987425"/>
-            <a:ext cx="6172200" cy="4873625"/>
+            <a:off x="6323012" y="446088"/>
+            <a:ext cx="5181600" cy="5414963"/>
           </a:xfrm>
         </p:spPr>
         <p:txBody>
-          <a:bodyPr/>
-          <a:lstStyle>
-            <a:lvl1pPr>
-              <a:defRPr sz="3200"/>
-            </a:lvl1pPr>
-            <a:lvl2pPr>
-              <a:defRPr sz="2800"/>
-            </a:lvl2pPr>
-            <a:lvl3pPr>
-              <a:defRPr sz="2400"/>
-            </a:lvl3pPr>
-            <a:lvl4pPr>
-              <a:defRPr sz="2000"/>
-            </a:lvl4pPr>
-            <a:lvl5pPr>
-              <a:defRPr sz="2000"/>
-            </a:lvl5pPr>
-            <a:lvl6pPr>
-              <a:defRPr sz="2000"/>
-            </a:lvl6pPr>
-            <a:lvl7pPr>
-              <a:defRPr sz="2000"/>
-            </a:lvl7pPr>
-            <a:lvl8pPr>
-              <a:defRPr sz="2000"/>
-            </a:lvl8pPr>
-            <a:lvl9pPr>
-              <a:defRPr sz="2000"/>
-            </a:lvl9pPr>
-          </a:lstStyle>
+          <a:bodyPr anchor="ctr">
+            <a:normAutofit/>
+          </a:bodyPr>
+          <a:lstStyle/>
           <a:p>
             <a:pPr lvl="0"/>
             <a:r>
@@ -2279,18 +4611,13 @@
               <a:rPr lang="en-US"/>
               <a:t>Fifth level</a:t>
             </a:r>
-          </a:p>
-        </p:txBody>
-      </p:sp>
-      <p:sp>
-        <p:nvSpPr>
-          <p:cNvPr id="4" name="Text Placeholder 3">
-            <a:extLst>
-              <a:ext uri="{FF2B5EF4-FFF2-40B4-BE49-F238E27FC236}">
-                <a16:creationId xmlns:a16="http://schemas.microsoft.com/office/drawing/2014/main" id="{3F6C28BB-A17D-575E-B105-B04020E0A548}"/>
-              </a:ext>
-            </a:extLst>
-          </p:cNvPr>
+            <a:endParaRPr lang="en-US" dirty="0"/>
+          </a:p>
+        </p:txBody>
+      </p:sp>
+      <p:sp>
+        <p:nvSpPr>
+          <p:cNvPr id="4" name="Text Placeholder 3"/>
           <p:cNvSpPr>
             <a:spLocks noGrp="1"/>
           </p:cNvSpPr>
@@ -2300,8 +4627,8 @@
         </p:nvSpPr>
         <p:spPr>
           <a:xfrm>
-            <a:off x="839788" y="2057400"/>
-            <a:ext cx="3932237" cy="3811588"/>
+            <a:off x="2589212" y="1598613"/>
+            <a:ext cx="3505199" cy="4262436"/>
           </a:xfrm>
         </p:spPr>
         <p:txBody>
@@ -2309,39 +4636,39 @@
           <a:lstStyle>
             <a:lvl1pPr marL="0" indent="0">
               <a:buNone/>
-              <a:defRPr sz="1600"/>
+              <a:defRPr sz="1400"/>
             </a:lvl1pPr>
             <a:lvl2pPr marL="457200" indent="0">
               <a:buNone/>
-              <a:defRPr sz="1400"/>
+              <a:defRPr sz="1200"/>
             </a:lvl2pPr>
             <a:lvl3pPr marL="914400" indent="0">
               <a:buNone/>
-              <a:defRPr sz="1200"/>
+              <a:defRPr sz="1000"/>
             </a:lvl3pPr>
             <a:lvl4pPr marL="1371600" indent="0">
               <a:buNone/>
-              <a:defRPr sz="1000"/>
+              <a:defRPr sz="900"/>
             </a:lvl4pPr>
             <a:lvl5pPr marL="1828800" indent="0">
               <a:buNone/>
-              <a:defRPr sz="1000"/>
+              <a:defRPr sz="900"/>
             </a:lvl5pPr>
             <a:lvl6pPr marL="2286000" indent="0">
               <a:buNone/>
-              <a:defRPr sz="1000"/>
+              <a:defRPr sz="900"/>
             </a:lvl6pPr>
             <a:lvl7pPr marL="2743200" indent="0">
               <a:buNone/>
-              <a:defRPr sz="1000"/>
+              <a:defRPr sz="900"/>
             </a:lvl7pPr>
             <a:lvl8pPr marL="3200400" indent="0">
               <a:buNone/>
-              <a:defRPr sz="1000"/>
+              <a:defRPr sz="900"/>
             </a:lvl8pPr>
             <a:lvl9pPr marL="3657600" indent="0">
               <a:buNone/>
-              <a:defRPr sz="1000"/>
+              <a:defRPr sz="900"/>
             </a:lvl9pPr>
           </a:lstStyle>
           <a:p>
@@ -2355,13 +4682,7 @@
       </p:sp>
       <p:sp>
         <p:nvSpPr>
-          <p:cNvPr id="5" name="Date Placeholder 4">
-            <a:extLst>
-              <a:ext uri="{FF2B5EF4-FFF2-40B4-BE49-F238E27FC236}">
-                <a16:creationId xmlns:a16="http://schemas.microsoft.com/office/drawing/2014/main" id="{737B72FC-892E-F14B-DA39-FE632F3C7610}"/>
-              </a:ext>
-            </a:extLst>
-          </p:cNvPr>
+          <p:cNvPr id="5" name="Date Placeholder 4"/>
           <p:cNvSpPr>
             <a:spLocks noGrp="1"/>
           </p:cNvSpPr>
@@ -2384,13 +4705,7 @@
       </p:sp>
       <p:sp>
         <p:nvSpPr>
-          <p:cNvPr id="6" name="Footer Placeholder 5">
-            <a:extLst>
-              <a:ext uri="{FF2B5EF4-FFF2-40B4-BE49-F238E27FC236}">
-                <a16:creationId xmlns:a16="http://schemas.microsoft.com/office/drawing/2014/main" id="{13437ECF-AA6A-6E47-16A9-5A8CCDEC150E}"/>
-              </a:ext>
-            </a:extLst>
-          </p:cNvPr>
+          <p:cNvPr id="6" name="Footer Placeholder 5"/>
           <p:cNvSpPr>
             <a:spLocks noGrp="1"/>
           </p:cNvSpPr>
@@ -2409,13 +4724,89 @@
       </p:sp>
       <p:sp>
         <p:nvSpPr>
-          <p:cNvPr id="7" name="Slide Number Placeholder 6">
-            <a:extLst>
-              <a:ext uri="{FF2B5EF4-FFF2-40B4-BE49-F238E27FC236}">
-                <a16:creationId xmlns:a16="http://schemas.microsoft.com/office/drawing/2014/main" id="{21AD6887-E776-31A7-8FDF-F6EBF5AD474E}"/>
-              </a:ext>
-            </a:extLst>
-          </p:cNvPr>
+          <p:cNvPr id="9" name="Freeform 11"/>
+          <p:cNvSpPr/>
+          <p:nvPr/>
+        </p:nvSpPr>
+        <p:spPr bwMode="auto">
+          <a:xfrm flipV="1">
+            <a:off x="-4189" y="714375"/>
+            <a:ext cx="1588527" cy="507297"/>
+          </a:xfrm>
+          <a:custGeom>
+            <a:avLst/>
+            <a:gdLst/>
+            <a:ahLst/>
+            <a:cxnLst/>
+            <a:rect l="l" t="t" r="r" b="b"/>
+            <a:pathLst>
+              <a:path w="9248" h="10000">
+                <a:moveTo>
+                  <a:pt x="9248" y="4701"/>
+                </a:moveTo>
+                <a:lnTo>
+                  <a:pt x="7915" y="188"/>
+                </a:lnTo>
+                <a:cubicBezTo>
+                  <a:pt x="7906" y="156"/>
+                  <a:pt x="7895" y="126"/>
+                  <a:pt x="7886" y="94"/>
+                </a:cubicBezTo>
+                <a:cubicBezTo>
+                  <a:pt x="7859" y="0"/>
+                  <a:pt x="7831" y="0"/>
+                  <a:pt x="7803" y="0"/>
+                </a:cubicBezTo>
+                <a:lnTo>
+                  <a:pt x="7275" y="0"/>
+                </a:lnTo>
+                <a:lnTo>
+                  <a:pt x="0" y="70"/>
+                </a:lnTo>
+                <a:cubicBezTo>
+                  <a:pt x="8" y="3380"/>
+                  <a:pt x="17" y="6690"/>
+                  <a:pt x="25" y="10000"/>
+                </a:cubicBezTo>
+                <a:lnTo>
+                  <a:pt x="7275" y="9966"/>
+                </a:lnTo>
+                <a:lnTo>
+                  <a:pt x="7803" y="9966"/>
+                </a:lnTo>
+                <a:cubicBezTo>
+                  <a:pt x="7831" y="9966"/>
+                  <a:pt x="7859" y="9872"/>
+                  <a:pt x="7886" y="9872"/>
+                </a:cubicBezTo>
+                <a:cubicBezTo>
+                  <a:pt x="7886" y="9778"/>
+                  <a:pt x="7915" y="9778"/>
+                  <a:pt x="7915" y="9778"/>
+                </a:cubicBezTo>
+                <a:lnTo>
+                  <a:pt x="9248" y="5265"/>
+                </a:lnTo>
+                <a:cubicBezTo>
+                  <a:pt x="9303" y="5077"/>
+                  <a:pt x="9303" y="4889"/>
+                  <a:pt x="9248" y="4701"/>
+                </a:cubicBezTo>
+                <a:close/>
+              </a:path>
+            </a:pathLst>
+          </a:custGeom>
+          <a:solidFill>
+            <a:schemeClr val="accent1"/>
+          </a:solidFill>
+          <a:ln>
+            <a:noFill/>
+          </a:ln>
+        </p:spPr>
+      </p:sp>
+      <p:sp>
+        <p:nvSpPr>
+          <p:cNvPr id="7" name="Slide Number Placeholder 6"/>
           <p:cNvSpPr>
             <a:spLocks noGrp="1"/>
           </p:cNvSpPr>
@@ -2439,7 +4830,7 @@
     </p:spTree>
     <p:extLst>
       <p:ext uri="{BB962C8B-B14F-4D97-AF65-F5344CB8AC3E}">
-        <p14:creationId xmlns:p14="http://schemas.microsoft.com/office/powerpoint/2010/main" val="1524764758"/>
+        <p14:creationId xmlns:p14="http://schemas.microsoft.com/office/powerpoint/2010/main" val="746398269"/>
       </p:ext>
     </p:extLst>
   </p:cSld>
@@ -2468,13 +4859,7 @@
       </p:grpSpPr>
       <p:sp>
         <p:nvSpPr>
-          <p:cNvPr id="2" name="Title 1">
-            <a:extLst>
-              <a:ext uri="{FF2B5EF4-FFF2-40B4-BE49-F238E27FC236}">
-                <a16:creationId xmlns:a16="http://schemas.microsoft.com/office/drawing/2014/main" id="{3A6673CB-3665-A437-1D70-3DB082178FE7}"/>
-              </a:ext>
-            </a:extLst>
-          </p:cNvPr>
+          <p:cNvPr id="2" name="Title 1"/>
           <p:cNvSpPr>
             <a:spLocks noGrp="1"/>
           </p:cNvSpPr>
@@ -2484,15 +4869,17 @@
         </p:nvSpPr>
         <p:spPr>
           <a:xfrm>
-            <a:off x="839788" y="457200"/>
-            <a:ext cx="3932237" cy="1600200"/>
+            <a:off x="2589213" y="4800600"/>
+            <a:ext cx="8915400" cy="566738"/>
           </a:xfrm>
         </p:spPr>
         <p:txBody>
-          <a:bodyPr anchor="b"/>
+          <a:bodyPr anchor="b">
+            <a:normAutofit/>
+          </a:bodyPr>
           <a:lstStyle>
-            <a:lvl1pPr>
-              <a:defRPr sz="3200"/>
+            <a:lvl1pPr algn="l">
+              <a:defRPr sz="2400" b="0"/>
             </a:lvl1pPr>
           </a:lstStyle>
           <a:p>
@@ -2500,20 +4887,15 @@
               <a:rPr lang="en-US"/>
               <a:t>Click to edit Master title style</a:t>
             </a:r>
-          </a:p>
-        </p:txBody>
-      </p:sp>
-      <p:sp>
-        <p:nvSpPr>
-          <p:cNvPr id="3" name="Picture Placeholder 2">
-            <a:extLst>
-              <a:ext uri="{FF2B5EF4-FFF2-40B4-BE49-F238E27FC236}">
-                <a16:creationId xmlns:a16="http://schemas.microsoft.com/office/drawing/2014/main" id="{171DA5C4-238F-D6C0-CBC9-12694AB99032}"/>
-              </a:ext>
-            </a:extLst>
-          </p:cNvPr>
-          <p:cNvSpPr>
-            <a:spLocks noGrp="1"/>
+            <a:endParaRPr lang="en-US" dirty="0"/>
+          </a:p>
+        </p:txBody>
+      </p:sp>
+      <p:sp>
+        <p:nvSpPr>
+          <p:cNvPr id="3" name="Picture Placeholder 2"/>
+          <p:cNvSpPr>
+            <a:spLocks noGrp="1" noChangeAspect="1"/>
           </p:cNvSpPr>
           <p:nvPr>
             <p:ph type="pic" idx="1"/>
@@ -2521,118 +4903,120 @@
         </p:nvSpPr>
         <p:spPr>
           <a:xfrm>
-            <a:off x="5183188" y="987425"/>
-            <a:ext cx="6172200" cy="4873625"/>
+            <a:off x="2589212" y="634965"/>
+            <a:ext cx="8915400" cy="3854970"/>
           </a:xfrm>
         </p:spPr>
         <p:txBody>
-          <a:bodyPr/>
+          <a:bodyPr anchor="t">
+            <a:normAutofit/>
+          </a:bodyPr>
           <a:lstStyle>
-            <a:lvl1pPr marL="0" indent="0">
-              <a:buNone/>
-              <a:defRPr sz="3200"/>
-            </a:lvl1pPr>
-            <a:lvl2pPr marL="457200" indent="0">
-              <a:buNone/>
-              <a:defRPr sz="2800"/>
-            </a:lvl2pPr>
-            <a:lvl3pPr marL="914400" indent="0">
-              <a:buNone/>
-              <a:defRPr sz="2400"/>
-            </a:lvl3pPr>
-            <a:lvl4pPr marL="1371600" indent="0">
-              <a:buNone/>
-              <a:defRPr sz="2000"/>
-            </a:lvl4pPr>
-            <a:lvl5pPr marL="1828800" indent="0">
-              <a:buNone/>
-              <a:defRPr sz="2000"/>
-            </a:lvl5pPr>
-            <a:lvl6pPr marL="2286000" indent="0">
-              <a:buNone/>
-              <a:defRPr sz="2000"/>
-            </a:lvl6pPr>
-            <a:lvl7pPr marL="2743200" indent="0">
-              <a:buNone/>
-              <a:defRPr sz="2000"/>
-            </a:lvl7pPr>
-            <a:lvl8pPr marL="3200400" indent="0">
-              <a:buNone/>
-              <a:defRPr sz="2000"/>
-            </a:lvl8pPr>
-            <a:lvl9pPr marL="3657600" indent="0">
-              <a:buNone/>
-              <a:defRPr sz="2000"/>
-            </a:lvl9pPr>
-          </a:lstStyle>
-          <a:p>
-            <a:endParaRPr lang="en-US"/>
-          </a:p>
-        </p:txBody>
-      </p:sp>
-      <p:sp>
-        <p:nvSpPr>
-          <p:cNvPr id="4" name="Text Placeholder 3">
-            <a:extLst>
-              <a:ext uri="{FF2B5EF4-FFF2-40B4-BE49-F238E27FC236}">
-                <a16:creationId xmlns:a16="http://schemas.microsoft.com/office/drawing/2014/main" id="{43D7C920-4FC4-5D2D-1D43-8F8F4AF2D746}"/>
-              </a:ext>
-            </a:extLst>
-          </p:cNvPr>
-          <p:cNvSpPr>
-            <a:spLocks noGrp="1"/>
-          </p:cNvSpPr>
-          <p:nvPr>
-            <p:ph type="body" sz="half" idx="2"/>
-          </p:nvPr>
-        </p:nvSpPr>
-        <p:spPr>
-          <a:xfrm>
-            <a:off x="839788" y="2057400"/>
-            <a:ext cx="3932237" cy="3811588"/>
-          </a:xfrm>
-        </p:spPr>
-        <p:txBody>
-          <a:bodyPr/>
-          <a:lstStyle>
-            <a:lvl1pPr marL="0" indent="0">
+            <a:lvl1pPr marL="0" indent="0" algn="ctr">
               <a:buNone/>
               <a:defRPr sz="1600"/>
             </a:lvl1pPr>
             <a:lvl2pPr marL="457200" indent="0">
               <a:buNone/>
-              <a:defRPr sz="1400"/>
+              <a:defRPr sz="1600"/>
             </a:lvl2pPr>
             <a:lvl3pPr marL="914400" indent="0">
               <a:buNone/>
-              <a:defRPr sz="1200"/>
+              <a:defRPr sz="1600"/>
             </a:lvl3pPr>
             <a:lvl4pPr marL="1371600" indent="0">
               <a:buNone/>
-              <a:defRPr sz="1000"/>
+              <a:defRPr sz="1600"/>
             </a:lvl4pPr>
             <a:lvl5pPr marL="1828800" indent="0">
               <a:buNone/>
-              <a:defRPr sz="1000"/>
+              <a:defRPr sz="1600"/>
             </a:lvl5pPr>
             <a:lvl6pPr marL="2286000" indent="0">
               <a:buNone/>
-              <a:defRPr sz="1000"/>
+              <a:defRPr sz="1600"/>
             </a:lvl6pPr>
             <a:lvl7pPr marL="2743200" indent="0">
               <a:buNone/>
-              <a:defRPr sz="1000"/>
+              <a:defRPr sz="1600"/>
             </a:lvl7pPr>
             <a:lvl8pPr marL="3200400" indent="0">
               <a:buNone/>
-              <a:defRPr sz="1000"/>
+              <a:defRPr sz="1600"/>
             </a:lvl8pPr>
             <a:lvl9pPr marL="3657600" indent="0">
               <a:buNone/>
-              <a:defRPr sz="1000"/>
+              <a:defRPr sz="1600"/>
             </a:lvl9pPr>
           </a:lstStyle>
           <a:p>
+            <a:r>
+              <a:rPr lang="en-US"/>
+              <a:t>Click icon to add picture</a:t>
+            </a:r>
+            <a:endParaRPr lang="en-US" dirty="0"/>
+          </a:p>
+        </p:txBody>
+      </p:sp>
+      <p:sp>
+        <p:nvSpPr>
+          <p:cNvPr id="4" name="Text Placeholder 3"/>
+          <p:cNvSpPr>
+            <a:spLocks noGrp="1"/>
+          </p:cNvSpPr>
+          <p:nvPr>
+            <p:ph type="body" sz="half" idx="2"/>
+          </p:nvPr>
+        </p:nvSpPr>
+        <p:spPr>
+          <a:xfrm>
+            <a:off x="2589213" y="5367338"/>
+            <a:ext cx="8915400" cy="493712"/>
+          </a:xfrm>
+        </p:spPr>
+        <p:txBody>
+          <a:bodyPr>
+            <a:normAutofit/>
+          </a:bodyPr>
+          <a:lstStyle>
+            <a:lvl1pPr marL="0" indent="0">
+              <a:buNone/>
+              <a:defRPr sz="1200"/>
+            </a:lvl1pPr>
+            <a:lvl2pPr marL="457200" indent="0">
+              <a:buNone/>
+              <a:defRPr sz="1200"/>
+            </a:lvl2pPr>
+            <a:lvl3pPr marL="914400" indent="0">
+              <a:buNone/>
+              <a:defRPr sz="1000"/>
+            </a:lvl3pPr>
+            <a:lvl4pPr marL="1371600" indent="0">
+              <a:buNone/>
+              <a:defRPr sz="900"/>
+            </a:lvl4pPr>
+            <a:lvl5pPr marL="1828800" indent="0">
+              <a:buNone/>
+              <a:defRPr sz="900"/>
+            </a:lvl5pPr>
+            <a:lvl6pPr marL="2286000" indent="0">
+              <a:buNone/>
+              <a:defRPr sz="900"/>
+            </a:lvl6pPr>
+            <a:lvl7pPr marL="2743200" indent="0">
+              <a:buNone/>
+              <a:defRPr sz="900"/>
+            </a:lvl7pPr>
+            <a:lvl8pPr marL="3200400" indent="0">
+              <a:buNone/>
+              <a:defRPr sz="900"/>
+            </a:lvl8pPr>
+            <a:lvl9pPr marL="3657600" indent="0">
+              <a:buNone/>
+              <a:defRPr sz="900"/>
+            </a:lvl9pPr>
+          </a:lstStyle>
+          <a:p>
             <a:pPr lvl="0"/>
             <a:r>
               <a:rPr lang="en-US"/>
@@ -2643,13 +5027,7 @@
       </p:sp>
       <p:sp>
         <p:nvSpPr>
-          <p:cNvPr id="5" name="Date Placeholder 4">
-            <a:extLst>
-              <a:ext uri="{FF2B5EF4-FFF2-40B4-BE49-F238E27FC236}">
-                <a16:creationId xmlns:a16="http://schemas.microsoft.com/office/drawing/2014/main" id="{3542033F-A893-A5F1-3A0B-CE2E758190EC}"/>
-              </a:ext>
-            </a:extLst>
-          </p:cNvPr>
+          <p:cNvPr id="5" name="Date Placeholder 4"/>
           <p:cNvSpPr>
             <a:spLocks noGrp="1"/>
           </p:cNvSpPr>
@@ -2672,13 +5050,7 @@
       </p:sp>
       <p:sp>
         <p:nvSpPr>
-          <p:cNvPr id="6" name="Footer Placeholder 5">
-            <a:extLst>
-              <a:ext uri="{FF2B5EF4-FFF2-40B4-BE49-F238E27FC236}">
-                <a16:creationId xmlns:a16="http://schemas.microsoft.com/office/drawing/2014/main" id="{CB09DB59-27F4-ED2A-2744-E536FD2F24EB}"/>
-              </a:ext>
-            </a:extLst>
-          </p:cNvPr>
+          <p:cNvPr id="6" name="Footer Placeholder 5"/>
           <p:cNvSpPr>
             <a:spLocks noGrp="1"/>
           </p:cNvSpPr>
@@ -2697,13 +5069,89 @@
       </p:sp>
       <p:sp>
         <p:nvSpPr>
-          <p:cNvPr id="7" name="Slide Number Placeholder 6">
-            <a:extLst>
-              <a:ext uri="{FF2B5EF4-FFF2-40B4-BE49-F238E27FC236}">
-                <a16:creationId xmlns:a16="http://schemas.microsoft.com/office/drawing/2014/main" id="{A26DE7D9-71A8-250C-0A8B-E8E11B7A3005}"/>
-              </a:ext>
-            </a:extLst>
-          </p:cNvPr>
+          <p:cNvPr id="9" name="Freeform 11"/>
+          <p:cNvSpPr/>
+          <p:nvPr/>
+        </p:nvSpPr>
+        <p:spPr bwMode="auto">
+          <a:xfrm flipV="1">
+            <a:off x="-4189" y="4911725"/>
+            <a:ext cx="1588527" cy="507297"/>
+          </a:xfrm>
+          <a:custGeom>
+            <a:avLst/>
+            <a:gdLst/>
+            <a:ahLst/>
+            <a:cxnLst/>
+            <a:rect l="l" t="t" r="r" b="b"/>
+            <a:pathLst>
+              <a:path w="9248" h="10000">
+                <a:moveTo>
+                  <a:pt x="9248" y="4701"/>
+                </a:moveTo>
+                <a:lnTo>
+                  <a:pt x="7915" y="188"/>
+                </a:lnTo>
+                <a:cubicBezTo>
+                  <a:pt x="7906" y="156"/>
+                  <a:pt x="7895" y="126"/>
+                  <a:pt x="7886" y="94"/>
+                </a:cubicBezTo>
+                <a:cubicBezTo>
+                  <a:pt x="7859" y="0"/>
+                  <a:pt x="7831" y="0"/>
+                  <a:pt x="7803" y="0"/>
+                </a:cubicBezTo>
+                <a:lnTo>
+                  <a:pt x="7275" y="0"/>
+                </a:lnTo>
+                <a:lnTo>
+                  <a:pt x="0" y="70"/>
+                </a:lnTo>
+                <a:cubicBezTo>
+                  <a:pt x="8" y="3380"/>
+                  <a:pt x="17" y="6690"/>
+                  <a:pt x="25" y="10000"/>
+                </a:cubicBezTo>
+                <a:lnTo>
+                  <a:pt x="7275" y="9966"/>
+                </a:lnTo>
+                <a:lnTo>
+                  <a:pt x="7803" y="9966"/>
+                </a:lnTo>
+                <a:cubicBezTo>
+                  <a:pt x="7831" y="9966"/>
+                  <a:pt x="7859" y="9872"/>
+                  <a:pt x="7886" y="9872"/>
+                </a:cubicBezTo>
+                <a:cubicBezTo>
+                  <a:pt x="7886" y="9778"/>
+                  <a:pt x="7915" y="9778"/>
+                  <a:pt x="7915" y="9778"/>
+                </a:cubicBezTo>
+                <a:lnTo>
+                  <a:pt x="9248" y="5265"/>
+                </a:lnTo>
+                <a:cubicBezTo>
+                  <a:pt x="9303" y="5077"/>
+                  <a:pt x="9303" y="4889"/>
+                  <a:pt x="9248" y="4701"/>
+                </a:cubicBezTo>
+                <a:close/>
+              </a:path>
+            </a:pathLst>
+          </a:custGeom>
+          <a:solidFill>
+            <a:schemeClr val="accent1"/>
+          </a:solidFill>
+          <a:ln>
+            <a:noFill/>
+          </a:ln>
+        </p:spPr>
+      </p:sp>
+      <p:sp>
+        <p:nvSpPr>
+          <p:cNvPr id="7" name="Slide Number Placeholder 6"/>
           <p:cNvSpPr>
             <a:spLocks noGrp="1"/>
           </p:cNvSpPr>
@@ -2711,7 +5159,12 @@
             <p:ph type="sldNum" sz="quarter" idx="12"/>
           </p:nvPr>
         </p:nvSpPr>
-        <p:spPr/>
+        <p:spPr>
+          <a:xfrm>
+            <a:off x="531812" y="4983087"/>
+            <a:ext cx="779767" cy="365125"/>
+          </a:xfrm>
+        </p:spPr>
         <p:txBody>
           <a:bodyPr/>
           <a:lstStyle/>
@@ -2727,7 +5180,7 @@
     </p:spTree>
     <p:extLst>
       <p:ext uri="{BB962C8B-B14F-4D97-AF65-F5344CB8AC3E}">
-        <p14:creationId xmlns:p14="http://schemas.microsoft.com/office/powerpoint/2010/main" val="3582912535"/>
+        <p14:creationId xmlns:p14="http://schemas.microsoft.com/office/powerpoint/2010/main" val="2357750803"/>
       </p:ext>
     </p:extLst>
   </p:cSld>
@@ -2741,8 +5194,8 @@
 <p:sldMaster xmlns:a="http://schemas.openxmlformats.org/drawingml/2006/main" xmlns:r="http://schemas.openxmlformats.org/officeDocument/2006/relationships" xmlns:p="http://schemas.openxmlformats.org/presentationml/2006/main">
   <p:cSld>
     <p:bg>
-      <p:bgRef idx="1001">
-        <a:schemeClr val="bg1"/>
+      <p:bgRef idx="1003">
+        <a:schemeClr val="bg2"/>
       </p:bgRef>
     </p:bg>
     <p:spTree>
@@ -2759,33 +5212,1844 @@
           <a:chExt cx="0" cy="0"/>
         </a:xfrm>
       </p:grpSpPr>
-      <p:sp>
-        <p:nvSpPr>
-          <p:cNvPr id="2" name="Title Placeholder 1">
-            <a:extLst>
-              <a:ext uri="{FF2B5EF4-FFF2-40B4-BE49-F238E27FC236}">
-                <a16:creationId xmlns:a16="http://schemas.microsoft.com/office/drawing/2014/main" id="{53B85148-EBDD-BF14-19B9-23B33BD18B08}"/>
-              </a:ext>
-            </a:extLst>
-          </p:cNvPr>
-          <p:cNvSpPr>
-            <a:spLocks noGrp="1"/>
-          </p:cNvSpPr>
-          <p:nvPr>
-            <p:ph type="title"/>
-          </p:nvPr>
+      <p:grpSp>
+        <p:nvGrpSpPr>
+          <p:cNvPr id="23" name="Group 22"/>
+          <p:cNvGrpSpPr/>
+          <p:nvPr/>
+        </p:nvGrpSpPr>
+        <p:grpSpPr>
+          <a:xfrm>
+            <a:off x="1" y="228600"/>
+            <a:ext cx="2851516" cy="6638628"/>
+            <a:chOff x="2487613" y="285750"/>
+            <a:chExt cx="2428875" cy="5654676"/>
+          </a:xfrm>
+        </p:grpSpPr>
+        <p:sp>
+          <p:nvSpPr>
+            <p:cNvPr id="24" name="Freeform 11"/>
+            <p:cNvSpPr/>
+            <p:nvPr/>
+          </p:nvSpPr>
+          <p:spPr bwMode="auto">
+            <a:xfrm>
+              <a:off x="2487613" y="2284413"/>
+              <a:ext cx="85725" cy="533400"/>
+            </a:xfrm>
+            <a:custGeom>
+              <a:avLst/>
+              <a:gdLst/>
+              <a:ahLst/>
+              <a:cxnLst/>
+              <a:rect l="0" t="0" r="r" b="b"/>
+              <a:pathLst>
+                <a:path w="22" h="136">
+                  <a:moveTo>
+                    <a:pt x="22" y="136"/>
+                  </a:moveTo>
+                  <a:cubicBezTo>
+                    <a:pt x="20" y="117"/>
+                    <a:pt x="19" y="99"/>
+                    <a:pt x="17" y="80"/>
+                  </a:cubicBezTo>
+                  <a:cubicBezTo>
+                    <a:pt x="11" y="54"/>
+                    <a:pt x="6" y="27"/>
+                    <a:pt x="0" y="0"/>
+                  </a:cubicBezTo>
+                  <a:cubicBezTo>
+                    <a:pt x="0" y="35"/>
+                    <a:pt x="0" y="35"/>
+                    <a:pt x="0" y="35"/>
+                  </a:cubicBezTo>
+                  <a:cubicBezTo>
+                    <a:pt x="6" y="64"/>
+                    <a:pt x="13" y="94"/>
+                    <a:pt x="20" y="124"/>
+                  </a:cubicBezTo>
+                  <a:cubicBezTo>
+                    <a:pt x="20" y="128"/>
+                    <a:pt x="21" y="132"/>
+                    <a:pt x="22" y="136"/>
+                  </a:cubicBezTo>
+                  <a:close/>
+                </a:path>
+              </a:pathLst>
+            </a:custGeom>
+            <a:solidFill>
+              <a:schemeClr val="tx2">
+                <a:alpha val="20000"/>
+              </a:schemeClr>
+            </a:solidFill>
+            <a:ln>
+              <a:noFill/>
+            </a:ln>
+          </p:spPr>
+        </p:sp>
+        <p:sp>
+          <p:nvSpPr>
+            <p:cNvPr id="25" name="Freeform 12"/>
+            <p:cNvSpPr/>
+            <p:nvPr/>
+          </p:nvSpPr>
+          <p:spPr bwMode="auto">
+            <a:xfrm>
+              <a:off x="2597151" y="2779713"/>
+              <a:ext cx="550863" cy="1978025"/>
+            </a:xfrm>
+            <a:custGeom>
+              <a:avLst/>
+              <a:gdLst/>
+              <a:ahLst/>
+              <a:cxnLst/>
+              <a:rect l="0" t="0" r="r" b="b"/>
+              <a:pathLst>
+                <a:path w="140" h="504">
+                  <a:moveTo>
+                    <a:pt x="86" y="350"/>
+                  </a:moveTo>
+                  <a:cubicBezTo>
+                    <a:pt x="103" y="402"/>
+                    <a:pt x="120" y="453"/>
+                    <a:pt x="139" y="504"/>
+                  </a:cubicBezTo>
+                  <a:cubicBezTo>
+                    <a:pt x="139" y="495"/>
+                    <a:pt x="139" y="487"/>
+                    <a:pt x="140" y="478"/>
+                  </a:cubicBezTo>
+                  <a:cubicBezTo>
+                    <a:pt x="124" y="435"/>
+                    <a:pt x="109" y="391"/>
+                    <a:pt x="95" y="347"/>
+                  </a:cubicBezTo>
+                  <a:cubicBezTo>
+                    <a:pt x="58" y="233"/>
+                    <a:pt x="27" y="117"/>
+                    <a:pt x="0" y="0"/>
+                  </a:cubicBezTo>
+                  <a:cubicBezTo>
+                    <a:pt x="2" y="20"/>
+                    <a:pt x="4" y="41"/>
+                    <a:pt x="6" y="61"/>
+                  </a:cubicBezTo>
+                  <a:cubicBezTo>
+                    <a:pt x="30" y="158"/>
+                    <a:pt x="56" y="255"/>
+                    <a:pt x="86" y="350"/>
+                  </a:cubicBezTo>
+                  <a:close/>
+                </a:path>
+              </a:pathLst>
+            </a:custGeom>
+            <a:solidFill>
+              <a:schemeClr val="tx2">
+                <a:alpha val="20000"/>
+              </a:schemeClr>
+            </a:solidFill>
+            <a:ln>
+              <a:noFill/>
+            </a:ln>
+          </p:spPr>
+        </p:sp>
+        <p:sp>
+          <p:nvSpPr>
+            <p:cNvPr id="26" name="Freeform 13"/>
+            <p:cNvSpPr/>
+            <p:nvPr/>
+          </p:nvSpPr>
+          <p:spPr bwMode="auto">
+            <a:xfrm>
+              <a:off x="3175001" y="4730750"/>
+              <a:ext cx="519113" cy="1209675"/>
+            </a:xfrm>
+            <a:custGeom>
+              <a:avLst/>
+              <a:gdLst/>
+              <a:ahLst/>
+              <a:cxnLst/>
+              <a:rect l="0" t="0" r="r" b="b"/>
+              <a:pathLst>
+                <a:path w="132" h="308">
+                  <a:moveTo>
+                    <a:pt x="8" y="22"/>
+                  </a:moveTo>
+                  <a:cubicBezTo>
+                    <a:pt x="5" y="15"/>
+                    <a:pt x="2" y="8"/>
+                    <a:pt x="0" y="0"/>
+                  </a:cubicBezTo>
+                  <a:cubicBezTo>
+                    <a:pt x="0" y="10"/>
+                    <a:pt x="0" y="19"/>
+                    <a:pt x="0" y="29"/>
+                  </a:cubicBezTo>
+                  <a:cubicBezTo>
+                    <a:pt x="21" y="85"/>
+                    <a:pt x="44" y="140"/>
+                    <a:pt x="68" y="194"/>
+                  </a:cubicBezTo>
+                  <a:cubicBezTo>
+                    <a:pt x="85" y="232"/>
+                    <a:pt x="104" y="270"/>
+                    <a:pt x="123" y="308"/>
+                  </a:cubicBezTo>
+                  <a:cubicBezTo>
+                    <a:pt x="132" y="308"/>
+                    <a:pt x="132" y="308"/>
+                    <a:pt x="132" y="308"/>
+                  </a:cubicBezTo>
+                  <a:cubicBezTo>
+                    <a:pt x="113" y="269"/>
+                    <a:pt x="94" y="230"/>
+                    <a:pt x="77" y="190"/>
+                  </a:cubicBezTo>
+                  <a:cubicBezTo>
+                    <a:pt x="52" y="135"/>
+                    <a:pt x="29" y="79"/>
+                    <a:pt x="8" y="22"/>
+                  </a:cubicBezTo>
+                  <a:close/>
+                </a:path>
+              </a:pathLst>
+            </a:custGeom>
+            <a:solidFill>
+              <a:schemeClr val="tx2">
+                <a:alpha val="20000"/>
+              </a:schemeClr>
+            </a:solidFill>
+            <a:ln>
+              <a:noFill/>
+            </a:ln>
+          </p:spPr>
+        </p:sp>
+        <p:sp>
+          <p:nvSpPr>
+            <p:cNvPr id="27" name="Freeform 14"/>
+            <p:cNvSpPr/>
+            <p:nvPr/>
+          </p:nvSpPr>
+          <p:spPr bwMode="auto">
+            <a:xfrm>
+              <a:off x="3305176" y="5630863"/>
+              <a:ext cx="146050" cy="309563"/>
+            </a:xfrm>
+            <a:custGeom>
+              <a:avLst/>
+              <a:gdLst/>
+              <a:ahLst/>
+              <a:cxnLst/>
+              <a:rect l="0" t="0" r="r" b="b"/>
+              <a:pathLst>
+                <a:path w="37" h="79">
+                  <a:moveTo>
+                    <a:pt x="28" y="79"/>
+                  </a:moveTo>
+                  <a:cubicBezTo>
+                    <a:pt x="37" y="79"/>
+                    <a:pt x="37" y="79"/>
+                    <a:pt x="37" y="79"/>
+                  </a:cubicBezTo>
+                  <a:cubicBezTo>
+                    <a:pt x="24" y="53"/>
+                    <a:pt x="12" y="27"/>
+                    <a:pt x="0" y="0"/>
+                  </a:cubicBezTo>
+                  <a:cubicBezTo>
+                    <a:pt x="8" y="27"/>
+                    <a:pt x="17" y="53"/>
+                    <a:pt x="28" y="79"/>
+                  </a:cubicBezTo>
+                  <a:close/>
+                </a:path>
+              </a:pathLst>
+            </a:custGeom>
+            <a:solidFill>
+              <a:schemeClr val="tx2">
+                <a:alpha val="20000"/>
+              </a:schemeClr>
+            </a:solidFill>
+            <a:ln>
+              <a:noFill/>
+            </a:ln>
+          </p:spPr>
+        </p:sp>
+        <p:sp>
+          <p:nvSpPr>
+            <p:cNvPr id="28" name="Freeform 15"/>
+            <p:cNvSpPr/>
+            <p:nvPr/>
+          </p:nvSpPr>
+          <p:spPr bwMode="auto">
+            <a:xfrm>
+              <a:off x="2573338" y="2817813"/>
+              <a:ext cx="700088" cy="2835275"/>
+            </a:xfrm>
+            <a:custGeom>
+              <a:avLst/>
+              <a:gdLst/>
+              <a:ahLst/>
+              <a:cxnLst/>
+              <a:rect l="0" t="0" r="r" b="b"/>
+              <a:pathLst>
+                <a:path w="178" h="722">
+                  <a:moveTo>
+                    <a:pt x="162" y="660"/>
+                  </a:moveTo>
+                  <a:cubicBezTo>
+                    <a:pt x="145" y="618"/>
+                    <a:pt x="130" y="576"/>
+                    <a:pt x="116" y="534"/>
+                  </a:cubicBezTo>
+                  <a:cubicBezTo>
+                    <a:pt x="84" y="437"/>
+                    <a:pt x="59" y="337"/>
+                    <a:pt x="40" y="236"/>
+                  </a:cubicBezTo>
+                  <a:cubicBezTo>
+                    <a:pt x="29" y="175"/>
+                    <a:pt x="20" y="113"/>
+                    <a:pt x="12" y="51"/>
+                  </a:cubicBezTo>
+                  <a:cubicBezTo>
+                    <a:pt x="8" y="34"/>
+                    <a:pt x="4" y="17"/>
+                    <a:pt x="0" y="0"/>
+                  </a:cubicBezTo>
+                  <a:cubicBezTo>
+                    <a:pt x="8" y="79"/>
+                    <a:pt x="19" y="159"/>
+                    <a:pt x="33" y="237"/>
+                  </a:cubicBezTo>
+                  <a:cubicBezTo>
+                    <a:pt x="51" y="339"/>
+                    <a:pt x="76" y="439"/>
+                    <a:pt x="107" y="537"/>
+                  </a:cubicBezTo>
+                  <a:cubicBezTo>
+                    <a:pt x="123" y="586"/>
+                    <a:pt x="141" y="634"/>
+                    <a:pt x="160" y="681"/>
+                  </a:cubicBezTo>
+                  <a:cubicBezTo>
+                    <a:pt x="166" y="695"/>
+                    <a:pt x="172" y="708"/>
+                    <a:pt x="178" y="722"/>
+                  </a:cubicBezTo>
+                  <a:cubicBezTo>
+                    <a:pt x="176" y="717"/>
+                    <a:pt x="175" y="713"/>
+                    <a:pt x="174" y="708"/>
+                  </a:cubicBezTo>
+                  <a:cubicBezTo>
+                    <a:pt x="169" y="692"/>
+                    <a:pt x="165" y="676"/>
+                    <a:pt x="162" y="660"/>
+                  </a:cubicBezTo>
+                  <a:close/>
+                </a:path>
+              </a:pathLst>
+            </a:custGeom>
+            <a:solidFill>
+              <a:schemeClr val="tx2">
+                <a:alpha val="20000"/>
+              </a:schemeClr>
+            </a:solidFill>
+            <a:ln>
+              <a:noFill/>
+            </a:ln>
+          </p:spPr>
+        </p:sp>
+        <p:sp>
+          <p:nvSpPr>
+            <p:cNvPr id="29" name="Freeform 16"/>
+            <p:cNvSpPr/>
+            <p:nvPr/>
+          </p:nvSpPr>
+          <p:spPr bwMode="auto">
+            <a:xfrm>
+              <a:off x="2506663" y="285750"/>
+              <a:ext cx="90488" cy="2493963"/>
+            </a:xfrm>
+            <a:custGeom>
+              <a:avLst/>
+              <a:gdLst/>
+              <a:ahLst/>
+              <a:cxnLst/>
+              <a:rect l="0" t="0" r="r" b="b"/>
+              <a:pathLst>
+                <a:path w="23" h="635">
+                  <a:moveTo>
+                    <a:pt x="11" y="577"/>
+                  </a:moveTo>
+                  <a:cubicBezTo>
+                    <a:pt x="12" y="581"/>
+                    <a:pt x="12" y="585"/>
+                    <a:pt x="12" y="589"/>
+                  </a:cubicBezTo>
+                  <a:cubicBezTo>
+                    <a:pt x="15" y="603"/>
+                    <a:pt x="19" y="617"/>
+                    <a:pt x="22" y="632"/>
+                  </a:cubicBezTo>
+                  <a:cubicBezTo>
+                    <a:pt x="22" y="633"/>
+                    <a:pt x="22" y="634"/>
+                    <a:pt x="23" y="635"/>
+                  </a:cubicBezTo>
+                  <a:cubicBezTo>
+                    <a:pt x="21" y="615"/>
+                    <a:pt x="19" y="596"/>
+                    <a:pt x="17" y="576"/>
+                  </a:cubicBezTo>
+                  <a:cubicBezTo>
+                    <a:pt x="9" y="474"/>
+                    <a:pt x="5" y="372"/>
+                    <a:pt x="5" y="269"/>
+                  </a:cubicBezTo>
+                  <a:cubicBezTo>
+                    <a:pt x="6" y="179"/>
+                    <a:pt x="9" y="90"/>
+                    <a:pt x="15" y="0"/>
+                  </a:cubicBezTo>
+                  <a:cubicBezTo>
+                    <a:pt x="12" y="0"/>
+                    <a:pt x="12" y="0"/>
+                    <a:pt x="12" y="0"/>
+                  </a:cubicBezTo>
+                  <a:cubicBezTo>
+                    <a:pt x="5" y="89"/>
+                    <a:pt x="2" y="179"/>
+                    <a:pt x="1" y="269"/>
+                  </a:cubicBezTo>
+                  <a:cubicBezTo>
+                    <a:pt x="0" y="372"/>
+                    <a:pt x="3" y="474"/>
+                    <a:pt x="11" y="577"/>
+                  </a:cubicBezTo>
+                  <a:close/>
+                </a:path>
+              </a:pathLst>
+            </a:custGeom>
+            <a:solidFill>
+              <a:schemeClr val="tx2">
+                <a:alpha val="20000"/>
+              </a:schemeClr>
+            </a:solidFill>
+            <a:ln>
+              <a:noFill/>
+            </a:ln>
+          </p:spPr>
+        </p:sp>
+        <p:sp>
+          <p:nvSpPr>
+            <p:cNvPr id="30" name="Freeform 17"/>
+            <p:cNvSpPr/>
+            <p:nvPr/>
+          </p:nvSpPr>
+          <p:spPr bwMode="auto">
+            <a:xfrm>
+              <a:off x="2554288" y="2598738"/>
+              <a:ext cx="66675" cy="420688"/>
+            </a:xfrm>
+            <a:custGeom>
+              <a:avLst/>
+              <a:gdLst/>
+              <a:ahLst/>
+              <a:cxnLst/>
+              <a:rect l="0" t="0" r="r" b="b"/>
+              <a:pathLst>
+                <a:path w="17" h="107">
+                  <a:moveTo>
+                    <a:pt x="0" y="0"/>
+                  </a:moveTo>
+                  <a:cubicBezTo>
+                    <a:pt x="2" y="19"/>
+                    <a:pt x="3" y="37"/>
+                    <a:pt x="5" y="56"/>
+                  </a:cubicBezTo>
+                  <a:cubicBezTo>
+                    <a:pt x="9" y="73"/>
+                    <a:pt x="13" y="90"/>
+                    <a:pt x="17" y="107"/>
+                  </a:cubicBezTo>
+                  <a:cubicBezTo>
+                    <a:pt x="15" y="87"/>
+                    <a:pt x="13" y="66"/>
+                    <a:pt x="11" y="46"/>
+                  </a:cubicBezTo>
+                  <a:cubicBezTo>
+                    <a:pt x="10" y="45"/>
+                    <a:pt x="10" y="44"/>
+                    <a:pt x="10" y="43"/>
+                  </a:cubicBezTo>
+                  <a:cubicBezTo>
+                    <a:pt x="7" y="28"/>
+                    <a:pt x="3" y="14"/>
+                    <a:pt x="0" y="0"/>
+                  </a:cubicBezTo>
+                  <a:close/>
+                </a:path>
+              </a:pathLst>
+            </a:custGeom>
+            <a:solidFill>
+              <a:schemeClr val="tx2">
+                <a:alpha val="20000"/>
+              </a:schemeClr>
+            </a:solidFill>
+            <a:ln>
+              <a:noFill/>
+            </a:ln>
+          </p:spPr>
+        </p:sp>
+        <p:sp>
+          <p:nvSpPr>
+            <p:cNvPr id="31" name="Freeform 18"/>
+            <p:cNvSpPr/>
+            <p:nvPr/>
+          </p:nvSpPr>
+          <p:spPr bwMode="auto">
+            <a:xfrm>
+              <a:off x="3143251" y="4757738"/>
+              <a:ext cx="161925" cy="873125"/>
+            </a:xfrm>
+            <a:custGeom>
+              <a:avLst/>
+              <a:gdLst/>
+              <a:ahLst/>
+              <a:cxnLst/>
+              <a:rect l="0" t="0" r="r" b="b"/>
+              <a:pathLst>
+                <a:path w="41" h="222">
+                  <a:moveTo>
+                    <a:pt x="0" y="0"/>
+                  </a:moveTo>
+                  <a:cubicBezTo>
+                    <a:pt x="0" y="31"/>
+                    <a:pt x="2" y="62"/>
+                    <a:pt x="5" y="93"/>
+                  </a:cubicBezTo>
+                  <a:cubicBezTo>
+                    <a:pt x="8" y="117"/>
+                    <a:pt x="12" y="142"/>
+                    <a:pt x="17" y="166"/>
+                  </a:cubicBezTo>
+                  <a:cubicBezTo>
+                    <a:pt x="19" y="172"/>
+                    <a:pt x="22" y="178"/>
+                    <a:pt x="24" y="184"/>
+                  </a:cubicBezTo>
+                  <a:cubicBezTo>
+                    <a:pt x="30" y="197"/>
+                    <a:pt x="35" y="209"/>
+                    <a:pt x="41" y="222"/>
+                  </a:cubicBezTo>
+                  <a:cubicBezTo>
+                    <a:pt x="40" y="219"/>
+                    <a:pt x="39" y="215"/>
+                    <a:pt x="38" y="212"/>
+                  </a:cubicBezTo>
+                  <a:cubicBezTo>
+                    <a:pt x="26" y="172"/>
+                    <a:pt x="18" y="132"/>
+                    <a:pt x="13" y="92"/>
+                  </a:cubicBezTo>
+                  <a:cubicBezTo>
+                    <a:pt x="11" y="68"/>
+                    <a:pt x="9" y="45"/>
+                    <a:pt x="8" y="22"/>
+                  </a:cubicBezTo>
+                  <a:cubicBezTo>
+                    <a:pt x="8" y="21"/>
+                    <a:pt x="7" y="20"/>
+                    <a:pt x="7" y="18"/>
+                  </a:cubicBezTo>
+                  <a:cubicBezTo>
+                    <a:pt x="5" y="12"/>
+                    <a:pt x="2" y="6"/>
+                    <a:pt x="0" y="0"/>
+                  </a:cubicBezTo>
+                  <a:close/>
+                </a:path>
+              </a:pathLst>
+            </a:custGeom>
+            <a:solidFill>
+              <a:schemeClr val="tx2">
+                <a:alpha val="20000"/>
+              </a:schemeClr>
+            </a:solidFill>
+            <a:ln>
+              <a:noFill/>
+            </a:ln>
+          </p:spPr>
+        </p:sp>
+        <p:sp>
+          <p:nvSpPr>
+            <p:cNvPr id="32" name="Freeform 19"/>
+            <p:cNvSpPr/>
+            <p:nvPr/>
+          </p:nvSpPr>
+          <p:spPr bwMode="auto">
+            <a:xfrm>
+              <a:off x="3148013" y="1282700"/>
+              <a:ext cx="1768475" cy="3448050"/>
+            </a:xfrm>
+            <a:custGeom>
+              <a:avLst/>
+              <a:gdLst/>
+              <a:ahLst/>
+              <a:cxnLst/>
+              <a:rect l="0" t="0" r="r" b="b"/>
+              <a:pathLst>
+                <a:path w="450" h="878">
+                  <a:moveTo>
+                    <a:pt x="7" y="854"/>
+                  </a:moveTo>
+                  <a:cubicBezTo>
+                    <a:pt x="10" y="772"/>
+                    <a:pt x="26" y="691"/>
+                    <a:pt x="50" y="613"/>
+                  </a:cubicBezTo>
+                  <a:cubicBezTo>
+                    <a:pt x="75" y="535"/>
+                    <a:pt x="109" y="460"/>
+                    <a:pt x="149" y="388"/>
+                  </a:cubicBezTo>
+                  <a:cubicBezTo>
+                    <a:pt x="189" y="316"/>
+                    <a:pt x="235" y="248"/>
+                    <a:pt x="285" y="183"/>
+                  </a:cubicBezTo>
+                  <a:cubicBezTo>
+                    <a:pt x="310" y="151"/>
+                    <a:pt x="337" y="119"/>
+                    <a:pt x="364" y="89"/>
+                  </a:cubicBezTo>
+                  <a:cubicBezTo>
+                    <a:pt x="378" y="74"/>
+                    <a:pt x="392" y="58"/>
+                    <a:pt x="406" y="44"/>
+                  </a:cubicBezTo>
+                  <a:cubicBezTo>
+                    <a:pt x="421" y="29"/>
+                    <a:pt x="435" y="15"/>
+                    <a:pt x="450" y="1"/>
+                  </a:cubicBezTo>
+                  <a:cubicBezTo>
+                    <a:pt x="450" y="0"/>
+                    <a:pt x="450" y="0"/>
+                    <a:pt x="450" y="0"/>
+                  </a:cubicBezTo>
+                  <a:cubicBezTo>
+                    <a:pt x="434" y="14"/>
+                    <a:pt x="420" y="28"/>
+                    <a:pt x="405" y="43"/>
+                  </a:cubicBezTo>
+                  <a:cubicBezTo>
+                    <a:pt x="391" y="57"/>
+                    <a:pt x="377" y="72"/>
+                    <a:pt x="363" y="88"/>
+                  </a:cubicBezTo>
+                  <a:cubicBezTo>
+                    <a:pt x="335" y="118"/>
+                    <a:pt x="308" y="149"/>
+                    <a:pt x="283" y="181"/>
+                  </a:cubicBezTo>
+                  <a:cubicBezTo>
+                    <a:pt x="232" y="246"/>
+                    <a:pt x="185" y="314"/>
+                    <a:pt x="145" y="386"/>
+                  </a:cubicBezTo>
+                  <a:cubicBezTo>
+                    <a:pt x="104" y="457"/>
+                    <a:pt x="70" y="533"/>
+                    <a:pt x="45" y="611"/>
+                  </a:cubicBezTo>
+                  <a:cubicBezTo>
+                    <a:pt x="19" y="690"/>
+                    <a:pt x="3" y="771"/>
+                    <a:pt x="0" y="854"/>
+                  </a:cubicBezTo>
+                  <a:cubicBezTo>
+                    <a:pt x="0" y="856"/>
+                    <a:pt x="0" y="857"/>
+                    <a:pt x="0" y="859"/>
+                  </a:cubicBezTo>
+                  <a:cubicBezTo>
+                    <a:pt x="2" y="865"/>
+                    <a:pt x="4" y="872"/>
+                    <a:pt x="7" y="878"/>
+                  </a:cubicBezTo>
+                  <a:cubicBezTo>
+                    <a:pt x="7" y="870"/>
+                    <a:pt x="7" y="862"/>
+                    <a:pt x="7" y="854"/>
+                  </a:cubicBezTo>
+                  <a:close/>
+                </a:path>
+              </a:pathLst>
+            </a:custGeom>
+            <a:solidFill>
+              <a:schemeClr val="tx2">
+                <a:alpha val="20000"/>
+              </a:schemeClr>
+            </a:solidFill>
+            <a:ln>
+              <a:noFill/>
+            </a:ln>
+          </p:spPr>
+        </p:sp>
+        <p:sp>
+          <p:nvSpPr>
+            <p:cNvPr id="33" name="Freeform 20"/>
+            <p:cNvSpPr/>
+            <p:nvPr/>
+          </p:nvSpPr>
+          <p:spPr bwMode="auto">
+            <a:xfrm>
+              <a:off x="3273426" y="5653088"/>
+              <a:ext cx="138113" cy="287338"/>
+            </a:xfrm>
+            <a:custGeom>
+              <a:avLst/>
+              <a:gdLst/>
+              <a:ahLst/>
+              <a:cxnLst/>
+              <a:rect l="0" t="0" r="r" b="b"/>
+              <a:pathLst>
+                <a:path w="35" h="73">
+                  <a:moveTo>
+                    <a:pt x="0" y="0"/>
+                  </a:moveTo>
+                  <a:cubicBezTo>
+                    <a:pt x="7" y="24"/>
+                    <a:pt x="16" y="49"/>
+                    <a:pt x="26" y="73"/>
+                  </a:cubicBezTo>
+                  <a:cubicBezTo>
+                    <a:pt x="35" y="73"/>
+                    <a:pt x="35" y="73"/>
+                    <a:pt x="35" y="73"/>
+                  </a:cubicBezTo>
+                  <a:cubicBezTo>
+                    <a:pt x="23" y="49"/>
+                    <a:pt x="11" y="24"/>
+                    <a:pt x="0" y="0"/>
+                  </a:cubicBezTo>
+                  <a:close/>
+                </a:path>
+              </a:pathLst>
+            </a:custGeom>
+            <a:solidFill>
+              <a:schemeClr val="tx2">
+                <a:alpha val="20000"/>
+              </a:schemeClr>
+            </a:solidFill>
+            <a:ln>
+              <a:noFill/>
+            </a:ln>
+          </p:spPr>
+        </p:sp>
+        <p:sp>
+          <p:nvSpPr>
+            <p:cNvPr id="34" name="Freeform 21"/>
+            <p:cNvSpPr/>
+            <p:nvPr/>
+          </p:nvSpPr>
+          <p:spPr bwMode="auto">
+            <a:xfrm>
+              <a:off x="3143251" y="4656138"/>
+              <a:ext cx="31750" cy="188913"/>
+            </a:xfrm>
+            <a:custGeom>
+              <a:avLst/>
+              <a:gdLst/>
+              <a:ahLst/>
+              <a:cxnLst/>
+              <a:rect l="0" t="0" r="r" b="b"/>
+              <a:pathLst>
+                <a:path w="8" h="48">
+                  <a:moveTo>
+                    <a:pt x="7" y="44"/>
+                  </a:moveTo>
+                  <a:cubicBezTo>
+                    <a:pt x="7" y="46"/>
+                    <a:pt x="8" y="47"/>
+                    <a:pt x="8" y="48"/>
+                  </a:cubicBezTo>
+                  <a:cubicBezTo>
+                    <a:pt x="8" y="38"/>
+                    <a:pt x="8" y="29"/>
+                    <a:pt x="8" y="19"/>
+                  </a:cubicBezTo>
+                  <a:cubicBezTo>
+                    <a:pt x="5" y="13"/>
+                    <a:pt x="3" y="6"/>
+                    <a:pt x="1" y="0"/>
+                  </a:cubicBezTo>
+                  <a:cubicBezTo>
+                    <a:pt x="0" y="9"/>
+                    <a:pt x="0" y="17"/>
+                    <a:pt x="0" y="26"/>
+                  </a:cubicBezTo>
+                  <a:cubicBezTo>
+                    <a:pt x="2" y="32"/>
+                    <a:pt x="5" y="38"/>
+                    <a:pt x="7" y="44"/>
+                  </a:cubicBezTo>
+                  <a:close/>
+                </a:path>
+              </a:pathLst>
+            </a:custGeom>
+            <a:solidFill>
+              <a:schemeClr val="tx2">
+                <a:alpha val="20000"/>
+              </a:schemeClr>
+            </a:solidFill>
+            <a:ln>
+              <a:noFill/>
+            </a:ln>
+          </p:spPr>
+        </p:sp>
+        <p:sp>
+          <p:nvSpPr>
+            <p:cNvPr id="35" name="Freeform 22"/>
+            <p:cNvSpPr/>
+            <p:nvPr/>
+          </p:nvSpPr>
+          <p:spPr bwMode="auto">
+            <a:xfrm>
+              <a:off x="3211513" y="5410200"/>
+              <a:ext cx="203200" cy="530225"/>
+            </a:xfrm>
+            <a:custGeom>
+              <a:avLst/>
+              <a:gdLst/>
+              <a:ahLst/>
+              <a:cxnLst/>
+              <a:rect l="0" t="0" r="r" b="b"/>
+              <a:pathLst>
+                <a:path w="52" h="135">
+                  <a:moveTo>
+                    <a:pt x="7" y="18"/>
+                  </a:moveTo>
+                  <a:cubicBezTo>
+                    <a:pt x="5" y="12"/>
+                    <a:pt x="2" y="6"/>
+                    <a:pt x="0" y="0"/>
+                  </a:cubicBezTo>
+                  <a:cubicBezTo>
+                    <a:pt x="3" y="16"/>
+                    <a:pt x="7" y="32"/>
+                    <a:pt x="12" y="48"/>
+                  </a:cubicBezTo>
+                  <a:cubicBezTo>
+                    <a:pt x="13" y="53"/>
+                    <a:pt x="14" y="57"/>
+                    <a:pt x="16" y="62"/>
+                  </a:cubicBezTo>
+                  <a:cubicBezTo>
+                    <a:pt x="27" y="86"/>
+                    <a:pt x="39" y="111"/>
+                    <a:pt x="51" y="135"/>
+                  </a:cubicBezTo>
+                  <a:cubicBezTo>
+                    <a:pt x="52" y="135"/>
+                    <a:pt x="52" y="135"/>
+                    <a:pt x="52" y="135"/>
+                  </a:cubicBezTo>
+                  <a:cubicBezTo>
+                    <a:pt x="41" y="109"/>
+                    <a:pt x="32" y="83"/>
+                    <a:pt x="24" y="56"/>
+                  </a:cubicBezTo>
+                  <a:cubicBezTo>
+                    <a:pt x="18" y="43"/>
+                    <a:pt x="13" y="31"/>
+                    <a:pt x="7" y="18"/>
+                  </a:cubicBezTo>
+                  <a:close/>
+                </a:path>
+              </a:pathLst>
+            </a:custGeom>
+            <a:solidFill>
+              <a:schemeClr val="tx2">
+                <a:alpha val="20000"/>
+              </a:schemeClr>
+            </a:solidFill>
+            <a:ln>
+              <a:noFill/>
+            </a:ln>
+          </p:spPr>
+        </p:sp>
+      </p:grpSp>
+      <p:grpSp>
+        <p:nvGrpSpPr>
+          <p:cNvPr id="10" name="Group 9"/>
+          <p:cNvGrpSpPr/>
+          <p:nvPr/>
+        </p:nvGrpSpPr>
+        <p:grpSpPr>
+          <a:xfrm>
+            <a:off x="27221" y="-786"/>
+            <a:ext cx="2356674" cy="6854039"/>
+            <a:chOff x="6627813" y="194833"/>
+            <a:chExt cx="1952625" cy="5678918"/>
+          </a:xfrm>
+        </p:grpSpPr>
+        <p:sp>
+          <p:nvSpPr>
+            <p:cNvPr id="11" name="Freeform 27"/>
+            <p:cNvSpPr/>
+            <p:nvPr/>
+          </p:nvSpPr>
+          <p:spPr bwMode="auto">
+            <a:xfrm>
+              <a:off x="6627813" y="194833"/>
+              <a:ext cx="409575" cy="3646488"/>
+            </a:xfrm>
+            <a:custGeom>
+              <a:avLst/>
+              <a:gdLst/>
+              <a:ahLst/>
+              <a:cxnLst/>
+              <a:rect l="0" t="0" r="r" b="b"/>
+              <a:pathLst>
+                <a:path w="103" h="920">
+                  <a:moveTo>
+                    <a:pt x="7" y="210"/>
+                  </a:moveTo>
+                  <a:cubicBezTo>
+                    <a:pt x="11" y="288"/>
+                    <a:pt x="17" y="367"/>
+                    <a:pt x="26" y="445"/>
+                  </a:cubicBezTo>
+                  <a:cubicBezTo>
+                    <a:pt x="34" y="523"/>
+                    <a:pt x="44" y="601"/>
+                    <a:pt x="57" y="679"/>
+                  </a:cubicBezTo>
+                  <a:cubicBezTo>
+                    <a:pt x="69" y="757"/>
+                    <a:pt x="84" y="834"/>
+                    <a:pt x="101" y="911"/>
+                  </a:cubicBezTo>
+                  <a:cubicBezTo>
+                    <a:pt x="102" y="914"/>
+                    <a:pt x="103" y="917"/>
+                    <a:pt x="103" y="920"/>
+                  </a:cubicBezTo>
+                  <a:cubicBezTo>
+                    <a:pt x="102" y="905"/>
+                    <a:pt x="100" y="889"/>
+                    <a:pt x="99" y="874"/>
+                  </a:cubicBezTo>
+                  <a:cubicBezTo>
+                    <a:pt x="99" y="871"/>
+                    <a:pt x="99" y="868"/>
+                    <a:pt x="99" y="866"/>
+                  </a:cubicBezTo>
+                  <a:cubicBezTo>
+                    <a:pt x="85" y="803"/>
+                    <a:pt x="73" y="741"/>
+                    <a:pt x="63" y="678"/>
+                  </a:cubicBezTo>
+                  <a:cubicBezTo>
+                    <a:pt x="50" y="600"/>
+                    <a:pt x="39" y="523"/>
+                    <a:pt x="30" y="444"/>
+                  </a:cubicBezTo>
+                  <a:cubicBezTo>
+                    <a:pt x="21" y="366"/>
+                    <a:pt x="14" y="288"/>
+                    <a:pt x="9" y="209"/>
+                  </a:cubicBezTo>
+                  <a:cubicBezTo>
+                    <a:pt x="7" y="170"/>
+                    <a:pt x="5" y="131"/>
+                    <a:pt x="3" y="92"/>
+                  </a:cubicBezTo>
+                  <a:cubicBezTo>
+                    <a:pt x="2" y="61"/>
+                    <a:pt x="1" y="31"/>
+                    <a:pt x="1" y="0"/>
+                  </a:cubicBezTo>
+                  <a:cubicBezTo>
+                    <a:pt x="0" y="0"/>
+                    <a:pt x="0" y="0"/>
+                    <a:pt x="0" y="0"/>
+                  </a:cubicBezTo>
+                  <a:cubicBezTo>
+                    <a:pt x="0" y="31"/>
+                    <a:pt x="1" y="61"/>
+                    <a:pt x="1" y="92"/>
+                  </a:cubicBezTo>
+                  <a:cubicBezTo>
+                    <a:pt x="3" y="131"/>
+                    <a:pt x="4" y="170"/>
+                    <a:pt x="7" y="210"/>
+                  </a:cubicBezTo>
+                  <a:close/>
+                </a:path>
+              </a:pathLst>
+            </a:custGeom>
+            <a:solidFill>
+              <a:schemeClr val="tx2"/>
+            </a:solidFill>
+            <a:ln>
+              <a:noFill/>
+            </a:ln>
+          </p:spPr>
+        </p:sp>
+        <p:sp>
+          <p:nvSpPr>
+            <p:cNvPr id="12" name="Freeform 28"/>
+            <p:cNvSpPr/>
+            <p:nvPr/>
+          </p:nvSpPr>
+          <p:spPr bwMode="auto">
+            <a:xfrm>
+              <a:off x="7061201" y="3771900"/>
+              <a:ext cx="350838" cy="1309688"/>
+            </a:xfrm>
+            <a:custGeom>
+              <a:avLst/>
+              <a:gdLst/>
+              <a:ahLst/>
+              <a:cxnLst/>
+              <a:rect l="0" t="0" r="r" b="b"/>
+              <a:pathLst>
+                <a:path w="88" h="330">
+                  <a:moveTo>
+                    <a:pt x="53" y="229"/>
+                  </a:moveTo>
+                  <a:cubicBezTo>
+                    <a:pt x="64" y="263"/>
+                    <a:pt x="75" y="297"/>
+                    <a:pt x="88" y="330"/>
+                  </a:cubicBezTo>
+                  <a:cubicBezTo>
+                    <a:pt x="88" y="323"/>
+                    <a:pt x="88" y="315"/>
+                    <a:pt x="88" y="308"/>
+                  </a:cubicBezTo>
+                  <a:cubicBezTo>
+                    <a:pt x="88" y="307"/>
+                    <a:pt x="88" y="305"/>
+                    <a:pt x="88" y="304"/>
+                  </a:cubicBezTo>
+                  <a:cubicBezTo>
+                    <a:pt x="79" y="278"/>
+                    <a:pt x="70" y="252"/>
+                    <a:pt x="62" y="226"/>
+                  </a:cubicBezTo>
+                  <a:cubicBezTo>
+                    <a:pt x="38" y="152"/>
+                    <a:pt x="17" y="76"/>
+                    <a:pt x="0" y="0"/>
+                  </a:cubicBezTo>
+                  <a:cubicBezTo>
+                    <a:pt x="2" y="21"/>
+                    <a:pt x="4" y="42"/>
+                    <a:pt x="7" y="63"/>
+                  </a:cubicBezTo>
+                  <a:cubicBezTo>
+                    <a:pt x="21" y="119"/>
+                    <a:pt x="36" y="174"/>
+                    <a:pt x="53" y="229"/>
+                  </a:cubicBezTo>
+                  <a:close/>
+                </a:path>
+              </a:pathLst>
+            </a:custGeom>
+            <a:solidFill>
+              <a:schemeClr val="tx2"/>
+            </a:solidFill>
+            <a:ln>
+              <a:noFill/>
+            </a:ln>
+          </p:spPr>
+        </p:sp>
+        <p:sp>
+          <p:nvSpPr>
+            <p:cNvPr id="13" name="Freeform 29"/>
+            <p:cNvSpPr/>
+            <p:nvPr/>
+          </p:nvSpPr>
+          <p:spPr bwMode="auto">
+            <a:xfrm>
+              <a:off x="7439026" y="5053013"/>
+              <a:ext cx="357188" cy="820738"/>
+            </a:xfrm>
+            <a:custGeom>
+              <a:avLst/>
+              <a:gdLst/>
+              <a:ahLst/>
+              <a:cxnLst/>
+              <a:rect l="0" t="0" r="r" b="b"/>
+              <a:pathLst>
+                <a:path w="90" h="207">
+                  <a:moveTo>
+                    <a:pt x="6" y="15"/>
+                  </a:moveTo>
+                  <a:cubicBezTo>
+                    <a:pt x="4" y="10"/>
+                    <a:pt x="2" y="5"/>
+                    <a:pt x="0" y="0"/>
+                  </a:cubicBezTo>
+                  <a:cubicBezTo>
+                    <a:pt x="0" y="9"/>
+                    <a:pt x="0" y="19"/>
+                    <a:pt x="1" y="29"/>
+                  </a:cubicBezTo>
+                  <a:cubicBezTo>
+                    <a:pt x="14" y="62"/>
+                    <a:pt x="27" y="95"/>
+                    <a:pt x="42" y="127"/>
+                  </a:cubicBezTo>
+                  <a:cubicBezTo>
+                    <a:pt x="54" y="154"/>
+                    <a:pt x="67" y="181"/>
+                    <a:pt x="80" y="207"/>
+                  </a:cubicBezTo>
+                  <a:cubicBezTo>
+                    <a:pt x="90" y="207"/>
+                    <a:pt x="90" y="207"/>
+                    <a:pt x="90" y="207"/>
+                  </a:cubicBezTo>
+                  <a:cubicBezTo>
+                    <a:pt x="76" y="180"/>
+                    <a:pt x="63" y="152"/>
+                    <a:pt x="50" y="123"/>
+                  </a:cubicBezTo>
+                  <a:cubicBezTo>
+                    <a:pt x="34" y="88"/>
+                    <a:pt x="20" y="51"/>
+                    <a:pt x="6" y="15"/>
+                  </a:cubicBezTo>
+                  <a:close/>
+                </a:path>
+              </a:pathLst>
+            </a:custGeom>
+            <a:solidFill>
+              <a:schemeClr val="tx2"/>
+            </a:solidFill>
+            <a:ln>
+              <a:noFill/>
+            </a:ln>
+          </p:spPr>
+        </p:sp>
+        <p:sp>
+          <p:nvSpPr>
+            <p:cNvPr id="14" name="Freeform 30"/>
+            <p:cNvSpPr/>
+            <p:nvPr/>
+          </p:nvSpPr>
+          <p:spPr bwMode="auto">
+            <a:xfrm>
+              <a:off x="7037388" y="3811588"/>
+              <a:ext cx="457200" cy="1852613"/>
+            </a:xfrm>
+            <a:custGeom>
+              <a:avLst/>
+              <a:gdLst/>
+              <a:ahLst/>
+              <a:cxnLst/>
+              <a:rect l="0" t="0" r="r" b="b"/>
+              <a:pathLst>
+                <a:path w="115" h="467">
+                  <a:moveTo>
+                    <a:pt x="101" y="409"/>
+                  </a:moveTo>
+                  <a:cubicBezTo>
+                    <a:pt x="93" y="388"/>
+                    <a:pt x="85" y="366"/>
+                    <a:pt x="78" y="344"/>
+                  </a:cubicBezTo>
+                  <a:cubicBezTo>
+                    <a:pt x="57" y="281"/>
+                    <a:pt x="41" y="216"/>
+                    <a:pt x="29" y="151"/>
+                  </a:cubicBezTo>
+                  <a:cubicBezTo>
+                    <a:pt x="22" y="119"/>
+                    <a:pt x="17" y="86"/>
+                    <a:pt x="13" y="53"/>
+                  </a:cubicBezTo>
+                  <a:cubicBezTo>
+                    <a:pt x="9" y="35"/>
+                    <a:pt x="4" y="18"/>
+                    <a:pt x="0" y="0"/>
+                  </a:cubicBezTo>
+                  <a:cubicBezTo>
+                    <a:pt x="5" y="51"/>
+                    <a:pt x="12" y="102"/>
+                    <a:pt x="21" y="152"/>
+                  </a:cubicBezTo>
+                  <a:cubicBezTo>
+                    <a:pt x="33" y="218"/>
+                    <a:pt x="49" y="283"/>
+                    <a:pt x="69" y="347"/>
+                  </a:cubicBezTo>
+                  <a:cubicBezTo>
+                    <a:pt x="79" y="378"/>
+                    <a:pt x="90" y="410"/>
+                    <a:pt x="103" y="441"/>
+                  </a:cubicBezTo>
+                  <a:cubicBezTo>
+                    <a:pt x="107" y="449"/>
+                    <a:pt x="111" y="458"/>
+                    <a:pt x="115" y="467"/>
+                  </a:cubicBezTo>
+                  <a:cubicBezTo>
+                    <a:pt x="114" y="464"/>
+                    <a:pt x="113" y="461"/>
+                    <a:pt x="112" y="458"/>
+                  </a:cubicBezTo>
+                  <a:cubicBezTo>
+                    <a:pt x="108" y="442"/>
+                    <a:pt x="104" y="425"/>
+                    <a:pt x="101" y="409"/>
+                  </a:cubicBezTo>
+                  <a:close/>
+                </a:path>
+              </a:pathLst>
+            </a:custGeom>
+            <a:solidFill>
+              <a:schemeClr val="tx2"/>
+            </a:solidFill>
+            <a:ln>
+              <a:noFill/>
+            </a:ln>
+          </p:spPr>
+        </p:sp>
+        <p:sp>
+          <p:nvSpPr>
+            <p:cNvPr id="15" name="Freeform 31"/>
+            <p:cNvSpPr/>
+            <p:nvPr/>
+          </p:nvSpPr>
+          <p:spPr bwMode="auto">
+            <a:xfrm>
+              <a:off x="6992938" y="1263650"/>
+              <a:ext cx="144463" cy="2508250"/>
+            </a:xfrm>
+            <a:custGeom>
+              <a:avLst/>
+              <a:gdLst/>
+              <a:ahLst/>
+              <a:cxnLst/>
+              <a:rect l="0" t="0" r="r" b="b"/>
+              <a:pathLst>
+                <a:path w="36" h="633">
+                  <a:moveTo>
+                    <a:pt x="17" y="633"/>
+                  </a:moveTo>
+                  <a:cubicBezTo>
+                    <a:pt x="15" y="621"/>
+                    <a:pt x="14" y="609"/>
+                    <a:pt x="13" y="597"/>
+                  </a:cubicBezTo>
+                  <a:cubicBezTo>
+                    <a:pt x="8" y="530"/>
+                    <a:pt x="5" y="464"/>
+                    <a:pt x="5" y="398"/>
+                  </a:cubicBezTo>
+                  <a:cubicBezTo>
+                    <a:pt x="5" y="331"/>
+                    <a:pt x="8" y="265"/>
+                    <a:pt x="13" y="198"/>
+                  </a:cubicBezTo>
+                  <a:cubicBezTo>
+                    <a:pt x="15" y="165"/>
+                    <a:pt x="18" y="132"/>
+                    <a:pt x="22" y="99"/>
+                  </a:cubicBezTo>
+                  <a:cubicBezTo>
+                    <a:pt x="26" y="66"/>
+                    <a:pt x="30" y="33"/>
+                    <a:pt x="36" y="0"/>
+                  </a:cubicBezTo>
+                  <a:cubicBezTo>
+                    <a:pt x="35" y="0"/>
+                    <a:pt x="35" y="0"/>
+                    <a:pt x="35" y="0"/>
+                  </a:cubicBezTo>
+                  <a:cubicBezTo>
+                    <a:pt x="29" y="33"/>
+                    <a:pt x="24" y="66"/>
+                    <a:pt x="20" y="99"/>
+                  </a:cubicBezTo>
+                  <a:cubicBezTo>
+                    <a:pt x="16" y="132"/>
+                    <a:pt x="13" y="165"/>
+                    <a:pt x="10" y="198"/>
+                  </a:cubicBezTo>
+                  <a:cubicBezTo>
+                    <a:pt x="4" y="264"/>
+                    <a:pt x="1" y="331"/>
+                    <a:pt x="1" y="398"/>
+                  </a:cubicBezTo>
+                  <a:cubicBezTo>
+                    <a:pt x="0" y="461"/>
+                    <a:pt x="2" y="525"/>
+                    <a:pt x="7" y="589"/>
+                  </a:cubicBezTo>
+                  <a:cubicBezTo>
+                    <a:pt x="10" y="603"/>
+                    <a:pt x="13" y="618"/>
+                    <a:pt x="16" y="632"/>
+                  </a:cubicBezTo>
+                  <a:cubicBezTo>
+                    <a:pt x="16" y="632"/>
+                    <a:pt x="17" y="633"/>
+                    <a:pt x="17" y="633"/>
+                  </a:cubicBezTo>
+                  <a:close/>
+                </a:path>
+              </a:pathLst>
+            </a:custGeom>
+            <a:solidFill>
+              <a:schemeClr val="tx2"/>
+            </a:solidFill>
+            <a:ln>
+              <a:noFill/>
+            </a:ln>
+          </p:spPr>
+        </p:sp>
+        <p:sp>
+          <p:nvSpPr>
+            <p:cNvPr id="16" name="Freeform 32"/>
+            <p:cNvSpPr/>
+            <p:nvPr/>
+          </p:nvSpPr>
+          <p:spPr bwMode="auto">
+            <a:xfrm>
+              <a:off x="7526338" y="5640388"/>
+              <a:ext cx="111125" cy="233363"/>
+            </a:xfrm>
+            <a:custGeom>
+              <a:avLst/>
+              <a:gdLst/>
+              <a:ahLst/>
+              <a:cxnLst/>
+              <a:rect l="0" t="0" r="r" b="b"/>
+              <a:pathLst>
+                <a:path w="28" h="59">
+                  <a:moveTo>
+                    <a:pt x="22" y="59"/>
+                  </a:moveTo>
+                  <a:cubicBezTo>
+                    <a:pt x="28" y="59"/>
+                    <a:pt x="28" y="59"/>
+                    <a:pt x="28" y="59"/>
+                  </a:cubicBezTo>
+                  <a:cubicBezTo>
+                    <a:pt x="18" y="40"/>
+                    <a:pt x="9" y="20"/>
+                    <a:pt x="0" y="0"/>
+                  </a:cubicBezTo>
+                  <a:cubicBezTo>
+                    <a:pt x="6" y="20"/>
+                    <a:pt x="13" y="40"/>
+                    <a:pt x="22" y="59"/>
+                  </a:cubicBezTo>
+                  <a:close/>
+                </a:path>
+              </a:pathLst>
+            </a:custGeom>
+            <a:solidFill>
+              <a:schemeClr val="tx2"/>
+            </a:solidFill>
+            <a:ln>
+              <a:noFill/>
+            </a:ln>
+          </p:spPr>
+        </p:sp>
+        <p:sp>
+          <p:nvSpPr>
+            <p:cNvPr id="17" name="Freeform 33"/>
+            <p:cNvSpPr/>
+            <p:nvPr/>
+          </p:nvSpPr>
+          <p:spPr bwMode="auto">
+            <a:xfrm>
+              <a:off x="7021513" y="3598863"/>
+              <a:ext cx="68263" cy="423863"/>
+            </a:xfrm>
+            <a:custGeom>
+              <a:avLst/>
+              <a:gdLst/>
+              <a:ahLst/>
+              <a:cxnLst/>
+              <a:rect l="0" t="0" r="r" b="b"/>
+              <a:pathLst>
+                <a:path w="17" h="107">
+                  <a:moveTo>
+                    <a:pt x="4" y="54"/>
+                  </a:moveTo>
+                  <a:cubicBezTo>
+                    <a:pt x="8" y="72"/>
+                    <a:pt x="13" y="89"/>
+                    <a:pt x="17" y="107"/>
+                  </a:cubicBezTo>
+                  <a:cubicBezTo>
+                    <a:pt x="14" y="86"/>
+                    <a:pt x="12" y="65"/>
+                    <a:pt x="10" y="44"/>
+                  </a:cubicBezTo>
+                  <a:cubicBezTo>
+                    <a:pt x="10" y="44"/>
+                    <a:pt x="9" y="43"/>
+                    <a:pt x="9" y="43"/>
+                  </a:cubicBezTo>
+                  <a:cubicBezTo>
+                    <a:pt x="6" y="29"/>
+                    <a:pt x="3" y="14"/>
+                    <a:pt x="0" y="0"/>
+                  </a:cubicBezTo>
+                  <a:cubicBezTo>
+                    <a:pt x="0" y="2"/>
+                    <a:pt x="0" y="5"/>
+                    <a:pt x="0" y="8"/>
+                  </a:cubicBezTo>
+                  <a:cubicBezTo>
+                    <a:pt x="1" y="23"/>
+                    <a:pt x="3" y="39"/>
+                    <a:pt x="4" y="54"/>
+                  </a:cubicBezTo>
+                  <a:close/>
+                </a:path>
+              </a:pathLst>
+            </a:custGeom>
+            <a:solidFill>
+              <a:schemeClr val="tx2"/>
+            </a:solidFill>
+            <a:ln>
+              <a:noFill/>
+            </a:ln>
+          </p:spPr>
+        </p:sp>
+        <p:sp>
+          <p:nvSpPr>
+            <p:cNvPr id="18" name="Freeform 34"/>
+            <p:cNvSpPr/>
+            <p:nvPr/>
+          </p:nvSpPr>
+          <p:spPr bwMode="auto">
+            <a:xfrm>
+              <a:off x="7412038" y="2801938"/>
+              <a:ext cx="1168400" cy="2251075"/>
+            </a:xfrm>
+            <a:custGeom>
+              <a:avLst/>
+              <a:gdLst/>
+              <a:ahLst/>
+              <a:cxnLst/>
+              <a:rect l="0" t="0" r="r" b="b"/>
+              <a:pathLst>
+                <a:path w="294" h="568">
+                  <a:moveTo>
+                    <a:pt x="8" y="553"/>
+                  </a:moveTo>
+                  <a:cubicBezTo>
+                    <a:pt x="9" y="501"/>
+                    <a:pt x="19" y="448"/>
+                    <a:pt x="35" y="397"/>
+                  </a:cubicBezTo>
+                  <a:cubicBezTo>
+                    <a:pt x="51" y="347"/>
+                    <a:pt x="73" y="298"/>
+                    <a:pt x="99" y="252"/>
+                  </a:cubicBezTo>
+                  <a:cubicBezTo>
+                    <a:pt x="124" y="205"/>
+                    <a:pt x="154" y="161"/>
+                    <a:pt x="187" y="119"/>
+                  </a:cubicBezTo>
+                  <a:cubicBezTo>
+                    <a:pt x="203" y="98"/>
+                    <a:pt x="220" y="77"/>
+                    <a:pt x="238" y="58"/>
+                  </a:cubicBezTo>
+                  <a:cubicBezTo>
+                    <a:pt x="247" y="48"/>
+                    <a:pt x="256" y="38"/>
+                    <a:pt x="265" y="28"/>
+                  </a:cubicBezTo>
+                  <a:cubicBezTo>
+                    <a:pt x="274" y="19"/>
+                    <a:pt x="284" y="9"/>
+                    <a:pt x="294" y="0"/>
+                  </a:cubicBezTo>
+                  <a:cubicBezTo>
+                    <a:pt x="293" y="0"/>
+                    <a:pt x="293" y="0"/>
+                    <a:pt x="293" y="0"/>
+                  </a:cubicBezTo>
+                  <a:cubicBezTo>
+                    <a:pt x="283" y="9"/>
+                    <a:pt x="273" y="18"/>
+                    <a:pt x="264" y="27"/>
+                  </a:cubicBezTo>
+                  <a:cubicBezTo>
+                    <a:pt x="255" y="37"/>
+                    <a:pt x="246" y="47"/>
+                    <a:pt x="237" y="56"/>
+                  </a:cubicBezTo>
+                  <a:cubicBezTo>
+                    <a:pt x="218" y="76"/>
+                    <a:pt x="201" y="96"/>
+                    <a:pt x="185" y="117"/>
+                  </a:cubicBezTo>
+                  <a:cubicBezTo>
+                    <a:pt x="151" y="159"/>
+                    <a:pt x="121" y="203"/>
+                    <a:pt x="95" y="249"/>
+                  </a:cubicBezTo>
+                  <a:cubicBezTo>
+                    <a:pt x="68" y="296"/>
+                    <a:pt x="46" y="345"/>
+                    <a:pt x="30" y="396"/>
+                  </a:cubicBezTo>
+                  <a:cubicBezTo>
+                    <a:pt x="13" y="445"/>
+                    <a:pt x="3" y="497"/>
+                    <a:pt x="0" y="549"/>
+                  </a:cubicBezTo>
+                  <a:cubicBezTo>
+                    <a:pt x="3" y="555"/>
+                    <a:pt x="5" y="561"/>
+                    <a:pt x="7" y="568"/>
+                  </a:cubicBezTo>
+                  <a:cubicBezTo>
+                    <a:pt x="7" y="563"/>
+                    <a:pt x="7" y="558"/>
+                    <a:pt x="8" y="553"/>
+                  </a:cubicBezTo>
+                  <a:close/>
+                </a:path>
+              </a:pathLst>
+            </a:custGeom>
+            <a:solidFill>
+              <a:schemeClr val="tx2"/>
+            </a:solidFill>
+            <a:ln>
+              <a:noFill/>
+            </a:ln>
+          </p:spPr>
+        </p:sp>
+        <p:sp>
+          <p:nvSpPr>
+            <p:cNvPr id="19" name="Freeform 35"/>
+            <p:cNvSpPr/>
+            <p:nvPr/>
+          </p:nvSpPr>
+          <p:spPr bwMode="auto">
+            <a:xfrm>
+              <a:off x="7494588" y="5664200"/>
+              <a:ext cx="100013" cy="209550"/>
+            </a:xfrm>
+            <a:custGeom>
+              <a:avLst/>
+              <a:gdLst/>
+              <a:ahLst/>
+              <a:cxnLst/>
+              <a:rect l="0" t="0" r="r" b="b"/>
+              <a:pathLst>
+                <a:path w="25" h="53">
+                  <a:moveTo>
+                    <a:pt x="0" y="0"/>
+                  </a:moveTo>
+                  <a:cubicBezTo>
+                    <a:pt x="5" y="18"/>
+                    <a:pt x="12" y="36"/>
+                    <a:pt x="19" y="53"/>
+                  </a:cubicBezTo>
+                  <a:cubicBezTo>
+                    <a:pt x="25" y="53"/>
+                    <a:pt x="25" y="53"/>
+                    <a:pt x="25" y="53"/>
+                  </a:cubicBezTo>
+                  <a:cubicBezTo>
+                    <a:pt x="16" y="36"/>
+                    <a:pt x="8" y="18"/>
+                    <a:pt x="0" y="0"/>
+                  </a:cubicBezTo>
+                  <a:close/>
+                </a:path>
+              </a:pathLst>
+            </a:custGeom>
+            <a:solidFill>
+              <a:schemeClr val="tx2"/>
+            </a:solidFill>
+            <a:ln>
+              <a:noFill/>
+            </a:ln>
+          </p:spPr>
+        </p:sp>
+        <p:sp>
+          <p:nvSpPr>
+            <p:cNvPr id="20" name="Freeform 36"/>
+            <p:cNvSpPr/>
+            <p:nvPr/>
+          </p:nvSpPr>
+          <p:spPr bwMode="auto">
+            <a:xfrm>
+              <a:off x="7412038" y="5081588"/>
+              <a:ext cx="114300" cy="558800"/>
+            </a:xfrm>
+            <a:custGeom>
+              <a:avLst/>
+              <a:gdLst/>
+              <a:ahLst/>
+              <a:cxnLst/>
+              <a:rect l="0" t="0" r="r" b="b"/>
+              <a:pathLst>
+                <a:path w="29" h="141">
+                  <a:moveTo>
+                    <a:pt x="0" y="0"/>
+                  </a:moveTo>
+                  <a:cubicBezTo>
+                    <a:pt x="0" y="30"/>
+                    <a:pt x="2" y="60"/>
+                    <a:pt x="7" y="89"/>
+                  </a:cubicBezTo>
+                  <a:cubicBezTo>
+                    <a:pt x="11" y="98"/>
+                    <a:pt x="14" y="108"/>
+                    <a:pt x="18" y="117"/>
+                  </a:cubicBezTo>
+                  <a:cubicBezTo>
+                    <a:pt x="22" y="125"/>
+                    <a:pt x="25" y="133"/>
+                    <a:pt x="29" y="141"/>
+                  </a:cubicBezTo>
+                  <a:cubicBezTo>
+                    <a:pt x="28" y="139"/>
+                    <a:pt x="28" y="137"/>
+                    <a:pt x="27" y="135"/>
+                  </a:cubicBezTo>
+                  <a:cubicBezTo>
+                    <a:pt x="16" y="98"/>
+                    <a:pt x="10" y="60"/>
+                    <a:pt x="8" y="22"/>
+                  </a:cubicBezTo>
+                  <a:cubicBezTo>
+                    <a:pt x="7" y="18"/>
+                    <a:pt x="5" y="15"/>
+                    <a:pt x="4" y="11"/>
+                  </a:cubicBezTo>
+                  <a:cubicBezTo>
+                    <a:pt x="2" y="7"/>
+                    <a:pt x="1" y="3"/>
+                    <a:pt x="0" y="0"/>
+                  </a:cubicBezTo>
+                  <a:close/>
+                </a:path>
+              </a:pathLst>
+            </a:custGeom>
+            <a:solidFill>
+              <a:schemeClr val="tx2"/>
+            </a:solidFill>
+            <a:ln>
+              <a:noFill/>
+            </a:ln>
+          </p:spPr>
+        </p:sp>
+        <p:sp>
+          <p:nvSpPr>
+            <p:cNvPr id="21" name="Freeform 37"/>
+            <p:cNvSpPr/>
+            <p:nvPr/>
+          </p:nvSpPr>
+          <p:spPr bwMode="auto">
+            <a:xfrm>
+              <a:off x="7412038" y="4978400"/>
+              <a:ext cx="31750" cy="188913"/>
+            </a:xfrm>
+            <a:custGeom>
+              <a:avLst/>
+              <a:gdLst/>
+              <a:ahLst/>
+              <a:cxnLst/>
+              <a:rect l="0" t="0" r="r" b="b"/>
+              <a:pathLst>
+                <a:path w="8" h="48">
+                  <a:moveTo>
+                    <a:pt x="0" y="26"/>
+                  </a:moveTo>
+                  <a:cubicBezTo>
+                    <a:pt x="1" y="29"/>
+                    <a:pt x="2" y="33"/>
+                    <a:pt x="4" y="37"/>
+                  </a:cubicBezTo>
+                  <a:cubicBezTo>
+                    <a:pt x="5" y="41"/>
+                    <a:pt x="7" y="44"/>
+                    <a:pt x="8" y="48"/>
+                  </a:cubicBezTo>
+                  <a:cubicBezTo>
+                    <a:pt x="7" y="38"/>
+                    <a:pt x="7" y="28"/>
+                    <a:pt x="7" y="19"/>
+                  </a:cubicBezTo>
+                  <a:cubicBezTo>
+                    <a:pt x="5" y="12"/>
+                    <a:pt x="3" y="6"/>
+                    <a:pt x="0" y="0"/>
+                  </a:cubicBezTo>
+                  <a:cubicBezTo>
+                    <a:pt x="0" y="1"/>
+                    <a:pt x="0" y="3"/>
+                    <a:pt x="0" y="4"/>
+                  </a:cubicBezTo>
+                  <a:cubicBezTo>
+                    <a:pt x="0" y="11"/>
+                    <a:pt x="0" y="19"/>
+                    <a:pt x="0" y="26"/>
+                  </a:cubicBezTo>
+                  <a:close/>
+                </a:path>
+              </a:pathLst>
+            </a:custGeom>
+            <a:solidFill>
+              <a:schemeClr val="tx2"/>
+            </a:solidFill>
+            <a:ln>
+              <a:noFill/>
+            </a:ln>
+          </p:spPr>
+        </p:sp>
+        <p:sp>
+          <p:nvSpPr>
+            <p:cNvPr id="22" name="Freeform 38"/>
+            <p:cNvSpPr/>
+            <p:nvPr/>
+          </p:nvSpPr>
+          <p:spPr bwMode="auto">
+            <a:xfrm>
+              <a:off x="7439026" y="5434013"/>
+              <a:ext cx="174625" cy="439738"/>
+            </a:xfrm>
+            <a:custGeom>
+              <a:avLst/>
+              <a:gdLst/>
+              <a:ahLst/>
+              <a:cxnLst/>
+              <a:rect l="0" t="0" r="r" b="b"/>
+              <a:pathLst>
+                <a:path w="44" h="111">
+                  <a:moveTo>
+                    <a:pt x="11" y="28"/>
+                  </a:moveTo>
+                  <a:cubicBezTo>
+                    <a:pt x="7" y="19"/>
+                    <a:pt x="4" y="9"/>
+                    <a:pt x="0" y="0"/>
+                  </a:cubicBezTo>
+                  <a:cubicBezTo>
+                    <a:pt x="3" y="16"/>
+                    <a:pt x="7" y="33"/>
+                    <a:pt x="11" y="49"/>
+                  </a:cubicBezTo>
+                  <a:cubicBezTo>
+                    <a:pt x="12" y="52"/>
+                    <a:pt x="13" y="55"/>
+                    <a:pt x="14" y="58"/>
+                  </a:cubicBezTo>
+                  <a:cubicBezTo>
+                    <a:pt x="22" y="76"/>
+                    <a:pt x="30" y="94"/>
+                    <a:pt x="39" y="111"/>
+                  </a:cubicBezTo>
+                  <a:cubicBezTo>
+                    <a:pt x="44" y="111"/>
+                    <a:pt x="44" y="111"/>
+                    <a:pt x="44" y="111"/>
+                  </a:cubicBezTo>
+                  <a:cubicBezTo>
+                    <a:pt x="35" y="92"/>
+                    <a:pt x="28" y="72"/>
+                    <a:pt x="22" y="52"/>
+                  </a:cubicBezTo>
+                  <a:cubicBezTo>
+                    <a:pt x="18" y="44"/>
+                    <a:pt x="15" y="36"/>
+                    <a:pt x="11" y="28"/>
+                  </a:cubicBezTo>
+                  <a:close/>
+                </a:path>
+              </a:pathLst>
+            </a:custGeom>
+            <a:solidFill>
+              <a:schemeClr val="tx2"/>
+            </a:solidFill>
+            <a:ln>
+              <a:noFill/>
+            </a:ln>
+          </p:spPr>
+        </p:sp>
+      </p:grpSp>
+      <p:sp>
+        <p:nvSpPr>
+          <p:cNvPr id="7" name="Rectangle 6"/>
+          <p:cNvSpPr/>
+          <p:nvPr/>
         </p:nvSpPr>
         <p:spPr>
           <a:xfrm>
-            <a:off x="838200" y="365125"/>
-            <a:ext cx="10515600" cy="1325563"/>
+            <a:off x="0" y="0"/>
+            <a:ext cx="182880" cy="6858000"/>
+          </a:xfrm>
+          <a:prstGeom prst="rect">
+            <a:avLst/>
+          </a:prstGeom>
+          <a:solidFill>
+            <a:schemeClr val="tx2"/>
+          </a:solidFill>
+          <a:ln>
+            <a:noFill/>
+          </a:ln>
+          <a:effectLst/>
+        </p:spPr>
+        <p:style>
+          <a:lnRef idx="1">
+            <a:schemeClr val="accent1"/>
+          </a:lnRef>
+          <a:fillRef idx="3">
+            <a:schemeClr val="accent1"/>
+          </a:fillRef>
+          <a:effectRef idx="2">
+            <a:schemeClr val="accent1"/>
+          </a:effectRef>
+          <a:fontRef idx="minor">
+            <a:schemeClr val="lt1"/>
+          </a:fontRef>
+        </p:style>
+      </p:sp>
+      <p:sp>
+        <p:nvSpPr>
+          <p:cNvPr id="2" name="Title Placeholder 1"/>
+          <p:cNvSpPr>
+            <a:spLocks noGrp="1"/>
+          </p:cNvSpPr>
+          <p:nvPr>
+            <p:ph type="title"/>
+          </p:nvPr>
+        </p:nvSpPr>
+        <p:spPr>
+          <a:xfrm>
+            <a:off x="2592924" y="624110"/>
+            <a:ext cx="8911687" cy="1280890"/>
           </a:xfrm>
           <a:prstGeom prst="rect">
             <a:avLst/>
           </a:prstGeom>
         </p:spPr>
         <p:txBody>
-          <a:bodyPr vert="horz" lIns="91440" tIns="45720" rIns="91440" bIns="45720" rtlCol="0" anchor="ctr">
+          <a:bodyPr vert="horz" lIns="91440" tIns="45720" rIns="91440" bIns="45720" rtlCol="0" anchor="t">
             <a:normAutofit/>
           </a:bodyPr>
           <a:lstStyle/>
@@ -2794,18 +7058,13 @@
               <a:rPr lang="en-US"/>
               <a:t>Click to edit Master title style</a:t>
             </a:r>
-          </a:p>
-        </p:txBody>
-      </p:sp>
-      <p:sp>
-        <p:nvSpPr>
-          <p:cNvPr id="3" name="Text Placeholder 2">
-            <a:extLst>
-              <a:ext uri="{FF2B5EF4-FFF2-40B4-BE49-F238E27FC236}">
-                <a16:creationId xmlns:a16="http://schemas.microsoft.com/office/drawing/2014/main" id="{2413BCE8-7B87-FC91-81ED-79EA4C9A36F0}"/>
-              </a:ext>
-            </a:extLst>
-          </p:cNvPr>
+            <a:endParaRPr lang="en-US" dirty="0"/>
+          </a:p>
+        </p:txBody>
+      </p:sp>
+      <p:sp>
+        <p:nvSpPr>
+          <p:cNvPr id="3" name="Text Placeholder 2"/>
           <p:cNvSpPr>
             <a:spLocks noGrp="1"/>
           </p:cNvSpPr>
@@ -2815,8 +7074,8 @@
         </p:nvSpPr>
         <p:spPr>
           <a:xfrm>
-            <a:off x="838200" y="1825625"/>
-            <a:ext cx="10515600" cy="4351338"/>
+            <a:off x="2589212" y="2133600"/>
+            <a:ext cx="8915400" cy="3886200"/>
           </a:xfrm>
           <a:prstGeom prst="rect">
             <a:avLst/>
@@ -2861,18 +7120,13 @@
               <a:rPr lang="en-US"/>
               <a:t>Fifth level</a:t>
             </a:r>
-          </a:p>
-        </p:txBody>
-      </p:sp>
-      <p:sp>
-        <p:nvSpPr>
-          <p:cNvPr id="4" name="Date Placeholder 3">
-            <a:extLst>
-              <a:ext uri="{FF2B5EF4-FFF2-40B4-BE49-F238E27FC236}">
-                <a16:creationId xmlns:a16="http://schemas.microsoft.com/office/drawing/2014/main" id="{A151CDC4-B93D-CCB1-D759-415812FA89EB}"/>
-              </a:ext>
-            </a:extLst>
-          </p:cNvPr>
+            <a:endParaRPr lang="en-US" dirty="0"/>
+          </a:p>
+        </p:txBody>
+      </p:sp>
+      <p:sp>
+        <p:nvSpPr>
+          <p:cNvPr id="4" name="Date Placeholder 3"/>
           <p:cNvSpPr>
             <a:spLocks noGrp="1"/>
           </p:cNvSpPr>
@@ -2882,8 +7136,8 @@
         </p:nvSpPr>
         <p:spPr>
           <a:xfrm>
-            <a:off x="838200" y="6356350"/>
-            <a:ext cx="2743200" cy="365125"/>
+            <a:off x="10361612" y="6130437"/>
+            <a:ext cx="1146283" cy="370396"/>
           </a:xfrm>
           <a:prstGeom prst="rect">
             <a:avLst/>
@@ -2892,8 +7146,8 @@
         <p:txBody>
           <a:bodyPr vert="horz" lIns="91440" tIns="45720" rIns="91440" bIns="45720" rtlCol="0" anchor="ctr"/>
           <a:lstStyle>
-            <a:lvl1pPr algn="l">
-              <a:defRPr sz="1200">
+            <a:lvl1pPr algn="r">
+              <a:defRPr sz="900">
                 <a:solidFill>
                   <a:schemeClr val="tx1">
                     <a:tint val="75000"/>
@@ -2913,13 +7167,7 @@
       </p:sp>
       <p:sp>
         <p:nvSpPr>
-          <p:cNvPr id="5" name="Footer Placeholder 4">
-            <a:extLst>
-              <a:ext uri="{FF2B5EF4-FFF2-40B4-BE49-F238E27FC236}">
-                <a16:creationId xmlns:a16="http://schemas.microsoft.com/office/drawing/2014/main" id="{780D9541-15A6-EFBD-887B-D03AB6BBCF4B}"/>
-              </a:ext>
-            </a:extLst>
-          </p:cNvPr>
+          <p:cNvPr id="5" name="Footer Placeholder 4"/>
           <p:cNvSpPr>
             <a:spLocks noGrp="1"/>
           </p:cNvSpPr>
@@ -2929,8 +7177,8 @@
         </p:nvSpPr>
         <p:spPr>
           <a:xfrm>
-            <a:off x="4038600" y="6356350"/>
-            <a:ext cx="4114800" cy="365125"/>
+            <a:off x="2589212" y="6135808"/>
+            <a:ext cx="7619999" cy="365125"/>
           </a:xfrm>
           <a:prstGeom prst="rect">
             <a:avLst/>
@@ -2939,8 +7187,8 @@
         <p:txBody>
           <a:bodyPr vert="horz" lIns="91440" tIns="45720" rIns="91440" bIns="45720" rtlCol="0" anchor="ctr"/>
           <a:lstStyle>
-            <a:lvl1pPr algn="ctr">
-              <a:defRPr sz="1200">
+            <a:lvl1pPr algn="l">
+              <a:defRPr sz="900">
                 <a:solidFill>
                   <a:schemeClr val="tx1">
                     <a:tint val="75000"/>
@@ -2956,13 +7204,7 @@
       </p:sp>
       <p:sp>
         <p:nvSpPr>
-          <p:cNvPr id="6" name="Slide Number Placeholder 5">
-            <a:extLst>
-              <a:ext uri="{FF2B5EF4-FFF2-40B4-BE49-F238E27FC236}">
-                <a16:creationId xmlns:a16="http://schemas.microsoft.com/office/drawing/2014/main" id="{30ADAC83-7B36-5701-4621-B32632914686}"/>
-              </a:ext>
-            </a:extLst>
-          </p:cNvPr>
+          <p:cNvPr id="6" name="Slide Number Placeholder 5"/>
           <p:cNvSpPr>
             <a:spLocks noGrp="1"/>
           </p:cNvSpPr>
@@ -2970,10 +7212,10 @@
             <p:ph type="sldNum" sz="quarter" idx="4"/>
           </p:nvPr>
         </p:nvSpPr>
-        <p:spPr>
+        <p:spPr bwMode="gray">
           <a:xfrm>
-            <a:off x="8610600" y="6356350"/>
-            <a:ext cx="2743200" cy="365125"/>
+            <a:off x="531812" y="787782"/>
+            <a:ext cx="779767" cy="365125"/>
           </a:xfrm>
           <a:prstGeom prst="rect">
             <a:avLst/>
@@ -2983,11 +7225,9 @@
           <a:bodyPr vert="horz" lIns="91440" tIns="45720" rIns="91440" bIns="45720" rtlCol="0" anchor="ctr"/>
           <a:lstStyle>
             <a:lvl1pPr algn="r">
-              <a:defRPr sz="1200">
+              <a:defRPr sz="2000">
                 <a:solidFill>
-                  <a:schemeClr val="tx1">
-                    <a:tint val="75000"/>
-                  </a:schemeClr>
+                  <a:srgbClr val="FEFFFF"/>
                 </a:solidFill>
               </a:defRPr>
             </a:lvl1pPr>
@@ -3004,201 +7244,316 @@
     </p:spTree>
     <p:extLst>
       <p:ext uri="{BB962C8B-B14F-4D97-AF65-F5344CB8AC3E}">
-        <p14:creationId xmlns:p14="http://schemas.microsoft.com/office/powerpoint/2010/main" val="1448886853"/>
+        <p14:creationId xmlns:p14="http://schemas.microsoft.com/office/powerpoint/2010/main" val="2153948006"/>
       </p:ext>
     </p:extLst>
   </p:cSld>
   <p:clrMap bg1="lt1" tx1="dk1" bg2="lt2" tx2="dk2" accent1="accent1" accent2="accent2" accent3="accent3" accent4="accent4" accent5="accent5" accent6="accent6" hlink="hlink" folHlink="folHlink"/>
   <p:sldLayoutIdLst>
-    <p:sldLayoutId id="2147483649" r:id="rId1"/>
-    <p:sldLayoutId id="2147483650" r:id="rId2"/>
-    <p:sldLayoutId id="2147483651" r:id="rId3"/>
-    <p:sldLayoutId id="2147483652" r:id="rId4"/>
-    <p:sldLayoutId id="2147483653" r:id="rId5"/>
-    <p:sldLayoutId id="2147483654" r:id="rId6"/>
-    <p:sldLayoutId id="2147483655" r:id="rId7"/>
-    <p:sldLayoutId id="2147483656" r:id="rId8"/>
-    <p:sldLayoutId id="2147483657" r:id="rId9"/>
-    <p:sldLayoutId id="2147483658" r:id="rId10"/>
-    <p:sldLayoutId id="2147483659" r:id="rId11"/>
+    <p:sldLayoutId id="2147483661" r:id="rId1"/>
+    <p:sldLayoutId id="2147483662" r:id="rId2"/>
+    <p:sldLayoutId id="2147483663" r:id="rId3"/>
+    <p:sldLayoutId id="2147483664" r:id="rId4"/>
+    <p:sldLayoutId id="2147483665" r:id="rId5"/>
+    <p:sldLayoutId id="2147483666" r:id="rId6"/>
+    <p:sldLayoutId id="2147483667" r:id="rId7"/>
+    <p:sldLayoutId id="2147483668" r:id="rId8"/>
+    <p:sldLayoutId id="2147483669" r:id="rId9"/>
+    <p:sldLayoutId id="2147483670" r:id="rId10"/>
+    <p:sldLayoutId id="2147483671" r:id="rId11"/>
+    <p:sldLayoutId id="2147483672" r:id="rId12"/>
+    <p:sldLayoutId id="2147483673" r:id="rId13"/>
+    <p:sldLayoutId id="2147483674" r:id="rId14"/>
+    <p:sldLayoutId id="2147483675" r:id="rId15"/>
+    <p:sldLayoutId id="2147483676" r:id="rId16"/>
   </p:sldLayoutIdLst>
   <p:txStyles>
     <p:titleStyle>
-      <a:lvl1pPr algn="l" defTabSz="914400" rtl="0" eaLnBrk="1" latinLnBrk="0" hangingPunct="1">
-        <a:lnSpc>
-          <a:spcPct val="90000"/>
-        </a:lnSpc>
+      <a:lvl1pPr algn="l" defTabSz="457200" rtl="0" eaLnBrk="1" latinLnBrk="0" hangingPunct="1">
         <a:spcBef>
           <a:spcPct val="0"/>
         </a:spcBef>
         <a:buNone/>
-        <a:defRPr sz="4400" kern="1200">
+        <a:defRPr sz="3600" kern="1200">
           <a:solidFill>
-            <a:schemeClr val="tx1"/>
+            <a:schemeClr val="tx1">
+              <a:lumMod val="85000"/>
+              <a:lumOff val="15000"/>
+            </a:schemeClr>
           </a:solidFill>
           <a:latin typeface="+mj-lt"/>
           <a:ea typeface="+mj-ea"/>
           <a:cs typeface="+mj-cs"/>
         </a:defRPr>
       </a:lvl1pPr>
+      <a:lvl2pPr eaLnBrk="1" hangingPunct="1">
+        <a:defRPr>
+          <a:solidFill>
+            <a:schemeClr val="tx2"/>
+          </a:solidFill>
+        </a:defRPr>
+      </a:lvl2pPr>
+      <a:lvl3pPr eaLnBrk="1" hangingPunct="1">
+        <a:defRPr>
+          <a:solidFill>
+            <a:schemeClr val="tx2"/>
+          </a:solidFill>
+        </a:defRPr>
+      </a:lvl3pPr>
+      <a:lvl4pPr eaLnBrk="1" hangingPunct="1">
+        <a:defRPr>
+          <a:solidFill>
+            <a:schemeClr val="tx2"/>
+          </a:solidFill>
+        </a:defRPr>
+      </a:lvl4pPr>
+      <a:lvl5pPr eaLnBrk="1" hangingPunct="1">
+        <a:defRPr>
+          <a:solidFill>
+            <a:schemeClr val="tx2"/>
+          </a:solidFill>
+        </a:defRPr>
+      </a:lvl5pPr>
+      <a:lvl6pPr eaLnBrk="1" hangingPunct="1">
+        <a:defRPr>
+          <a:solidFill>
+            <a:schemeClr val="tx2"/>
+          </a:solidFill>
+        </a:defRPr>
+      </a:lvl6pPr>
+      <a:lvl7pPr eaLnBrk="1" hangingPunct="1">
+        <a:defRPr>
+          <a:solidFill>
+            <a:schemeClr val="tx2"/>
+          </a:solidFill>
+        </a:defRPr>
+      </a:lvl7pPr>
+      <a:lvl8pPr eaLnBrk="1" hangingPunct="1">
+        <a:defRPr>
+          <a:solidFill>
+            <a:schemeClr val="tx2"/>
+          </a:solidFill>
+        </a:defRPr>
+      </a:lvl8pPr>
+      <a:lvl9pPr eaLnBrk="1" hangingPunct="1">
+        <a:defRPr>
+          <a:solidFill>
+            <a:schemeClr val="tx2"/>
+          </a:solidFill>
+        </a:defRPr>
+      </a:lvl9pPr>
     </p:titleStyle>
     <p:bodyStyle>
-      <a:lvl1pPr marL="228600" indent="-228600" algn="l" defTabSz="914400" rtl="0" eaLnBrk="1" latinLnBrk="0" hangingPunct="1">
-        <a:lnSpc>
-          <a:spcPct val="90000"/>
-        </a:lnSpc>
+      <a:lvl1pPr marL="342900" indent="-342900" algn="l" defTabSz="457200" rtl="0" eaLnBrk="1" latinLnBrk="0" hangingPunct="1">
         <a:spcBef>
           <a:spcPts val="1000"/>
         </a:spcBef>
-        <a:buFont typeface="Arial" panose="020B0604020202020204" pitchFamily="34" charset="0"/>
-        <a:buChar char="•"/>
-        <a:defRPr sz="2800" kern="1200">
+        <a:spcAft>
+          <a:spcPts val="0"/>
+        </a:spcAft>
+        <a:buClr>
+          <a:schemeClr val="accent1"/>
+        </a:buClr>
+        <a:buFont typeface="Wingdings 3" charset="2"/>
+        <a:buChar char=""/>
+        <a:defRPr sz="1800" kern="1200">
           <a:solidFill>
-            <a:schemeClr val="tx1"/>
+            <a:schemeClr val="tx1">
+              <a:lumMod val="75000"/>
+              <a:lumOff val="25000"/>
+            </a:schemeClr>
           </a:solidFill>
           <a:latin typeface="+mn-lt"/>
           <a:ea typeface="+mn-ea"/>
           <a:cs typeface="+mn-cs"/>
         </a:defRPr>
       </a:lvl1pPr>
-      <a:lvl2pPr marL="685800" indent="-228600" algn="l" defTabSz="914400" rtl="0" eaLnBrk="1" latinLnBrk="0" hangingPunct="1">
-        <a:lnSpc>
-          <a:spcPct val="90000"/>
-        </a:lnSpc>
+      <a:lvl2pPr marL="742950" indent="-285750" algn="l" defTabSz="457200" rtl="0" eaLnBrk="1" latinLnBrk="0" hangingPunct="1">
         <a:spcBef>
-          <a:spcPts val="500"/>
+          <a:spcPts val="1000"/>
         </a:spcBef>
-        <a:buFont typeface="Arial" panose="020B0604020202020204" pitchFamily="34" charset="0"/>
-        <a:buChar char="•"/>
-        <a:defRPr sz="2400" kern="1200">
+        <a:spcAft>
+          <a:spcPts val="0"/>
+        </a:spcAft>
+        <a:buClr>
+          <a:schemeClr val="accent1"/>
+        </a:buClr>
+        <a:buFont typeface="Wingdings 3" charset="2"/>
+        <a:buChar char=""/>
+        <a:defRPr sz="1600" kern="1200">
           <a:solidFill>
-            <a:schemeClr val="tx1"/>
+            <a:schemeClr val="tx1">
+              <a:lumMod val="75000"/>
+              <a:lumOff val="25000"/>
+            </a:schemeClr>
           </a:solidFill>
           <a:latin typeface="+mn-lt"/>
           <a:ea typeface="+mn-ea"/>
           <a:cs typeface="+mn-cs"/>
         </a:defRPr>
       </a:lvl2pPr>
-      <a:lvl3pPr marL="1143000" indent="-228600" algn="l" defTabSz="914400" rtl="0" eaLnBrk="1" latinLnBrk="0" hangingPunct="1">
-        <a:lnSpc>
-          <a:spcPct val="90000"/>
-        </a:lnSpc>
+      <a:lvl3pPr marL="1143000" indent="-228600" algn="l" defTabSz="457200" rtl="0" eaLnBrk="1" latinLnBrk="0" hangingPunct="1">
         <a:spcBef>
-          <a:spcPts val="500"/>
+          <a:spcPts val="1000"/>
         </a:spcBef>
-        <a:buFont typeface="Arial" panose="020B0604020202020204" pitchFamily="34" charset="0"/>
-        <a:buChar char="•"/>
-        <a:defRPr sz="2000" kern="1200">
+        <a:spcAft>
+          <a:spcPts val="0"/>
+        </a:spcAft>
+        <a:buClr>
+          <a:schemeClr val="accent1"/>
+        </a:buClr>
+        <a:buFont typeface="Wingdings 3" charset="2"/>
+        <a:buChar char=""/>
+        <a:defRPr sz="1400" kern="1200">
           <a:solidFill>
-            <a:schemeClr val="tx1"/>
+            <a:schemeClr val="tx1">
+              <a:lumMod val="75000"/>
+              <a:lumOff val="25000"/>
+            </a:schemeClr>
           </a:solidFill>
           <a:latin typeface="+mn-lt"/>
           <a:ea typeface="+mn-ea"/>
           <a:cs typeface="+mn-cs"/>
         </a:defRPr>
       </a:lvl3pPr>
-      <a:lvl4pPr marL="1600200" indent="-228600" algn="l" defTabSz="914400" rtl="0" eaLnBrk="1" latinLnBrk="0" hangingPunct="1">
-        <a:lnSpc>
-          <a:spcPct val="90000"/>
-        </a:lnSpc>
+      <a:lvl4pPr marL="1600200" indent="-228600" algn="l" defTabSz="457200" rtl="0" eaLnBrk="1" latinLnBrk="0" hangingPunct="1">
         <a:spcBef>
-          <a:spcPts val="500"/>
+          <a:spcPts val="1000"/>
         </a:spcBef>
-        <a:buFont typeface="Arial" panose="020B0604020202020204" pitchFamily="34" charset="0"/>
-        <a:buChar char="•"/>
-        <a:defRPr sz="1800" kern="1200">
+        <a:spcAft>
+          <a:spcPts val="0"/>
+        </a:spcAft>
+        <a:buClr>
+          <a:schemeClr val="accent1"/>
+        </a:buClr>
+        <a:buFont typeface="Wingdings 3" charset="2"/>
+        <a:buChar char=""/>
+        <a:defRPr sz="1200" kern="1200">
           <a:solidFill>
-            <a:schemeClr val="tx1"/>
+            <a:schemeClr val="tx1">
+              <a:lumMod val="75000"/>
+              <a:lumOff val="25000"/>
+            </a:schemeClr>
           </a:solidFill>
           <a:latin typeface="+mn-lt"/>
           <a:ea typeface="+mn-ea"/>
           <a:cs typeface="+mn-cs"/>
         </a:defRPr>
       </a:lvl4pPr>
-      <a:lvl5pPr marL="2057400" indent="-228600" algn="l" defTabSz="914400" rtl="0" eaLnBrk="1" latinLnBrk="0" hangingPunct="1">
-        <a:lnSpc>
-          <a:spcPct val="90000"/>
-        </a:lnSpc>
+      <a:lvl5pPr marL="2057400" indent="-228600" algn="l" defTabSz="457200" rtl="0" eaLnBrk="1" latinLnBrk="0" hangingPunct="1">
         <a:spcBef>
-          <a:spcPts val="500"/>
+          <a:spcPts val="1000"/>
         </a:spcBef>
-        <a:buFont typeface="Arial" panose="020B0604020202020204" pitchFamily="34" charset="0"/>
-        <a:buChar char="•"/>
-        <a:defRPr sz="1800" kern="1200">
+        <a:spcAft>
+          <a:spcPts val="0"/>
+        </a:spcAft>
+        <a:buClr>
+          <a:schemeClr val="accent1"/>
+        </a:buClr>
+        <a:buFont typeface="Wingdings 3" charset="2"/>
+        <a:buChar char=""/>
+        <a:defRPr sz="1200" kern="1200">
           <a:solidFill>
-            <a:schemeClr val="tx1"/>
+            <a:schemeClr val="tx1">
+              <a:lumMod val="75000"/>
+              <a:lumOff val="25000"/>
+            </a:schemeClr>
           </a:solidFill>
           <a:latin typeface="+mn-lt"/>
           <a:ea typeface="+mn-ea"/>
           <a:cs typeface="+mn-cs"/>
         </a:defRPr>
       </a:lvl5pPr>
-      <a:lvl6pPr marL="2514600" indent="-228600" algn="l" defTabSz="914400" rtl="0" eaLnBrk="1" latinLnBrk="0" hangingPunct="1">
-        <a:lnSpc>
-          <a:spcPct val="90000"/>
-        </a:lnSpc>
+      <a:lvl6pPr marL="2514600" indent="-228600" algn="l" defTabSz="457200" rtl="0" eaLnBrk="1" latinLnBrk="0" hangingPunct="1">
         <a:spcBef>
-          <a:spcPts val="500"/>
+          <a:spcPts val="1000"/>
         </a:spcBef>
-        <a:buFont typeface="Arial" panose="020B0604020202020204" pitchFamily="34" charset="0"/>
-        <a:buChar char="•"/>
-        <a:defRPr sz="1800" kern="1200">
+        <a:spcAft>
+          <a:spcPts val="0"/>
+        </a:spcAft>
+        <a:buClr>
+          <a:schemeClr val="accent1"/>
+        </a:buClr>
+        <a:buFont typeface="Wingdings 3" charset="2"/>
+        <a:buChar char=""/>
+        <a:defRPr sz="1200" kern="1200">
           <a:solidFill>
-            <a:schemeClr val="tx1"/>
+            <a:schemeClr val="tx1">
+              <a:lumMod val="75000"/>
+              <a:lumOff val="25000"/>
+            </a:schemeClr>
           </a:solidFill>
           <a:latin typeface="+mn-lt"/>
           <a:ea typeface="+mn-ea"/>
           <a:cs typeface="+mn-cs"/>
         </a:defRPr>
       </a:lvl6pPr>
-      <a:lvl7pPr marL="2971800" indent="-228600" algn="l" defTabSz="914400" rtl="0" eaLnBrk="1" latinLnBrk="0" hangingPunct="1">
-        <a:lnSpc>
-          <a:spcPct val="90000"/>
-        </a:lnSpc>
+      <a:lvl7pPr marL="2971800" indent="-228600" algn="l" defTabSz="457200" rtl="0" eaLnBrk="1" latinLnBrk="0" hangingPunct="1">
         <a:spcBef>
-          <a:spcPts val="500"/>
+          <a:spcPts val="1000"/>
         </a:spcBef>
-        <a:buFont typeface="Arial" panose="020B0604020202020204" pitchFamily="34" charset="0"/>
-        <a:buChar char="•"/>
-        <a:defRPr sz="1800" kern="1200">
+        <a:spcAft>
+          <a:spcPts val="0"/>
+        </a:spcAft>
+        <a:buClr>
+          <a:schemeClr val="accent1"/>
+        </a:buClr>
+        <a:buFont typeface="Wingdings 3" charset="2"/>
+        <a:buChar char=""/>
+        <a:defRPr sz="1200" kern="1200">
           <a:solidFill>
-            <a:schemeClr val="tx1"/>
+            <a:schemeClr val="tx1">
+              <a:lumMod val="75000"/>
+              <a:lumOff val="25000"/>
+            </a:schemeClr>
           </a:solidFill>
           <a:latin typeface="+mn-lt"/>
           <a:ea typeface="+mn-ea"/>
           <a:cs typeface="+mn-cs"/>
         </a:defRPr>
       </a:lvl7pPr>
-      <a:lvl8pPr marL="3429000" indent="-228600" algn="l" defTabSz="914400" rtl="0" eaLnBrk="1" latinLnBrk="0" hangingPunct="1">
-        <a:lnSpc>
-          <a:spcPct val="90000"/>
-        </a:lnSpc>
+      <a:lvl8pPr marL="3429000" indent="-228600" algn="l" defTabSz="457200" rtl="0" eaLnBrk="1" latinLnBrk="0" hangingPunct="1">
         <a:spcBef>
-          <a:spcPts val="500"/>
+          <a:spcPts val="1000"/>
         </a:spcBef>
-        <a:buFont typeface="Arial" panose="020B0604020202020204" pitchFamily="34" charset="0"/>
-        <a:buChar char="•"/>
-        <a:defRPr sz="1800" kern="1200">
+        <a:spcAft>
+          <a:spcPts val="0"/>
+        </a:spcAft>
+        <a:buClr>
+          <a:schemeClr val="accent1"/>
+        </a:buClr>
+        <a:buFont typeface="Wingdings 3" charset="2"/>
+        <a:buChar char=""/>
+        <a:defRPr sz="1200" kern="1200">
           <a:solidFill>
-            <a:schemeClr val="tx1"/>
+            <a:schemeClr val="tx1">
+              <a:lumMod val="75000"/>
+              <a:lumOff val="25000"/>
+            </a:schemeClr>
           </a:solidFill>
           <a:latin typeface="+mn-lt"/>
           <a:ea typeface="+mn-ea"/>
           <a:cs typeface="+mn-cs"/>
         </a:defRPr>
       </a:lvl8pPr>
-      <a:lvl9pPr marL="3886200" indent="-228600" algn="l" defTabSz="914400" rtl="0" eaLnBrk="1" latinLnBrk="0" hangingPunct="1">
-        <a:lnSpc>
-          <a:spcPct val="90000"/>
-        </a:lnSpc>
+      <a:lvl9pPr marL="3886200" indent="-228600" algn="l" defTabSz="457200" rtl="0" eaLnBrk="1" latinLnBrk="0" hangingPunct="1">
         <a:spcBef>
-          <a:spcPts val="500"/>
+          <a:spcPts val="1000"/>
         </a:spcBef>
-        <a:buFont typeface="Arial" panose="020B0604020202020204" pitchFamily="34" charset="0"/>
-        <a:buChar char="•"/>
-        <a:defRPr sz="1800" kern="1200">
+        <a:spcAft>
+          <a:spcPts val="0"/>
+        </a:spcAft>
+        <a:buClr>
+          <a:schemeClr val="accent1"/>
+        </a:buClr>
+        <a:buFont typeface="Wingdings 3" charset="2"/>
+        <a:buChar char=""/>
+        <a:defRPr sz="1200" kern="1200">
           <a:solidFill>
-            <a:schemeClr val="tx1"/>
+            <a:schemeClr val="tx1">
+              <a:lumMod val="75000"/>
+              <a:lumOff val="25000"/>
+            </a:schemeClr>
           </a:solidFill>
           <a:latin typeface="+mn-lt"/>
           <a:ea typeface="+mn-ea"/>
@@ -3210,7 +7565,7 @@
       <a:defPPr>
         <a:defRPr lang="en-US"/>
       </a:defPPr>
-      <a:lvl1pPr marL="0" algn="l" defTabSz="914400" rtl="0" eaLnBrk="1" latinLnBrk="0" hangingPunct="1">
+      <a:lvl1pPr marL="0" algn="l" defTabSz="457200" rtl="0" eaLnBrk="1" latinLnBrk="0" hangingPunct="1">
         <a:defRPr sz="1800" kern="1200">
           <a:solidFill>
             <a:schemeClr val="tx1"/>
@@ -3220,7 +7575,7 @@
           <a:cs typeface="+mn-cs"/>
         </a:defRPr>
       </a:lvl1pPr>
-      <a:lvl2pPr marL="457200" algn="l" defTabSz="914400" rtl="0" eaLnBrk="1" latinLnBrk="0" hangingPunct="1">
+      <a:lvl2pPr marL="457200" algn="l" defTabSz="457200" rtl="0" eaLnBrk="1" latinLnBrk="0" hangingPunct="1">
         <a:defRPr sz="1800" kern="1200">
           <a:solidFill>
             <a:schemeClr val="tx1"/>
@@ -3230,7 +7585,7 @@
           <a:cs typeface="+mn-cs"/>
         </a:defRPr>
       </a:lvl2pPr>
-      <a:lvl3pPr marL="914400" algn="l" defTabSz="914400" rtl="0" eaLnBrk="1" latinLnBrk="0" hangingPunct="1">
+      <a:lvl3pPr marL="914400" algn="l" defTabSz="457200" rtl="0" eaLnBrk="1" latinLnBrk="0" hangingPunct="1">
         <a:defRPr sz="1800" kern="1200">
           <a:solidFill>
             <a:schemeClr val="tx1"/>
@@ -3240,7 +7595,7 @@
           <a:cs typeface="+mn-cs"/>
         </a:defRPr>
       </a:lvl3pPr>
-      <a:lvl4pPr marL="1371600" algn="l" defTabSz="914400" rtl="0" eaLnBrk="1" latinLnBrk="0" hangingPunct="1">
+      <a:lvl4pPr marL="1371600" algn="l" defTabSz="457200" rtl="0" eaLnBrk="1" latinLnBrk="0" hangingPunct="1">
         <a:defRPr sz="1800" kern="1200">
           <a:solidFill>
             <a:schemeClr val="tx1"/>
@@ -3250,7 +7605,7 @@
           <a:cs typeface="+mn-cs"/>
         </a:defRPr>
       </a:lvl4pPr>
-      <a:lvl5pPr marL="1828800" algn="l" defTabSz="914400" rtl="0" eaLnBrk="1" latinLnBrk="0" hangingPunct="1">
+      <a:lvl5pPr marL="1828800" algn="l" defTabSz="457200" rtl="0" eaLnBrk="1" latinLnBrk="0" hangingPunct="1">
         <a:defRPr sz="1800" kern="1200">
           <a:solidFill>
             <a:schemeClr val="tx1"/>
@@ -3260,7 +7615,7 @@
           <a:cs typeface="+mn-cs"/>
         </a:defRPr>
       </a:lvl5pPr>
-      <a:lvl6pPr marL="2286000" algn="l" defTabSz="914400" rtl="0" eaLnBrk="1" latinLnBrk="0" hangingPunct="1">
+      <a:lvl6pPr marL="2286000" algn="l" defTabSz="457200" rtl="0" eaLnBrk="1" latinLnBrk="0" hangingPunct="1">
         <a:defRPr sz="1800" kern="1200">
           <a:solidFill>
             <a:schemeClr val="tx1"/>
@@ -3270,7 +7625,7 @@
           <a:cs typeface="+mn-cs"/>
         </a:defRPr>
       </a:lvl6pPr>
-      <a:lvl7pPr marL="2743200" algn="l" defTabSz="914400" rtl="0" eaLnBrk="1" latinLnBrk="0" hangingPunct="1">
+      <a:lvl7pPr marL="2743200" algn="l" defTabSz="457200" rtl="0" eaLnBrk="1" latinLnBrk="0" hangingPunct="1">
         <a:defRPr sz="1800" kern="1200">
           <a:solidFill>
             <a:schemeClr val="tx1"/>
@@ -3280,7 +7635,7 @@
           <a:cs typeface="+mn-cs"/>
         </a:defRPr>
       </a:lvl7pPr>
-      <a:lvl8pPr marL="3200400" algn="l" defTabSz="914400" rtl="0" eaLnBrk="1" latinLnBrk="0" hangingPunct="1">
+      <a:lvl8pPr marL="3200400" algn="l" defTabSz="457200" rtl="0" eaLnBrk="1" latinLnBrk="0" hangingPunct="1">
         <a:defRPr sz="1800" kern="1200">
           <a:solidFill>
             <a:schemeClr val="tx1"/>
@@ -3290,7 +7645,7 @@
           <a:cs typeface="+mn-cs"/>
         </a:defRPr>
       </a:lvl8pPr>
-      <a:lvl9pPr marL="3657600" algn="l" defTabSz="914400" rtl="0" eaLnBrk="1" latinLnBrk="0" hangingPunct="1">
+      <a:lvl9pPr marL="3657600" algn="l" defTabSz="457200" rtl="0" eaLnBrk="1" latinLnBrk="0" hangingPunct="1">
         <a:defRPr sz="1800" kern="1200">
           <a:solidFill>
             <a:schemeClr val="tx1"/>
@@ -3327,7 +7682,7 @@
           <p:cNvPr id="2" name="Title 1">
             <a:extLst>
               <a:ext uri="{FF2B5EF4-FFF2-40B4-BE49-F238E27FC236}">
-                <a16:creationId xmlns:a16="http://schemas.microsoft.com/office/drawing/2014/main" id="{6CEE52DB-F9C8-0402-DDBD-241AFF6B4480}"/>
+                <a16:creationId xmlns:a16="http://schemas.microsoft.com/office/drawing/2014/main" id="{2F980E0B-6745-E934-2823-635E17C093A7}"/>
               </a:ext>
             </a:extLst>
           </p:cNvPr>
@@ -3338,12 +7693,20 @@
             <p:ph type="ctrTitle"/>
           </p:nvPr>
         </p:nvSpPr>
-        <p:spPr/>
+        <p:spPr>
+          <a:xfrm>
+            <a:off x="1524000" y="1094370"/>
+            <a:ext cx="9144000" cy="2387600"/>
+          </a:xfrm>
+        </p:spPr>
         <p:txBody>
           <a:bodyPr/>
           <a:lstStyle/>
           <a:p>
-            <a:endParaRPr lang="en-US"/>
+            <a:r>
+              <a:rPr lang="en-US" dirty="0"/>
+              <a:t>Sentiment analysis: drug reviews</a:t>
+            </a:r>
           </a:p>
         </p:txBody>
       </p:sp>
@@ -3352,7 +7715,7 @@
           <p:cNvPr id="3" name="Subtitle 2">
             <a:extLst>
               <a:ext uri="{FF2B5EF4-FFF2-40B4-BE49-F238E27FC236}">
-                <a16:creationId xmlns:a16="http://schemas.microsoft.com/office/drawing/2014/main" id="{12C0143B-5C0F-A9C9-D016-BCA2597EC702}"/>
+                <a16:creationId xmlns:a16="http://schemas.microsoft.com/office/drawing/2014/main" id="{25A173DC-33B4-071E-E3AC-87DF677B0EB6}"/>
               </a:ext>
             </a:extLst>
           </p:cNvPr>
@@ -3363,21 +7726,459 @@
             <p:ph type="subTitle" idx="1"/>
           </p:nvPr>
         </p:nvSpPr>
-        <p:spPr/>
+        <p:spPr>
+          <a:xfrm>
+            <a:off x="2589213" y="4768048"/>
+            <a:ext cx="8915399" cy="1126283"/>
+          </a:xfrm>
+        </p:spPr>
         <p:txBody>
           <a:bodyPr/>
           <a:lstStyle/>
           <a:p>
+            <a:r>
+              <a:rPr lang="en-US" dirty="0"/>
+              <a:t>Jonathan Marks</a:t>
+            </a:r>
+          </a:p>
+        </p:txBody>
+      </p:sp>
+    </p:spTree>
+    <p:extLst>
+      <p:ext uri="{BB962C8B-B14F-4D97-AF65-F5344CB8AC3E}">
+        <p14:creationId xmlns:p14="http://schemas.microsoft.com/office/powerpoint/2010/main" val="1455614739"/>
+      </p:ext>
+    </p:extLst>
+  </p:cSld>
+  <p:clrMapOvr>
+    <a:masterClrMapping/>
+  </p:clrMapOvr>
+</p:sld>
+</file>
+
+<file path=ppt/slides/slide2.xml><?xml version="1.0" encoding="utf-8"?>
+<p:sld xmlns:a="http://schemas.openxmlformats.org/drawingml/2006/main" xmlns:r="http://schemas.openxmlformats.org/officeDocument/2006/relationships" xmlns:p="http://schemas.openxmlformats.org/presentationml/2006/main">
+  <p:cSld>
+    <p:spTree>
+      <p:nvGrpSpPr>
+        <p:cNvPr id="1" name=""/>
+        <p:cNvGrpSpPr/>
+        <p:nvPr/>
+      </p:nvGrpSpPr>
+      <p:grpSpPr>
+        <a:xfrm>
+          <a:off x="0" y="0"/>
+          <a:ext cx="0" cy="0"/>
+          <a:chOff x="0" y="0"/>
+          <a:chExt cx="0" cy="0"/>
+        </a:xfrm>
+      </p:grpSpPr>
+      <p:sp>
+        <p:nvSpPr>
+          <p:cNvPr id="2" name="Title 1">
+            <a:extLst>
+              <a:ext uri="{FF2B5EF4-FFF2-40B4-BE49-F238E27FC236}">
+                <a16:creationId xmlns:a16="http://schemas.microsoft.com/office/drawing/2014/main" id="{96E14336-F6D3-A160-7328-B4676DCA6251}"/>
+              </a:ext>
+            </a:extLst>
+          </p:cNvPr>
+          <p:cNvSpPr>
+            <a:spLocks noGrp="1"/>
+          </p:cNvSpPr>
+          <p:nvPr>
+            <p:ph type="title"/>
+          </p:nvPr>
+        </p:nvSpPr>
+        <p:spPr/>
+        <p:txBody>
+          <a:bodyPr/>
+          <a:lstStyle/>
+          <a:p>
+            <a:r>
+              <a:rPr lang="en-US" dirty="0"/>
+              <a:t>Business Problem	</a:t>
+            </a:r>
+          </a:p>
+        </p:txBody>
+      </p:sp>
+      <p:sp>
+        <p:nvSpPr>
+          <p:cNvPr id="3" name="Content Placeholder 2">
+            <a:extLst>
+              <a:ext uri="{FF2B5EF4-FFF2-40B4-BE49-F238E27FC236}">
+                <a16:creationId xmlns:a16="http://schemas.microsoft.com/office/drawing/2014/main" id="{ECE9BA76-000C-18EC-3BF8-281A779DCCC6}"/>
+              </a:ext>
+            </a:extLst>
+          </p:cNvPr>
+          <p:cNvSpPr>
+            <a:spLocks noGrp="1"/>
+          </p:cNvSpPr>
+          <p:nvPr>
+            <p:ph idx="1"/>
+          </p:nvPr>
+        </p:nvSpPr>
+        <p:spPr>
+          <a:xfrm>
+            <a:off x="828869" y="1825625"/>
+            <a:ext cx="10515600" cy="4351338"/>
+          </a:xfrm>
+        </p:spPr>
+        <p:txBody>
+          <a:bodyPr/>
+          <a:lstStyle/>
+          <a:p>
+            <a:r>
+              <a:rPr lang="en-US" dirty="0"/>
+              <a:t>A hospital or insurance provider is interested in efficiently extracting numeric ratings from patients' written review.  To this end we build a model using labelled, numerically, patient reviews. </a:t>
+            </a:r>
+          </a:p>
+          <a:p>
+            <a:endParaRPr lang="en-US" dirty="0"/>
+          </a:p>
+        </p:txBody>
+      </p:sp>
+    </p:spTree>
+    <p:extLst>
+      <p:ext uri="{BB962C8B-B14F-4D97-AF65-F5344CB8AC3E}">
+        <p14:creationId xmlns:p14="http://schemas.microsoft.com/office/powerpoint/2010/main" val="3857353197"/>
+      </p:ext>
+    </p:extLst>
+  </p:cSld>
+  <p:clrMapOvr>
+    <a:masterClrMapping/>
+  </p:clrMapOvr>
+</p:sld>
+</file>
+
+<file path=ppt/slides/slide3.xml><?xml version="1.0" encoding="utf-8"?>
+<p:sld xmlns:a="http://schemas.openxmlformats.org/drawingml/2006/main" xmlns:r="http://schemas.openxmlformats.org/officeDocument/2006/relationships" xmlns:p="http://schemas.openxmlformats.org/presentationml/2006/main">
+  <p:cSld>
+    <p:spTree>
+      <p:nvGrpSpPr>
+        <p:cNvPr id="1" name=""/>
+        <p:cNvGrpSpPr/>
+        <p:nvPr/>
+      </p:nvGrpSpPr>
+      <p:grpSpPr>
+        <a:xfrm>
+          <a:off x="0" y="0"/>
+          <a:ext cx="0" cy="0"/>
+          <a:chOff x="0" y="0"/>
+          <a:chExt cx="0" cy="0"/>
+        </a:xfrm>
+      </p:grpSpPr>
+      <p:sp>
+        <p:nvSpPr>
+          <p:cNvPr id="2" name="Title 1">
+            <a:extLst>
+              <a:ext uri="{FF2B5EF4-FFF2-40B4-BE49-F238E27FC236}">
+                <a16:creationId xmlns:a16="http://schemas.microsoft.com/office/drawing/2014/main" id="{32B4F18B-FC41-F758-1DC6-68ED48F0D4AE}"/>
+              </a:ext>
+            </a:extLst>
+          </p:cNvPr>
+          <p:cNvSpPr>
+            <a:spLocks noGrp="1"/>
+          </p:cNvSpPr>
+          <p:nvPr>
+            <p:ph type="title"/>
+          </p:nvPr>
+        </p:nvSpPr>
+        <p:spPr>
+          <a:xfrm>
+            <a:off x="1705947" y="570403"/>
+            <a:ext cx="10515600" cy="1325563"/>
+          </a:xfrm>
+        </p:spPr>
+        <p:txBody>
+          <a:bodyPr/>
+          <a:lstStyle/>
+          <a:p>
+            <a:r>
+              <a:rPr lang="en-US" dirty="0"/>
+              <a:t>Data Understanding	/Preprocessing</a:t>
+            </a:r>
+          </a:p>
+        </p:txBody>
+      </p:sp>
+      <p:sp>
+        <p:nvSpPr>
+          <p:cNvPr id="3" name="Content Placeholder 2">
+            <a:extLst>
+              <a:ext uri="{FF2B5EF4-FFF2-40B4-BE49-F238E27FC236}">
+                <a16:creationId xmlns:a16="http://schemas.microsoft.com/office/drawing/2014/main" id="{47DC8818-3A0B-2A75-470D-66AA45EF1B65}"/>
+              </a:ext>
+            </a:extLst>
+          </p:cNvPr>
+          <p:cNvSpPr>
+            <a:spLocks noGrp="1"/>
+          </p:cNvSpPr>
+          <p:nvPr>
+            <p:ph idx="1"/>
+          </p:nvPr>
+        </p:nvSpPr>
+        <p:spPr>
+          <a:xfrm>
+            <a:off x="2589212" y="2142931"/>
+            <a:ext cx="8915400" cy="3777622"/>
+          </a:xfrm>
+        </p:spPr>
+        <p:txBody>
+          <a:bodyPr/>
+          <a:lstStyle/>
+          <a:p>
+            <a:r>
+              <a:rPr lang="en-US" dirty="0"/>
+              <a:t>The data comes from Drugs.com and is accessed through UCI's website.</a:t>
+            </a:r>
+          </a:p>
+          <a:p>
+            <a:endParaRPr lang="en-US" dirty="0"/>
+          </a:p>
+          <a:p>
+            <a:endParaRPr lang="en-US" dirty="0"/>
+          </a:p>
+          <a:p>
+            <a:r>
+              <a:rPr lang="en-US" dirty="0"/>
+              <a:t>160,000 samples</a:t>
+            </a:r>
+          </a:p>
+          <a:p>
+            <a:endParaRPr lang="en-US" dirty="0"/>
+          </a:p>
+          <a:p>
+            <a:r>
+              <a:rPr lang="en-US" dirty="0"/>
+              <a:t>Non-normal distribution</a:t>
+            </a:r>
+          </a:p>
+          <a:p>
+            <a:endParaRPr lang="en-US" dirty="0"/>
+          </a:p>
+          <a:p>
+            <a:r>
+              <a:rPr lang="en-US" dirty="0"/>
+              <a:t>Text and meta-</a:t>
+            </a:r>
+            <a:r>
+              <a:rPr lang="en-US" dirty="0" err="1"/>
+              <a:t>deta</a:t>
+            </a:r>
+            <a:endParaRPr lang="en-US" dirty="0"/>
+          </a:p>
+        </p:txBody>
+      </p:sp>
+    </p:spTree>
+    <p:extLst>
+      <p:ext uri="{BB962C8B-B14F-4D97-AF65-F5344CB8AC3E}">
+        <p14:creationId xmlns:p14="http://schemas.microsoft.com/office/powerpoint/2010/main" val="2039390773"/>
+      </p:ext>
+    </p:extLst>
+  </p:cSld>
+  <p:clrMapOvr>
+    <a:masterClrMapping/>
+  </p:clrMapOvr>
+</p:sld>
+</file>
+
+<file path=ppt/slides/slide4.xml><?xml version="1.0" encoding="utf-8"?>
+<p:sld xmlns:a="http://schemas.openxmlformats.org/drawingml/2006/main" xmlns:r="http://schemas.openxmlformats.org/officeDocument/2006/relationships" xmlns:p="http://schemas.openxmlformats.org/presentationml/2006/main">
+  <p:cSld>
+    <p:spTree>
+      <p:nvGrpSpPr>
+        <p:cNvPr id="1" name=""/>
+        <p:cNvGrpSpPr/>
+        <p:nvPr/>
+      </p:nvGrpSpPr>
+      <p:grpSpPr>
+        <a:xfrm>
+          <a:off x="0" y="0"/>
+          <a:ext cx="0" cy="0"/>
+          <a:chOff x="0" y="0"/>
+          <a:chExt cx="0" cy="0"/>
+        </a:xfrm>
+      </p:grpSpPr>
+      <p:sp>
+        <p:nvSpPr>
+          <p:cNvPr id="2" name="Title 1">
+            <a:extLst>
+              <a:ext uri="{FF2B5EF4-FFF2-40B4-BE49-F238E27FC236}">
+                <a16:creationId xmlns:a16="http://schemas.microsoft.com/office/drawing/2014/main" id="{E2167587-12F8-6639-A767-E70083420E48}"/>
+              </a:ext>
+            </a:extLst>
+          </p:cNvPr>
+          <p:cNvSpPr>
+            <a:spLocks noGrp="1"/>
+          </p:cNvSpPr>
+          <p:nvPr>
+            <p:ph type="title"/>
+          </p:nvPr>
+        </p:nvSpPr>
+        <p:spPr/>
+        <p:txBody>
+          <a:bodyPr/>
+          <a:lstStyle/>
+          <a:p>
+            <a:r>
+              <a:rPr lang="en-US" dirty="0"/>
+              <a:t>Preprocessing / </a:t>
+            </a:r>
+            <a:r>
+              <a:rPr lang="en-US" dirty="0" err="1"/>
+              <a:t>nlp</a:t>
+            </a:r>
+            <a:r>
+              <a:rPr lang="en-US" dirty="0"/>
+              <a:t> techniques</a:t>
+            </a:r>
+          </a:p>
+        </p:txBody>
+      </p:sp>
+      <p:sp>
+        <p:nvSpPr>
+          <p:cNvPr id="3" name="Content Placeholder 2">
+            <a:extLst>
+              <a:ext uri="{FF2B5EF4-FFF2-40B4-BE49-F238E27FC236}">
+                <a16:creationId xmlns:a16="http://schemas.microsoft.com/office/drawing/2014/main" id="{B11DC617-CABC-4807-C27A-A55AFBD29999}"/>
+              </a:ext>
+            </a:extLst>
+          </p:cNvPr>
+          <p:cNvSpPr>
+            <a:spLocks noGrp="1"/>
+          </p:cNvSpPr>
+          <p:nvPr>
+            <p:ph idx="1"/>
+          </p:nvPr>
+        </p:nvSpPr>
+        <p:spPr>
+          <a:xfrm>
+            <a:off x="2589212" y="2124269"/>
+            <a:ext cx="8915400" cy="3777622"/>
+          </a:xfrm>
+        </p:spPr>
+        <p:txBody>
+          <a:bodyPr/>
+          <a:lstStyle/>
+          <a:p>
+            <a:r>
+              <a:rPr lang="en-US" dirty="0"/>
+              <a:t>Tokenizing</a:t>
+            </a:r>
+          </a:p>
+          <a:p>
+            <a:endParaRPr lang="en-US" dirty="0"/>
+          </a:p>
+          <a:p>
+            <a:r>
+              <a:rPr lang="en-US" dirty="0"/>
+              <a:t>TF-IDF			</a:t>
+            </a:r>
+          </a:p>
+          <a:p>
+            <a:endParaRPr lang="en-US" dirty="0"/>
+          </a:p>
+          <a:p>
+            <a:r>
+              <a:rPr lang="en-US" dirty="0"/>
+              <a:t>Word embeddings	</a:t>
+            </a:r>
+          </a:p>
+        </p:txBody>
+      </p:sp>
+    </p:spTree>
+    <p:extLst>
+      <p:ext uri="{BB962C8B-B14F-4D97-AF65-F5344CB8AC3E}">
+        <p14:creationId xmlns:p14="http://schemas.microsoft.com/office/powerpoint/2010/main" val="2294952837"/>
+      </p:ext>
+    </p:extLst>
+  </p:cSld>
+  <p:clrMapOvr>
+    <a:masterClrMapping/>
+  </p:clrMapOvr>
+</p:sld>
+</file>
+
+<file path=ppt/slides/slide5.xml><?xml version="1.0" encoding="utf-8"?>
+<p:sld xmlns:a="http://schemas.openxmlformats.org/drawingml/2006/main" xmlns:r="http://schemas.openxmlformats.org/officeDocument/2006/relationships" xmlns:p="http://schemas.openxmlformats.org/presentationml/2006/main">
+  <p:cSld>
+    <p:spTree>
+      <p:nvGrpSpPr>
+        <p:cNvPr id="1" name=""/>
+        <p:cNvGrpSpPr/>
+        <p:nvPr/>
+      </p:nvGrpSpPr>
+      <p:grpSpPr>
+        <a:xfrm>
+          <a:off x="0" y="0"/>
+          <a:ext cx="0" cy="0"/>
+          <a:chOff x="0" y="0"/>
+          <a:chExt cx="0" cy="0"/>
+        </a:xfrm>
+      </p:grpSpPr>
+      <p:sp>
+        <p:nvSpPr>
+          <p:cNvPr id="2" name="Title 1">
+            <a:extLst>
+              <a:ext uri="{FF2B5EF4-FFF2-40B4-BE49-F238E27FC236}">
+                <a16:creationId xmlns:a16="http://schemas.microsoft.com/office/drawing/2014/main" id="{7843D866-B23C-04F2-8CFE-1835F217B3AF}"/>
+              </a:ext>
+            </a:extLst>
+          </p:cNvPr>
+          <p:cNvSpPr>
+            <a:spLocks noGrp="1"/>
+          </p:cNvSpPr>
+          <p:nvPr>
+            <p:ph type="title"/>
+          </p:nvPr>
+        </p:nvSpPr>
+        <p:spPr>
+          <a:xfrm>
+            <a:off x="2592925" y="633441"/>
+            <a:ext cx="8911687" cy="1280890"/>
+          </a:xfrm>
+        </p:spPr>
+        <p:txBody>
+          <a:bodyPr/>
+          <a:lstStyle/>
+          <a:p>
+            <a:r>
+              <a:rPr lang="en-US" dirty="0"/>
+              <a:t>RMSE cross-model comparisons</a:t>
+            </a:r>
+          </a:p>
+        </p:txBody>
+      </p:sp>
+      <p:sp>
+        <p:nvSpPr>
+          <p:cNvPr id="3" name="Content Placeholder 2">
+            <a:extLst>
+              <a:ext uri="{FF2B5EF4-FFF2-40B4-BE49-F238E27FC236}">
+                <a16:creationId xmlns:a16="http://schemas.microsoft.com/office/drawing/2014/main" id="{27069944-AFB6-4D20-A5D9-9DE739DCAE2B}"/>
+              </a:ext>
+            </a:extLst>
+          </p:cNvPr>
+          <p:cNvSpPr>
+            <a:spLocks noGrp="1"/>
+          </p:cNvSpPr>
+          <p:nvPr>
+            <p:ph idx="1"/>
+          </p:nvPr>
+        </p:nvSpPr>
+        <p:spPr/>
+        <p:txBody>
+          <a:bodyPr/>
+          <a:lstStyle/>
+          <a:p>
             <a:endParaRPr lang="en-US"/>
           </a:p>
         </p:txBody>
       </p:sp>
       <p:graphicFrame>
         <p:nvGraphicFramePr>
-          <p:cNvPr id="4" name="Table 3">
+          <p:cNvPr id="6" name="Table 5">
             <a:extLst>
               <a:ext uri="{FF2B5EF4-FFF2-40B4-BE49-F238E27FC236}">
-                <a16:creationId xmlns:a16="http://schemas.microsoft.com/office/drawing/2014/main" id="{E7D784F6-7C4D-B954-9EB3-E9F1269605A0}"/>
+                <a16:creationId xmlns:a16="http://schemas.microsoft.com/office/drawing/2014/main" id="{5F8349F7-8044-E12A-E301-9026047A3FF6}"/>
               </a:ext>
             </a:extLst>
           </p:cNvPr>
@@ -3387,14 +8188,14 @@
           <p:nvPr>
             <p:extLst>
               <p:ext uri="{D42A27DB-BD31-4B8C-83A1-F6EECF244321}">
-                <p14:modId xmlns:p14="http://schemas.microsoft.com/office/powerpoint/2010/main" val="280626704"/>
+                <p14:modId xmlns:p14="http://schemas.microsoft.com/office/powerpoint/2010/main" val="1236241385"/>
               </p:ext>
             </p:extLst>
           </p:nvPr>
         </p:nvGraphicFramePr>
         <p:xfrm>
-          <a:off x="409623" y="1233546"/>
-          <a:ext cx="11499246" cy="4065152"/>
+          <a:off x="409623" y="1903512"/>
+          <a:ext cx="11499246" cy="4824310"/>
         </p:xfrm>
         <a:graphic>
           <a:graphicData uri="http://schemas.openxmlformats.org/drawingml/2006/table">
@@ -3403,21 +8204,21 @@
                 <a:tableStyleId>{5C22544A-7EE6-4342-B048-85BDC9FD1C3A}</a:tableStyleId>
               </a:tblPr>
               <a:tblGrid>
-                <a:gridCol w="1916541">
+                <a:gridCol w="1652442">
                   <a:extLst>
                     <a:ext uri="{9D8B030D-6E8A-4147-A177-3AD203B41FA5}">
                       <a16:colId xmlns:a16="http://schemas.microsoft.com/office/drawing/2014/main" val="1707648186"/>
                     </a:ext>
                   </a:extLst>
                 </a:gridCol>
-                <a:gridCol w="1916541">
+                <a:gridCol w="2183364">
                   <a:extLst>
                     <a:ext uri="{9D8B030D-6E8A-4147-A177-3AD203B41FA5}">
                       <a16:colId xmlns:a16="http://schemas.microsoft.com/office/drawing/2014/main" val="1820434955"/>
                     </a:ext>
                   </a:extLst>
                 </a:gridCol>
-                <a:gridCol w="1916541">
+                <a:gridCol w="1913817">
                   <a:extLst>
                     <a:ext uri="{9D8B030D-6E8A-4147-A177-3AD203B41FA5}">
                       <a16:colId xmlns:a16="http://schemas.microsoft.com/office/drawing/2014/main" val="2522021020"/>
@@ -3446,16 +8247,16 @@
                   </a:extLst>
                 </a:gridCol>
               </a:tblGrid>
-              <a:tr h="668392">
+              <a:tr h="607629">
                 <a:tc>
                   <a:txBody>
                     <a:bodyPr/>
                     <a:lstStyle/>
                     <a:p>
-                      <a:endParaRPr lang="en-US" sz="2800" dirty="0"/>
+                      <a:endParaRPr lang="en-US" sz="2500" dirty="0"/>
                     </a:p>
                   </a:txBody>
-                  <a:tcPr marL="215611" marR="215611" marT="66938" marB="66938"/>
+                  <a:tcPr marL="215611" marR="215611" marT="60853" marB="60853"/>
                 </a:tc>
                 <a:tc gridSpan="3">
                   <a:txBody>
@@ -3463,12 +8264,12 @@
                     <a:lstStyle/>
                     <a:p>
                       <a:r>
-                        <a:rPr lang="en-US" sz="2800" dirty="0"/>
+                        <a:rPr lang="en-US" sz="2500" dirty="0"/>
                         <a:t>No word embeddings (TF-IDF)</a:t>
                       </a:r>
                     </a:p>
                   </a:txBody>
-                  <a:tcPr marL="100584" marR="100584" marT="50292" marB="50292"/>
+                  <a:tcPr marL="100584" marR="100584" marT="41564" marB="41564"/>
                 </a:tc>
                 <a:tc hMerge="1">
                   <a:txBody>
@@ -3496,12 +8297,12 @@
                     <a:lstStyle/>
                     <a:p>
                       <a:r>
-                        <a:rPr lang="en-US" sz="2800" dirty="0"/>
+                        <a:rPr lang="en-US" sz="2500" dirty="0"/>
                         <a:t>Word embeddings</a:t>
                       </a:r>
                     </a:p>
                   </a:txBody>
-                  <a:tcPr marL="100584" marR="100584" marT="50292" marB="50292"/>
+                  <a:tcPr marL="100584" marR="100584" marT="41564" marB="41564"/>
                 </a:tc>
                 <a:tc hMerge="1">
                   <a:txBody>
@@ -3519,16 +8320,16 @@
                   </a:ext>
                 </a:extLst>
               </a:tr>
-              <a:tr h="1411796">
+              <a:tr h="1673415">
                 <a:tc>
                   <a:txBody>
                     <a:bodyPr/>
                     <a:lstStyle/>
                     <a:p>
-                      <a:endParaRPr lang="en-US" sz="2800" dirty="0"/>
+                      <a:endParaRPr lang="en-US" sz="2500" dirty="0"/>
                     </a:p>
                   </a:txBody>
-                  <a:tcPr marL="215611" marR="215611" marT="66938" marB="66938"/>
+                  <a:tcPr marL="215611" marR="215611" marT="60853" marB="60853"/>
                 </a:tc>
                 <a:tc>
                   <a:txBody>
@@ -3536,12 +8337,12 @@
                     <a:lstStyle/>
                     <a:p>
                       <a:r>
-                        <a:rPr lang="en-US" sz="2800" dirty="0"/>
+                        <a:rPr lang="en-US" sz="2500" b="1" dirty="0"/>
                         <a:t>Baseline linear regression</a:t>
                       </a:r>
                     </a:p>
                   </a:txBody>
-                  <a:tcPr marL="215611" marR="215611" marT="66938" marB="66938"/>
+                  <a:tcPr marL="215611" marR="215611" marT="60853" marB="60853"/>
                 </a:tc>
                 <a:tc>
                   <a:txBody>
@@ -3549,12 +8350,12 @@
                     <a:lstStyle/>
                     <a:p>
                       <a:r>
-                        <a:rPr lang="en-US" sz="2800" dirty="0"/>
+                        <a:rPr lang="en-US" sz="2500" dirty="0"/>
                         <a:t>Decision Tree Regressor</a:t>
                       </a:r>
                     </a:p>
                   </a:txBody>
-                  <a:tcPr marL="215611" marR="215611" marT="66938" marB="66938"/>
+                  <a:tcPr marL="215611" marR="215611" marT="60853" marB="60853"/>
                 </a:tc>
                 <a:tc>
                   <a:txBody>
@@ -3562,12 +8363,12 @@
                     <a:lstStyle/>
                     <a:p>
                       <a:r>
-                        <a:rPr lang="en-US" sz="2800" dirty="0"/>
+                        <a:rPr lang="en-US" sz="2500" dirty="0"/>
                         <a:t>Random Forest Regressor</a:t>
                       </a:r>
                     </a:p>
                   </a:txBody>
-                  <a:tcPr marL="215611" marR="215611" marT="66938" marB="66938"/>
+                  <a:tcPr marL="215611" marR="215611" marT="60853" marB="60853"/>
                 </a:tc>
                 <a:tc>
                   <a:txBody>
@@ -3575,12 +8376,12 @@
                     <a:lstStyle/>
                     <a:p>
                       <a:r>
-                        <a:rPr lang="en-US" sz="2800" dirty="0"/>
+                        <a:rPr lang="en-US" sz="2500" dirty="0"/>
                         <a:t>linear regression</a:t>
                       </a:r>
                     </a:p>
                   </a:txBody>
-                  <a:tcPr marL="215611" marR="215611" marT="66938" marB="66938"/>
+                  <a:tcPr marL="215611" marR="215611" marT="60853" marB="60853"/>
                 </a:tc>
                 <a:tc>
                   <a:txBody>
@@ -3588,12 +8389,12 @@
                     <a:lstStyle/>
                     <a:p>
                       <a:r>
-                        <a:rPr lang="en-US" sz="2800" dirty="0"/>
+                        <a:rPr lang="en-US" sz="2500" dirty="0"/>
                         <a:t>Decision Tree Regressor </a:t>
                       </a:r>
                     </a:p>
                   </a:txBody>
-                  <a:tcPr marL="215611" marR="215611" marT="66938" marB="66938"/>
+                  <a:tcPr marL="215611" marR="215611" marT="60853" marB="60853"/>
                 </a:tc>
                 <a:extLst>
                   <a:ext uri="{0D108BD9-81ED-4DB2-BD59-A6C34878D82A}">
@@ -3601,74 +8402,89 @@
                   </a:ext>
                 </a:extLst>
               </a:tr>
-              <a:tr h="568688">
+              <a:tr h="897560">
                 <a:tc>
                   <a:txBody>
                     <a:bodyPr/>
                     <a:lstStyle/>
                     <a:p>
                       <a:r>
-                        <a:rPr lang="en-US" sz="2800" dirty="0"/>
+                        <a:rPr lang="en-US" sz="2500" dirty="0"/>
                         <a:t>Train </a:t>
                       </a:r>
                       <a:r>
-                        <a:rPr lang="en-US" sz="2800" dirty="0" err="1"/>
+                        <a:rPr lang="en-US" sz="2500" dirty="0" err="1"/>
                         <a:t>rmse</a:t>
                       </a:r>
-                      <a:endParaRPr lang="en-US" sz="2800" dirty="0"/>
+                      <a:endParaRPr lang="en-US" sz="2500" dirty="0"/>
                     </a:p>
                   </a:txBody>
-                  <a:tcPr marL="215611" marR="215611" marT="66938" marB="66938"/>
+                  <a:tcPr marL="215611" marR="215611" marT="60853" marB="60853"/>
                 </a:tc>
                 <a:tc>
                   <a:txBody>
                     <a:bodyPr/>
                     <a:lstStyle/>
                     <a:p>
-                      <a:endParaRPr lang="en-US" sz="2800" dirty="0"/>
+                      <a:r>
+                        <a:rPr lang="en-US" sz="2500" b="1" dirty="0"/>
+                        <a:t>2.84</a:t>
+                      </a:r>
                     </a:p>
                   </a:txBody>
-                  <a:tcPr marL="215611" marR="215611" marT="66938" marB="66938"/>
+                  <a:tcPr marL="215611" marR="215611" marT="60853" marB="60853"/>
                 </a:tc>
                 <a:tc>
                   <a:txBody>
                     <a:bodyPr/>
                     <a:lstStyle/>
                     <a:p>
-                      <a:endParaRPr lang="en-US" sz="2800" dirty="0"/>
+                      <a:r>
+                        <a:rPr lang="en-US" sz="2500" dirty="0"/>
+                        <a:t>3.38</a:t>
+                      </a:r>
                     </a:p>
                   </a:txBody>
-                  <a:tcPr marL="215611" marR="215611" marT="66938" marB="66938"/>
+                  <a:tcPr marL="215611" marR="215611" marT="60853" marB="60853"/>
                 </a:tc>
                 <a:tc>
                   <a:txBody>
                     <a:bodyPr/>
                     <a:lstStyle/>
                     <a:p>
-                      <a:endParaRPr lang="en-US" sz="2800" dirty="0"/>
+                      <a:r>
+                        <a:rPr lang="en-US" sz="2500" dirty="0"/>
+                        <a:t>3.44</a:t>
+                      </a:r>
                     </a:p>
                   </a:txBody>
-                  <a:tcPr marL="215611" marR="215611" marT="66938" marB="66938"/>
+                  <a:tcPr marL="215611" marR="215611" marT="60853" marB="60853"/>
                 </a:tc>
                 <a:tc>
                   <a:txBody>
                     <a:bodyPr/>
                     <a:lstStyle/>
                     <a:p>
-                      <a:endParaRPr lang="en-US" sz="2800" dirty="0"/>
+                      <a:r>
+                        <a:rPr lang="en-US" sz="2500" dirty="0"/>
+                        <a:t>3.03</a:t>
+                      </a:r>
                     </a:p>
                   </a:txBody>
-                  <a:tcPr marL="215611" marR="215611" marT="66938" marB="66938"/>
+                  <a:tcPr marL="215611" marR="215611" marT="60853" marB="60853"/>
                 </a:tc>
                 <a:tc>
                   <a:txBody>
                     <a:bodyPr/>
                     <a:lstStyle/>
                     <a:p>
-                      <a:endParaRPr lang="en-US" sz="2800" dirty="0"/>
+                      <a:r>
+                        <a:rPr lang="en-US" sz="2500" dirty="0"/>
+                        <a:t>3.14</a:t>
+                      </a:r>
                     </a:p>
                   </a:txBody>
-                  <a:tcPr marL="215611" marR="215611" marT="66938" marB="66938"/>
+                  <a:tcPr marL="215611" marR="215611" marT="60853" marB="60853"/>
                 </a:tc>
                 <a:extLst>
                   <a:ext uri="{0D108BD9-81ED-4DB2-BD59-A6C34878D82A}">
@@ -3676,74 +8492,89 @@
                   </a:ext>
                 </a:extLst>
               </a:tr>
-              <a:tr h="568688">
+              <a:tr h="516989">
                 <a:tc>
                   <a:txBody>
                     <a:bodyPr/>
                     <a:lstStyle/>
                     <a:p>
                       <a:r>
-                        <a:rPr lang="en-US" sz="2800" dirty="0"/>
+                        <a:rPr lang="en-US" sz="2500" dirty="0"/>
                         <a:t>Val </a:t>
                       </a:r>
                       <a:r>
-                        <a:rPr lang="en-US" sz="2800" dirty="0" err="1"/>
+                        <a:rPr lang="en-US" sz="2500" dirty="0" err="1"/>
                         <a:t>rmse</a:t>
                       </a:r>
-                      <a:endParaRPr lang="en-US" sz="2800" dirty="0"/>
+                      <a:endParaRPr lang="en-US" sz="2500" dirty="0"/>
                     </a:p>
                   </a:txBody>
-                  <a:tcPr marL="215611" marR="215611" marT="66938" marB="66938"/>
+                  <a:tcPr marL="215611" marR="215611" marT="60853" marB="60853"/>
                 </a:tc>
                 <a:tc>
                   <a:txBody>
                     <a:bodyPr/>
                     <a:lstStyle/>
                     <a:p>
-                      <a:endParaRPr lang="en-US" sz="2800" dirty="0"/>
+                      <a:r>
+                        <a:rPr lang="en-US" sz="2500" b="1" dirty="0"/>
+                        <a:t>2.88</a:t>
+                      </a:r>
                     </a:p>
                   </a:txBody>
-                  <a:tcPr marL="215611" marR="215611" marT="66938" marB="66938"/>
+                  <a:tcPr marL="215611" marR="215611" marT="60853" marB="60853"/>
                 </a:tc>
                 <a:tc>
                   <a:txBody>
                     <a:bodyPr/>
                     <a:lstStyle/>
                     <a:p>
-                      <a:endParaRPr lang="en-US" sz="2800" dirty="0"/>
+                      <a:r>
+                        <a:rPr lang="en-US" sz="2500" dirty="0"/>
+                        <a:t>3.38 (3.09 w/deeper tree (5 leaves).</a:t>
+                      </a:r>
                     </a:p>
                   </a:txBody>
-                  <a:tcPr marL="215611" marR="215611" marT="66938" marB="66938"/>
+                  <a:tcPr marL="215611" marR="215611" marT="60853" marB="60853"/>
                 </a:tc>
                 <a:tc>
                   <a:txBody>
                     <a:bodyPr/>
                     <a:lstStyle/>
                     <a:p>
-                      <a:endParaRPr lang="en-US" sz="2800" dirty="0"/>
+                      <a:r>
+                        <a:rPr lang="en-US" sz="2500" dirty="0"/>
+                        <a:t>3.44</a:t>
+                      </a:r>
                     </a:p>
                   </a:txBody>
-                  <a:tcPr marL="215611" marR="215611" marT="66938" marB="66938"/>
+                  <a:tcPr marL="215611" marR="215611" marT="60853" marB="60853"/>
                 </a:tc>
                 <a:tc>
                   <a:txBody>
                     <a:bodyPr/>
                     <a:lstStyle/>
                     <a:p>
-                      <a:endParaRPr lang="en-US" sz="2800" dirty="0"/>
+                      <a:r>
+                        <a:rPr lang="en-US" sz="2500" dirty="0"/>
+                        <a:t>3.10</a:t>
+                      </a:r>
                     </a:p>
                   </a:txBody>
-                  <a:tcPr marL="215611" marR="215611" marT="66938" marB="66938"/>
+                  <a:tcPr marL="215611" marR="215611" marT="60853" marB="60853"/>
                 </a:tc>
                 <a:tc>
                   <a:txBody>
                     <a:bodyPr/>
                     <a:lstStyle/>
                     <a:p>
-                      <a:endParaRPr lang="en-US" sz="2800" dirty="0"/>
+                      <a:r>
+                        <a:rPr lang="en-US" sz="2500" dirty="0"/>
+                        <a:t>3.22</a:t>
+                      </a:r>
                     </a:p>
                   </a:txBody>
-                  <a:tcPr marL="215611" marR="215611" marT="66938" marB="66938"/>
+                  <a:tcPr marL="215611" marR="215611" marT="60853" marB="60853"/>
                 </a:tc>
                 <a:extLst>
                   <a:ext uri="{0D108BD9-81ED-4DB2-BD59-A6C34878D82A}">
@@ -3758,7 +8589,7 @@
     </p:spTree>
     <p:extLst>
       <p:ext uri="{BB962C8B-B14F-4D97-AF65-F5344CB8AC3E}">
-        <p14:creationId xmlns:p14="http://schemas.microsoft.com/office/powerpoint/2010/main" val="2799995951"/>
+        <p14:creationId xmlns:p14="http://schemas.microsoft.com/office/powerpoint/2010/main" val="2073880865"/>
       </p:ext>
     </p:extLst>
   </p:cSld>
@@ -3768,7 +8599,7 @@
 </p:sld>
 </file>
 
-<file path=ppt/slides/slide2.xml><?xml version="1.0" encoding="utf-8"?>
+<file path=ppt/slides/slide6.xml><?xml version="1.0" encoding="utf-8"?>
 <p:sld xmlns:a="http://schemas.openxmlformats.org/drawingml/2006/main" xmlns:r="http://schemas.openxmlformats.org/officeDocument/2006/relationships" xmlns:p="http://schemas.openxmlformats.org/presentationml/2006/main">
   <p:cSld>
     <p:spTree>
@@ -3790,7 +8621,7 @@
           <p:cNvPr id="2" name="Title 1">
             <a:extLst>
               <a:ext uri="{FF2B5EF4-FFF2-40B4-BE49-F238E27FC236}">
-                <a16:creationId xmlns:a16="http://schemas.microsoft.com/office/drawing/2014/main" id="{2F980E0B-6745-E934-2823-635E17C093A7}"/>
+                <a16:creationId xmlns:a16="http://schemas.microsoft.com/office/drawing/2014/main" id="{29F9C024-232F-1F60-3B4A-12E3BD0A8AE2}"/>
               </a:ext>
             </a:extLst>
           </p:cNvPr>
@@ -3798,27 +8629,32 @@
             <a:spLocks noGrp="1"/>
           </p:cNvSpPr>
           <p:nvPr>
-            <p:ph type="ctrTitle"/>
-          </p:nvPr>
-        </p:nvSpPr>
-        <p:spPr/>
+            <p:ph type="title"/>
+          </p:nvPr>
+        </p:nvSpPr>
+        <p:spPr>
+          <a:xfrm>
+            <a:off x="1855237" y="607725"/>
+            <a:ext cx="10515600" cy="1325563"/>
+          </a:xfrm>
+        </p:spPr>
         <p:txBody>
           <a:bodyPr/>
           <a:lstStyle/>
           <a:p>
             <a:r>
               <a:rPr lang="en-US" dirty="0"/>
-              <a:t>Sentiment analysis: drug reviews</a:t>
-            </a:r>
-          </a:p>
-        </p:txBody>
-      </p:sp>
-      <p:sp>
-        <p:nvSpPr>
-          <p:cNvPr id="3" name="Subtitle 2">
+              <a:t>Conclusions</a:t>
+            </a:r>
+          </a:p>
+        </p:txBody>
+      </p:sp>
+      <p:sp>
+        <p:nvSpPr>
+          <p:cNvPr id="3" name="Content Placeholder 2">
             <a:extLst>
               <a:ext uri="{FF2B5EF4-FFF2-40B4-BE49-F238E27FC236}">
-                <a16:creationId xmlns:a16="http://schemas.microsoft.com/office/drawing/2014/main" id="{25A173DC-33B4-071E-E3AC-87DF677B0EB6}"/>
+                <a16:creationId xmlns:a16="http://schemas.microsoft.com/office/drawing/2014/main" id="{B7EA9001-AE69-7DB6-06F7-D9E33AAB708C}"/>
               </a:ext>
             </a:extLst>
           </p:cNvPr>
@@ -3826,22 +8662,131 @@
             <a:spLocks noGrp="1"/>
           </p:cNvSpPr>
           <p:nvPr>
-            <p:ph type="subTitle" idx="1"/>
-          </p:nvPr>
-        </p:nvSpPr>
-        <p:spPr/>
+            <p:ph idx="1"/>
+          </p:nvPr>
+        </p:nvSpPr>
+        <p:spPr>
+          <a:xfrm>
+            <a:off x="838200" y="1806963"/>
+            <a:ext cx="10515600" cy="4351338"/>
+          </a:xfrm>
+        </p:spPr>
         <p:txBody>
           <a:bodyPr/>
           <a:lstStyle/>
           <a:p>
-            <a:endParaRPr lang="en-US"/>
+            <a:r>
+              <a:rPr lang="en-US" dirty="0"/>
+              <a:t>Deployment for ‘rating extraction’ from written review.</a:t>
+            </a:r>
+          </a:p>
+          <a:p>
+            <a:endParaRPr lang="en-US" dirty="0"/>
+          </a:p>
+          <a:p>
+            <a:r>
+              <a:rPr lang="en-US"/>
+              <a:t>Gather </a:t>
+            </a:r>
+            <a:r>
+              <a:rPr lang="en-US" dirty="0"/>
+              <a:t>insights on how patients rate drugs</a:t>
+            </a:r>
           </a:p>
         </p:txBody>
       </p:sp>
     </p:spTree>
     <p:extLst>
       <p:ext uri="{BB962C8B-B14F-4D97-AF65-F5344CB8AC3E}">
-        <p14:creationId xmlns:p14="http://schemas.microsoft.com/office/powerpoint/2010/main" val="1455614739"/>
+        <p14:creationId xmlns:p14="http://schemas.microsoft.com/office/powerpoint/2010/main" val="3720266296"/>
+      </p:ext>
+    </p:extLst>
+  </p:cSld>
+  <p:clrMapOvr>
+    <a:masterClrMapping/>
+  </p:clrMapOvr>
+</p:sld>
+</file>
+
+<file path=ppt/slides/slide7.xml><?xml version="1.0" encoding="utf-8"?>
+<p:sld xmlns:a="http://schemas.openxmlformats.org/drawingml/2006/main" xmlns:r="http://schemas.openxmlformats.org/officeDocument/2006/relationships" xmlns:p="http://schemas.openxmlformats.org/presentationml/2006/main">
+  <p:cSld>
+    <p:spTree>
+      <p:nvGrpSpPr>
+        <p:cNvPr id="1" name=""/>
+        <p:cNvGrpSpPr/>
+        <p:nvPr/>
+      </p:nvGrpSpPr>
+      <p:grpSpPr>
+        <a:xfrm>
+          <a:off x="0" y="0"/>
+          <a:ext cx="0" cy="0"/>
+          <a:chOff x="0" y="0"/>
+          <a:chExt cx="0" cy="0"/>
+        </a:xfrm>
+      </p:grpSpPr>
+      <p:sp>
+        <p:nvSpPr>
+          <p:cNvPr id="2" name="Title 1">
+            <a:extLst>
+              <a:ext uri="{FF2B5EF4-FFF2-40B4-BE49-F238E27FC236}">
+                <a16:creationId xmlns:a16="http://schemas.microsoft.com/office/drawing/2014/main" id="{DA5687BE-0EC9-3406-FE3E-F3A786FC44EE}"/>
+              </a:ext>
+            </a:extLst>
+          </p:cNvPr>
+          <p:cNvSpPr>
+            <a:spLocks noGrp="1"/>
+          </p:cNvSpPr>
+          <p:nvPr>
+            <p:ph type="title"/>
+          </p:nvPr>
+        </p:nvSpPr>
+        <p:spPr>
+          <a:xfrm>
+            <a:off x="1817914" y="654372"/>
+            <a:ext cx="10515600" cy="1325563"/>
+          </a:xfrm>
+        </p:spPr>
+        <p:txBody>
+          <a:bodyPr/>
+          <a:lstStyle/>
+          <a:p>
+            <a:r>
+              <a:rPr lang="en-US" dirty="0"/>
+              <a:t>Thank you, questions?</a:t>
+            </a:r>
+          </a:p>
+        </p:txBody>
+      </p:sp>
+      <p:sp>
+        <p:nvSpPr>
+          <p:cNvPr id="3" name="Content Placeholder 2">
+            <a:extLst>
+              <a:ext uri="{FF2B5EF4-FFF2-40B4-BE49-F238E27FC236}">
+                <a16:creationId xmlns:a16="http://schemas.microsoft.com/office/drawing/2014/main" id="{B9BDCCC3-0AFA-7201-B91A-75683D6E4FC3}"/>
+              </a:ext>
+            </a:extLst>
+          </p:cNvPr>
+          <p:cNvSpPr>
+            <a:spLocks noGrp="1"/>
+          </p:cNvSpPr>
+          <p:nvPr>
+            <p:ph idx="1"/>
+          </p:nvPr>
+        </p:nvSpPr>
+        <p:spPr/>
+        <p:txBody>
+          <a:bodyPr/>
+          <a:lstStyle/>
+          <a:p>
+            <a:endParaRPr lang="en-US"/>
+          </a:p>
+        </p:txBody>
+      </p:sp>
+    </p:spTree>
+    <p:extLst>
+      <p:ext uri="{BB962C8B-B14F-4D97-AF65-F5344CB8AC3E}">
+        <p14:creationId xmlns:p14="http://schemas.microsoft.com/office/powerpoint/2010/main" val="3301045739"/>
       </p:ext>
     </p:extLst>
   </p:cSld>
@@ -3852,9 +8797,9 @@
 </file>
 
 <file path=ppt/theme/theme1.xml><?xml version="1.0" encoding="utf-8"?>
-<a:theme xmlns:a="http://schemas.openxmlformats.org/drawingml/2006/main" name="Office Theme">
+<a:theme xmlns:a="http://schemas.openxmlformats.org/drawingml/2006/main" name="Wisp">
   <a:themeElements>
-    <a:clrScheme name="Office">
+    <a:clrScheme name="Wisp">
       <a:dk1>
         <a:sysClr val="windowText" lastClr="000000"/>
       </a:dk1>
@@ -3862,100 +8807,48 @@
         <a:sysClr val="window" lastClr="FFFFFF"/>
       </a:lt1>
       <a:dk2>
-        <a:srgbClr val="44546A"/>
+        <a:srgbClr val="766F54"/>
       </a:dk2>
       <a:lt2>
-        <a:srgbClr val="E7E6E6"/>
+        <a:srgbClr val="E3EACF"/>
       </a:lt2>
       <a:accent1>
-        <a:srgbClr val="4472C4"/>
+        <a:srgbClr val="A53010"/>
       </a:accent1>
       <a:accent2>
-        <a:srgbClr val="ED7D31"/>
+        <a:srgbClr val="DE7E18"/>
       </a:accent2>
       <a:accent3>
-        <a:srgbClr val="A5A5A5"/>
+        <a:srgbClr val="9F8351"/>
       </a:accent3>
       <a:accent4>
-        <a:srgbClr val="FFC000"/>
+        <a:srgbClr val="728653"/>
       </a:accent4>
       <a:accent5>
-        <a:srgbClr val="5B9BD5"/>
+        <a:srgbClr val="92AA4C"/>
       </a:accent5>
       <a:accent6>
-        <a:srgbClr val="70AD47"/>
+        <a:srgbClr val="6AAC91"/>
       </a:accent6>
       <a:hlink>
-        <a:srgbClr val="0563C1"/>
+        <a:srgbClr val="FB4A18"/>
       </a:hlink>
       <a:folHlink>
-        <a:srgbClr val="954F72"/>
+        <a:srgbClr val="FB9318"/>
       </a:folHlink>
     </a:clrScheme>
-    <a:fontScheme name="Office">
+    <a:fontScheme name="Wisp">
       <a:majorFont>
-        <a:latin typeface="Calibri Light" panose="020F0302020204030204"/>
+        <a:latin typeface="Century Gothic" panose="020B0502020202020204"/>
         <a:ea typeface=""/>
         <a:cs typeface=""/>
-        <a:font script="Jpan" typeface="游ゴシック Light"/>
-        <a:font script="Hang" typeface="맑은 고딕"/>
-        <a:font script="Hans" typeface="等线 Light"/>
-        <a:font script="Hant" typeface="新細明體"/>
-        <a:font script="Arab" typeface="Times New Roman"/>
-        <a:font script="Hebr" typeface="Times New Roman"/>
-        <a:font script="Thai" typeface="Angsana New"/>
-        <a:font script="Ethi" typeface="Nyala"/>
-        <a:font script="Beng" typeface="Vrinda"/>
-        <a:font script="Gujr" typeface="Shruti"/>
-        <a:font script="Khmr" typeface="MoolBoran"/>
-        <a:font script="Knda" typeface="Tunga"/>
-        <a:font script="Guru" typeface="Raavi"/>
-        <a:font script="Cans" typeface="Euphemia"/>
-        <a:font script="Cher" typeface="Plantagenet Cherokee"/>
-        <a:font script="Yiii" typeface="Microsoft Yi Baiti"/>
-        <a:font script="Tibt" typeface="Microsoft Himalaya"/>
-        <a:font script="Thaa" typeface="MV Boli"/>
-        <a:font script="Deva" typeface="Mangal"/>
-        <a:font script="Telu" typeface="Gautami"/>
-        <a:font script="Taml" typeface="Latha"/>
-        <a:font script="Syrc" typeface="Estrangelo Edessa"/>
-        <a:font script="Orya" typeface="Kalinga"/>
-        <a:font script="Mlym" typeface="Kartika"/>
-        <a:font script="Laoo" typeface="DokChampa"/>
-        <a:font script="Sinh" typeface="Iskoola Pota"/>
-        <a:font script="Mong" typeface="Mongolian Baiti"/>
-        <a:font script="Viet" typeface="Times New Roman"/>
-        <a:font script="Uigh" typeface="Microsoft Uighur"/>
-        <a:font script="Geor" typeface="Sylfaen"/>
-        <a:font script="Armn" typeface="Arial"/>
-        <a:font script="Bugi" typeface="Leelawadee UI"/>
-        <a:font script="Bopo" typeface="Microsoft JhengHei"/>
-        <a:font script="Java" typeface="Javanese Text"/>
-        <a:font script="Lisu" typeface="Segoe UI"/>
-        <a:font script="Mymr" typeface="Myanmar Text"/>
-        <a:font script="Nkoo" typeface="Ebrima"/>
-        <a:font script="Olck" typeface="Nirmala UI"/>
-        <a:font script="Osma" typeface="Ebrima"/>
-        <a:font script="Phag" typeface="Phagspa"/>
-        <a:font script="Syrn" typeface="Estrangelo Edessa"/>
-        <a:font script="Syrj" typeface="Estrangelo Edessa"/>
-        <a:font script="Syre" typeface="Estrangelo Edessa"/>
-        <a:font script="Sora" typeface="Nirmala UI"/>
-        <a:font script="Tale" typeface="Microsoft Tai Le"/>
-        <a:font script="Talu" typeface="Microsoft New Tai Lue"/>
-        <a:font script="Tfng" typeface="Ebrima"/>
-      </a:majorFont>
-      <a:minorFont>
-        <a:latin typeface="Calibri" panose="020F0502020204030204"/>
-        <a:ea typeface=""/>
-        <a:cs typeface=""/>
-        <a:font script="Jpan" typeface="游ゴシック"/>
-        <a:font script="Hang" typeface="맑은 고딕"/>
-        <a:font script="Hans" typeface="等线"/>
-        <a:font script="Hant" typeface="新細明體"/>
-        <a:font script="Arab" typeface="Arial"/>
-        <a:font script="Hebr" typeface="Arial"/>
-        <a:font script="Thai" typeface="Cordia New"/>
+        <a:font script="Jpan" typeface="メイリオ"/>
+        <a:font script="Hang" typeface="HY중고딕"/>
+        <a:font script="Hans" typeface="幼圆"/>
+        <a:font script="Hant" typeface="微軟正黑體"/>
+        <a:font script="Arab" typeface="Tahoma"/>
+        <a:font script="Hebr" typeface="Gisha"/>
+        <a:font script="Thai" typeface="DilleniaUPC"/>
         <a:font script="Ethi" typeface="Nyala"/>
         <a:font script="Beng" typeface="Vrinda"/>
         <a:font script="Gujr" typeface="Shruti"/>
@@ -3976,30 +8869,121 @@
         <a:font script="Laoo" typeface="DokChampa"/>
         <a:font script="Sinh" typeface="Iskoola Pota"/>
         <a:font script="Mong" typeface="Mongolian Baiti"/>
-        <a:font script="Viet" typeface="Arial"/>
+        <a:font script="Viet" typeface="Tahoma"/>
         <a:font script="Uigh" typeface="Microsoft Uighur"/>
         <a:font script="Geor" typeface="Sylfaen"/>
-        <a:font script="Armn" typeface="Arial"/>
-        <a:font script="Bugi" typeface="Leelawadee UI"/>
-        <a:font script="Bopo" typeface="Microsoft JhengHei"/>
-        <a:font script="Java" typeface="Javanese Text"/>
-        <a:font script="Lisu" typeface="Segoe UI"/>
-        <a:font script="Mymr" typeface="Myanmar Text"/>
-        <a:font script="Nkoo" typeface="Ebrima"/>
-        <a:font script="Olck" typeface="Nirmala UI"/>
-        <a:font script="Osma" typeface="Ebrima"/>
-        <a:font script="Phag" typeface="Phagspa"/>
-        <a:font script="Syrn" typeface="Estrangelo Edessa"/>
-        <a:font script="Syrj" typeface="Estrangelo Edessa"/>
-        <a:font script="Syre" typeface="Estrangelo Edessa"/>
-        <a:font script="Sora" typeface="Nirmala UI"/>
-        <a:font script="Tale" typeface="Microsoft Tai Le"/>
-        <a:font script="Talu" typeface="Microsoft New Tai Lue"/>
-        <a:font script="Tfng" typeface="Ebrima"/>
+      </a:majorFont>
+      <a:minorFont>
+        <a:latin typeface="Century Gothic" panose="020B0502020202020204"/>
+        <a:ea typeface=""/>
+        <a:cs typeface=""/>
+        <a:font script="Jpan" typeface="メイリオ"/>
+        <a:font script="Hang" typeface="HY중고딕"/>
+        <a:font script="Hans" typeface="幼圆"/>
+        <a:font script="Hant" typeface="微軟正黑體"/>
+        <a:font script="Arab" typeface="Tahoma"/>
+        <a:font script="Hebr" typeface="Gisha"/>
+        <a:font script="Thai" typeface="DilleniaUPC"/>
+        <a:font script="Ethi" typeface="Nyala"/>
+        <a:font script="Beng" typeface="Vrinda"/>
+        <a:font script="Gujr" typeface="Shruti"/>
+        <a:font script="Khmr" typeface="DaunPenh"/>
+        <a:font script="Knda" typeface="Tunga"/>
+        <a:font script="Guru" typeface="Raavi"/>
+        <a:font script="Cans" typeface="Euphemia"/>
+        <a:font script="Cher" typeface="Plantagenet Cherokee"/>
+        <a:font script="Yiii" typeface="Microsoft Yi Baiti"/>
+        <a:font script="Tibt" typeface="Microsoft Himalaya"/>
+        <a:font script="Thaa" typeface="MV Boli"/>
+        <a:font script="Deva" typeface="Mangal"/>
+        <a:font script="Telu" typeface="Gautami"/>
+        <a:font script="Taml" typeface="Latha"/>
+        <a:font script="Syrc" typeface="Estrangelo Edessa"/>
+        <a:font script="Orya" typeface="Kalinga"/>
+        <a:font script="Mlym" typeface="Kartika"/>
+        <a:font script="Laoo" typeface="DokChampa"/>
+        <a:font script="Sinh" typeface="Iskoola Pota"/>
+        <a:font script="Mong" typeface="Mongolian Baiti"/>
+        <a:font script="Viet" typeface="Tahoma"/>
+        <a:font script="Uigh" typeface="Microsoft Uighur"/>
+        <a:font script="Geor" typeface="Sylfaen"/>
       </a:minorFont>
     </a:fontScheme>
-    <a:fmtScheme name="Office">
+    <a:fmtScheme name="Wisp">
       <a:fillStyleLst>
+        <a:solidFill>
+          <a:schemeClr val="phClr"/>
+        </a:solidFill>
+        <a:solidFill>
+          <a:schemeClr val="phClr">
+            <a:tint val="70000"/>
+            <a:lumMod val="104000"/>
+          </a:schemeClr>
+        </a:solidFill>
+        <a:gradFill rotWithShape="1">
+          <a:gsLst>
+            <a:gs pos="0">
+              <a:schemeClr val="phClr">
+                <a:tint val="96000"/>
+                <a:lumMod val="104000"/>
+              </a:schemeClr>
+            </a:gs>
+            <a:gs pos="100000">
+              <a:schemeClr val="phClr">
+                <a:shade val="98000"/>
+                <a:lumMod val="94000"/>
+              </a:schemeClr>
+            </a:gs>
+          </a:gsLst>
+          <a:lin ang="5400000" scaled="0"/>
+        </a:gradFill>
+      </a:fillStyleLst>
+      <a:lnStyleLst>
+        <a:ln w="9525" cap="rnd" cmpd="sng" algn="ctr">
+          <a:solidFill>
+            <a:schemeClr val="phClr">
+              <a:shade val="90000"/>
+            </a:schemeClr>
+          </a:solidFill>
+          <a:prstDash val="solid"/>
+        </a:ln>
+        <a:ln w="15875" cap="rnd" cmpd="sng" algn="ctr">
+          <a:solidFill>
+            <a:schemeClr val="phClr"/>
+          </a:solidFill>
+          <a:prstDash val="solid"/>
+        </a:ln>
+        <a:ln w="22225" cap="rnd" cmpd="sng" algn="ctr">
+          <a:solidFill>
+            <a:schemeClr val="phClr"/>
+          </a:solidFill>
+          <a:prstDash val="solid"/>
+        </a:ln>
+      </a:lnStyleLst>
+      <a:effectStyleLst>
+        <a:effectStyle>
+          <a:effectLst/>
+        </a:effectStyle>
+        <a:effectStyle>
+          <a:effectLst>
+            <a:outerShdw blurRad="38100" dist="25400" dir="5400000" rotWithShape="0">
+              <a:srgbClr val="000000">
+                <a:alpha val="25000"/>
+              </a:srgbClr>
+            </a:outerShdw>
+          </a:effectLst>
+        </a:effectStyle>
+        <a:effectStyle>
+          <a:effectLst>
+            <a:outerShdw blurRad="50800" dist="38100" dir="5400000" rotWithShape="0">
+              <a:srgbClr val="000000">
+                <a:alpha val="60000"/>
+              </a:srgbClr>
+            </a:outerShdw>
+          </a:effectLst>
+        </a:effectStyle>
+      </a:effectStyleLst>
+      <a:bgFillStyleLst>
         <a:solidFill>
           <a:schemeClr val="phClr"/>
         </a:solidFill>
@@ -4007,23 +8991,15 @@
           <a:gsLst>
             <a:gs pos="0">
               <a:schemeClr val="phClr">
-                <a:lumMod val="110000"/>
-                <a:satMod val="105000"/>
-                <a:tint val="67000"/>
-              </a:schemeClr>
-            </a:gs>
-            <a:gs pos="50000">
-              <a:schemeClr val="phClr">
-                <a:lumMod val="105000"/>
-                <a:satMod val="103000"/>
-                <a:tint val="73000"/>
+                <a:tint val="90000"/>
+                <a:lumMod val="120000"/>
               </a:schemeClr>
             </a:gs>
             <a:gs pos="100000">
               <a:schemeClr val="phClr">
-                <a:lumMod val="105000"/>
-                <a:satMod val="109000"/>
-                <a:tint val="81000"/>
+                <a:shade val="98000"/>
+                <a:satMod val="120000"/>
+                <a:lumMod val="98000"/>
               </a:schemeClr>
             </a:gs>
           </a:gsLst>
@@ -4033,105 +9009,22 @@
           <a:gsLst>
             <a:gs pos="0">
               <a:schemeClr val="phClr">
-                <a:satMod val="103000"/>
-                <a:lumMod val="102000"/>
-                <a:tint val="94000"/>
-              </a:schemeClr>
-            </a:gs>
-            <a:gs pos="50000">
-              <a:schemeClr val="phClr">
-                <a:satMod val="110000"/>
-                <a:lumMod val="100000"/>
-                <a:shade val="100000"/>
+                <a:tint val="90000"/>
+                <a:satMod val="92000"/>
+                <a:lumMod val="120000"/>
               </a:schemeClr>
             </a:gs>
             <a:gs pos="100000">
               <a:schemeClr val="phClr">
-                <a:lumMod val="99000"/>
+                <a:shade val="98000"/>
                 <a:satMod val="120000"/>
-                <a:shade val="78000"/>
+                <a:lumMod val="98000"/>
               </a:schemeClr>
             </a:gs>
           </a:gsLst>
-          <a:lin ang="5400000" scaled="0"/>
-        </a:gradFill>
-      </a:fillStyleLst>
-      <a:lnStyleLst>
-        <a:ln w="6350" cap="flat" cmpd="sng" algn="ctr">
-          <a:solidFill>
-            <a:schemeClr val="phClr"/>
-          </a:solidFill>
-          <a:prstDash val="solid"/>
-          <a:miter lim="800000"/>
-        </a:ln>
-        <a:ln w="12700" cap="flat" cmpd="sng" algn="ctr">
-          <a:solidFill>
-            <a:schemeClr val="phClr"/>
-          </a:solidFill>
-          <a:prstDash val="solid"/>
-          <a:miter lim="800000"/>
-        </a:ln>
-        <a:ln w="19050" cap="flat" cmpd="sng" algn="ctr">
-          <a:solidFill>
-            <a:schemeClr val="phClr"/>
-          </a:solidFill>
-          <a:prstDash val="solid"/>
-          <a:miter lim="800000"/>
-        </a:ln>
-      </a:lnStyleLst>
-      <a:effectStyleLst>
-        <a:effectStyle>
-          <a:effectLst/>
-        </a:effectStyle>
-        <a:effectStyle>
-          <a:effectLst/>
-        </a:effectStyle>
-        <a:effectStyle>
-          <a:effectLst>
-            <a:outerShdw blurRad="57150" dist="19050" dir="5400000" algn="ctr" rotWithShape="0">
-              <a:srgbClr val="000000">
-                <a:alpha val="63000"/>
-              </a:srgbClr>
-            </a:outerShdw>
-          </a:effectLst>
-        </a:effectStyle>
-      </a:effectStyleLst>
-      <a:bgFillStyleLst>
-        <a:solidFill>
-          <a:schemeClr val="phClr"/>
-        </a:solidFill>
-        <a:solidFill>
-          <a:schemeClr val="phClr">
-            <a:tint val="95000"/>
-            <a:satMod val="170000"/>
-          </a:schemeClr>
-        </a:solidFill>
-        <a:gradFill rotWithShape="1">
-          <a:gsLst>
-            <a:gs pos="0">
-              <a:schemeClr val="phClr">
-                <a:tint val="93000"/>
-                <a:satMod val="150000"/>
-                <a:shade val="98000"/>
-                <a:lumMod val="102000"/>
-              </a:schemeClr>
-            </a:gs>
-            <a:gs pos="50000">
-              <a:schemeClr val="phClr">
-                <a:tint val="98000"/>
-                <a:satMod val="130000"/>
-                <a:shade val="90000"/>
-                <a:lumMod val="103000"/>
-              </a:schemeClr>
-            </a:gs>
-            <a:gs pos="100000">
-              <a:schemeClr val="phClr">
-                <a:shade val="63000"/>
-                <a:satMod val="120000"/>
-              </a:schemeClr>
-            </a:gs>
-          </a:gsLst>
-          <a:lin ang="5400000" scaled="0"/>
+          <a:path path="circle">
+            <a:fillToRect l="50000" t="50000" r="100000" b="100000"/>
+          </a:path>
         </a:gradFill>
       </a:bgFillStyleLst>
     </a:fmtScheme>
@@ -4140,7 +9033,7 @@
   <a:extraClrSchemeLst/>
   <a:extLst>
     <a:ext uri="{05A4C25C-085E-4340-85A3-A5531E510DB2}">
-      <thm15:themeFamily xmlns:thm15="http://schemas.microsoft.com/office/thememl/2012/main" name="Office Theme" id="{62F939B6-93AF-4DB8-9C6B-D6C7DFDC589F}" vid="{4A3C46E8-61CC-4603-A589-7422A47A8E4A}"/>
+      <thm15:themeFamily xmlns:thm15="http://schemas.microsoft.com/office/thememl/2012/main" name="Wisp" id="{7CB32D59-10C0-40DD-B7BD-2E94284A981C}" vid="{24B1A44C-C006-48B2-A4D7-E5549B3D8CD4}"/>
     </a:ext>
   </a:extLst>
 </a:theme>

--- a/Presentation1.pptx
+++ b/Presentation1.pptx
@@ -110,6 +110,11 @@
       </a:defRPr>
     </a:lvl9pPr>
   </p:defaultTextStyle>
+  <p:extLst>
+    <p:ext uri="{EFAFB233-063F-42B5-8137-9DF3F51BA10A}">
+      <p15:sldGuideLst xmlns:p15="http://schemas.microsoft.com/office/powerpoint/2012/main"/>
+    </p:ext>
+  </p:extLst>
 </p:presentation>
 </file>
 
@@ -301,7 +306,7 @@
           <a:p>
             <a:fld id="{25EF3B13-7E36-4CB1-A31A-4FE272CD73E2}" type="datetimeFigureOut">
               <a:rPr lang="en-US" smtClean="0"/>
-              <a:t>10/22/2023</a:t>
+              <a:t>10/24/2023</a:t>
             </a:fld>
             <a:endParaRPr lang="en-US"/>
           </a:p>
@@ -639,7 +644,7 @@
           <a:p>
             <a:fld id="{25EF3B13-7E36-4CB1-A31A-4FE272CD73E2}" type="datetimeFigureOut">
               <a:rPr lang="en-US" smtClean="0"/>
-              <a:t>10/22/2023</a:t>
+              <a:t>10/24/2023</a:t>
             </a:fld>
             <a:endParaRPr lang="en-US"/>
           </a:p>
@@ -1040,7 +1045,7 @@
           <a:p>
             <a:fld id="{25EF3B13-7E36-4CB1-A31A-4FE272CD73E2}" type="datetimeFigureOut">
               <a:rPr lang="en-US" smtClean="0"/>
-              <a:t>10/22/2023</a:t>
+              <a:t>10/24/2023</a:t>
             </a:fld>
             <a:endParaRPr lang="en-US"/>
           </a:p>
@@ -1376,7 +1381,7 @@
           <a:p>
             <a:fld id="{25EF3B13-7E36-4CB1-A31A-4FE272CD73E2}" type="datetimeFigureOut">
               <a:rPr lang="en-US" smtClean="0"/>
-              <a:t>10/22/2023</a:t>
+              <a:t>10/24/2023</a:t>
             </a:fld>
             <a:endParaRPr lang="en-US"/>
           </a:p>
@@ -1696,7 +1701,7 @@
           <a:p>
             <a:fld id="{25EF3B13-7E36-4CB1-A31A-4FE272CD73E2}" type="datetimeFigureOut">
               <a:rPr lang="en-US" smtClean="0"/>
-              <a:t>10/22/2023</a:t>
+              <a:t>10/24/2023</a:t>
             </a:fld>
             <a:endParaRPr lang="en-US"/>
           </a:p>
@@ -2092,7 +2097,7 @@
           <a:p>
             <a:fld id="{25EF3B13-7E36-4CB1-A31A-4FE272CD73E2}" type="datetimeFigureOut">
               <a:rPr lang="en-US" smtClean="0"/>
-              <a:t>10/22/2023</a:t>
+              <a:t>10/24/2023</a:t>
             </a:fld>
             <a:endParaRPr lang="en-US"/>
           </a:p>
@@ -2349,7 +2354,7 @@
           <a:p>
             <a:fld id="{25EF3B13-7E36-4CB1-A31A-4FE272CD73E2}" type="datetimeFigureOut">
               <a:rPr lang="en-US" smtClean="0"/>
-              <a:t>10/22/2023</a:t>
+              <a:t>10/24/2023</a:t>
             </a:fld>
             <a:endParaRPr lang="en-US"/>
           </a:p>
@@ -2611,7 +2616,7 @@
           <a:p>
             <a:fld id="{25EF3B13-7E36-4CB1-A31A-4FE272CD73E2}" type="datetimeFigureOut">
               <a:rPr lang="en-US" smtClean="0"/>
-              <a:t>10/22/2023</a:t>
+              <a:t>10/24/2023</a:t>
             </a:fld>
             <a:endParaRPr lang="en-US"/>
           </a:p>
@@ -2873,7 +2878,7 @@
           <a:p>
             <a:fld id="{25EF3B13-7E36-4CB1-A31A-4FE272CD73E2}" type="datetimeFigureOut">
               <a:rPr lang="en-US" smtClean="0"/>
-              <a:t>10/22/2023</a:t>
+              <a:t>10/24/2023</a:t>
             </a:fld>
             <a:endParaRPr lang="en-US"/>
           </a:p>
@@ -3202,7 +3207,7 @@
           <a:p>
             <a:fld id="{25EF3B13-7E36-4CB1-A31A-4FE272CD73E2}" type="datetimeFigureOut">
               <a:rPr lang="en-US" smtClean="0"/>
-              <a:t>10/22/2023</a:t>
+              <a:t>10/24/2023</a:t>
             </a:fld>
             <a:endParaRPr lang="en-US"/>
           </a:p>
@@ -3525,7 +3530,7 @@
           <a:p>
             <a:fld id="{25EF3B13-7E36-4CB1-A31A-4FE272CD73E2}" type="datetimeFigureOut">
               <a:rPr lang="en-US" smtClean="0"/>
-              <a:t>10/22/2023</a:t>
+              <a:t>10/24/2023</a:t>
             </a:fld>
             <a:endParaRPr lang="en-US"/>
           </a:p>
@@ -3982,7 +3987,7 @@
           <a:p>
             <a:fld id="{25EF3B13-7E36-4CB1-A31A-4FE272CD73E2}" type="datetimeFigureOut">
               <a:rPr lang="en-US" smtClean="0"/>
-              <a:t>10/22/2023</a:t>
+              <a:t>10/24/2023</a:t>
             </a:fld>
             <a:endParaRPr lang="en-US"/>
           </a:p>
@@ -4187,7 +4192,7 @@
           <a:p>
             <a:fld id="{25EF3B13-7E36-4CB1-A31A-4FE272CD73E2}" type="datetimeFigureOut">
               <a:rPr lang="en-US" smtClean="0"/>
-              <a:t>10/22/2023</a:t>
+              <a:t>10/24/2023</a:t>
             </a:fld>
             <a:endParaRPr lang="en-US"/>
           </a:p>
@@ -4364,7 +4369,7 @@
           <a:p>
             <a:fld id="{25EF3B13-7E36-4CB1-A31A-4FE272CD73E2}" type="datetimeFigureOut">
               <a:rPr lang="en-US" smtClean="0"/>
-              <a:t>10/22/2023</a:t>
+              <a:t>10/24/2023</a:t>
             </a:fld>
             <a:endParaRPr lang="en-US"/>
           </a:p>
@@ -4697,7 +4702,7 @@
           <a:p>
             <a:fld id="{25EF3B13-7E36-4CB1-A31A-4FE272CD73E2}" type="datetimeFigureOut">
               <a:rPr lang="en-US" smtClean="0"/>
-              <a:t>10/22/2023</a:t>
+              <a:t>10/24/2023</a:t>
             </a:fld>
             <a:endParaRPr lang="en-US"/>
           </a:p>
@@ -5042,7 +5047,7 @@
           <a:p>
             <a:fld id="{25EF3B13-7E36-4CB1-A31A-4FE272CD73E2}" type="datetimeFigureOut">
               <a:rPr lang="en-US" smtClean="0"/>
-              <a:t>10/22/2023</a:t>
+              <a:t>10/24/2023</a:t>
             </a:fld>
             <a:endParaRPr lang="en-US"/>
           </a:p>
@@ -7159,7 +7164,7 @@
           <a:p>
             <a:fld id="{25EF3B13-7E36-4CB1-A31A-4FE272CD73E2}" type="datetimeFigureOut">
               <a:rPr lang="en-US" smtClean="0"/>
-              <a:t>10/22/2023</a:t>
+              <a:t>10/24/2023</a:t>
             </a:fld>
             <a:endParaRPr lang="en-US"/>
           </a:p>
@@ -7824,16 +7829,36 @@
           </a:xfrm>
         </p:spPr>
         <p:txBody>
-          <a:bodyPr/>
+          <a:bodyPr>
+            <a:normAutofit/>
+          </a:bodyPr>
           <a:lstStyle/>
           <a:p>
             <a:r>
-              <a:rPr lang="en-US" dirty="0"/>
-              <a:t>A hospital or insurance provider is interested in efficiently extracting numeric ratings from patients' written review.  To this end we build a model using labelled, numerically, patient reviews. </a:t>
-            </a:r>
-          </a:p>
-          <a:p>
-            <a:endParaRPr lang="en-US" dirty="0"/>
+              <a:rPr lang="en-US" sz="2400" dirty="0"/>
+              <a:t>A hospital or insurance provider</a:t>
+            </a:r>
+          </a:p>
+          <a:p>
+            <a:endParaRPr lang="en-US" sz="2400" dirty="0"/>
+          </a:p>
+          <a:p>
+            <a:r>
+              <a:rPr lang="en-US" sz="2400" dirty="0"/>
+              <a:t>Efficiently extracting numeric ratings from patients' written review.  </a:t>
+            </a:r>
+          </a:p>
+          <a:p>
+            <a:endParaRPr lang="en-US" sz="2400" dirty="0"/>
+          </a:p>
+          <a:p>
+            <a:r>
+              <a:rPr lang="en-US" sz="2400" dirty="0"/>
+              <a:t>To this end we build a model using labelled, numerically, patient reviews. </a:t>
+            </a:r>
+          </a:p>
+          <a:p>
+            <a:endParaRPr lang="en-US" sz="2400" dirty="0"/>
           </a:p>
         </p:txBody>
       </p:sp>
@@ -7918,56 +7943,116 @@
         </p:nvSpPr>
         <p:spPr>
           <a:xfrm>
-            <a:off x="2589212" y="2142931"/>
+            <a:off x="635718" y="1664945"/>
             <a:ext cx="8915400" cy="3777622"/>
           </a:xfrm>
         </p:spPr>
         <p:txBody>
-          <a:bodyPr/>
+          <a:bodyPr>
+            <a:noAutofit/>
+          </a:bodyPr>
           <a:lstStyle/>
           <a:p>
             <a:r>
-              <a:rPr lang="en-US" dirty="0"/>
+              <a:rPr lang="en-US" sz="2400" dirty="0"/>
               <a:t>The data comes from Drugs.com and is accessed through UCI's website.</a:t>
             </a:r>
           </a:p>
           <a:p>
-            <a:endParaRPr lang="en-US" dirty="0"/>
-          </a:p>
-          <a:p>
-            <a:endParaRPr lang="en-US" dirty="0"/>
-          </a:p>
-          <a:p>
-            <a:r>
-              <a:rPr lang="en-US" dirty="0"/>
+            <a:pPr marL="0" indent="0">
+              <a:buNone/>
+            </a:pPr>
+            <a:endParaRPr lang="en-US" sz="2400" dirty="0"/>
+          </a:p>
+          <a:p>
+            <a:r>
+              <a:rPr lang="en-US" sz="2400" dirty="0"/>
               <a:t>160,000 samples</a:t>
             </a:r>
           </a:p>
           <a:p>
-            <a:endParaRPr lang="en-US" dirty="0"/>
-          </a:p>
-          <a:p>
-            <a:r>
-              <a:rPr lang="en-US" dirty="0"/>
-              <a:t>Non-normal distribution</a:t>
-            </a:r>
-          </a:p>
-          <a:p>
-            <a:endParaRPr lang="en-US" dirty="0"/>
-          </a:p>
-          <a:p>
-            <a:r>
-              <a:rPr lang="en-US" dirty="0"/>
+            <a:r>
+              <a:rPr lang="en-US" sz="2400" dirty="0"/>
+              <a:t>Short paragraphs</a:t>
+            </a:r>
+          </a:p>
+          <a:p>
+            <a:pPr lvl="1"/>
+            <a:r>
+              <a:rPr lang="en-US" sz="2200" dirty="0"/>
+              <a:t>800 unique conditions and </a:t>
+            </a:r>
+          </a:p>
+          <a:p>
+            <a:pPr marL="457200" lvl="1" indent="0">
+              <a:buNone/>
+            </a:pPr>
+            <a:r>
+              <a:rPr lang="en-US" sz="2200" dirty="0"/>
+              <a:t>3400 unique drugs</a:t>
+            </a:r>
+          </a:p>
+          <a:p>
+            <a:endParaRPr lang="en-US" sz="2400" dirty="0"/>
+          </a:p>
+          <a:p>
+            <a:r>
+              <a:rPr lang="en-US" sz="2400" dirty="0"/>
+              <a:t>Non-normal distribution of target</a:t>
+            </a:r>
+          </a:p>
+          <a:p>
+            <a:endParaRPr lang="en-US" sz="2400" dirty="0"/>
+          </a:p>
+          <a:p>
+            <a:r>
+              <a:rPr lang="en-US" sz="2400" dirty="0"/>
               <a:t>Text and meta-</a:t>
             </a:r>
             <a:r>
-              <a:rPr lang="en-US" dirty="0" err="1"/>
+              <a:rPr lang="en-US" sz="2400" dirty="0" err="1"/>
               <a:t>deta</a:t>
             </a:r>
-            <a:endParaRPr lang="en-US" dirty="0"/>
-          </a:p>
-        </p:txBody>
-      </p:sp>
+            <a:endParaRPr lang="en-US" sz="2400" dirty="0"/>
+          </a:p>
+        </p:txBody>
+      </p:sp>
+      <p:pic>
+        <p:nvPicPr>
+          <p:cNvPr id="11" name="Picture 10" descr="A graph with blue squares&#10;&#10;Description automatically generated">
+            <a:extLst>
+              <a:ext uri="{FF2B5EF4-FFF2-40B4-BE49-F238E27FC236}">
+                <a16:creationId xmlns:a16="http://schemas.microsoft.com/office/drawing/2014/main" id="{48A82687-3B62-BBA0-8263-6CEE94E5D7B5}"/>
+              </a:ext>
+            </a:extLst>
+          </p:cNvPr>
+          <p:cNvPicPr>
+            <a:picLocks noChangeAspect="1"/>
+          </p:cNvPicPr>
+          <p:nvPr/>
+        </p:nvPicPr>
+        <p:blipFill>
+          <a:blip r:embed="rId2">
+            <a:extLst>
+              <a:ext uri="{28A0092B-C50C-407E-A947-70E740481C1C}">
+                <a14:useLocalDpi xmlns:a14="http://schemas.microsoft.com/office/drawing/2010/main" val="0"/>
+              </a:ext>
+            </a:extLst>
+          </a:blip>
+          <a:stretch>
+            <a:fillRect/>
+          </a:stretch>
+        </p:blipFill>
+        <p:spPr>
+          <a:xfrm>
+            <a:off x="6674144" y="2683761"/>
+            <a:ext cx="5202946" cy="3776479"/>
+          </a:xfrm>
+          <a:prstGeom prst="rect">
+            <a:avLst/>
+          </a:prstGeom>
+        </p:spPr>
+      </p:pic>
     </p:spTree>
     <p:extLst>
       <p:ext uri="{BB962C8B-B14F-4D97-AF65-F5344CB8AC3E}">
@@ -8014,9 +8099,16 @@
             <p:ph type="title"/>
           </p:nvPr>
         </p:nvSpPr>
-        <p:spPr/>
-        <p:txBody>
-          <a:bodyPr/>
+        <p:spPr>
+          <a:xfrm>
+            <a:off x="2592925" y="644892"/>
+            <a:ext cx="8911687" cy="1280890"/>
+          </a:xfrm>
+        </p:spPr>
+        <p:txBody>
+          <a:bodyPr>
+            <a:normAutofit/>
+          </a:bodyPr>
           <a:lstStyle/>
           <a:p>
             <a:r>
@@ -8052,35 +8144,281 @@
         </p:nvSpPr>
         <p:spPr>
           <a:xfrm>
-            <a:off x="2589212" y="2124269"/>
-            <a:ext cx="8915400" cy="3777622"/>
+            <a:off x="2589212" y="2285588"/>
+            <a:ext cx="8915400" cy="3434202"/>
           </a:xfrm>
         </p:spPr>
         <p:txBody>
-          <a:bodyPr/>
+          <a:bodyPr>
+            <a:normAutofit/>
+          </a:bodyPr>
           <a:lstStyle/>
           <a:p>
-            <a:r>
-              <a:rPr lang="en-US" dirty="0"/>
+            <a:endParaRPr lang="en-US" sz="2400" dirty="0"/>
+          </a:p>
+        </p:txBody>
+      </p:sp>
+      <p:sp>
+        <p:nvSpPr>
+          <p:cNvPr id="4" name="TextBox 3">
+            <a:extLst>
+              <a:ext uri="{FF2B5EF4-FFF2-40B4-BE49-F238E27FC236}">
+                <a16:creationId xmlns:a16="http://schemas.microsoft.com/office/drawing/2014/main" id="{B4A403FB-6AB1-A0DA-BEDD-D46198016A5B}"/>
+              </a:ext>
+            </a:extLst>
+          </p:cNvPr>
+          <p:cNvSpPr txBox="1"/>
+          <p:nvPr/>
+        </p:nvSpPr>
+        <p:spPr>
+          <a:xfrm>
+            <a:off x="3335092" y="2090767"/>
+            <a:ext cx="2608891" cy="763083"/>
+          </a:xfrm>
+          <a:prstGeom prst="rect">
+            <a:avLst/>
+          </a:prstGeom>
+          <a:noFill/>
+        </p:spPr>
+        <p:txBody>
+          <a:bodyPr wrap="square" rtlCol="0">
+            <a:spAutoFit/>
+          </a:bodyPr>
+          <a:lstStyle/>
+          <a:p>
+            <a:r>
+              <a:rPr lang="en-US" sz="2400" dirty="0"/>
               <a:t>Tokenizing</a:t>
             </a:r>
           </a:p>
           <a:p>
-            <a:endParaRPr lang="en-US" dirty="0"/>
-          </a:p>
-          <a:p>
-            <a:r>
-              <a:rPr lang="en-US" dirty="0"/>
-              <a:t>TF-IDF			</a:t>
-            </a:r>
-          </a:p>
-          <a:p>
-            <a:endParaRPr lang="en-US" dirty="0"/>
-          </a:p>
-          <a:p>
-            <a:r>
-              <a:rPr lang="en-US" dirty="0"/>
+            <a:endParaRPr lang="en-US" sz="2400" dirty="0"/>
+          </a:p>
+        </p:txBody>
+      </p:sp>
+      <p:sp>
+        <p:nvSpPr>
+          <p:cNvPr id="5" name="TextBox 4">
+            <a:extLst>
+              <a:ext uri="{FF2B5EF4-FFF2-40B4-BE49-F238E27FC236}">
+                <a16:creationId xmlns:a16="http://schemas.microsoft.com/office/drawing/2014/main" id="{9B1067B3-04AE-4CBA-24E2-9079A9DE26FA}"/>
+              </a:ext>
+            </a:extLst>
+          </p:cNvPr>
+          <p:cNvSpPr txBox="1"/>
+          <p:nvPr/>
+        </p:nvSpPr>
+        <p:spPr>
+          <a:xfrm>
+            <a:off x="2935437" y="3849825"/>
+            <a:ext cx="914400" cy="1569660"/>
+          </a:xfrm>
+          <a:prstGeom prst="rect">
+            <a:avLst/>
+          </a:prstGeom>
+          <a:noFill/>
+        </p:spPr>
+        <p:txBody>
+          <a:bodyPr wrap="square" rtlCol="0">
+            <a:spAutoFit/>
+          </a:bodyPr>
+          <a:lstStyle/>
+          <a:p>
+            <a:endParaRPr lang="en-US" sz="2400" dirty="0"/>
+          </a:p>
+          <a:p>
+            <a:r>
+              <a:rPr lang="en-US" sz="2400" dirty="0"/>
+              <a:t>TF-IDF		</a:t>
+            </a:r>
+          </a:p>
+        </p:txBody>
+      </p:sp>
+      <p:sp>
+        <p:nvSpPr>
+          <p:cNvPr id="6" name="TextBox 5">
+            <a:extLst>
+              <a:ext uri="{FF2B5EF4-FFF2-40B4-BE49-F238E27FC236}">
+                <a16:creationId xmlns:a16="http://schemas.microsoft.com/office/drawing/2014/main" id="{89940297-7A5F-CDA5-02BD-69F253338FA9}"/>
+              </a:ext>
+            </a:extLst>
+          </p:cNvPr>
+          <p:cNvSpPr txBox="1"/>
+          <p:nvPr/>
+        </p:nvSpPr>
+        <p:spPr>
+          <a:xfrm>
+            <a:off x="4952614" y="3430730"/>
+            <a:ext cx="2608891" cy="1938992"/>
+          </a:xfrm>
+          <a:prstGeom prst="rect">
+            <a:avLst/>
+          </a:prstGeom>
+          <a:noFill/>
+        </p:spPr>
+        <p:txBody>
+          <a:bodyPr wrap="square" rtlCol="0">
+            <a:spAutoFit/>
+          </a:bodyPr>
+          <a:lstStyle/>
+          <a:p>
+            <a:endParaRPr lang="en-US" sz="2400" dirty="0"/>
+          </a:p>
+          <a:p>
+            <a:endParaRPr lang="en-US" sz="2400" dirty="0"/>
+          </a:p>
+          <a:p>
+            <a:r>
+              <a:rPr lang="en-US" sz="2400" dirty="0"/>
               <a:t>Word embeddings	</a:t>
+            </a:r>
+          </a:p>
+          <a:p>
+            <a:endParaRPr lang="en-US" sz="2400" dirty="0"/>
+          </a:p>
+        </p:txBody>
+      </p:sp>
+      <p:sp>
+        <p:nvSpPr>
+          <p:cNvPr id="7" name="TextBox 6">
+            <a:extLst>
+              <a:ext uri="{FF2B5EF4-FFF2-40B4-BE49-F238E27FC236}">
+                <a16:creationId xmlns:a16="http://schemas.microsoft.com/office/drawing/2014/main" id="{A4F6F5A7-3443-A0A1-4C21-F81C678E56C7}"/>
+              </a:ext>
+            </a:extLst>
+          </p:cNvPr>
+          <p:cNvSpPr txBox="1"/>
+          <p:nvPr/>
+        </p:nvSpPr>
+        <p:spPr>
+          <a:xfrm>
+            <a:off x="5952259" y="3271404"/>
+            <a:ext cx="914400" cy="461665"/>
+          </a:xfrm>
+          <a:prstGeom prst="rect">
+            <a:avLst/>
+          </a:prstGeom>
+          <a:noFill/>
+        </p:spPr>
+        <p:txBody>
+          <a:bodyPr wrap="square" rtlCol="0">
+            <a:spAutoFit/>
+          </a:bodyPr>
+          <a:lstStyle/>
+          <a:p>
+            <a:endParaRPr lang="en-US" sz="2400" dirty="0"/>
+          </a:p>
+        </p:txBody>
+      </p:sp>
+      <p:cxnSp>
+        <p:nvCxnSpPr>
+          <p:cNvPr id="8" name="Straight Arrow Connector 7">
+            <a:extLst>
+              <a:ext uri="{FF2B5EF4-FFF2-40B4-BE49-F238E27FC236}">
+                <a16:creationId xmlns:a16="http://schemas.microsoft.com/office/drawing/2014/main" id="{DF286A74-3700-B74A-FE66-C38E77A7BB0A}"/>
+              </a:ext>
+            </a:extLst>
+          </p:cNvPr>
+          <p:cNvCxnSpPr/>
+          <p:nvPr/>
+        </p:nvCxnSpPr>
+        <p:spPr>
+          <a:xfrm>
+            <a:off x="4753839" y="3143250"/>
+            <a:ext cx="914400" cy="914400"/>
+          </a:xfrm>
+          <a:prstGeom prst="straightConnector1">
+            <a:avLst/>
+          </a:prstGeom>
+          <a:ln>
+            <a:tailEnd type="triangle"/>
+          </a:ln>
+        </p:spPr>
+        <p:style>
+          <a:lnRef idx="1">
+            <a:schemeClr val="accent1"/>
+          </a:lnRef>
+          <a:fillRef idx="0">
+            <a:schemeClr val="accent1"/>
+          </a:fillRef>
+          <a:effectRef idx="0">
+            <a:schemeClr val="accent1"/>
+          </a:effectRef>
+          <a:fontRef idx="minor">
+            <a:schemeClr val="tx1"/>
+          </a:fontRef>
+        </p:style>
+      </p:cxnSp>
+      <p:cxnSp>
+        <p:nvCxnSpPr>
+          <p:cNvPr id="9" name="Straight Arrow Connector 8">
+            <a:extLst>
+              <a:ext uri="{FF2B5EF4-FFF2-40B4-BE49-F238E27FC236}">
+                <a16:creationId xmlns:a16="http://schemas.microsoft.com/office/drawing/2014/main" id="{1CBEC881-78B4-BE92-1848-0B5B2492FCE6}"/>
+              </a:ext>
+            </a:extLst>
+          </p:cNvPr>
+          <p:cNvCxnSpPr/>
+          <p:nvPr/>
+        </p:nvCxnSpPr>
+        <p:spPr>
+          <a:xfrm>
+            <a:off x="3264400" y="3233304"/>
+            <a:ext cx="144" cy="914400"/>
+          </a:xfrm>
+          <a:prstGeom prst="straightConnector1">
+            <a:avLst/>
+          </a:prstGeom>
+          <a:ln>
+            <a:tailEnd type="triangle"/>
+          </a:ln>
+        </p:spPr>
+        <p:style>
+          <a:lnRef idx="1">
+            <a:schemeClr val="accent1"/>
+          </a:lnRef>
+          <a:fillRef idx="0">
+            <a:schemeClr val="accent1"/>
+          </a:fillRef>
+          <a:effectRef idx="0">
+            <a:schemeClr val="accent1"/>
+          </a:effectRef>
+          <a:fontRef idx="minor">
+            <a:schemeClr val="tx1"/>
+          </a:fontRef>
+        </p:style>
+      </p:cxnSp>
+      <p:sp>
+        <p:nvSpPr>
+          <p:cNvPr id="10" name="TextBox 9">
+            <a:extLst>
+              <a:ext uri="{FF2B5EF4-FFF2-40B4-BE49-F238E27FC236}">
+                <a16:creationId xmlns:a16="http://schemas.microsoft.com/office/drawing/2014/main" id="{6B3FA60F-F0D7-B346-1386-207C5A7A8669}"/>
+              </a:ext>
+            </a:extLst>
+          </p:cNvPr>
+          <p:cNvSpPr txBox="1"/>
+          <p:nvPr/>
+        </p:nvSpPr>
+        <p:spPr>
+          <a:xfrm>
+            <a:off x="5612163" y="5112050"/>
+            <a:ext cx="4621810" cy="830997"/>
+          </a:xfrm>
+          <a:prstGeom prst="rect">
+            <a:avLst/>
+          </a:prstGeom>
+          <a:noFill/>
+        </p:spPr>
+        <p:txBody>
+          <a:bodyPr wrap="square" rtlCol="0">
+            <a:spAutoFit/>
+          </a:bodyPr>
+          <a:lstStyle/>
+          <a:p>
+            <a:r>
+              <a:rPr lang="en-US" sz="2400" dirty="0"/>
+              <a:t>Queen is to king as women is to man.</a:t>
             </a:r>
           </a:p>
         </p:txBody>
@@ -8166,10 +8504,15 @@
         </p:nvSpPr>
         <p:spPr/>
         <p:txBody>
-          <a:bodyPr/>
+          <a:bodyPr>
+            <a:normAutofit/>
+          </a:bodyPr>
           <a:lstStyle/>
           <a:p>
-            <a:endParaRPr lang="en-US"/>
+            <a:r>
+              <a:rPr lang="en-US" sz="2400" dirty="0"/>
+              <a:t>Baseline model performs best.</a:t>
+            </a:r>
           </a:p>
         </p:txBody>
       </p:sp>
@@ -8188,14 +8531,14 @@
           <p:nvPr>
             <p:extLst>
               <p:ext uri="{D42A27DB-BD31-4B8C-83A1-F6EECF244321}">
-                <p14:modId xmlns:p14="http://schemas.microsoft.com/office/powerpoint/2010/main" val="1236241385"/>
+                <p14:modId xmlns:p14="http://schemas.microsoft.com/office/powerpoint/2010/main" val="2778644760"/>
               </p:ext>
             </p:extLst>
           </p:nvPr>
         </p:nvGraphicFramePr>
         <p:xfrm>
-          <a:off x="409623" y="1903512"/>
-          <a:ext cx="11499246" cy="4824310"/>
+          <a:off x="513533" y="2887625"/>
+          <a:ext cx="11499246" cy="3843913"/>
         </p:xfrm>
         <a:graphic>
           <a:graphicData uri="http://schemas.openxmlformats.org/drawingml/2006/table">
@@ -8247,16 +8590,16 @@
                   </a:extLst>
                 </a:gridCol>
               </a:tblGrid>
-              <a:tr h="607629">
+              <a:tr h="415019">
                 <a:tc>
                   <a:txBody>
                     <a:bodyPr/>
                     <a:lstStyle/>
                     <a:p>
-                      <a:endParaRPr lang="en-US" sz="2500" dirty="0"/>
+                      <a:endParaRPr lang="en-US" sz="1700" dirty="0"/>
                     </a:p>
                   </a:txBody>
-                  <a:tcPr marL="215611" marR="215611" marT="60853" marB="60853"/>
+                  <a:tcPr marL="215611" marR="215611" marT="41564" marB="41564"/>
                 </a:tc>
                 <a:tc gridSpan="3">
                   <a:txBody>
@@ -8264,12 +8607,12 @@
                     <a:lstStyle/>
                     <a:p>
                       <a:r>
-                        <a:rPr lang="en-US" sz="2500" dirty="0"/>
+                        <a:rPr lang="en-US" sz="1700" dirty="0"/>
                         <a:t>No word embeddings (TF-IDF)</a:t>
                       </a:r>
                     </a:p>
                   </a:txBody>
-                  <a:tcPr marL="100584" marR="100584" marT="41564" marB="41564"/>
+                  <a:tcPr marL="100584" marR="100584" marT="50292" marB="50292"/>
                 </a:tc>
                 <a:tc hMerge="1">
                   <a:txBody>
@@ -8297,12 +8640,12 @@
                     <a:lstStyle/>
                     <a:p>
                       <a:r>
-                        <a:rPr lang="en-US" sz="2500" dirty="0"/>
+                        <a:rPr lang="en-US" sz="1700" dirty="0"/>
                         <a:t>Word embeddings</a:t>
                       </a:r>
                     </a:p>
                   </a:txBody>
-                  <a:tcPr marL="100584" marR="100584" marT="41564" marB="41564"/>
+                  <a:tcPr marL="100584" marR="100584" marT="50292" marB="50292"/>
                 </a:tc>
                 <a:tc hMerge="1">
                   <a:txBody>
@@ -8320,16 +8663,16 @@
                   </a:ext>
                 </a:extLst>
               </a:tr>
-              <a:tr h="1673415">
+              <a:tr h="1142965">
                 <a:tc>
                   <a:txBody>
                     <a:bodyPr/>
                     <a:lstStyle/>
                     <a:p>
-                      <a:endParaRPr lang="en-US" sz="2500" dirty="0"/>
+                      <a:endParaRPr lang="en-US" sz="1700" dirty="0"/>
                     </a:p>
                   </a:txBody>
-                  <a:tcPr marL="215611" marR="215611" marT="60853" marB="60853"/>
+                  <a:tcPr marL="215611" marR="215611" marT="41564" marB="41564"/>
                 </a:tc>
                 <a:tc>
                   <a:txBody>
@@ -8337,12 +8680,12 @@
                     <a:lstStyle/>
                     <a:p>
                       <a:r>
-                        <a:rPr lang="en-US" sz="2500" b="1" dirty="0"/>
+                        <a:rPr lang="en-US" sz="1700" b="1" dirty="0"/>
                         <a:t>Baseline linear regression</a:t>
                       </a:r>
                     </a:p>
                   </a:txBody>
-                  <a:tcPr marL="215611" marR="215611" marT="60853" marB="60853"/>
+                  <a:tcPr marL="215611" marR="215611" marT="41564" marB="41564"/>
                 </a:tc>
                 <a:tc>
                   <a:txBody>
@@ -8350,12 +8693,12 @@
                     <a:lstStyle/>
                     <a:p>
                       <a:r>
-                        <a:rPr lang="en-US" sz="2500" dirty="0"/>
+                        <a:rPr lang="en-US" sz="1700" dirty="0"/>
                         <a:t>Decision Tree Regressor</a:t>
                       </a:r>
                     </a:p>
                   </a:txBody>
-                  <a:tcPr marL="215611" marR="215611" marT="60853" marB="60853"/>
+                  <a:tcPr marL="215611" marR="215611" marT="41564" marB="41564"/>
                 </a:tc>
                 <a:tc>
                   <a:txBody>
@@ -8363,12 +8706,12 @@
                     <a:lstStyle/>
                     <a:p>
                       <a:r>
-                        <a:rPr lang="en-US" sz="2500" dirty="0"/>
+                        <a:rPr lang="en-US" sz="1700" dirty="0"/>
                         <a:t>Random Forest Regressor</a:t>
                       </a:r>
                     </a:p>
                   </a:txBody>
-                  <a:tcPr marL="215611" marR="215611" marT="60853" marB="60853"/>
+                  <a:tcPr marL="215611" marR="215611" marT="41564" marB="41564"/>
                 </a:tc>
                 <a:tc>
                   <a:txBody>
@@ -8376,12 +8719,12 @@
                     <a:lstStyle/>
                     <a:p>
                       <a:r>
-                        <a:rPr lang="en-US" sz="2500" dirty="0"/>
+                        <a:rPr lang="en-US" sz="1700" dirty="0"/>
                         <a:t>linear regression</a:t>
                       </a:r>
                     </a:p>
                   </a:txBody>
-                  <a:tcPr marL="215611" marR="215611" marT="60853" marB="60853"/>
+                  <a:tcPr marL="215611" marR="215611" marT="41564" marB="41564"/>
                 </a:tc>
                 <a:tc>
                   <a:txBody>
@@ -8389,12 +8732,12 @@
                     <a:lstStyle/>
                     <a:p>
                       <a:r>
-                        <a:rPr lang="en-US" sz="2500" dirty="0"/>
+                        <a:rPr lang="en-US" sz="1700" dirty="0"/>
                         <a:t>Decision Tree Regressor </a:t>
                       </a:r>
                     </a:p>
                   </a:txBody>
-                  <a:tcPr marL="215611" marR="215611" marT="60853" marB="60853"/>
+                  <a:tcPr marL="215611" marR="215611" marT="41564" marB="41564"/>
                 </a:tc>
                 <a:extLst>
                   <a:ext uri="{0D108BD9-81ED-4DB2-BD59-A6C34878D82A}">
@@ -8402,24 +8745,24 @@
                   </a:ext>
                 </a:extLst>
               </a:tr>
-              <a:tr h="897560">
+              <a:tr h="613045">
                 <a:tc>
                   <a:txBody>
                     <a:bodyPr/>
                     <a:lstStyle/>
                     <a:p>
                       <a:r>
-                        <a:rPr lang="en-US" sz="2500" dirty="0"/>
+                        <a:rPr lang="en-US" sz="1700" dirty="0"/>
                         <a:t>Train </a:t>
                       </a:r>
                       <a:r>
-                        <a:rPr lang="en-US" sz="2500" dirty="0" err="1"/>
+                        <a:rPr lang="en-US" sz="1700" dirty="0" err="1"/>
                         <a:t>rmse</a:t>
                       </a:r>
-                      <a:endParaRPr lang="en-US" sz="2500" dirty="0"/>
+                      <a:endParaRPr lang="en-US" sz="1700" dirty="0"/>
                     </a:p>
                   </a:txBody>
-                  <a:tcPr marL="215611" marR="215611" marT="60853" marB="60853"/>
+                  <a:tcPr marL="215611" marR="215611" marT="41564" marB="41564"/>
                 </a:tc>
                 <a:tc>
                   <a:txBody>
@@ -8427,12 +8770,12 @@
                     <a:lstStyle/>
                     <a:p>
                       <a:r>
-                        <a:rPr lang="en-US" sz="2500" b="1" dirty="0"/>
+                        <a:rPr lang="en-US" sz="1700" b="1" dirty="0"/>
                         <a:t>2.84</a:t>
                       </a:r>
                     </a:p>
                   </a:txBody>
-                  <a:tcPr marL="215611" marR="215611" marT="60853" marB="60853"/>
+                  <a:tcPr marL="215611" marR="215611" marT="41564" marB="41564"/>
                 </a:tc>
                 <a:tc>
                   <a:txBody>
@@ -8440,12 +8783,12 @@
                     <a:lstStyle/>
                     <a:p>
                       <a:r>
-                        <a:rPr lang="en-US" sz="2500" dirty="0"/>
+                        <a:rPr lang="en-US" sz="1700" dirty="0"/>
                         <a:t>3.38</a:t>
                       </a:r>
                     </a:p>
                   </a:txBody>
-                  <a:tcPr marL="215611" marR="215611" marT="60853" marB="60853"/>
+                  <a:tcPr marL="215611" marR="215611" marT="41564" marB="41564"/>
                 </a:tc>
                 <a:tc>
                   <a:txBody>
@@ -8453,12 +8796,12 @@
                     <a:lstStyle/>
                     <a:p>
                       <a:r>
-                        <a:rPr lang="en-US" sz="2500" dirty="0"/>
+                        <a:rPr lang="en-US" sz="1700" dirty="0"/>
                         <a:t>3.44</a:t>
                       </a:r>
                     </a:p>
                   </a:txBody>
-                  <a:tcPr marL="215611" marR="215611" marT="60853" marB="60853"/>
+                  <a:tcPr marL="215611" marR="215611" marT="41564" marB="41564"/>
                 </a:tc>
                 <a:tc>
                   <a:txBody>
@@ -8466,12 +8809,12 @@
                     <a:lstStyle/>
                     <a:p>
                       <a:r>
-                        <a:rPr lang="en-US" sz="2500" dirty="0"/>
+                        <a:rPr lang="en-US" sz="1700" dirty="0"/>
                         <a:t>3.03</a:t>
                       </a:r>
                     </a:p>
                   </a:txBody>
-                  <a:tcPr marL="215611" marR="215611" marT="60853" marB="60853"/>
+                  <a:tcPr marL="215611" marR="215611" marT="41564" marB="41564"/>
                 </a:tc>
                 <a:tc>
                   <a:txBody>
@@ -8479,12 +8822,12 @@
                     <a:lstStyle/>
                     <a:p>
                       <a:r>
-                        <a:rPr lang="en-US" sz="2500" dirty="0"/>
+                        <a:rPr lang="en-US" sz="1700" dirty="0"/>
                         <a:t>3.14</a:t>
                       </a:r>
                     </a:p>
                   </a:txBody>
-                  <a:tcPr marL="215611" marR="215611" marT="60853" marB="60853"/>
+                  <a:tcPr marL="215611" marR="215611" marT="41564" marB="41564"/>
                 </a:tc>
                 <a:extLst>
                   <a:ext uri="{0D108BD9-81ED-4DB2-BD59-A6C34878D82A}">
@@ -8492,24 +8835,24 @@
                   </a:ext>
                 </a:extLst>
               </a:tr>
-              <a:tr h="516989">
+              <a:tr h="1672884">
                 <a:tc>
                   <a:txBody>
                     <a:bodyPr/>
                     <a:lstStyle/>
                     <a:p>
                       <a:r>
-                        <a:rPr lang="en-US" sz="2500" dirty="0"/>
+                        <a:rPr lang="en-US" sz="1700" dirty="0"/>
                         <a:t>Val </a:t>
                       </a:r>
                       <a:r>
-                        <a:rPr lang="en-US" sz="2500" dirty="0" err="1"/>
+                        <a:rPr lang="en-US" sz="1700" dirty="0" err="1"/>
                         <a:t>rmse</a:t>
                       </a:r>
-                      <a:endParaRPr lang="en-US" sz="2500" dirty="0"/>
+                      <a:endParaRPr lang="en-US" sz="1700" dirty="0"/>
                     </a:p>
                   </a:txBody>
-                  <a:tcPr marL="215611" marR="215611" marT="60853" marB="60853"/>
+                  <a:tcPr marL="215611" marR="215611" marT="41564" marB="41564"/>
                 </a:tc>
                 <a:tc>
                   <a:txBody>
@@ -8517,12 +8860,12 @@
                     <a:lstStyle/>
                     <a:p>
                       <a:r>
-                        <a:rPr lang="en-US" sz="2500" b="1" dirty="0"/>
+                        <a:rPr lang="en-US" sz="1700" b="1" dirty="0"/>
                         <a:t>2.88</a:t>
                       </a:r>
                     </a:p>
                   </a:txBody>
-                  <a:tcPr marL="215611" marR="215611" marT="60853" marB="60853"/>
+                  <a:tcPr marL="215611" marR="215611" marT="41564" marB="41564"/>
                 </a:tc>
                 <a:tc>
                   <a:txBody>
@@ -8530,12 +8873,12 @@
                     <a:lstStyle/>
                     <a:p>
                       <a:r>
-                        <a:rPr lang="en-US" sz="2500" dirty="0"/>
+                        <a:rPr lang="en-US" sz="1700" dirty="0"/>
                         <a:t>3.38 (3.09 w/deeper tree (5 leaves).</a:t>
                       </a:r>
                     </a:p>
                   </a:txBody>
-                  <a:tcPr marL="215611" marR="215611" marT="60853" marB="60853"/>
+                  <a:tcPr marL="215611" marR="215611" marT="41564" marB="41564"/>
                 </a:tc>
                 <a:tc>
                   <a:txBody>
@@ -8543,12 +8886,12 @@
                     <a:lstStyle/>
                     <a:p>
                       <a:r>
-                        <a:rPr lang="en-US" sz="2500" dirty="0"/>
+                        <a:rPr lang="en-US" sz="1700" dirty="0"/>
                         <a:t>3.44</a:t>
                       </a:r>
                     </a:p>
                   </a:txBody>
-                  <a:tcPr marL="215611" marR="215611" marT="60853" marB="60853"/>
+                  <a:tcPr marL="215611" marR="215611" marT="41564" marB="41564"/>
                 </a:tc>
                 <a:tc>
                   <a:txBody>
@@ -8556,12 +8899,12 @@
                     <a:lstStyle/>
                     <a:p>
                       <a:r>
-                        <a:rPr lang="en-US" sz="2500" dirty="0"/>
+                        <a:rPr lang="en-US" sz="1700" dirty="0"/>
                         <a:t>3.10</a:t>
                       </a:r>
                     </a:p>
                   </a:txBody>
-                  <a:tcPr marL="215611" marR="215611" marT="60853" marB="60853"/>
+                  <a:tcPr marL="215611" marR="215611" marT="41564" marB="41564"/>
                 </a:tc>
                 <a:tc>
                   <a:txBody>
@@ -8569,12 +8912,12 @@
                     <a:lstStyle/>
                     <a:p>
                       <a:r>
-                        <a:rPr lang="en-US" sz="2500" dirty="0"/>
+                        <a:rPr lang="en-US" sz="1700" dirty="0"/>
                         <a:t>3.22</a:t>
                       </a:r>
                     </a:p>
                   </a:txBody>
-                  <a:tcPr marL="215611" marR="215611" marT="60853" marB="60853"/>
+                  <a:tcPr marL="215611" marR="215611" marT="41564" marB="41564"/>
                 </a:tc>
                 <a:extLst>
                   <a:ext uri="{0D108BD9-81ED-4DB2-BD59-A6C34878D82A}">
@@ -8644,7 +8987,7 @@
           <a:p>
             <a:r>
               <a:rPr lang="en-US" dirty="0"/>
-              <a:t>Conclusions</a:t>
+              <a:t>Recommendations/future work</a:t>
             </a:r>
           </a:p>
         </p:txBody>
@@ -8667,30 +9010,61 @@
         </p:nvSpPr>
         <p:spPr>
           <a:xfrm>
-            <a:off x="838200" y="1806963"/>
+            <a:off x="838200" y="1796572"/>
             <a:ext cx="10515600" cy="4351338"/>
           </a:xfrm>
         </p:spPr>
         <p:txBody>
-          <a:bodyPr/>
+          <a:bodyPr>
+            <a:normAutofit/>
+          </a:bodyPr>
           <a:lstStyle/>
           <a:p>
             <a:r>
-              <a:rPr lang="en-US" dirty="0"/>
-              <a:t>Deployment for ‘rating extraction’ from written review.</a:t>
-            </a:r>
-          </a:p>
-          <a:p>
-            <a:endParaRPr lang="en-US" dirty="0"/>
-          </a:p>
-          <a:p>
-            <a:r>
-              <a:rPr lang="en-US"/>
-              <a:t>Gather </a:t>
-            </a:r>
-            <a:r>
-              <a:rPr lang="en-US" dirty="0"/>
-              <a:t>insights on how patients rate drugs</a:t>
+              <a:rPr lang="en-US" sz="2400" dirty="0"/>
+              <a:t>Deployment of baseline model</a:t>
+            </a:r>
+          </a:p>
+          <a:p>
+            <a:endParaRPr lang="en-US" sz="2400" dirty="0"/>
+          </a:p>
+          <a:p>
+            <a:pPr marL="0" indent="0">
+              <a:buNone/>
+            </a:pPr>
+            <a:endParaRPr lang="en-US" sz="2400" dirty="0"/>
+          </a:p>
+          <a:p>
+            <a:r>
+              <a:rPr lang="en-US" sz="2400" dirty="0"/>
+              <a:t>Gather insights on how patients rate drugs</a:t>
+            </a:r>
+          </a:p>
+          <a:p>
+            <a:pPr lvl="1"/>
+            <a:r>
+              <a:rPr lang="en-US" sz="2400" dirty="0"/>
+              <a:t>“Doctor”, “horrible”, “worse”, “love”</a:t>
+            </a:r>
+          </a:p>
+          <a:p>
+            <a:endParaRPr lang="en-US" sz="2600" dirty="0"/>
+          </a:p>
+          <a:p>
+            <a:endParaRPr lang="en-US" sz="2600" dirty="0"/>
+          </a:p>
+          <a:p>
+            <a:r>
+              <a:rPr lang="en-US" sz="2600" dirty="0"/>
+              <a:t>Combine the </a:t>
+            </a:r>
+            <a:r>
+              <a:rPr lang="en-US" sz="2600" dirty="0" err="1"/>
+              <a:t>tf-idf</a:t>
+            </a:r>
+            <a:r>
+              <a:rPr lang="en-US" sz="2600" dirty="0"/>
+              <a:t> and word embedding models.</a:t>
             </a:r>
           </a:p>
         </p:txBody>

--- a/Presentation1.pptx
+++ b/Presentation1.pptx
@@ -306,7 +306,7 @@
           <a:p>
             <a:fld id="{25EF3B13-7E36-4CB1-A31A-4FE272CD73E2}" type="datetimeFigureOut">
               <a:rPr lang="en-US" smtClean="0"/>
-              <a:t>10/24/2023</a:t>
+              <a:t>10/27/2023</a:t>
             </a:fld>
             <a:endParaRPr lang="en-US"/>
           </a:p>
@@ -644,7 +644,7 @@
           <a:p>
             <a:fld id="{25EF3B13-7E36-4CB1-A31A-4FE272CD73E2}" type="datetimeFigureOut">
               <a:rPr lang="en-US" smtClean="0"/>
-              <a:t>10/24/2023</a:t>
+              <a:t>10/27/2023</a:t>
             </a:fld>
             <a:endParaRPr lang="en-US"/>
           </a:p>
@@ -1045,7 +1045,7 @@
           <a:p>
             <a:fld id="{25EF3B13-7E36-4CB1-A31A-4FE272CD73E2}" type="datetimeFigureOut">
               <a:rPr lang="en-US" smtClean="0"/>
-              <a:t>10/24/2023</a:t>
+              <a:t>10/27/2023</a:t>
             </a:fld>
             <a:endParaRPr lang="en-US"/>
           </a:p>
@@ -1381,7 +1381,7 @@
           <a:p>
             <a:fld id="{25EF3B13-7E36-4CB1-A31A-4FE272CD73E2}" type="datetimeFigureOut">
               <a:rPr lang="en-US" smtClean="0"/>
-              <a:t>10/24/2023</a:t>
+              <a:t>10/27/2023</a:t>
             </a:fld>
             <a:endParaRPr lang="en-US"/>
           </a:p>
@@ -1701,7 +1701,7 @@
           <a:p>
             <a:fld id="{25EF3B13-7E36-4CB1-A31A-4FE272CD73E2}" type="datetimeFigureOut">
               <a:rPr lang="en-US" smtClean="0"/>
-              <a:t>10/24/2023</a:t>
+              <a:t>10/27/2023</a:t>
             </a:fld>
             <a:endParaRPr lang="en-US"/>
           </a:p>
@@ -2097,7 +2097,7 @@
           <a:p>
             <a:fld id="{25EF3B13-7E36-4CB1-A31A-4FE272CD73E2}" type="datetimeFigureOut">
               <a:rPr lang="en-US" smtClean="0"/>
-              <a:t>10/24/2023</a:t>
+              <a:t>10/27/2023</a:t>
             </a:fld>
             <a:endParaRPr lang="en-US"/>
           </a:p>
@@ -2354,7 +2354,7 @@
           <a:p>
             <a:fld id="{25EF3B13-7E36-4CB1-A31A-4FE272CD73E2}" type="datetimeFigureOut">
               <a:rPr lang="en-US" smtClean="0"/>
-              <a:t>10/24/2023</a:t>
+              <a:t>10/27/2023</a:t>
             </a:fld>
             <a:endParaRPr lang="en-US"/>
           </a:p>
@@ -2616,7 +2616,7 @@
           <a:p>
             <a:fld id="{25EF3B13-7E36-4CB1-A31A-4FE272CD73E2}" type="datetimeFigureOut">
               <a:rPr lang="en-US" smtClean="0"/>
-              <a:t>10/24/2023</a:t>
+              <a:t>10/27/2023</a:t>
             </a:fld>
             <a:endParaRPr lang="en-US"/>
           </a:p>
@@ -2878,7 +2878,7 @@
           <a:p>
             <a:fld id="{25EF3B13-7E36-4CB1-A31A-4FE272CD73E2}" type="datetimeFigureOut">
               <a:rPr lang="en-US" smtClean="0"/>
-              <a:t>10/24/2023</a:t>
+              <a:t>10/27/2023</a:t>
             </a:fld>
             <a:endParaRPr lang="en-US"/>
           </a:p>
@@ -3207,7 +3207,7 @@
           <a:p>
             <a:fld id="{25EF3B13-7E36-4CB1-A31A-4FE272CD73E2}" type="datetimeFigureOut">
               <a:rPr lang="en-US" smtClean="0"/>
-              <a:t>10/24/2023</a:t>
+              <a:t>10/27/2023</a:t>
             </a:fld>
             <a:endParaRPr lang="en-US"/>
           </a:p>
@@ -3530,7 +3530,7 @@
           <a:p>
             <a:fld id="{25EF3B13-7E36-4CB1-A31A-4FE272CD73E2}" type="datetimeFigureOut">
               <a:rPr lang="en-US" smtClean="0"/>
-              <a:t>10/24/2023</a:t>
+              <a:t>10/27/2023</a:t>
             </a:fld>
             <a:endParaRPr lang="en-US"/>
           </a:p>
@@ -3987,7 +3987,7 @@
           <a:p>
             <a:fld id="{25EF3B13-7E36-4CB1-A31A-4FE272CD73E2}" type="datetimeFigureOut">
               <a:rPr lang="en-US" smtClean="0"/>
-              <a:t>10/24/2023</a:t>
+              <a:t>10/27/2023</a:t>
             </a:fld>
             <a:endParaRPr lang="en-US"/>
           </a:p>
@@ -4192,7 +4192,7 @@
           <a:p>
             <a:fld id="{25EF3B13-7E36-4CB1-A31A-4FE272CD73E2}" type="datetimeFigureOut">
               <a:rPr lang="en-US" smtClean="0"/>
-              <a:t>10/24/2023</a:t>
+              <a:t>10/27/2023</a:t>
             </a:fld>
             <a:endParaRPr lang="en-US"/>
           </a:p>
@@ -4369,7 +4369,7 @@
           <a:p>
             <a:fld id="{25EF3B13-7E36-4CB1-A31A-4FE272CD73E2}" type="datetimeFigureOut">
               <a:rPr lang="en-US" smtClean="0"/>
-              <a:t>10/24/2023</a:t>
+              <a:t>10/27/2023</a:t>
             </a:fld>
             <a:endParaRPr lang="en-US"/>
           </a:p>
@@ -4702,7 +4702,7 @@
           <a:p>
             <a:fld id="{25EF3B13-7E36-4CB1-A31A-4FE272CD73E2}" type="datetimeFigureOut">
               <a:rPr lang="en-US" smtClean="0"/>
-              <a:t>10/24/2023</a:t>
+              <a:t>10/27/2023</a:t>
             </a:fld>
             <a:endParaRPr lang="en-US"/>
           </a:p>
@@ -5047,7 +5047,7 @@
           <a:p>
             <a:fld id="{25EF3B13-7E36-4CB1-A31A-4FE272CD73E2}" type="datetimeFigureOut">
               <a:rPr lang="en-US" smtClean="0"/>
-              <a:t>10/24/2023</a:t>
+              <a:t>10/27/2023</a:t>
             </a:fld>
             <a:endParaRPr lang="en-US"/>
           </a:p>
@@ -7164,7 +7164,7 @@
           <a:p>
             <a:fld id="{25EF3B13-7E36-4CB1-A31A-4FE272CD73E2}" type="datetimeFigureOut">
               <a:rPr lang="en-US" smtClean="0"/>
-              <a:t>10/24/2023</a:t>
+              <a:t>10/27/2023</a:t>
             </a:fld>
             <a:endParaRPr lang="en-US"/>
           </a:p>
@@ -9010,13 +9010,13 @@
         </p:nvSpPr>
         <p:spPr>
           <a:xfrm>
-            <a:off x="838200" y="1796572"/>
+            <a:off x="838200" y="1775790"/>
             <a:ext cx="10515600" cy="4351338"/>
           </a:xfrm>
         </p:spPr>
         <p:txBody>
           <a:bodyPr>
-            <a:normAutofit/>
+            <a:normAutofit lnSpcReduction="10000"/>
           </a:bodyPr>
           <a:lstStyle/>
           <a:p>
@@ -9065,6 +9065,12 @@
             <a:r>
               <a:rPr lang="en-US" sz="2600" dirty="0"/>
               <a:t> and word embedding models.</a:t>
+            </a:r>
+          </a:p>
+          <a:p>
+            <a:r>
+              <a:rPr lang="en-US" sz="2600" dirty="0"/>
+              <a:t>Use the “meta-data” as features. (i.e. the drug evaluated)</a:t>
             </a:r>
           </a:p>
         </p:txBody>

--- a/Presentation1.pptx
+++ b/Presentation1.pptx
@@ -306,7 +306,7 @@
           <a:p>
             <a:fld id="{25EF3B13-7E36-4CB1-A31A-4FE272CD73E2}" type="datetimeFigureOut">
               <a:rPr lang="en-US" smtClean="0"/>
-              <a:t>10/27/2023</a:t>
+              <a:t>10/30/2023</a:t>
             </a:fld>
             <a:endParaRPr lang="en-US"/>
           </a:p>
@@ -644,7 +644,7 @@
           <a:p>
             <a:fld id="{25EF3B13-7E36-4CB1-A31A-4FE272CD73E2}" type="datetimeFigureOut">
               <a:rPr lang="en-US" smtClean="0"/>
-              <a:t>10/27/2023</a:t>
+              <a:t>10/30/2023</a:t>
             </a:fld>
             <a:endParaRPr lang="en-US"/>
           </a:p>
@@ -1045,7 +1045,7 @@
           <a:p>
             <a:fld id="{25EF3B13-7E36-4CB1-A31A-4FE272CD73E2}" type="datetimeFigureOut">
               <a:rPr lang="en-US" smtClean="0"/>
-              <a:t>10/27/2023</a:t>
+              <a:t>10/30/2023</a:t>
             </a:fld>
             <a:endParaRPr lang="en-US"/>
           </a:p>
@@ -1381,7 +1381,7 @@
           <a:p>
             <a:fld id="{25EF3B13-7E36-4CB1-A31A-4FE272CD73E2}" type="datetimeFigureOut">
               <a:rPr lang="en-US" smtClean="0"/>
-              <a:t>10/27/2023</a:t>
+              <a:t>10/30/2023</a:t>
             </a:fld>
             <a:endParaRPr lang="en-US"/>
           </a:p>
@@ -1701,7 +1701,7 @@
           <a:p>
             <a:fld id="{25EF3B13-7E36-4CB1-A31A-4FE272CD73E2}" type="datetimeFigureOut">
               <a:rPr lang="en-US" smtClean="0"/>
-              <a:t>10/27/2023</a:t>
+              <a:t>10/30/2023</a:t>
             </a:fld>
             <a:endParaRPr lang="en-US"/>
           </a:p>
@@ -2097,7 +2097,7 @@
           <a:p>
             <a:fld id="{25EF3B13-7E36-4CB1-A31A-4FE272CD73E2}" type="datetimeFigureOut">
               <a:rPr lang="en-US" smtClean="0"/>
-              <a:t>10/27/2023</a:t>
+              <a:t>10/30/2023</a:t>
             </a:fld>
             <a:endParaRPr lang="en-US"/>
           </a:p>
@@ -2354,7 +2354,7 @@
           <a:p>
             <a:fld id="{25EF3B13-7E36-4CB1-A31A-4FE272CD73E2}" type="datetimeFigureOut">
               <a:rPr lang="en-US" smtClean="0"/>
-              <a:t>10/27/2023</a:t>
+              <a:t>10/30/2023</a:t>
             </a:fld>
             <a:endParaRPr lang="en-US"/>
           </a:p>
@@ -2616,7 +2616,7 @@
           <a:p>
             <a:fld id="{25EF3B13-7E36-4CB1-A31A-4FE272CD73E2}" type="datetimeFigureOut">
               <a:rPr lang="en-US" smtClean="0"/>
-              <a:t>10/27/2023</a:t>
+              <a:t>10/30/2023</a:t>
             </a:fld>
             <a:endParaRPr lang="en-US"/>
           </a:p>
@@ -2878,7 +2878,7 @@
           <a:p>
             <a:fld id="{25EF3B13-7E36-4CB1-A31A-4FE272CD73E2}" type="datetimeFigureOut">
               <a:rPr lang="en-US" smtClean="0"/>
-              <a:t>10/27/2023</a:t>
+              <a:t>10/30/2023</a:t>
             </a:fld>
             <a:endParaRPr lang="en-US"/>
           </a:p>
@@ -3207,7 +3207,7 @@
           <a:p>
             <a:fld id="{25EF3B13-7E36-4CB1-A31A-4FE272CD73E2}" type="datetimeFigureOut">
               <a:rPr lang="en-US" smtClean="0"/>
-              <a:t>10/27/2023</a:t>
+              <a:t>10/30/2023</a:t>
             </a:fld>
             <a:endParaRPr lang="en-US"/>
           </a:p>
@@ -3530,7 +3530,7 @@
           <a:p>
             <a:fld id="{25EF3B13-7E36-4CB1-A31A-4FE272CD73E2}" type="datetimeFigureOut">
               <a:rPr lang="en-US" smtClean="0"/>
-              <a:t>10/27/2023</a:t>
+              <a:t>10/30/2023</a:t>
             </a:fld>
             <a:endParaRPr lang="en-US"/>
           </a:p>
@@ -3987,7 +3987,7 @@
           <a:p>
             <a:fld id="{25EF3B13-7E36-4CB1-A31A-4FE272CD73E2}" type="datetimeFigureOut">
               <a:rPr lang="en-US" smtClean="0"/>
-              <a:t>10/27/2023</a:t>
+              <a:t>10/30/2023</a:t>
             </a:fld>
             <a:endParaRPr lang="en-US"/>
           </a:p>
@@ -4192,7 +4192,7 @@
           <a:p>
             <a:fld id="{25EF3B13-7E36-4CB1-A31A-4FE272CD73E2}" type="datetimeFigureOut">
               <a:rPr lang="en-US" smtClean="0"/>
-              <a:t>10/27/2023</a:t>
+              <a:t>10/30/2023</a:t>
             </a:fld>
             <a:endParaRPr lang="en-US"/>
           </a:p>
@@ -4369,7 +4369,7 @@
           <a:p>
             <a:fld id="{25EF3B13-7E36-4CB1-A31A-4FE272CD73E2}" type="datetimeFigureOut">
               <a:rPr lang="en-US" smtClean="0"/>
-              <a:t>10/27/2023</a:t>
+              <a:t>10/30/2023</a:t>
             </a:fld>
             <a:endParaRPr lang="en-US"/>
           </a:p>
@@ -4702,7 +4702,7 @@
           <a:p>
             <a:fld id="{25EF3B13-7E36-4CB1-A31A-4FE272CD73E2}" type="datetimeFigureOut">
               <a:rPr lang="en-US" smtClean="0"/>
-              <a:t>10/27/2023</a:t>
+              <a:t>10/30/2023</a:t>
             </a:fld>
             <a:endParaRPr lang="en-US"/>
           </a:p>
@@ -5047,7 +5047,7 @@
           <a:p>
             <a:fld id="{25EF3B13-7E36-4CB1-A31A-4FE272CD73E2}" type="datetimeFigureOut">
               <a:rPr lang="en-US" smtClean="0"/>
-              <a:t>10/27/2023</a:t>
+              <a:t>10/30/2023</a:t>
             </a:fld>
             <a:endParaRPr lang="en-US"/>
           </a:p>
@@ -7164,7 +7164,7 @@
           <a:p>
             <a:fld id="{25EF3B13-7E36-4CB1-A31A-4FE272CD73E2}" type="datetimeFigureOut">
               <a:rPr lang="en-US" smtClean="0"/>
-              <a:t>10/27/2023</a:t>
+              <a:t>10/30/2023</a:t>
             </a:fld>
             <a:endParaRPr lang="en-US"/>
           </a:p>
@@ -8511,7 +8511,7 @@
           <a:p>
             <a:r>
               <a:rPr lang="en-US" sz="2400" dirty="0"/>
-              <a:t>Baseline model performs best.</a:t>
+              <a:t>Linear regression  model performs best.</a:t>
             </a:r>
           </a:p>
         </p:txBody>
@@ -8531,14 +8531,14 @@
           <p:nvPr>
             <p:extLst>
               <p:ext uri="{D42A27DB-BD31-4B8C-83A1-F6EECF244321}">
-                <p14:modId xmlns:p14="http://schemas.microsoft.com/office/powerpoint/2010/main" val="2778644760"/>
+                <p14:modId xmlns:p14="http://schemas.microsoft.com/office/powerpoint/2010/main" val="1644712534"/>
               </p:ext>
             </p:extLst>
           </p:nvPr>
         </p:nvGraphicFramePr>
         <p:xfrm>
           <a:off x="513533" y="2887625"/>
-          <a:ext cx="11499246" cy="3843913"/>
+          <a:ext cx="9825889" cy="4091236"/>
         </p:xfrm>
         <a:graphic>
           <a:graphicData uri="http://schemas.openxmlformats.org/drawingml/2006/table">
@@ -8547,42 +8547,42 @@
                 <a:tableStyleId>{5C22544A-7EE6-4342-B048-85BDC9FD1C3A}</a:tableStyleId>
               </a:tblPr>
               <a:tblGrid>
-                <a:gridCol w="1652442">
+                <a:gridCol w="1444821">
+                  <a:extLst>
+                    <a:ext uri="{9D8B030D-6E8A-4147-A177-3AD203B41FA5}">
+                      <a16:colId xmlns:a16="http://schemas.microsoft.com/office/drawing/2014/main" val="3531711473"/>
+                    </a:ext>
+                  </a:extLst>
+                </a:gridCol>
+                <a:gridCol w="1444821">
                   <a:extLst>
                     <a:ext uri="{9D8B030D-6E8A-4147-A177-3AD203B41FA5}">
                       <a16:colId xmlns:a16="http://schemas.microsoft.com/office/drawing/2014/main" val="1707648186"/>
                     </a:ext>
                   </a:extLst>
                 </a:gridCol>
-                <a:gridCol w="2183364">
+                <a:gridCol w="1909036">
                   <a:extLst>
                     <a:ext uri="{9D8B030D-6E8A-4147-A177-3AD203B41FA5}">
                       <a16:colId xmlns:a16="http://schemas.microsoft.com/office/drawing/2014/main" val="1820434955"/>
                     </a:ext>
                   </a:extLst>
                 </a:gridCol>
-                <a:gridCol w="1913817">
-                  <a:extLst>
-                    <a:ext uri="{9D8B030D-6E8A-4147-A177-3AD203B41FA5}">
-                      <a16:colId xmlns:a16="http://schemas.microsoft.com/office/drawing/2014/main" val="2522021020"/>
-                    </a:ext>
-                  </a:extLst>
-                </a:gridCol>
-                <a:gridCol w="1916541">
+                <a:gridCol w="1675737">
                   <a:extLst>
                     <a:ext uri="{9D8B030D-6E8A-4147-A177-3AD203B41FA5}">
                       <a16:colId xmlns:a16="http://schemas.microsoft.com/office/drawing/2014/main" val="1348581343"/>
                     </a:ext>
                   </a:extLst>
                 </a:gridCol>
-                <a:gridCol w="1916541">
+                <a:gridCol w="1675737">
                   <a:extLst>
                     <a:ext uri="{9D8B030D-6E8A-4147-A177-3AD203B41FA5}">
                       <a16:colId xmlns:a16="http://schemas.microsoft.com/office/drawing/2014/main" val="1705823642"/>
                     </a:ext>
                   </a:extLst>
                 </a:gridCol>
-                <a:gridCol w="1916541">
+                <a:gridCol w="1675737">
                   <a:extLst>
                     <a:ext uri="{9D8B030D-6E8A-4147-A177-3AD203B41FA5}">
                       <a16:colId xmlns:a16="http://schemas.microsoft.com/office/drawing/2014/main" val="2523711392"/>
@@ -8612,17 +8612,20 @@
                       </a:r>
                     </a:p>
                   </a:txBody>
-                  <a:tcPr marL="100584" marR="100584" marT="50292" marB="50292"/>
+                  <a:tcPr marL="215611" marR="215611" marT="41564" marB="41564"/>
                 </a:tc>
                 <a:tc hMerge="1">
                   <a:txBody>
                     <a:bodyPr/>
                     <a:lstStyle/>
                     <a:p>
-                      <a:endParaRPr lang="en-US" dirty="0"/>
+                      <a:r>
+                        <a:rPr lang="en-US" sz="1700" dirty="0"/>
+                        <a:t>No word embeddings (TF-IDF)</a:t>
+                      </a:r>
                     </a:p>
                   </a:txBody>
-                  <a:tcPr/>
+                  <a:tcPr marL="100584" marR="100584" marT="50292" marB="50292"/>
                 </a:tc>
                 <a:tc hMerge="1">
                   <a:txBody>
@@ -8680,8 +8683,12 @@
                     <a:lstStyle/>
                     <a:p>
                       <a:r>
-                        <a:rPr lang="en-US" sz="1700" b="1" dirty="0"/>
-                        <a:t>Baseline linear regression</a:t>
+                        <a:rPr lang="en-US" sz="1700" b="0" dirty="0"/>
+                        <a:t>Baseline </a:t>
+                      </a:r>
+                      <a:r>
+                        <a:rPr lang="en-US" sz="1700" dirty="0"/>
+                        <a:t>Decision Tree Regressor</a:t>
                       </a:r>
                     </a:p>
                   </a:txBody>
@@ -8693,8 +8700,8 @@
                     <a:lstStyle/>
                     <a:p>
                       <a:r>
-                        <a:rPr lang="en-US" sz="1700" dirty="0"/>
-                        <a:t>Decision Tree Regressor</a:t>
+                        <a:rPr lang="en-US" sz="1700" b="1" dirty="0"/>
+                        <a:t>linear regression </a:t>
                       </a:r>
                     </a:p>
                   </a:txBody>
@@ -8751,6 +8758,23 @@
                     <a:bodyPr/>
                     <a:lstStyle/>
                     <a:p>
+                      <a:pPr marL="0" marR="0" lvl="0" indent="0" algn="l" defTabSz="457200" rtl="0" eaLnBrk="1" fontAlgn="auto" latinLnBrk="0" hangingPunct="1">
+                        <a:lnSpc>
+                          <a:spcPct val="100000"/>
+                        </a:lnSpc>
+                        <a:spcBef>
+                          <a:spcPts val="0"/>
+                        </a:spcBef>
+                        <a:spcAft>
+                          <a:spcPts val="0"/>
+                        </a:spcAft>
+                        <a:buClrTx/>
+                        <a:buSzTx/>
+                        <a:buFontTx/>
+                        <a:buNone/>
+                        <a:tabLst/>
+                        <a:defRPr/>
+                      </a:pPr>
                       <a:r>
                         <a:rPr lang="en-US" sz="1700" dirty="0"/>
                         <a:t>Train </a:t>
@@ -8760,6 +8784,22 @@
                         <a:t>rmse</a:t>
                       </a:r>
                       <a:endParaRPr lang="en-US" sz="1700" dirty="0"/>
+                    </a:p>
+                    <a:p>
+                      <a:endParaRPr lang="en-US" sz="1700" dirty="0"/>
+                    </a:p>
+                  </a:txBody>
+                  <a:tcPr marL="215611" marR="215611" marT="41564" marB="41564"/>
+                </a:tc>
+                <a:tc>
+                  <a:txBody>
+                    <a:bodyPr/>
+                    <a:lstStyle/>
+                    <a:p>
+                      <a:r>
+                        <a:rPr lang="en-US" sz="1700" dirty="0"/>
+                        <a:t>3.38</a:t>
+                      </a:r>
                     </a:p>
                   </a:txBody>
                   <a:tcPr marL="215611" marR="215611" marT="41564" marB="41564"/>
@@ -8772,19 +8812,6 @@
                       <a:r>
                         <a:rPr lang="en-US" sz="1700" b="1" dirty="0"/>
                         <a:t>2.84</a:t>
-                      </a:r>
-                    </a:p>
-                  </a:txBody>
-                  <a:tcPr marL="215611" marR="215611" marT="41564" marB="41564"/>
-                </a:tc>
-                <a:tc>
-                  <a:txBody>
-                    <a:bodyPr/>
-                    <a:lstStyle/>
-                    <a:p>
-                      <a:r>
-                        <a:rPr lang="en-US" sz="1700" dirty="0"/>
-                        <a:t>3.38</a:t>
                       </a:r>
                     </a:p>
                   </a:txBody>
@@ -8841,6 +8868,23 @@
                     <a:bodyPr/>
                     <a:lstStyle/>
                     <a:p>
+                      <a:pPr marL="0" marR="0" lvl="0" indent="0" algn="l" defTabSz="457200" rtl="0" eaLnBrk="1" fontAlgn="auto" latinLnBrk="0" hangingPunct="1">
+                        <a:lnSpc>
+                          <a:spcPct val="100000"/>
+                        </a:lnSpc>
+                        <a:spcBef>
+                          <a:spcPts val="0"/>
+                        </a:spcBef>
+                        <a:spcAft>
+                          <a:spcPts val="0"/>
+                        </a:spcAft>
+                        <a:buClrTx/>
+                        <a:buSzTx/>
+                        <a:buFontTx/>
+                        <a:buNone/>
+                        <a:tabLst/>
+                        <a:defRPr/>
+                      </a:pPr>
                       <a:r>
                         <a:rPr lang="en-US" sz="1700" dirty="0"/>
                         <a:t>Val </a:t>
@@ -8850,6 +8894,22 @@
                         <a:t>rmse</a:t>
                       </a:r>
                       <a:endParaRPr lang="en-US" sz="1700" dirty="0"/>
+                    </a:p>
+                    <a:p>
+                      <a:endParaRPr lang="en-US" sz="1700" dirty="0"/>
+                    </a:p>
+                  </a:txBody>
+                  <a:tcPr marL="215611" marR="215611" marT="41564" marB="41564"/>
+                </a:tc>
+                <a:tc>
+                  <a:txBody>
+                    <a:bodyPr/>
+                    <a:lstStyle/>
+                    <a:p>
+                      <a:r>
+                        <a:rPr lang="en-US" sz="1700" dirty="0"/>
+                        <a:t>3.38 (3.09 w/deeper tree (5 leaves).</a:t>
+                      </a:r>
                     </a:p>
                   </a:txBody>
                   <a:tcPr marL="215611" marR="215611" marT="41564" marB="41564"/>
@@ -8862,19 +8922,6 @@
                       <a:r>
                         <a:rPr lang="en-US" sz="1700" b="1" dirty="0"/>
                         <a:t>2.88</a:t>
-                      </a:r>
-                    </a:p>
-                  </a:txBody>
-                  <a:tcPr marL="215611" marR="215611" marT="41564" marB="41564"/>
-                </a:tc>
-                <a:tc>
-                  <a:txBody>
-                    <a:bodyPr/>
-                    <a:lstStyle/>
-                    <a:p>
-                      <a:r>
-                        <a:rPr lang="en-US" sz="1700" dirty="0"/>
-                        <a:t>3.38 (3.09 w/deeper tree (5 leaves).</a:t>
                       </a:r>
                     </a:p>
                   </a:txBody>

--- a/Presentation1.pptx
+++ b/Presentation1.pptx
@@ -10,8 +10,9 @@
     <p:sldId id="263" r:id="rId4"/>
     <p:sldId id="264" r:id="rId5"/>
     <p:sldId id="259" r:id="rId6"/>
-    <p:sldId id="260" r:id="rId7"/>
-    <p:sldId id="261" r:id="rId8"/>
+    <p:sldId id="265" r:id="rId7"/>
+    <p:sldId id="260" r:id="rId8"/>
+    <p:sldId id="261" r:id="rId9"/>
   </p:sldIdLst>
   <p:sldSz cx="12192000" cy="6858000"/>
   <p:notesSz cx="6858000" cy="9144000"/>
@@ -306,7 +307,7 @@
           <a:p>
             <a:fld id="{25EF3B13-7E36-4CB1-A31A-4FE272CD73E2}" type="datetimeFigureOut">
               <a:rPr lang="en-US" smtClean="0"/>
-              <a:t>10/30/2023</a:t>
+              <a:t>11/1/2023</a:t>
             </a:fld>
             <a:endParaRPr lang="en-US"/>
           </a:p>
@@ -644,7 +645,7 @@
           <a:p>
             <a:fld id="{25EF3B13-7E36-4CB1-A31A-4FE272CD73E2}" type="datetimeFigureOut">
               <a:rPr lang="en-US" smtClean="0"/>
-              <a:t>10/30/2023</a:t>
+              <a:t>11/1/2023</a:t>
             </a:fld>
             <a:endParaRPr lang="en-US"/>
           </a:p>
@@ -1045,7 +1046,7 @@
           <a:p>
             <a:fld id="{25EF3B13-7E36-4CB1-A31A-4FE272CD73E2}" type="datetimeFigureOut">
               <a:rPr lang="en-US" smtClean="0"/>
-              <a:t>10/30/2023</a:t>
+              <a:t>11/1/2023</a:t>
             </a:fld>
             <a:endParaRPr lang="en-US"/>
           </a:p>
@@ -1381,7 +1382,7 @@
           <a:p>
             <a:fld id="{25EF3B13-7E36-4CB1-A31A-4FE272CD73E2}" type="datetimeFigureOut">
               <a:rPr lang="en-US" smtClean="0"/>
-              <a:t>10/30/2023</a:t>
+              <a:t>11/1/2023</a:t>
             </a:fld>
             <a:endParaRPr lang="en-US"/>
           </a:p>
@@ -1701,7 +1702,7 @@
           <a:p>
             <a:fld id="{25EF3B13-7E36-4CB1-A31A-4FE272CD73E2}" type="datetimeFigureOut">
               <a:rPr lang="en-US" smtClean="0"/>
-              <a:t>10/30/2023</a:t>
+              <a:t>11/1/2023</a:t>
             </a:fld>
             <a:endParaRPr lang="en-US"/>
           </a:p>
@@ -2097,7 +2098,7 @@
           <a:p>
             <a:fld id="{25EF3B13-7E36-4CB1-A31A-4FE272CD73E2}" type="datetimeFigureOut">
               <a:rPr lang="en-US" smtClean="0"/>
-              <a:t>10/30/2023</a:t>
+              <a:t>11/1/2023</a:t>
             </a:fld>
             <a:endParaRPr lang="en-US"/>
           </a:p>
@@ -2354,7 +2355,7 @@
           <a:p>
             <a:fld id="{25EF3B13-7E36-4CB1-A31A-4FE272CD73E2}" type="datetimeFigureOut">
               <a:rPr lang="en-US" smtClean="0"/>
-              <a:t>10/30/2023</a:t>
+              <a:t>11/1/2023</a:t>
             </a:fld>
             <a:endParaRPr lang="en-US"/>
           </a:p>
@@ -2616,7 +2617,7 @@
           <a:p>
             <a:fld id="{25EF3B13-7E36-4CB1-A31A-4FE272CD73E2}" type="datetimeFigureOut">
               <a:rPr lang="en-US" smtClean="0"/>
-              <a:t>10/30/2023</a:t>
+              <a:t>11/1/2023</a:t>
             </a:fld>
             <a:endParaRPr lang="en-US"/>
           </a:p>
@@ -2878,7 +2879,7 @@
           <a:p>
             <a:fld id="{25EF3B13-7E36-4CB1-A31A-4FE272CD73E2}" type="datetimeFigureOut">
               <a:rPr lang="en-US" smtClean="0"/>
-              <a:t>10/30/2023</a:t>
+              <a:t>11/1/2023</a:t>
             </a:fld>
             <a:endParaRPr lang="en-US"/>
           </a:p>
@@ -3207,7 +3208,7 @@
           <a:p>
             <a:fld id="{25EF3B13-7E36-4CB1-A31A-4FE272CD73E2}" type="datetimeFigureOut">
               <a:rPr lang="en-US" smtClean="0"/>
-              <a:t>10/30/2023</a:t>
+              <a:t>11/1/2023</a:t>
             </a:fld>
             <a:endParaRPr lang="en-US"/>
           </a:p>
@@ -3530,7 +3531,7 @@
           <a:p>
             <a:fld id="{25EF3B13-7E36-4CB1-A31A-4FE272CD73E2}" type="datetimeFigureOut">
               <a:rPr lang="en-US" smtClean="0"/>
-              <a:t>10/30/2023</a:t>
+              <a:t>11/1/2023</a:t>
             </a:fld>
             <a:endParaRPr lang="en-US"/>
           </a:p>
@@ -3987,7 +3988,7 @@
           <a:p>
             <a:fld id="{25EF3B13-7E36-4CB1-A31A-4FE272CD73E2}" type="datetimeFigureOut">
               <a:rPr lang="en-US" smtClean="0"/>
-              <a:t>10/30/2023</a:t>
+              <a:t>11/1/2023</a:t>
             </a:fld>
             <a:endParaRPr lang="en-US"/>
           </a:p>
@@ -4192,7 +4193,7 @@
           <a:p>
             <a:fld id="{25EF3B13-7E36-4CB1-A31A-4FE272CD73E2}" type="datetimeFigureOut">
               <a:rPr lang="en-US" smtClean="0"/>
-              <a:t>10/30/2023</a:t>
+              <a:t>11/1/2023</a:t>
             </a:fld>
             <a:endParaRPr lang="en-US"/>
           </a:p>
@@ -4369,7 +4370,7 @@
           <a:p>
             <a:fld id="{25EF3B13-7E36-4CB1-A31A-4FE272CD73E2}" type="datetimeFigureOut">
               <a:rPr lang="en-US" smtClean="0"/>
-              <a:t>10/30/2023</a:t>
+              <a:t>11/1/2023</a:t>
             </a:fld>
             <a:endParaRPr lang="en-US"/>
           </a:p>
@@ -4702,7 +4703,7 @@
           <a:p>
             <a:fld id="{25EF3B13-7E36-4CB1-A31A-4FE272CD73E2}" type="datetimeFigureOut">
               <a:rPr lang="en-US" smtClean="0"/>
-              <a:t>10/30/2023</a:t>
+              <a:t>11/1/2023</a:t>
             </a:fld>
             <a:endParaRPr lang="en-US"/>
           </a:p>
@@ -5047,7 +5048,7 @@
           <a:p>
             <a:fld id="{25EF3B13-7E36-4CB1-A31A-4FE272CD73E2}" type="datetimeFigureOut">
               <a:rPr lang="en-US" smtClean="0"/>
-              <a:t>10/30/2023</a:t>
+              <a:t>11/1/2023</a:t>
             </a:fld>
             <a:endParaRPr lang="en-US"/>
           </a:p>
@@ -7164,7 +7165,7 @@
           <a:p>
             <a:fld id="{25EF3B13-7E36-4CB1-A31A-4FE272CD73E2}" type="datetimeFigureOut">
               <a:rPr lang="en-US" smtClean="0"/>
-              <a:t>10/30/2023</a:t>
+              <a:t>11/1/2023</a:t>
             </a:fld>
             <a:endParaRPr lang="en-US"/>
           </a:p>
@@ -7910,7 +7911,7 @@
         </p:nvSpPr>
         <p:spPr>
           <a:xfrm>
-            <a:off x="1705947" y="570403"/>
+            <a:off x="1705947" y="580794"/>
             <a:ext cx="10515600" cy="1325563"/>
           </a:xfrm>
         </p:spPr>
@@ -7955,18 +7956,6 @@
           <a:p>
             <a:r>
               <a:rPr lang="en-US" sz="2400" dirty="0"/>
-              <a:t>The data comes from Drugs.com and is accessed through UCI's website.</a:t>
-            </a:r>
-          </a:p>
-          <a:p>
-            <a:pPr marL="0" indent="0">
-              <a:buNone/>
-            </a:pPr>
-            <a:endParaRPr lang="en-US" sz="2400" dirty="0"/>
-          </a:p>
-          <a:p>
-            <a:r>
-              <a:rPr lang="en-US" sz="2400" dirty="0"/>
               <a:t>160,000 samples</a:t>
             </a:r>
           </a:p>
@@ -7980,7 +7969,7 @@
             <a:pPr lvl="1"/>
             <a:r>
               <a:rPr lang="en-US" sz="2200" dirty="0"/>
-              <a:t>800 unique conditions and </a:t>
+              <a:t>800 and 3400 unique conditions</a:t>
             </a:r>
           </a:p>
           <a:p>
@@ -7989,7 +7978,7 @@
             </a:pPr>
             <a:r>
               <a:rPr lang="en-US" sz="2200" dirty="0"/>
-              <a:t>3400 unique drugs</a:t>
+              <a:t>and drugs</a:t>
             </a:r>
           </a:p>
           <a:p>
@@ -8014,6 +8003,47 @@
               <a:t>deta</a:t>
             </a:r>
             <a:endParaRPr lang="en-US" sz="2400" dirty="0"/>
+          </a:p>
+          <a:p>
+            <a:endParaRPr lang="en-US" sz="2400" dirty="0"/>
+          </a:p>
+          <a:p>
+            <a:r>
+              <a:rPr lang="en-US" sz="1200" dirty="0"/>
+              <a:t>The data comes from Drugs.com and is accessed through UCI's website.</a:t>
+            </a:r>
+          </a:p>
+          <a:p>
+            <a:pPr marL="0" indent="0">
+              <a:buNone/>
+            </a:pPr>
+            <a:r>
+              <a:rPr lang="en-US" sz="1200" dirty="0"/>
+              <a:t> </a:t>
+            </a:r>
+            <a:r>
+              <a:rPr lang="en-US" sz="800" dirty="0"/>
+              <a:t>(</a:t>
+            </a:r>
+            <a:r>
+              <a:rPr lang="en-US" sz="800" dirty="0" err="1"/>
+              <a:t>Kalummadi</a:t>
+            </a:r>
+            <a:r>
+              <a:rPr lang="en-US" sz="800" dirty="0"/>
+              <a:t> and </a:t>
+            </a:r>
+            <a:r>
+              <a:rPr lang="en-US" sz="800" dirty="0" err="1"/>
+              <a:t>Grer</a:t>
+            </a:r>
+            <a:r>
+              <a:rPr lang="en-US" sz="800" dirty="0"/>
+              <a:t>)</a:t>
+            </a:r>
+          </a:p>
+          <a:p>
+            <a:endParaRPr lang="en-US" sz="1200" dirty="0"/>
           </a:p>
         </p:txBody>
       </p:sp>
@@ -8402,7 +8432,7 @@
         </p:nvSpPr>
         <p:spPr>
           <a:xfrm>
-            <a:off x="5612163" y="5112050"/>
+            <a:off x="7305881" y="4145694"/>
             <a:ext cx="4621810" cy="830997"/>
           </a:xfrm>
           <a:prstGeom prst="rect">
@@ -8418,7 +8448,7 @@
           <a:p>
             <a:r>
               <a:rPr lang="en-US" sz="2400" dirty="0"/>
-              <a:t>Queen is to king as women is to man.</a:t>
+              <a:t>(Queen is to king as women is to man.)	</a:t>
             </a:r>
           </a:p>
         </p:txBody>
@@ -8502,7 +8532,12 @@
             <p:ph idx="1"/>
           </p:nvPr>
         </p:nvSpPr>
-        <p:spPr/>
+        <p:spPr>
+          <a:xfrm>
+            <a:off x="2589212" y="2143991"/>
+            <a:ext cx="8915400" cy="3777622"/>
+          </a:xfrm>
+        </p:spPr>
         <p:txBody>
           <a:bodyPr>
             <a:normAutofit/>
@@ -8511,7 +8546,7 @@
           <a:p>
             <a:r>
               <a:rPr lang="en-US" sz="2400" dirty="0"/>
-              <a:t>Linear regression  model performs best.</a:t>
+              <a:t>Linear regression  model performs best.		</a:t>
             </a:r>
           </a:p>
         </p:txBody>
@@ -9011,6 +9046,217 @@
           <p:cNvPr id="2" name="Title 1">
             <a:extLst>
               <a:ext uri="{FF2B5EF4-FFF2-40B4-BE49-F238E27FC236}">
+                <a16:creationId xmlns:a16="http://schemas.microsoft.com/office/drawing/2014/main" id="{3FFF6916-D38A-B65D-0C1F-B5B449275A9B}"/>
+              </a:ext>
+            </a:extLst>
+          </p:cNvPr>
+          <p:cNvSpPr>
+            <a:spLocks noGrp="1"/>
+          </p:cNvSpPr>
+          <p:nvPr>
+            <p:ph type="title"/>
+          </p:nvPr>
+        </p:nvSpPr>
+        <p:spPr/>
+        <p:txBody>
+          <a:bodyPr/>
+          <a:lstStyle/>
+          <a:p>
+            <a:r>
+              <a:rPr lang="en-US" dirty="0"/>
+              <a:t>Evaluation of chosen model</a:t>
+            </a:r>
+          </a:p>
+        </p:txBody>
+      </p:sp>
+      <p:graphicFrame>
+        <p:nvGraphicFramePr>
+          <p:cNvPr id="4" name="Content Placeholder 3">
+            <a:extLst>
+              <a:ext uri="{FF2B5EF4-FFF2-40B4-BE49-F238E27FC236}">
+                <a16:creationId xmlns:a16="http://schemas.microsoft.com/office/drawing/2014/main" id="{430F0D58-753A-094E-7E9A-6826EC11C8A2}"/>
+              </a:ext>
+            </a:extLst>
+          </p:cNvPr>
+          <p:cNvGraphicFramePr>
+            <a:graphicFrameLocks noGrp="1"/>
+          </p:cNvGraphicFramePr>
+          <p:nvPr>
+            <p:ph idx="1"/>
+            <p:extLst>
+              <p:ext uri="{D42A27DB-BD31-4B8C-83A1-F6EECF244321}">
+                <p14:modId xmlns:p14="http://schemas.microsoft.com/office/powerpoint/2010/main" val="2416232972"/>
+              </p:ext>
+            </p:extLst>
+          </p:nvPr>
+        </p:nvGraphicFramePr>
+        <p:xfrm>
+          <a:off x="2589213" y="2133600"/>
+          <a:ext cx="8915400" cy="2164080"/>
+        </p:xfrm>
+        <a:graphic>
+          <a:graphicData uri="http://schemas.openxmlformats.org/drawingml/2006/table">
+            <a:tbl>
+              <a:tblPr firstRow="1" bandRow="1">
+                <a:tableStyleId>{5C22544A-7EE6-4342-B048-85BDC9FD1C3A}</a:tableStyleId>
+              </a:tblPr>
+              <a:tblGrid>
+                <a:gridCol w="2971800">
+                  <a:extLst>
+                    <a:ext uri="{9D8B030D-6E8A-4147-A177-3AD203B41FA5}">
+                      <a16:colId xmlns:a16="http://schemas.microsoft.com/office/drawing/2014/main" val="916919713"/>
+                    </a:ext>
+                  </a:extLst>
+                </a:gridCol>
+                <a:gridCol w="2971800">
+                  <a:extLst>
+                    <a:ext uri="{9D8B030D-6E8A-4147-A177-3AD203B41FA5}">
+                      <a16:colId xmlns:a16="http://schemas.microsoft.com/office/drawing/2014/main" val="1274554379"/>
+                    </a:ext>
+                  </a:extLst>
+                </a:gridCol>
+                <a:gridCol w="2971800">
+                  <a:extLst>
+                    <a:ext uri="{9D8B030D-6E8A-4147-A177-3AD203B41FA5}">
+                      <a16:colId xmlns:a16="http://schemas.microsoft.com/office/drawing/2014/main" val="1156449383"/>
+                    </a:ext>
+                  </a:extLst>
+                </a:gridCol>
+              </a:tblGrid>
+              <a:tr h="370840">
+                <a:tc>
+                  <a:txBody>
+                    <a:bodyPr/>
+                    <a:lstStyle/>
+                    <a:p>
+                      <a:r>
+                        <a:rPr lang="en-US" sz="2600" dirty="0"/>
+                        <a:t>Linear Regression with TF-IDF</a:t>
+                      </a:r>
+                    </a:p>
+                  </a:txBody>
+                  <a:tcPr/>
+                </a:tc>
+                <a:tc>
+                  <a:txBody>
+                    <a:bodyPr/>
+                    <a:lstStyle/>
+                    <a:p>
+                      <a:r>
+                        <a:rPr lang="en-US" sz="2600" dirty="0"/>
+                        <a:t>MSE</a:t>
+                      </a:r>
+                    </a:p>
+                  </a:txBody>
+                  <a:tcPr/>
+                </a:tc>
+                <a:tc>
+                  <a:txBody>
+                    <a:bodyPr/>
+                    <a:lstStyle/>
+                    <a:p>
+                      <a:r>
+                        <a:rPr lang="en-US" sz="2600" dirty="0"/>
+                        <a:t>RMSE</a:t>
+                      </a:r>
+                    </a:p>
+                  </a:txBody>
+                  <a:tcPr/>
+                </a:tc>
+                <a:extLst>
+                  <a:ext uri="{0D108BD9-81ED-4DB2-BD59-A6C34878D82A}">
+                    <a16:rowId xmlns:a16="http://schemas.microsoft.com/office/drawing/2014/main" val="163432603"/>
+                  </a:ext>
+                </a:extLst>
+              </a:tr>
+              <a:tr h="370840">
+                <a:tc>
+                  <a:txBody>
+                    <a:bodyPr/>
+                    <a:lstStyle/>
+                    <a:p>
+                      <a:endParaRPr lang="en-US" sz="2600"/>
+                    </a:p>
+                  </a:txBody>
+                  <a:tcPr/>
+                </a:tc>
+                <a:tc>
+                  <a:txBody>
+                    <a:bodyPr/>
+                    <a:lstStyle/>
+                    <a:p>
+                      <a:r>
+                        <a:rPr lang="en-US" sz="2600" dirty="0"/>
+                        <a:t>8.3</a:t>
+                      </a:r>
+                    </a:p>
+                  </a:txBody>
+                  <a:tcPr/>
+                </a:tc>
+                <a:tc>
+                  <a:txBody>
+                    <a:bodyPr/>
+                    <a:lstStyle/>
+                    <a:p>
+                      <a:r>
+                        <a:rPr lang="en-US" sz="2600" dirty="0"/>
+                        <a:t>2.9</a:t>
+                      </a:r>
+                    </a:p>
+                    <a:p>
+                      <a:endParaRPr lang="en-US" sz="2600" dirty="0"/>
+                    </a:p>
+                    <a:p>
+                      <a:endParaRPr lang="en-US" sz="2600" dirty="0"/>
+                    </a:p>
+                  </a:txBody>
+                  <a:tcPr/>
+                </a:tc>
+                <a:extLst>
+                  <a:ext uri="{0D108BD9-81ED-4DB2-BD59-A6C34878D82A}">
+                    <a16:rowId xmlns:a16="http://schemas.microsoft.com/office/drawing/2014/main" val="3605101688"/>
+                  </a:ext>
+                </a:extLst>
+              </a:tr>
+            </a:tbl>
+          </a:graphicData>
+        </a:graphic>
+      </p:graphicFrame>
+    </p:spTree>
+    <p:extLst>
+      <p:ext uri="{BB962C8B-B14F-4D97-AF65-F5344CB8AC3E}">
+        <p14:creationId xmlns:p14="http://schemas.microsoft.com/office/powerpoint/2010/main" val="935880193"/>
+      </p:ext>
+    </p:extLst>
+  </p:cSld>
+  <p:clrMapOvr>
+    <a:masterClrMapping/>
+  </p:clrMapOvr>
+</p:sld>
+</file>
+
+<file path=ppt/slides/slide7.xml><?xml version="1.0" encoding="utf-8"?>
+<p:sld xmlns:a="http://schemas.openxmlformats.org/drawingml/2006/main" xmlns:r="http://schemas.openxmlformats.org/officeDocument/2006/relationships" xmlns:p="http://schemas.openxmlformats.org/presentationml/2006/main">
+  <p:cSld>
+    <p:spTree>
+      <p:nvGrpSpPr>
+        <p:cNvPr id="1" name=""/>
+        <p:cNvGrpSpPr/>
+        <p:nvPr/>
+      </p:nvGrpSpPr>
+      <p:grpSpPr>
+        <a:xfrm>
+          <a:off x="0" y="0"/>
+          <a:ext cx="0" cy="0"/>
+          <a:chOff x="0" y="0"/>
+          <a:chExt cx="0" cy="0"/>
+        </a:xfrm>
+      </p:grpSpPr>
+      <p:sp>
+        <p:nvSpPr>
+          <p:cNvPr id="2" name="Title 1">
+            <a:extLst>
+              <a:ext uri="{FF2B5EF4-FFF2-40B4-BE49-F238E27FC236}">
                 <a16:creationId xmlns:a16="http://schemas.microsoft.com/office/drawing/2014/main" id="{29F9C024-232F-1F60-3B4A-12E3BD0A8AE2}"/>
               </a:ext>
             </a:extLst>
@@ -9069,7 +9315,7 @@
           <a:p>
             <a:r>
               <a:rPr lang="en-US" sz="2400" dirty="0"/>
-              <a:t>Deployment of baseline model</a:t>
+              <a:t>Deployment of linear regression model</a:t>
             </a:r>
           </a:p>
           <a:p>
@@ -9135,7 +9381,7 @@
 </p:sld>
 </file>
 
-<file path=ppt/slides/slide7.xml><?xml version="1.0" encoding="utf-8"?>
+<file path=ppt/slides/slide8.xml><?xml version="1.0" encoding="utf-8"?>
 <p:sld xmlns:a="http://schemas.openxmlformats.org/drawingml/2006/main" xmlns:r="http://schemas.openxmlformats.org/officeDocument/2006/relationships" xmlns:p="http://schemas.openxmlformats.org/presentationml/2006/main">
   <p:cSld>
     <p:spTree>

--- a/Presentation1.pptx
+++ b/Presentation1.pptx
@@ -307,7 +307,7 @@
           <a:p>
             <a:fld id="{25EF3B13-7E36-4CB1-A31A-4FE272CD73E2}" type="datetimeFigureOut">
               <a:rPr lang="en-US" smtClean="0"/>
-              <a:t>11/1/2023</a:t>
+              <a:t>11/28/2023</a:t>
             </a:fld>
             <a:endParaRPr lang="en-US"/>
           </a:p>
@@ -645,7 +645,7 @@
           <a:p>
             <a:fld id="{25EF3B13-7E36-4CB1-A31A-4FE272CD73E2}" type="datetimeFigureOut">
               <a:rPr lang="en-US" smtClean="0"/>
-              <a:t>11/1/2023</a:t>
+              <a:t>11/28/2023</a:t>
             </a:fld>
             <a:endParaRPr lang="en-US"/>
           </a:p>
@@ -1046,7 +1046,7 @@
           <a:p>
             <a:fld id="{25EF3B13-7E36-4CB1-A31A-4FE272CD73E2}" type="datetimeFigureOut">
               <a:rPr lang="en-US" smtClean="0"/>
-              <a:t>11/1/2023</a:t>
+              <a:t>11/28/2023</a:t>
             </a:fld>
             <a:endParaRPr lang="en-US"/>
           </a:p>
@@ -1382,7 +1382,7 @@
           <a:p>
             <a:fld id="{25EF3B13-7E36-4CB1-A31A-4FE272CD73E2}" type="datetimeFigureOut">
               <a:rPr lang="en-US" smtClean="0"/>
-              <a:t>11/1/2023</a:t>
+              <a:t>11/28/2023</a:t>
             </a:fld>
             <a:endParaRPr lang="en-US"/>
           </a:p>
@@ -1702,7 +1702,7 @@
           <a:p>
             <a:fld id="{25EF3B13-7E36-4CB1-A31A-4FE272CD73E2}" type="datetimeFigureOut">
               <a:rPr lang="en-US" smtClean="0"/>
-              <a:t>11/1/2023</a:t>
+              <a:t>11/28/2023</a:t>
             </a:fld>
             <a:endParaRPr lang="en-US"/>
           </a:p>
@@ -2098,7 +2098,7 @@
           <a:p>
             <a:fld id="{25EF3B13-7E36-4CB1-A31A-4FE272CD73E2}" type="datetimeFigureOut">
               <a:rPr lang="en-US" smtClean="0"/>
-              <a:t>11/1/2023</a:t>
+              <a:t>11/28/2023</a:t>
             </a:fld>
             <a:endParaRPr lang="en-US"/>
           </a:p>
@@ -2355,7 +2355,7 @@
           <a:p>
             <a:fld id="{25EF3B13-7E36-4CB1-A31A-4FE272CD73E2}" type="datetimeFigureOut">
               <a:rPr lang="en-US" smtClean="0"/>
-              <a:t>11/1/2023</a:t>
+              <a:t>11/28/2023</a:t>
             </a:fld>
             <a:endParaRPr lang="en-US"/>
           </a:p>
@@ -2617,7 +2617,7 @@
           <a:p>
             <a:fld id="{25EF3B13-7E36-4CB1-A31A-4FE272CD73E2}" type="datetimeFigureOut">
               <a:rPr lang="en-US" smtClean="0"/>
-              <a:t>11/1/2023</a:t>
+              <a:t>11/28/2023</a:t>
             </a:fld>
             <a:endParaRPr lang="en-US"/>
           </a:p>
@@ -2879,7 +2879,7 @@
           <a:p>
             <a:fld id="{25EF3B13-7E36-4CB1-A31A-4FE272CD73E2}" type="datetimeFigureOut">
               <a:rPr lang="en-US" smtClean="0"/>
-              <a:t>11/1/2023</a:t>
+              <a:t>11/28/2023</a:t>
             </a:fld>
             <a:endParaRPr lang="en-US"/>
           </a:p>
@@ -3208,7 +3208,7 @@
           <a:p>
             <a:fld id="{25EF3B13-7E36-4CB1-A31A-4FE272CD73E2}" type="datetimeFigureOut">
               <a:rPr lang="en-US" smtClean="0"/>
-              <a:t>11/1/2023</a:t>
+              <a:t>11/28/2023</a:t>
             </a:fld>
             <a:endParaRPr lang="en-US"/>
           </a:p>
@@ -3531,7 +3531,7 @@
           <a:p>
             <a:fld id="{25EF3B13-7E36-4CB1-A31A-4FE272CD73E2}" type="datetimeFigureOut">
               <a:rPr lang="en-US" smtClean="0"/>
-              <a:t>11/1/2023</a:t>
+              <a:t>11/28/2023</a:t>
             </a:fld>
             <a:endParaRPr lang="en-US"/>
           </a:p>
@@ -3988,7 +3988,7 @@
           <a:p>
             <a:fld id="{25EF3B13-7E36-4CB1-A31A-4FE272CD73E2}" type="datetimeFigureOut">
               <a:rPr lang="en-US" smtClean="0"/>
-              <a:t>11/1/2023</a:t>
+              <a:t>11/28/2023</a:t>
             </a:fld>
             <a:endParaRPr lang="en-US"/>
           </a:p>
@@ -4193,7 +4193,7 @@
           <a:p>
             <a:fld id="{25EF3B13-7E36-4CB1-A31A-4FE272CD73E2}" type="datetimeFigureOut">
               <a:rPr lang="en-US" smtClean="0"/>
-              <a:t>11/1/2023</a:t>
+              <a:t>11/28/2023</a:t>
             </a:fld>
             <a:endParaRPr lang="en-US"/>
           </a:p>
@@ -4370,7 +4370,7 @@
           <a:p>
             <a:fld id="{25EF3B13-7E36-4CB1-A31A-4FE272CD73E2}" type="datetimeFigureOut">
               <a:rPr lang="en-US" smtClean="0"/>
-              <a:t>11/1/2023</a:t>
+              <a:t>11/28/2023</a:t>
             </a:fld>
             <a:endParaRPr lang="en-US"/>
           </a:p>
@@ -4703,7 +4703,7 @@
           <a:p>
             <a:fld id="{25EF3B13-7E36-4CB1-A31A-4FE272CD73E2}" type="datetimeFigureOut">
               <a:rPr lang="en-US" smtClean="0"/>
-              <a:t>11/1/2023</a:t>
+              <a:t>11/28/2023</a:t>
             </a:fld>
             <a:endParaRPr lang="en-US"/>
           </a:p>
@@ -5048,7 +5048,7 @@
           <a:p>
             <a:fld id="{25EF3B13-7E36-4CB1-A31A-4FE272CD73E2}" type="datetimeFigureOut">
               <a:rPr lang="en-US" smtClean="0"/>
-              <a:t>11/1/2023</a:t>
+              <a:t>11/28/2023</a:t>
             </a:fld>
             <a:endParaRPr lang="en-US"/>
           </a:p>
@@ -7165,7 +7165,7 @@
           <a:p>
             <a:fld id="{25EF3B13-7E36-4CB1-A31A-4FE272CD73E2}" type="datetimeFigureOut">
               <a:rPr lang="en-US" smtClean="0"/>
-              <a:t>11/1/2023</a:t>
+              <a:t>11/28/2023</a:t>
             </a:fld>
             <a:endParaRPr lang="en-US"/>
           </a:p>
@@ -8083,6 +8083,76 @@
           </a:prstGeom>
         </p:spPr>
       </p:pic>
+      <p:sp>
+        <p:nvSpPr>
+          <p:cNvPr id="4" name="TextBox 3">
+            <a:extLst>
+              <a:ext uri="{FF2B5EF4-FFF2-40B4-BE49-F238E27FC236}">
+                <a16:creationId xmlns:a16="http://schemas.microsoft.com/office/drawing/2014/main" id="{3D74542F-1E8E-F9B3-C01B-3C97C0B6DE72}"/>
+              </a:ext>
+            </a:extLst>
+          </p:cNvPr>
+          <p:cNvSpPr txBox="1"/>
+          <p:nvPr/>
+        </p:nvSpPr>
+        <p:spPr>
+          <a:xfrm>
+            <a:off x="8201029" y="2363932"/>
+            <a:ext cx="2156108" cy="369332"/>
+          </a:xfrm>
+          <a:prstGeom prst="rect">
+            <a:avLst/>
+          </a:prstGeom>
+          <a:noFill/>
+        </p:spPr>
+        <p:txBody>
+          <a:bodyPr wrap="square" rtlCol="0">
+            <a:spAutoFit/>
+          </a:bodyPr>
+          <a:lstStyle/>
+          <a:p>
+            <a:r>
+              <a:rPr lang="en-US" dirty="0"/>
+              <a:t>Patient ratings</a:t>
+            </a:r>
+          </a:p>
+        </p:txBody>
+      </p:sp>
+      <p:sp>
+        <p:nvSpPr>
+          <p:cNvPr id="5" name="TextBox 4">
+            <a:extLst>
+              <a:ext uri="{FF2B5EF4-FFF2-40B4-BE49-F238E27FC236}">
+                <a16:creationId xmlns:a16="http://schemas.microsoft.com/office/drawing/2014/main" id="{F35785AF-1F06-FF35-8D93-B131733217CE}"/>
+              </a:ext>
+            </a:extLst>
+          </p:cNvPr>
+          <p:cNvSpPr txBox="1"/>
+          <p:nvPr/>
+        </p:nvSpPr>
+        <p:spPr>
+          <a:xfrm>
+            <a:off x="6355081" y="3851392"/>
+            <a:ext cx="1005840" cy="594814"/>
+          </a:xfrm>
+          <a:prstGeom prst="rect">
+            <a:avLst/>
+          </a:prstGeom>
+          <a:noFill/>
+        </p:spPr>
+        <p:txBody>
+          <a:bodyPr wrap="square" rtlCol="0">
+            <a:spAutoFit/>
+          </a:bodyPr>
+          <a:lstStyle/>
+          <a:p>
+            <a:r>
+              <a:rPr lang="en-US" dirty="0"/>
+              <a:t>count</a:t>
+            </a:r>
+          </a:p>
+        </p:txBody>
+      </p:sp>
     </p:spTree>
     <p:extLst>
       <p:ext uri="{BB962C8B-B14F-4D97-AF65-F5344CB8AC3E}">
